--- a/doc/状态报告 2017-2-27.pptx
+++ b/doc/状态报告 2017-2-27.pptx
@@ -5,17 +5,22 @@
     <p:sldMasterId id="2147483660" r:id="rId2"/>
   </p:sldMasterIdLst>
   <p:notesMasterIdLst>
-    <p:notesMasterId r:id="rId11"/>
+    <p:notesMasterId r:id="rId13"/>
   </p:notesMasterIdLst>
+  <p:handoutMasterIdLst>
+    <p:handoutMasterId r:id="rId14"/>
+  </p:handoutMasterIdLst>
   <p:sldIdLst>
     <p:sldId id="256" r:id="rId3"/>
     <p:sldId id="262" r:id="rId4"/>
     <p:sldId id="264" r:id="rId5"/>
     <p:sldId id="265" r:id="rId6"/>
-    <p:sldId id="266" r:id="rId7"/>
-    <p:sldId id="267" r:id="rId8"/>
-    <p:sldId id="268" r:id="rId9"/>
-    <p:sldId id="263" r:id="rId10"/>
+    <p:sldId id="269" r:id="rId7"/>
+    <p:sldId id="266" r:id="rId8"/>
+    <p:sldId id="267" r:id="rId9"/>
+    <p:sldId id="268" r:id="rId10"/>
+    <p:sldId id="270" r:id="rId11"/>
+    <p:sldId id="263" r:id="rId12"/>
   </p:sldIdLst>
   <p:sldSz cx="12192000" cy="6858000"/>
   <p:notesSz cx="6858000" cy="9144000"/>
@@ -127,9 +132,11 @@
             <p14:sldId id="262"/>
             <p14:sldId id="264"/>
             <p14:sldId id="265"/>
+            <p14:sldId id="269"/>
             <p14:sldId id="266"/>
             <p14:sldId id="267"/>
             <p14:sldId id="268"/>
+            <p14:sldId id="270"/>
           </p14:sldIdLst>
         </p14:section>
         <p14:section name="了解更多" id="{2CC34DB2-6590-42C0-AD4B-A04C6060184E}">
@@ -161,6 +168,171 @@
 <p:cmAuthorLst xmlns:a="http://schemas.openxmlformats.org/drawingml/2006/main" xmlns:r="http://schemas.openxmlformats.org/officeDocument/2006/relationships" xmlns:p="http://schemas.openxmlformats.org/presentationml/2006/main">
   <p:cmAuthor id="2" name="作者" initials="A" lastIdx="0" clrIdx="2"/>
 </p:cmAuthorLst>
+</file>
+
+<file path=ppt/handoutMasters/handoutMaster1.xml><?xml version="1.0" encoding="utf-8"?>
+<p:handoutMaster xmlns:a="http://schemas.openxmlformats.org/drawingml/2006/main" xmlns:r="http://schemas.openxmlformats.org/officeDocument/2006/relationships" xmlns:p="http://schemas.openxmlformats.org/presentationml/2006/main">
+  <p:cSld>
+    <p:bg>
+      <p:bgRef idx="1001">
+        <a:schemeClr val="bg1"/>
+      </p:bgRef>
+    </p:bg>
+    <p:spTree>
+      <p:nvGrpSpPr>
+        <p:cNvPr id="1" name=""/>
+        <p:cNvGrpSpPr/>
+        <p:nvPr/>
+      </p:nvGrpSpPr>
+      <p:grpSpPr>
+        <a:xfrm>
+          <a:off x="0" y="0"/>
+          <a:ext cx="0" cy="0"/>
+          <a:chOff x="0" y="0"/>
+          <a:chExt cx="0" cy="0"/>
+        </a:xfrm>
+      </p:grpSpPr>
+      <p:sp>
+        <p:nvSpPr>
+          <p:cNvPr id="2" name="页眉占位符 1"/>
+          <p:cNvSpPr>
+            <a:spLocks noGrp="1"/>
+          </p:cNvSpPr>
+          <p:nvPr>
+            <p:ph type="hdr" sz="quarter"/>
+          </p:nvPr>
+        </p:nvSpPr>
+        <p:spPr>
+          <a:xfrm>
+            <a:off x="0" y="0"/>
+            <a:ext cx="2971800" cy="458788"/>
+          </a:xfrm>
+          <a:prstGeom prst="rect">
+            <a:avLst/>
+          </a:prstGeom>
+        </p:spPr>
+        <p:txBody>
+          <a:bodyPr vert="horz" lIns="91440" tIns="45720" rIns="91440" bIns="45720" rtlCol="0"/>
+          <a:lstStyle>
+            <a:lvl1pPr algn="l">
+              <a:defRPr sz="1200"/>
+            </a:lvl1pPr>
+          </a:lstStyle>
+          <a:p>
+            <a:endParaRPr lang="zh-CN" altLang="en-US"/>
+          </a:p>
+        </p:txBody>
+      </p:sp>
+      <p:sp>
+        <p:nvSpPr>
+          <p:cNvPr id="3" name="日期占位符 2"/>
+          <p:cNvSpPr>
+            <a:spLocks noGrp="1"/>
+          </p:cNvSpPr>
+          <p:nvPr>
+            <p:ph type="dt" sz="quarter" idx="1"/>
+          </p:nvPr>
+        </p:nvSpPr>
+        <p:spPr>
+          <a:xfrm>
+            <a:off x="3884613" y="0"/>
+            <a:ext cx="2971800" cy="458788"/>
+          </a:xfrm>
+          <a:prstGeom prst="rect">
+            <a:avLst/>
+          </a:prstGeom>
+        </p:spPr>
+        <p:txBody>
+          <a:bodyPr vert="horz" lIns="91440" tIns="45720" rIns="91440" bIns="45720" rtlCol="0"/>
+          <a:lstStyle>
+            <a:lvl1pPr algn="r">
+              <a:defRPr sz="1200"/>
+            </a:lvl1pPr>
+          </a:lstStyle>
+          <a:p>
+            <a:fld id="{29B492E7-68E3-4B7D-BE2B-78DBE70AEB71}" type="datetimeFigureOut">
+              <a:rPr lang="zh-CN" altLang="en-US" smtClean="0"/>
+              <a:t>2017/2/27</a:t>
+            </a:fld>
+            <a:endParaRPr lang="zh-CN" altLang="en-US"/>
+          </a:p>
+        </p:txBody>
+      </p:sp>
+      <p:sp>
+        <p:nvSpPr>
+          <p:cNvPr id="4" name="页脚占位符 3"/>
+          <p:cNvSpPr>
+            <a:spLocks noGrp="1"/>
+          </p:cNvSpPr>
+          <p:nvPr>
+            <p:ph type="ftr" sz="quarter" idx="2"/>
+          </p:nvPr>
+        </p:nvSpPr>
+        <p:spPr>
+          <a:xfrm>
+            <a:off x="0" y="8685213"/>
+            <a:ext cx="2971800" cy="458787"/>
+          </a:xfrm>
+          <a:prstGeom prst="rect">
+            <a:avLst/>
+          </a:prstGeom>
+        </p:spPr>
+        <p:txBody>
+          <a:bodyPr vert="horz" lIns="91440" tIns="45720" rIns="91440" bIns="45720" rtlCol="0" anchor="b"/>
+          <a:lstStyle>
+            <a:lvl1pPr algn="l">
+              <a:defRPr sz="1200"/>
+            </a:lvl1pPr>
+          </a:lstStyle>
+          <a:p>
+            <a:endParaRPr lang="zh-CN" altLang="en-US"/>
+          </a:p>
+        </p:txBody>
+      </p:sp>
+      <p:sp>
+        <p:nvSpPr>
+          <p:cNvPr id="5" name="灯片编号占位符 4"/>
+          <p:cNvSpPr>
+            <a:spLocks noGrp="1"/>
+          </p:cNvSpPr>
+          <p:nvPr>
+            <p:ph type="sldNum" sz="quarter" idx="3"/>
+          </p:nvPr>
+        </p:nvSpPr>
+        <p:spPr>
+          <a:xfrm>
+            <a:off x="3884613" y="8685213"/>
+            <a:ext cx="2971800" cy="458787"/>
+          </a:xfrm>
+          <a:prstGeom prst="rect">
+            <a:avLst/>
+          </a:prstGeom>
+        </p:spPr>
+        <p:txBody>
+          <a:bodyPr vert="horz" lIns="91440" tIns="45720" rIns="91440" bIns="45720" rtlCol="0" anchor="b"/>
+          <a:lstStyle>
+            <a:lvl1pPr algn="r">
+              <a:defRPr sz="1200"/>
+            </a:lvl1pPr>
+          </a:lstStyle>
+          <a:p>
+            <a:fld id="{DEBC2689-32FC-4520-815A-AACF67C2D276}" type="slidenum">
+              <a:rPr lang="zh-CN" altLang="en-US" smtClean="0"/>
+              <a:t>‹#›</a:t>
+            </a:fld>
+            <a:endParaRPr lang="zh-CN" altLang="en-US"/>
+          </a:p>
+        </p:txBody>
+      </p:sp>
+    </p:spTree>
+    <p:extLst>
+      <p:ext uri="{BB962C8B-B14F-4D97-AF65-F5344CB8AC3E}">
+        <p14:creationId xmlns:p14="http://schemas.microsoft.com/office/powerpoint/2010/main" val="1745205415"/>
+      </p:ext>
+    </p:extLst>
+  </p:cSld>
+  <p:clrMap bg1="lt1" tx1="dk1" bg2="lt2" tx2="dk2" accent1="accent1" accent2="accent2" accent3="accent3" accent4="accent4" accent5="accent5" accent6="accent6" hlink="hlink" folHlink="folHlink"/>
+</p:handoutMaster>
 </file>
 
 <file path=ppt/notesMasters/notesMaster1.xml><?xml version="1.0" encoding="utf-8"?>
@@ -677,7 +849,7 @@
           <a:p>
             <a:fld id="{DF61EA0F-A667-4B49-8422-0062BC55E249}" type="slidenum">
               <a:rPr lang="en-US" altLang="zh-CN" smtClean="0"/>
-              <a:t>8</a:t>
+              <a:t>10</a:t>
             </a:fld>
             <a:endParaRPr lang="zh-CN"/>
           </a:p>
@@ -4817,6 +4989,20 @@
 <file path=ppt/slides/slide1.xml><?xml version="1.0" encoding="utf-8"?>
 <p:sld xmlns:a="http://schemas.openxmlformats.org/drawingml/2006/main" xmlns:r="http://schemas.openxmlformats.org/officeDocument/2006/relationships" xmlns:p="http://schemas.openxmlformats.org/presentationml/2006/main">
   <p:cSld>
+    <p:bg>
+      <p:bgPr>
+        <a:blipFill dpi="0" rotWithShape="1">
+          <a:blip r:embed="rId3">
+            <a:lum/>
+          </a:blip>
+          <a:srcRect/>
+          <a:stretch>
+            <a:fillRect/>
+          </a:stretch>
+        </a:blipFill>
+        <a:effectLst/>
+      </p:bgPr>
+    </p:bg>
     <p:spTree>
       <p:nvGrpSpPr>
         <p:cNvPr id="1" name=""/>
@@ -4838,7 +5024,7 @@
             <a:spLocks noGrp="1"/>
           </p:cNvSpPr>
           <p:nvPr>
-            <p:ph type="ctrTitle"/>
+            <p:ph type="title"/>
           </p:nvPr>
         </p:nvSpPr>
         <p:spPr/>
@@ -4848,6 +5034,9 @@
           <a:p>
             <a:r>
               <a:rPr lang="zh-CN" altLang="en-US" dirty="0" smtClean="0">
+                <a:solidFill>
+                  <a:schemeClr val="bg1"/>
+                </a:solidFill>
                 <a:latin typeface="Microsoft YaHei UI" panose="020B0503020204020204" pitchFamily="34" charset="-122"/>
                 <a:ea typeface="Microsoft YaHei UI" panose="020B0503020204020204" pitchFamily="34" charset="-122"/>
               </a:rPr>
@@ -4855,12 +5044,18 @@
             </a:r>
             <a:r>
               <a:rPr lang="en-US" altLang="zh-CN" dirty="0" smtClean="0">
+                <a:solidFill>
+                  <a:schemeClr val="bg1"/>
+                </a:solidFill>
                 <a:latin typeface="Microsoft YaHei UI" panose="020B0503020204020204" pitchFamily="34" charset="-122"/>
                 <a:ea typeface="Microsoft YaHei UI" panose="020B0503020204020204" pitchFamily="34" charset="-122"/>
               </a:rPr>
               <a:t>2017-2-27</a:t>
             </a:r>
             <a:endParaRPr lang="zh-CN" dirty="0">
+              <a:solidFill>
+                <a:schemeClr val="bg1"/>
+              </a:solidFill>
               <a:latin typeface="Microsoft YaHei UI" panose="020B0503020204020204" pitchFamily="34" charset="-122"/>
               <a:ea typeface="Microsoft YaHei UI" panose="020B0503020204020204" pitchFamily="34" charset="-122"/>
             </a:endParaRPr>
@@ -4874,7 +5069,7 @@
             <a:spLocks noGrp="1"/>
           </p:cNvSpPr>
           <p:nvPr>
-            <p:ph type="subTitle" idx="1"/>
+            <p:ph idx="1"/>
           </p:nvPr>
         </p:nvSpPr>
         <p:spPr/>
@@ -4885,12 +5080,85 @@
           <a:lstStyle/>
           <a:p>
             <a:r>
-              <a:rPr lang="zh-CN" dirty="0">
+              <a:rPr lang="zh-CN" altLang="en-US" dirty="0" smtClean="0">
+                <a:solidFill>
+                  <a:schemeClr val="accent6">
+                    <a:lumMod val="50000"/>
+                  </a:schemeClr>
+                </a:solidFill>
                 <a:latin typeface="Microsoft YaHei UI" panose="020B0503020204020204" pitchFamily="34" charset="-122"/>
                 <a:ea typeface="Microsoft YaHei UI" panose="020B0503020204020204" pitchFamily="34" charset="-122"/>
               </a:rPr>
-              <a:t>轻松自信地设计和交付精美的演示文稿。</a:t>
-            </a:r>
+              <a:t>自</a:t>
+            </a:r>
+            <a:r>
+              <a:rPr lang="en-US" altLang="zh-CN" dirty="0" smtClean="0">
+                <a:solidFill>
+                  <a:schemeClr val="accent6">
+                    <a:lumMod val="50000"/>
+                  </a:schemeClr>
+                </a:solidFill>
+                <a:latin typeface="Microsoft YaHei UI" panose="020B0503020204020204" pitchFamily="34" charset="-122"/>
+                <a:ea typeface="Microsoft YaHei UI" panose="020B0503020204020204" pitchFamily="34" charset="-122"/>
+              </a:rPr>
+              <a:t>《</a:t>
+            </a:r>
+            <a:r>
+              <a:rPr lang="zh-CN" altLang="en-US" b="1" dirty="0">
+                <a:solidFill>
+                  <a:schemeClr val="accent6">
+                    <a:lumMod val="50000"/>
+                  </a:schemeClr>
+                </a:solidFill>
+              </a:rPr>
+              <a:t>一个人，也要象一个团队一样</a:t>
+            </a:r>
+            <a:r>
+              <a:rPr lang="zh-CN" altLang="en-US" b="1" dirty="0" smtClean="0">
+                <a:solidFill>
+                  <a:schemeClr val="accent6">
+                    <a:lumMod val="50000"/>
+                  </a:schemeClr>
+                </a:solidFill>
+              </a:rPr>
+              <a:t>战斗</a:t>
+            </a:r>
+            <a:r>
+              <a:rPr lang="en-US" altLang="zh-CN" b="1" dirty="0" smtClean="0">
+                <a:solidFill>
+                  <a:schemeClr val="accent6">
+                    <a:lumMod val="50000"/>
+                  </a:schemeClr>
+                </a:solidFill>
+              </a:rPr>
+              <a:t>》</a:t>
+            </a:r>
+            <a:r>
+              <a:rPr lang="zh-CN" altLang="en-US" b="1" dirty="0" smtClean="0">
+                <a:solidFill>
+                  <a:schemeClr val="accent6">
+                    <a:lumMod val="50000"/>
+                  </a:schemeClr>
+                </a:solidFill>
+              </a:rPr>
+              <a:t>（</a:t>
+            </a:r>
+            <a:r>
+              <a:rPr lang="zh-CN" altLang="en-US" b="1" dirty="0">
+                <a:solidFill>
+                  <a:schemeClr val="accent6">
+                    <a:lumMod val="50000"/>
+                  </a:schemeClr>
+                </a:solidFill>
+              </a:rPr>
+              <a:t>刚哥说文化之刚哥说情怀）</a:t>
+            </a:r>
+          </a:p>
+          <a:p>
+            <a:endParaRPr lang="zh-CN" dirty="0">
+              <a:latin typeface="Microsoft YaHei UI" panose="020B0503020204020204" pitchFamily="34" charset="-122"/>
+              <a:ea typeface="Microsoft YaHei UI" panose="020B0503020204020204" pitchFamily="34" charset="-122"/>
+            </a:endParaRPr>
           </a:p>
         </p:txBody>
       </p:sp>
@@ -4914,1303 +5182,7 @@
 </p:sld>
 </file>
 
-<file path=ppt/slides/slide2.xml><?xml version="1.0" encoding="utf-8"?>
-<p:sld xmlns:a="http://schemas.openxmlformats.org/drawingml/2006/main" xmlns:r="http://schemas.openxmlformats.org/officeDocument/2006/relationships" xmlns:p="http://schemas.openxmlformats.org/presentationml/2006/main">
-  <p:cSld>
-    <p:spTree>
-      <p:nvGrpSpPr>
-        <p:cNvPr id="1" name=""/>
-        <p:cNvGrpSpPr/>
-        <p:nvPr/>
-      </p:nvGrpSpPr>
-      <p:grpSpPr>
-        <a:xfrm>
-          <a:off x="0" y="0"/>
-          <a:ext cx="0" cy="0"/>
-          <a:chOff x="0" y="0"/>
-          <a:chExt cx="0" cy="0"/>
-        </a:xfrm>
-      </p:grpSpPr>
-      <p:sp>
-        <p:nvSpPr>
-          <p:cNvPr id="2" name="标题 1"/>
-          <p:cNvSpPr>
-            <a:spLocks noGrp="1"/>
-          </p:cNvSpPr>
-          <p:nvPr>
-            <p:ph type="title"/>
-          </p:nvPr>
-        </p:nvSpPr>
-        <p:spPr/>
-        <p:txBody>
-          <a:bodyPr/>
-          <a:lstStyle/>
-          <a:p>
-            <a:r>
-              <a:rPr lang="zh-CN" altLang="en-US" dirty="0" smtClean="0"/>
-              <a:t>客观信息</a:t>
-            </a:r>
-            <a:endParaRPr lang="zh-CN" dirty="0">
-              <a:latin typeface="Microsoft YaHei UI" panose="020B0503020204020204" pitchFamily="34" charset="-122"/>
-              <a:ea typeface="Microsoft YaHei UI" panose="020B0503020204020204" pitchFamily="34" charset="-122"/>
-            </a:endParaRPr>
-          </a:p>
-        </p:txBody>
-      </p:sp>
-      <p:sp>
-        <p:nvSpPr>
-          <p:cNvPr id="3" name="内容占位符 2"/>
-          <p:cNvSpPr>
-            <a:spLocks noGrp="1"/>
-          </p:cNvSpPr>
-          <p:nvPr>
-            <p:ph idx="1"/>
-          </p:nvPr>
-        </p:nvSpPr>
-        <p:spPr>
-          <a:xfrm>
-            <a:off x="838199" y="1825624"/>
-            <a:ext cx="10173237" cy="4447761"/>
-          </a:xfrm>
-        </p:spPr>
-        <p:txBody>
-          <a:bodyPr>
-            <a:normAutofit/>
-          </a:bodyPr>
-          <a:lstStyle/>
-          <a:p>
-            <a:r>
-              <a:rPr lang="zh-CN" altLang="en-US" dirty="0" smtClean="0"/>
-              <a:t>时间：</a:t>
-            </a:r>
-            <a:r>
-              <a:rPr lang="en-US" altLang="zh-CN" dirty="0" smtClean="0"/>
-              <a:t>2016-11-21 </a:t>
-            </a:r>
-            <a:r>
-              <a:rPr lang="zh-CN" altLang="en-US" dirty="0" smtClean="0"/>
-              <a:t>到 </a:t>
-            </a:r>
-            <a:r>
-              <a:rPr lang="en-US" altLang="zh-CN" dirty="0" smtClean="0"/>
-              <a:t>2017-2-27 </a:t>
-            </a:r>
-            <a:r>
-              <a:rPr lang="zh-CN" altLang="en-US" dirty="0"/>
-              <a:t> </a:t>
-            </a:r>
-            <a:r>
-              <a:rPr lang="zh-CN" altLang="en-US" dirty="0" smtClean="0"/>
-              <a:t>（</a:t>
-            </a:r>
-            <a:r>
-              <a:rPr lang="en-US" altLang="zh-CN" dirty="0" smtClean="0"/>
-              <a:t>67</a:t>
-            </a:r>
-            <a:r>
-              <a:rPr lang="zh-CN" altLang="en-US" dirty="0" smtClean="0"/>
-              <a:t>人日）</a:t>
-            </a:r>
-            <a:endParaRPr lang="en-US" altLang="zh-CN" dirty="0" smtClean="0"/>
-          </a:p>
-          <a:p>
-            <a:r>
-              <a:rPr lang="zh-CN" altLang="en-US" dirty="0" smtClean="0"/>
-              <a:t>投入人数：</a:t>
-            </a:r>
-            <a:r>
-              <a:rPr lang="en-US" altLang="zh-CN" dirty="0" smtClean="0"/>
-              <a:t>1</a:t>
-            </a:r>
-            <a:r>
-              <a:rPr lang="zh-CN" altLang="en-US" dirty="0" smtClean="0"/>
-              <a:t>人</a:t>
-            </a:r>
-            <a:endParaRPr lang="en-US" altLang="zh-CN" dirty="0" smtClean="0"/>
-          </a:p>
-          <a:p>
-            <a:r>
-              <a:rPr lang="zh-CN" altLang="en-US" dirty="0" smtClean="0"/>
-              <a:t>工作展开方式：以业务理解为驱动</a:t>
-            </a:r>
-            <a:r>
-              <a:rPr lang="zh-CN" altLang="en-US" dirty="0"/>
-              <a:t>，</a:t>
-            </a:r>
-            <a:r>
-              <a:rPr lang="zh-CN" altLang="en-US" dirty="0" smtClean="0"/>
-              <a:t>通过面对面的交流获得业务知识，以邮件的形式让大家了解工作的进展</a:t>
-            </a:r>
-            <a:endParaRPr lang="en-US" altLang="zh-CN" dirty="0" smtClean="0"/>
-          </a:p>
-          <a:p>
-            <a:r>
-              <a:rPr lang="en-US" altLang="zh-CN" dirty="0" err="1" smtClean="0"/>
-              <a:t>Svn</a:t>
-            </a:r>
-            <a:r>
-              <a:rPr lang="zh-CN" altLang="en-US" dirty="0" smtClean="0"/>
-              <a:t>地址：</a:t>
-            </a:r>
-            <a:r>
-              <a:rPr lang="en-US" altLang="zh-CN" dirty="0">
-                <a:hlinkClick r:id="rId2"/>
-              </a:rPr>
-              <a:t>https://</a:t>
-            </a:r>
-            <a:r>
-              <a:rPr lang="en-US" altLang="zh-CN" dirty="0" smtClean="0">
-                <a:hlinkClick r:id="rId2"/>
-              </a:rPr>
-              <a:t>github.com/jdepend/hospital</a:t>
-            </a:r>
-            <a:r>
-              <a:rPr lang="en-US" altLang="zh-CN" dirty="0" smtClean="0"/>
-              <a:t> </a:t>
-            </a:r>
-            <a:r>
-              <a:rPr lang="zh-CN" altLang="en-US" dirty="0" smtClean="0"/>
-              <a:t>（共保存了</a:t>
-            </a:r>
-            <a:r>
-              <a:rPr lang="en-US" altLang="zh-CN" dirty="0" smtClean="0"/>
-              <a:t>14</a:t>
-            </a:r>
-            <a:r>
-              <a:rPr lang="zh-CN" altLang="en-US" dirty="0" smtClean="0"/>
-              <a:t>个快照）</a:t>
-            </a:r>
-            <a:endParaRPr lang="en-US" altLang="zh-CN" dirty="0" smtClean="0"/>
-          </a:p>
-          <a:p>
-            <a:r>
-              <a:rPr lang="zh-CN" altLang="en-US" dirty="0"/>
-              <a:t>成果</a:t>
-            </a:r>
-            <a:r>
-              <a:rPr lang="zh-CN" altLang="en-US" dirty="0" smtClean="0"/>
-              <a:t>物：</a:t>
-            </a:r>
-            <a:endParaRPr lang="en-US" altLang="zh-CN" dirty="0" smtClean="0"/>
-          </a:p>
-          <a:p>
-            <a:r>
-              <a:rPr lang="en-US" altLang="zh-CN" dirty="0"/>
-              <a:t> </a:t>
-            </a:r>
-            <a:r>
-              <a:rPr lang="en-US" altLang="zh-CN" dirty="0" smtClean="0"/>
-              <a:t>        </a:t>
-            </a:r>
-            <a:r>
-              <a:rPr lang="zh-CN" altLang="en-US" dirty="0" smtClean="0"/>
-              <a:t>一份</a:t>
-            </a:r>
-            <a:r>
-              <a:rPr lang="en-US" altLang="zh-CN" dirty="0" smtClean="0"/>
-              <a:t>70</a:t>
-            </a:r>
-            <a:r>
-              <a:rPr lang="zh-CN" altLang="en-US" dirty="0" smtClean="0"/>
-              <a:t>页的</a:t>
-            </a:r>
-            <a:r>
-              <a:rPr lang="en-US" altLang="zh-CN" dirty="0" smtClean="0"/>
-              <a:t>word</a:t>
-            </a:r>
-            <a:r>
-              <a:rPr lang="zh-CN" altLang="en-US" dirty="0" smtClean="0"/>
-              <a:t>文档；一个由业务到设计的模型；</a:t>
-            </a:r>
-            <a:endParaRPr lang="en-US" altLang="zh-CN" dirty="0" smtClean="0"/>
-          </a:p>
-          <a:p>
-            <a:r>
-              <a:rPr lang="en-US" altLang="zh-CN" dirty="0"/>
-              <a:t> </a:t>
-            </a:r>
-            <a:r>
-              <a:rPr lang="en-US" altLang="zh-CN" dirty="0" smtClean="0"/>
-              <a:t>        9369</a:t>
-            </a:r>
-            <a:r>
-              <a:rPr lang="zh-CN" altLang="en-US" dirty="0" smtClean="0"/>
-              <a:t>行代码；</a:t>
-            </a:r>
-            <a:r>
-              <a:rPr lang="en-US" altLang="zh-CN" dirty="0" smtClean="0"/>
-              <a:t>38</a:t>
-            </a:r>
-            <a:r>
-              <a:rPr lang="zh-CN" altLang="en-US" dirty="0" smtClean="0"/>
-              <a:t>张数据库表（</a:t>
-            </a:r>
-            <a:r>
-              <a:rPr lang="en-US" altLang="zh-CN" dirty="0" smtClean="0"/>
-              <a:t>88</a:t>
-            </a:r>
-            <a:r>
-              <a:rPr lang="zh-CN" altLang="en-US" dirty="0" smtClean="0"/>
-              <a:t>个外键）；一组模拟患者住院流程的测试场景；</a:t>
-            </a:r>
-            <a:endParaRPr lang="en-US" altLang="zh-CN" dirty="0" smtClean="0"/>
-          </a:p>
-          <a:p>
-            <a:endParaRPr lang="en-US" altLang="zh-CN" dirty="0" smtClean="0"/>
-          </a:p>
-          <a:p>
-            <a:endParaRPr lang="zh-CN" dirty="0">
-              <a:latin typeface="Microsoft YaHei UI" panose="020B0503020204020204" pitchFamily="34" charset="-122"/>
-              <a:ea typeface="Microsoft YaHei UI" panose="020B0503020204020204" pitchFamily="34" charset="-122"/>
-            </a:endParaRPr>
-          </a:p>
-          <a:p>
-            <a:endParaRPr lang="zh-CN" dirty="0">
-              <a:latin typeface="Microsoft YaHei UI" panose="020B0503020204020204" pitchFamily="34" charset="-122"/>
-              <a:ea typeface="Microsoft YaHei UI" panose="020B0503020204020204" pitchFamily="34" charset="-122"/>
-            </a:endParaRPr>
-          </a:p>
-          <a:p>
-            <a:endParaRPr lang="zh-CN" dirty="0">
-              <a:latin typeface="Microsoft YaHei UI" panose="020B0503020204020204" pitchFamily="34" charset="-122"/>
-              <a:ea typeface="Microsoft YaHei UI" panose="020B0503020204020204" pitchFamily="34" charset="-122"/>
-            </a:endParaRPr>
-          </a:p>
-        </p:txBody>
-      </p:sp>
-    </p:spTree>
-    <p:extLst>
-      <p:ext uri="{BB962C8B-B14F-4D97-AF65-F5344CB8AC3E}">
-        <p14:creationId xmlns:p14="http://schemas.microsoft.com/office/powerpoint/2010/main" val="2090733893"/>
-      </p:ext>
-    </p:extLst>
-  </p:cSld>
-  <p:clrMapOvr>
-    <a:masterClrMapping/>
-  </p:clrMapOvr>
-  <mc:AlternateContent xmlns:mc="http://schemas.openxmlformats.org/markup-compatibility/2006" xmlns:p14="http://schemas.microsoft.com/office/powerpoint/2010/main">
-    <mc:Choice Requires="p14">
-      <p:transition p14:dur="0"/>
-    </mc:Choice>
-    <mc:Fallback xmlns="">
-      <p:transition/>
-    </mc:Fallback>
-  </mc:AlternateContent>
-  <p:timing>
-    <p:tnLst>
-      <p:par>
-        <p:cTn id="1" dur="indefinite" restart="never" nodeType="tmRoot"/>
-      </p:par>
-    </p:tnLst>
-  </p:timing>
-</p:sld>
-</file>
-
-<file path=ppt/slides/slide3.xml><?xml version="1.0" encoding="utf-8"?>
-<p:sld xmlns:a="http://schemas.openxmlformats.org/drawingml/2006/main" xmlns:r="http://schemas.openxmlformats.org/officeDocument/2006/relationships" xmlns:p="http://schemas.openxmlformats.org/presentationml/2006/main">
-  <p:cSld>
-    <p:spTree>
-      <p:nvGrpSpPr>
-        <p:cNvPr id="1" name=""/>
-        <p:cNvGrpSpPr/>
-        <p:nvPr/>
-      </p:nvGrpSpPr>
-      <p:grpSpPr>
-        <a:xfrm>
-          <a:off x="0" y="0"/>
-          <a:ext cx="0" cy="0"/>
-          <a:chOff x="0" y="0"/>
-          <a:chExt cx="0" cy="0"/>
-        </a:xfrm>
-      </p:grpSpPr>
-      <p:sp>
-        <p:nvSpPr>
-          <p:cNvPr id="2" name="标题 1"/>
-          <p:cNvSpPr>
-            <a:spLocks noGrp="1"/>
-          </p:cNvSpPr>
-          <p:nvPr>
-            <p:ph type="title"/>
-          </p:nvPr>
-        </p:nvSpPr>
-        <p:spPr/>
-        <p:txBody>
-          <a:bodyPr/>
-          <a:lstStyle/>
-          <a:p>
-            <a:r>
-              <a:rPr lang="zh-CN" altLang="en-US" dirty="0" smtClean="0"/>
-              <a:t>状态说明</a:t>
-            </a:r>
-            <a:endParaRPr lang="zh-CN" altLang="en-US" dirty="0"/>
-          </a:p>
-        </p:txBody>
-      </p:sp>
-      <p:sp>
-        <p:nvSpPr>
-          <p:cNvPr id="3" name="内容占位符 2"/>
-          <p:cNvSpPr>
-            <a:spLocks noGrp="1"/>
-          </p:cNvSpPr>
-          <p:nvPr>
-            <p:ph idx="1"/>
-          </p:nvPr>
-        </p:nvSpPr>
-        <p:spPr>
-          <a:xfrm>
-            <a:off x="838201" y="1825625"/>
-            <a:ext cx="10147478" cy="4351338"/>
-          </a:xfrm>
-        </p:spPr>
-        <p:txBody>
-          <a:bodyPr/>
-          <a:lstStyle/>
-          <a:p>
-            <a:r>
-              <a:rPr lang="zh-CN" altLang="en-US" dirty="0"/>
-              <a:t>分析</a:t>
-            </a:r>
-            <a:r>
-              <a:rPr lang="zh-CN" altLang="en-US" dirty="0" smtClean="0"/>
-              <a:t>了住院治病业务流程，以医嘱执行为线索覆盖了诊疗科室、药房、收费处、医技、住院处、病案室、医务科等相关科室，形成了业务到设计和代码的初始成果物</a:t>
-            </a:r>
-            <a:endParaRPr lang="en-US" altLang="zh-CN" dirty="0" smtClean="0"/>
-          </a:p>
-          <a:p>
-            <a:endParaRPr lang="zh-CN" altLang="en-US" dirty="0"/>
-          </a:p>
-        </p:txBody>
-      </p:sp>
-      <p:pic>
-        <p:nvPicPr>
-          <p:cNvPr id="4" name="图片 3"/>
-          <p:cNvPicPr>
-            <a:picLocks noChangeAspect="1"/>
-          </p:cNvPicPr>
-          <p:nvPr/>
-        </p:nvPicPr>
-        <p:blipFill>
-          <a:blip r:embed="rId2"/>
-          <a:stretch>
-            <a:fillRect/>
-          </a:stretch>
-        </p:blipFill>
-        <p:spPr>
-          <a:xfrm>
-            <a:off x="466528" y="3349160"/>
-            <a:ext cx="2845051" cy="1859022"/>
-          </a:xfrm>
-          <a:prstGeom prst="rect">
-            <a:avLst/>
-          </a:prstGeom>
-        </p:spPr>
-      </p:pic>
-      <p:pic>
-        <p:nvPicPr>
-          <p:cNvPr id="5" name="图片 4"/>
-          <p:cNvPicPr>
-            <a:picLocks noChangeAspect="1"/>
-          </p:cNvPicPr>
-          <p:nvPr/>
-        </p:nvPicPr>
-        <p:blipFill>
-          <a:blip r:embed="rId3"/>
-          <a:stretch>
-            <a:fillRect/>
-          </a:stretch>
-        </p:blipFill>
-        <p:spPr>
-          <a:xfrm>
-            <a:off x="3412057" y="3091112"/>
-            <a:ext cx="1556261" cy="1454546"/>
-          </a:xfrm>
-          <a:prstGeom prst="rect">
-            <a:avLst/>
-          </a:prstGeom>
-        </p:spPr>
-      </p:pic>
-      <p:pic>
-        <p:nvPicPr>
-          <p:cNvPr id="6" name="图片 5"/>
-          <p:cNvPicPr>
-            <a:picLocks noChangeAspect="1"/>
-          </p:cNvPicPr>
-          <p:nvPr/>
-        </p:nvPicPr>
-        <p:blipFill>
-          <a:blip r:embed="rId4"/>
-          <a:stretch>
-            <a:fillRect/>
-          </a:stretch>
-        </p:blipFill>
-        <p:spPr>
-          <a:xfrm>
-            <a:off x="3473533" y="5028930"/>
-            <a:ext cx="1993906" cy="1255216"/>
-          </a:xfrm>
-          <a:prstGeom prst="rect">
-            <a:avLst/>
-          </a:prstGeom>
-        </p:spPr>
-      </p:pic>
-      <p:pic>
-        <p:nvPicPr>
-          <p:cNvPr id="7" name="图片 6"/>
-          <p:cNvPicPr>
-            <a:picLocks noChangeAspect="1"/>
-          </p:cNvPicPr>
-          <p:nvPr/>
-        </p:nvPicPr>
-        <p:blipFill>
-          <a:blip r:embed="rId5"/>
-          <a:stretch>
-            <a:fillRect/>
-          </a:stretch>
-        </p:blipFill>
-        <p:spPr>
-          <a:xfrm>
-            <a:off x="5339991" y="2675528"/>
-            <a:ext cx="2601088" cy="3740259"/>
-          </a:xfrm>
-          <a:prstGeom prst="rect">
-            <a:avLst/>
-          </a:prstGeom>
-        </p:spPr>
-      </p:pic>
-      <p:pic>
-        <p:nvPicPr>
-          <p:cNvPr id="8" name="图片 7"/>
-          <p:cNvPicPr>
-            <a:picLocks noChangeAspect="1"/>
-          </p:cNvPicPr>
-          <p:nvPr/>
-        </p:nvPicPr>
-        <p:blipFill>
-          <a:blip r:embed="rId6"/>
-          <a:stretch>
-            <a:fillRect/>
-          </a:stretch>
-        </p:blipFill>
-        <p:spPr>
-          <a:xfrm>
-            <a:off x="8213705" y="2816170"/>
-            <a:ext cx="1593832" cy="1627601"/>
-          </a:xfrm>
-          <a:prstGeom prst="rect">
-            <a:avLst/>
-          </a:prstGeom>
-        </p:spPr>
-      </p:pic>
-      <p:pic>
-        <p:nvPicPr>
-          <p:cNvPr id="9" name="图片 8"/>
-          <p:cNvPicPr>
-            <a:picLocks noChangeAspect="1"/>
-          </p:cNvPicPr>
-          <p:nvPr/>
-        </p:nvPicPr>
-        <p:blipFill>
-          <a:blip r:embed="rId7"/>
-          <a:stretch>
-            <a:fillRect/>
-          </a:stretch>
-        </p:blipFill>
-        <p:spPr>
-          <a:xfrm>
-            <a:off x="8030759" y="4710758"/>
-            <a:ext cx="1776778" cy="1361356"/>
-          </a:xfrm>
-          <a:prstGeom prst="rect">
-            <a:avLst/>
-          </a:prstGeom>
-        </p:spPr>
-      </p:pic>
-      <p:pic>
-        <p:nvPicPr>
-          <p:cNvPr id="10" name="图片 9"/>
-          <p:cNvPicPr>
-            <a:picLocks noChangeAspect="1"/>
-          </p:cNvPicPr>
-          <p:nvPr/>
-        </p:nvPicPr>
-        <p:blipFill>
-          <a:blip r:embed="rId8"/>
-          <a:stretch>
-            <a:fillRect/>
-          </a:stretch>
-        </p:blipFill>
-        <p:spPr>
-          <a:xfrm>
-            <a:off x="10319061" y="3474228"/>
-            <a:ext cx="1657143" cy="2142857"/>
-          </a:xfrm>
-          <a:prstGeom prst="rect">
-            <a:avLst/>
-          </a:prstGeom>
-        </p:spPr>
-      </p:pic>
-    </p:spTree>
-    <p:extLst>
-      <p:ext uri="{BB962C8B-B14F-4D97-AF65-F5344CB8AC3E}">
-        <p14:creationId xmlns:p14="http://schemas.microsoft.com/office/powerpoint/2010/main" val="3749622430"/>
-      </p:ext>
-    </p:extLst>
-  </p:cSld>
-  <p:clrMapOvr>
-    <a:masterClrMapping/>
-  </p:clrMapOvr>
-  <p:timing>
-    <p:tnLst>
-      <p:par>
-        <p:cTn id="1" dur="indefinite" restart="never" nodeType="tmRoot"/>
-      </p:par>
-    </p:tnLst>
-  </p:timing>
-</p:sld>
-</file>
-
-<file path=ppt/slides/slide4.xml><?xml version="1.0" encoding="utf-8"?>
-<p:sld xmlns:a="http://schemas.openxmlformats.org/drawingml/2006/main" xmlns:r="http://schemas.openxmlformats.org/officeDocument/2006/relationships" xmlns:p="http://schemas.openxmlformats.org/presentationml/2006/main">
-  <p:cSld>
-    <p:spTree>
-      <p:nvGrpSpPr>
-        <p:cNvPr id="1" name=""/>
-        <p:cNvGrpSpPr/>
-        <p:nvPr/>
-      </p:nvGrpSpPr>
-      <p:grpSpPr>
-        <a:xfrm>
-          <a:off x="0" y="0"/>
-          <a:ext cx="0" cy="0"/>
-          <a:chOff x="0" y="0"/>
-          <a:chExt cx="0" cy="0"/>
-        </a:xfrm>
-      </p:grpSpPr>
-      <p:sp>
-        <p:nvSpPr>
-          <p:cNvPr id="2" name="标题 1"/>
-          <p:cNvSpPr>
-            <a:spLocks noGrp="1"/>
-          </p:cNvSpPr>
-          <p:nvPr>
-            <p:ph type="title"/>
-          </p:nvPr>
-        </p:nvSpPr>
-        <p:spPr/>
-        <p:txBody>
-          <a:bodyPr/>
-          <a:lstStyle/>
-          <a:p>
-            <a:r>
-              <a:rPr lang="zh-CN" altLang="en-US" dirty="0" smtClean="0"/>
-              <a:t>状态说明</a:t>
-            </a:r>
-            <a:endParaRPr lang="zh-CN" altLang="en-US" dirty="0"/>
-          </a:p>
-        </p:txBody>
-      </p:sp>
-      <p:sp>
-        <p:nvSpPr>
-          <p:cNvPr id="3" name="内容占位符 2"/>
-          <p:cNvSpPr>
-            <a:spLocks noGrp="1"/>
-          </p:cNvSpPr>
-          <p:nvPr>
-            <p:ph idx="1"/>
-          </p:nvPr>
-        </p:nvSpPr>
-        <p:spPr>
-          <a:xfrm>
-            <a:off x="838201" y="1825625"/>
-            <a:ext cx="10211872" cy="4351338"/>
-          </a:xfrm>
-        </p:spPr>
-        <p:txBody>
-          <a:bodyPr/>
-          <a:lstStyle/>
-          <a:p>
-            <a:r>
-              <a:rPr lang="zh-CN" altLang="en-US" dirty="0"/>
-              <a:t>形成</a:t>
-            </a:r>
-            <a:r>
-              <a:rPr lang="zh-CN" altLang="en-US" dirty="0" smtClean="0"/>
-              <a:t>了一份初始的工作目标，并对目标做了一次基于价值的分解</a:t>
-            </a:r>
-            <a:endParaRPr lang="zh-CN" altLang="en-US" dirty="0"/>
-          </a:p>
-        </p:txBody>
-      </p:sp>
-      <p:pic>
-        <p:nvPicPr>
-          <p:cNvPr id="5" name="图片 4"/>
-          <p:cNvPicPr>
-            <a:picLocks noChangeAspect="1"/>
-          </p:cNvPicPr>
-          <p:nvPr/>
-        </p:nvPicPr>
-        <p:blipFill>
-          <a:blip r:embed="rId2"/>
-          <a:stretch>
-            <a:fillRect/>
-          </a:stretch>
-        </p:blipFill>
-        <p:spPr>
-          <a:xfrm>
-            <a:off x="3728140" y="2510972"/>
-            <a:ext cx="3563547" cy="4049486"/>
-          </a:xfrm>
-          <a:prstGeom prst="rect">
-            <a:avLst/>
-          </a:prstGeom>
-        </p:spPr>
-      </p:pic>
-      <p:sp>
-        <p:nvSpPr>
-          <p:cNvPr id="6" name="椭圆形标注 5"/>
-          <p:cNvSpPr/>
-          <p:nvPr/>
-        </p:nvSpPr>
-        <p:spPr>
-          <a:xfrm>
-            <a:off x="8318500" y="3327400"/>
-            <a:ext cx="2197100" cy="1425448"/>
-          </a:xfrm>
-          <a:prstGeom prst="wedgeEllipseCallout">
-            <a:avLst/>
-          </a:prstGeom>
-          <a:noFill/>
-        </p:spPr>
-        <p:style>
-          <a:lnRef idx="2">
-            <a:schemeClr val="accent1">
-              <a:shade val="50000"/>
-            </a:schemeClr>
-          </a:lnRef>
-          <a:fillRef idx="1">
-            <a:schemeClr val="accent1"/>
-          </a:fillRef>
-          <a:effectRef idx="0">
-            <a:schemeClr val="accent1"/>
-          </a:effectRef>
-          <a:fontRef idx="minor">
-            <a:schemeClr val="lt1"/>
-          </a:fontRef>
-        </p:style>
-        <p:txBody>
-          <a:bodyPr rtlCol="0" anchor="ctr"/>
-          <a:lstStyle/>
-          <a:p>
-            <a:pPr algn="ctr"/>
-            <a:r>
-              <a:rPr lang="zh-CN" altLang="en-US" dirty="0" smtClean="0">
-                <a:solidFill>
-                  <a:schemeClr val="tx1"/>
-                </a:solidFill>
-              </a:rPr>
-              <a:t>希望工作是经过整体分析并有宏观设计的</a:t>
-            </a:r>
-            <a:endParaRPr lang="zh-CN" altLang="en-US" dirty="0">
-              <a:solidFill>
-                <a:schemeClr val="tx1"/>
-              </a:solidFill>
-            </a:endParaRPr>
-          </a:p>
-        </p:txBody>
-      </p:sp>
-    </p:spTree>
-    <p:extLst>
-      <p:ext uri="{BB962C8B-B14F-4D97-AF65-F5344CB8AC3E}">
-        <p14:creationId xmlns:p14="http://schemas.microsoft.com/office/powerpoint/2010/main" val="3360979877"/>
-      </p:ext>
-    </p:extLst>
-  </p:cSld>
-  <p:clrMapOvr>
-    <a:masterClrMapping/>
-  </p:clrMapOvr>
-  <p:timing>
-    <p:tnLst>
-      <p:par>
-        <p:cTn id="1" dur="indefinite" restart="never" nodeType="tmRoot"/>
-      </p:par>
-    </p:tnLst>
-  </p:timing>
-</p:sld>
-</file>
-
-<file path=ppt/slides/slide5.xml><?xml version="1.0" encoding="utf-8"?>
-<p:sld xmlns:a="http://schemas.openxmlformats.org/drawingml/2006/main" xmlns:r="http://schemas.openxmlformats.org/officeDocument/2006/relationships" xmlns:p="http://schemas.openxmlformats.org/presentationml/2006/main">
-  <p:cSld>
-    <p:spTree>
-      <p:nvGrpSpPr>
-        <p:cNvPr id="1" name=""/>
-        <p:cNvGrpSpPr/>
-        <p:nvPr/>
-      </p:nvGrpSpPr>
-      <p:grpSpPr>
-        <a:xfrm>
-          <a:off x="0" y="0"/>
-          <a:ext cx="0" cy="0"/>
-          <a:chOff x="0" y="0"/>
-          <a:chExt cx="0" cy="0"/>
-        </a:xfrm>
-      </p:grpSpPr>
-      <p:sp>
-        <p:nvSpPr>
-          <p:cNvPr id="2" name="标题 1"/>
-          <p:cNvSpPr>
-            <a:spLocks noGrp="1"/>
-          </p:cNvSpPr>
-          <p:nvPr>
-            <p:ph type="title"/>
-          </p:nvPr>
-        </p:nvSpPr>
-        <p:spPr/>
-        <p:txBody>
-          <a:bodyPr/>
-          <a:lstStyle/>
-          <a:p>
-            <a:r>
-              <a:rPr lang="zh-CN" altLang="en-US" dirty="0" smtClean="0"/>
-              <a:t>状态说明</a:t>
-            </a:r>
-            <a:endParaRPr lang="zh-CN" altLang="en-US" dirty="0"/>
-          </a:p>
-        </p:txBody>
-      </p:sp>
-      <p:sp>
-        <p:nvSpPr>
-          <p:cNvPr id="3" name="内容占位符 2"/>
-          <p:cNvSpPr>
-            <a:spLocks noGrp="1"/>
-          </p:cNvSpPr>
-          <p:nvPr>
-            <p:ph idx="1"/>
-          </p:nvPr>
-        </p:nvSpPr>
-        <p:spPr>
-          <a:xfrm>
-            <a:off x="838201" y="1825625"/>
-            <a:ext cx="10515600" cy="4351338"/>
-          </a:xfrm>
-        </p:spPr>
-        <p:txBody>
-          <a:bodyPr/>
-          <a:lstStyle/>
-          <a:p>
-            <a:r>
-              <a:rPr lang="zh-CN" altLang="en-US" dirty="0" smtClean="0"/>
-              <a:t>基于对业务的理解，设计了通过扩展核心概念（医嘱类型、医嘱</a:t>
-            </a:r>
-            <a:r>
-              <a:rPr lang="zh-CN" altLang="en-US" dirty="0"/>
-              <a:t>执行条目、病历</a:t>
-            </a:r>
-            <a:r>
-              <a:rPr lang="zh-CN" altLang="en-US" dirty="0" smtClean="0"/>
-              <a:t>生成器等）的方式来编写主要业务代码</a:t>
-            </a:r>
-            <a:endParaRPr lang="zh-CN" altLang="en-US" dirty="0"/>
-          </a:p>
-        </p:txBody>
-      </p:sp>
-      <p:pic>
-        <p:nvPicPr>
-          <p:cNvPr id="4" name="图片 3"/>
-          <p:cNvPicPr>
-            <a:picLocks noChangeAspect="1"/>
-          </p:cNvPicPr>
-          <p:nvPr/>
-        </p:nvPicPr>
-        <p:blipFill>
-          <a:blip r:embed="rId2"/>
-          <a:stretch>
-            <a:fillRect/>
-          </a:stretch>
-        </p:blipFill>
-        <p:spPr>
-          <a:xfrm>
-            <a:off x="416512" y="2804281"/>
-            <a:ext cx="3831932" cy="1830652"/>
-          </a:xfrm>
-          <a:prstGeom prst="rect">
-            <a:avLst/>
-          </a:prstGeom>
-        </p:spPr>
-      </p:pic>
-      <p:pic>
-        <p:nvPicPr>
-          <p:cNvPr id="5" name="图片 4"/>
-          <p:cNvPicPr>
-            <a:picLocks noChangeAspect="1"/>
-          </p:cNvPicPr>
-          <p:nvPr/>
-        </p:nvPicPr>
-        <p:blipFill>
-          <a:blip r:embed="rId3"/>
-          <a:stretch>
-            <a:fillRect/>
-          </a:stretch>
-        </p:blipFill>
-        <p:spPr>
-          <a:xfrm>
-            <a:off x="1020117" y="4930556"/>
-            <a:ext cx="2271724" cy="1676531"/>
-          </a:xfrm>
-          <a:prstGeom prst="rect">
-            <a:avLst/>
-          </a:prstGeom>
-        </p:spPr>
-      </p:pic>
-      <p:sp>
-        <p:nvSpPr>
-          <p:cNvPr id="6" name="矩形 5"/>
-          <p:cNvSpPr/>
-          <p:nvPr/>
-        </p:nvSpPr>
-        <p:spPr>
-          <a:xfrm>
-            <a:off x="1288952" y="2870955"/>
-            <a:ext cx="413239" cy="350547"/>
-          </a:xfrm>
-          <a:prstGeom prst="rect">
-            <a:avLst/>
-          </a:prstGeom>
-          <a:noFill/>
-          <a:ln w="25400"/>
-        </p:spPr>
-        <p:style>
-          <a:lnRef idx="2">
-            <a:schemeClr val="accent1">
-              <a:shade val="50000"/>
-            </a:schemeClr>
-          </a:lnRef>
-          <a:fillRef idx="1">
-            <a:schemeClr val="accent1"/>
-          </a:fillRef>
-          <a:effectRef idx="0">
-            <a:schemeClr val="accent1"/>
-          </a:effectRef>
-          <a:fontRef idx="minor">
-            <a:schemeClr val="lt1"/>
-          </a:fontRef>
-        </p:style>
-        <p:txBody>
-          <a:bodyPr rtlCol="0" anchor="ctr"/>
-          <a:lstStyle/>
-          <a:p>
-            <a:pPr algn="ctr"/>
-            <a:endParaRPr lang="zh-CN" altLang="en-US"/>
-          </a:p>
-        </p:txBody>
-      </p:sp>
-      <p:sp>
-        <p:nvSpPr>
-          <p:cNvPr id="7" name="矩形 6"/>
-          <p:cNvSpPr/>
-          <p:nvPr/>
-        </p:nvSpPr>
-        <p:spPr>
-          <a:xfrm>
-            <a:off x="1942396" y="5181350"/>
-            <a:ext cx="435043" cy="310335"/>
-          </a:xfrm>
-          <a:prstGeom prst="rect">
-            <a:avLst/>
-          </a:prstGeom>
-          <a:noFill/>
-          <a:ln w="25400"/>
-        </p:spPr>
-        <p:style>
-          <a:lnRef idx="2">
-            <a:schemeClr val="accent1">
-              <a:shade val="50000"/>
-            </a:schemeClr>
-          </a:lnRef>
-          <a:fillRef idx="1">
-            <a:schemeClr val="accent1"/>
-          </a:fillRef>
-          <a:effectRef idx="0">
-            <a:schemeClr val="accent1"/>
-          </a:effectRef>
-          <a:fontRef idx="minor">
-            <a:schemeClr val="lt1"/>
-          </a:fontRef>
-        </p:style>
-        <p:txBody>
-          <a:bodyPr rtlCol="0" anchor="ctr"/>
-          <a:lstStyle/>
-          <a:p>
-            <a:pPr algn="ctr"/>
-            <a:endParaRPr lang="zh-CN" altLang="en-US"/>
-          </a:p>
-        </p:txBody>
-      </p:sp>
-      <p:pic>
-        <p:nvPicPr>
-          <p:cNvPr id="8" name="图片 7"/>
-          <p:cNvPicPr>
-            <a:picLocks noChangeAspect="1"/>
-          </p:cNvPicPr>
-          <p:nvPr/>
-        </p:nvPicPr>
-        <p:blipFill>
-          <a:blip r:embed="rId4"/>
-          <a:stretch>
-            <a:fillRect/>
-          </a:stretch>
-        </p:blipFill>
-        <p:spPr>
-          <a:xfrm>
-            <a:off x="4473693" y="2732771"/>
-            <a:ext cx="3168582" cy="3330404"/>
-          </a:xfrm>
-          <a:prstGeom prst="rect">
-            <a:avLst/>
-          </a:prstGeom>
-        </p:spPr>
-      </p:pic>
-      <p:pic>
-        <p:nvPicPr>
-          <p:cNvPr id="9" name="图片 8"/>
-          <p:cNvPicPr>
-            <a:picLocks noChangeAspect="1"/>
-          </p:cNvPicPr>
-          <p:nvPr/>
-        </p:nvPicPr>
-        <p:blipFill>
-          <a:blip r:embed="rId5"/>
-          <a:stretch>
-            <a:fillRect/>
-          </a:stretch>
-        </p:blipFill>
-        <p:spPr>
-          <a:xfrm>
-            <a:off x="8556677" y="2732771"/>
-            <a:ext cx="2067302" cy="4125229"/>
-          </a:xfrm>
-          <a:prstGeom prst="rect">
-            <a:avLst/>
-          </a:prstGeom>
-        </p:spPr>
-      </p:pic>
-    </p:spTree>
-    <p:extLst>
-      <p:ext uri="{BB962C8B-B14F-4D97-AF65-F5344CB8AC3E}">
-        <p14:creationId xmlns:p14="http://schemas.microsoft.com/office/powerpoint/2010/main" val="1674671188"/>
-      </p:ext>
-    </p:extLst>
-  </p:cSld>
-  <p:clrMapOvr>
-    <a:masterClrMapping/>
-  </p:clrMapOvr>
-  <p:timing>
-    <p:tnLst>
-      <p:par>
-        <p:cTn id="1" dur="indefinite" restart="never" nodeType="tmRoot"/>
-      </p:par>
-    </p:tnLst>
-  </p:timing>
-</p:sld>
-</file>
-
-<file path=ppt/slides/slide6.xml><?xml version="1.0" encoding="utf-8"?>
-<p:sld xmlns:a="http://schemas.openxmlformats.org/drawingml/2006/main" xmlns:r="http://schemas.openxmlformats.org/officeDocument/2006/relationships" xmlns:p="http://schemas.openxmlformats.org/presentationml/2006/main">
-  <p:cSld>
-    <p:spTree>
-      <p:nvGrpSpPr>
-        <p:cNvPr id="1" name=""/>
-        <p:cNvGrpSpPr/>
-        <p:nvPr/>
-      </p:nvGrpSpPr>
-      <p:grpSpPr>
-        <a:xfrm>
-          <a:off x="0" y="0"/>
-          <a:ext cx="0" cy="0"/>
-          <a:chOff x="0" y="0"/>
-          <a:chExt cx="0" cy="0"/>
-        </a:xfrm>
-      </p:grpSpPr>
-      <p:sp>
-        <p:nvSpPr>
-          <p:cNvPr id="2" name="标题 1"/>
-          <p:cNvSpPr>
-            <a:spLocks noGrp="1"/>
-          </p:cNvSpPr>
-          <p:nvPr>
-            <p:ph type="title"/>
-          </p:nvPr>
-        </p:nvSpPr>
-        <p:spPr/>
-        <p:txBody>
-          <a:bodyPr/>
-          <a:lstStyle/>
-          <a:p>
-            <a:r>
-              <a:rPr lang="zh-CN" altLang="en-US" dirty="0" smtClean="0"/>
-              <a:t>状态说明</a:t>
-            </a:r>
-            <a:endParaRPr lang="zh-CN" altLang="en-US" dirty="0"/>
-          </a:p>
-        </p:txBody>
-      </p:sp>
-      <p:sp>
-        <p:nvSpPr>
-          <p:cNvPr id="3" name="内容占位符 2"/>
-          <p:cNvSpPr>
-            <a:spLocks noGrp="1"/>
-          </p:cNvSpPr>
-          <p:nvPr>
-            <p:ph idx="1"/>
-          </p:nvPr>
-        </p:nvSpPr>
-        <p:spPr>
-          <a:xfrm>
-            <a:off x="838201" y="1825625"/>
-            <a:ext cx="10302024" cy="4351338"/>
-          </a:xfrm>
-        </p:spPr>
-        <p:txBody>
-          <a:bodyPr/>
-          <a:lstStyle/>
-          <a:p>
-            <a:r>
-              <a:rPr lang="zh-CN" altLang="en-US" dirty="0" smtClean="0"/>
-              <a:t>通过代码模拟了一个患者从登记住院到出院结算，并将其病历归档到档案室的全过程，并可以实现重复模拟该过程</a:t>
-            </a:r>
-            <a:endParaRPr lang="zh-CN" altLang="en-US" dirty="0"/>
-          </a:p>
-        </p:txBody>
-      </p:sp>
-      <p:pic>
-        <p:nvPicPr>
-          <p:cNvPr id="4" name="图片 3"/>
-          <p:cNvPicPr>
-            <a:picLocks noChangeAspect="1"/>
-          </p:cNvPicPr>
-          <p:nvPr/>
-        </p:nvPicPr>
-        <p:blipFill>
-          <a:blip r:embed="rId2"/>
-          <a:stretch>
-            <a:fillRect/>
-          </a:stretch>
-        </p:blipFill>
-        <p:spPr>
-          <a:xfrm>
-            <a:off x="604434" y="2775496"/>
-            <a:ext cx="5801307" cy="3823020"/>
-          </a:xfrm>
-          <a:prstGeom prst="rect">
-            <a:avLst/>
-          </a:prstGeom>
-        </p:spPr>
-      </p:pic>
-      <p:pic>
-        <p:nvPicPr>
-          <p:cNvPr id="5" name="图片 4"/>
-          <p:cNvPicPr>
-            <a:picLocks noChangeAspect="1"/>
-          </p:cNvPicPr>
-          <p:nvPr/>
-        </p:nvPicPr>
-        <p:blipFill>
-          <a:blip r:embed="rId3"/>
-          <a:stretch>
-            <a:fillRect/>
-          </a:stretch>
-        </p:blipFill>
-        <p:spPr>
-          <a:xfrm>
-            <a:off x="6996037" y="2775496"/>
-            <a:ext cx="3553891" cy="522750"/>
-          </a:xfrm>
-          <a:prstGeom prst="rect">
-            <a:avLst/>
-          </a:prstGeom>
-        </p:spPr>
-      </p:pic>
-      <p:pic>
-        <p:nvPicPr>
-          <p:cNvPr id="6" name="图片 5"/>
-          <p:cNvPicPr>
-            <a:picLocks noChangeAspect="1"/>
-          </p:cNvPicPr>
-          <p:nvPr/>
-        </p:nvPicPr>
-        <p:blipFill>
-          <a:blip r:embed="rId4"/>
-          <a:stretch>
-            <a:fillRect/>
-          </a:stretch>
-        </p:blipFill>
-        <p:spPr>
-          <a:xfrm>
-            <a:off x="6996037" y="3494419"/>
-            <a:ext cx="3553891" cy="1923729"/>
-          </a:xfrm>
-          <a:prstGeom prst="rect">
-            <a:avLst/>
-          </a:prstGeom>
-        </p:spPr>
-      </p:pic>
-      <p:pic>
-        <p:nvPicPr>
-          <p:cNvPr id="7" name="图片 6"/>
-          <p:cNvPicPr>
-            <a:picLocks noChangeAspect="1"/>
-          </p:cNvPicPr>
-          <p:nvPr/>
-        </p:nvPicPr>
-        <p:blipFill>
-          <a:blip r:embed="rId5"/>
-          <a:stretch>
-            <a:fillRect/>
-          </a:stretch>
-        </p:blipFill>
-        <p:spPr>
-          <a:xfrm>
-            <a:off x="6996037" y="5614321"/>
-            <a:ext cx="3630005" cy="767954"/>
-          </a:xfrm>
-          <a:prstGeom prst="rect">
-            <a:avLst/>
-          </a:prstGeom>
-        </p:spPr>
-      </p:pic>
-    </p:spTree>
-    <p:extLst>
-      <p:ext uri="{BB962C8B-B14F-4D97-AF65-F5344CB8AC3E}">
-        <p14:creationId xmlns:p14="http://schemas.microsoft.com/office/powerpoint/2010/main" val="2762826962"/>
-      </p:ext>
-    </p:extLst>
-  </p:cSld>
-  <p:clrMapOvr>
-    <a:masterClrMapping/>
-  </p:clrMapOvr>
-  <p:timing>
-    <p:tnLst>
-      <p:par>
-        <p:cTn id="1" dur="indefinite" restart="never" nodeType="tmRoot"/>
-      </p:par>
-    </p:tnLst>
-  </p:timing>
-</p:sld>
-</file>
-
-<file path=ppt/slides/slide7.xml><?xml version="1.0" encoding="utf-8"?>
-<p:sld xmlns:a="http://schemas.openxmlformats.org/drawingml/2006/main" xmlns:r="http://schemas.openxmlformats.org/officeDocument/2006/relationships" xmlns:p="http://schemas.openxmlformats.org/presentationml/2006/main">
-  <p:cSld>
-    <p:spTree>
-      <p:nvGrpSpPr>
-        <p:cNvPr id="1" name=""/>
-        <p:cNvGrpSpPr/>
-        <p:nvPr/>
-      </p:nvGrpSpPr>
-      <p:grpSpPr>
-        <a:xfrm>
-          <a:off x="0" y="0"/>
-          <a:ext cx="0" cy="0"/>
-          <a:chOff x="0" y="0"/>
-          <a:chExt cx="0" cy="0"/>
-        </a:xfrm>
-      </p:grpSpPr>
-      <p:sp>
-        <p:nvSpPr>
-          <p:cNvPr id="2" name="标题 1"/>
-          <p:cNvSpPr>
-            <a:spLocks noGrp="1"/>
-          </p:cNvSpPr>
-          <p:nvPr>
-            <p:ph type="title"/>
-          </p:nvPr>
-        </p:nvSpPr>
-        <p:spPr/>
-        <p:txBody>
-          <a:bodyPr/>
-          <a:lstStyle/>
-          <a:p>
-            <a:r>
-              <a:rPr lang="zh-CN" altLang="en-US" dirty="0" smtClean="0"/>
-              <a:t>下一步计划工作</a:t>
-            </a:r>
-            <a:endParaRPr lang="zh-CN" altLang="en-US" dirty="0"/>
-          </a:p>
-        </p:txBody>
-      </p:sp>
-      <p:sp>
-        <p:nvSpPr>
-          <p:cNvPr id="3" name="内容占位符 2"/>
-          <p:cNvSpPr>
-            <a:spLocks noGrp="1"/>
-          </p:cNvSpPr>
-          <p:nvPr>
-            <p:ph idx="1"/>
-          </p:nvPr>
-        </p:nvSpPr>
-        <p:spPr>
-          <a:xfrm>
-            <a:off x="838201" y="1825625"/>
-            <a:ext cx="10379298" cy="4351338"/>
-          </a:xfrm>
-        </p:spPr>
-        <p:txBody>
-          <a:bodyPr/>
-          <a:lstStyle/>
-          <a:p>
-            <a:r>
-              <a:rPr lang="zh-CN" altLang="en-US" dirty="0" smtClean="0"/>
-              <a:t>分析门诊看病流程，并努力使门诊看病和住院治病流程做到合理的共享（患者一次住院和一次门诊都可以视其为对医院的一次访问）</a:t>
-            </a:r>
-            <a:endParaRPr lang="zh-CN" altLang="en-US" dirty="0"/>
-          </a:p>
-        </p:txBody>
-      </p:sp>
-      <p:pic>
-        <p:nvPicPr>
-          <p:cNvPr id="4" name="图片 3"/>
-          <p:cNvPicPr>
-            <a:picLocks noChangeAspect="1"/>
-          </p:cNvPicPr>
-          <p:nvPr/>
-        </p:nvPicPr>
-        <p:blipFill>
-          <a:blip r:embed="rId2"/>
-          <a:stretch>
-            <a:fillRect/>
-          </a:stretch>
-        </p:blipFill>
-        <p:spPr>
-          <a:xfrm>
-            <a:off x="2982084" y="3093576"/>
-            <a:ext cx="5211831" cy="3414047"/>
-          </a:xfrm>
-          <a:prstGeom prst="rect">
-            <a:avLst/>
-          </a:prstGeom>
-        </p:spPr>
-      </p:pic>
-    </p:spTree>
-    <p:extLst>
-      <p:ext uri="{BB962C8B-B14F-4D97-AF65-F5344CB8AC3E}">
-        <p14:creationId xmlns:p14="http://schemas.microsoft.com/office/powerpoint/2010/main" val="2689442408"/>
-      </p:ext>
-    </p:extLst>
-  </p:cSld>
-  <p:clrMapOvr>
-    <a:masterClrMapping/>
-  </p:clrMapOvr>
-  <p:timing>
-    <p:tnLst>
-      <p:par>
-        <p:cTn id="1" dur="indefinite" restart="never" nodeType="tmRoot"/>
-      </p:par>
-    </p:tnLst>
-  </p:timing>
-</p:sld>
-</file>
-
-<file path=ppt/slides/slide8.xml><?xml version="1.0" encoding="utf-8"?>
+<file path=ppt/slides/slide10.xml><?xml version="1.0" encoding="utf-8"?>
 <p:sld xmlns:a="http://schemas.openxmlformats.org/drawingml/2006/main" xmlns:r="http://schemas.openxmlformats.org/officeDocument/2006/relationships" xmlns:p="http://schemas.openxmlformats.org/presentationml/2006/main">
   <p:cSld>
     <p:spTree>
@@ -6789,6 +5761,1920 @@
       </p:transition>
     </mc:Fallback>
   </mc:AlternateContent>
+  <p:timing>
+    <p:tnLst>
+      <p:par>
+        <p:cTn id="1" dur="indefinite" restart="never" nodeType="tmRoot"/>
+      </p:par>
+    </p:tnLst>
+  </p:timing>
+</p:sld>
+</file>
+
+<file path=ppt/slides/slide2.xml><?xml version="1.0" encoding="utf-8"?>
+<p:sld xmlns:a="http://schemas.openxmlformats.org/drawingml/2006/main" xmlns:r="http://schemas.openxmlformats.org/officeDocument/2006/relationships" xmlns:p="http://schemas.openxmlformats.org/presentationml/2006/main">
+  <p:cSld>
+    <p:spTree>
+      <p:nvGrpSpPr>
+        <p:cNvPr id="1" name=""/>
+        <p:cNvGrpSpPr/>
+        <p:nvPr/>
+      </p:nvGrpSpPr>
+      <p:grpSpPr>
+        <a:xfrm>
+          <a:off x="0" y="0"/>
+          <a:ext cx="0" cy="0"/>
+          <a:chOff x="0" y="0"/>
+          <a:chExt cx="0" cy="0"/>
+        </a:xfrm>
+      </p:grpSpPr>
+      <p:sp>
+        <p:nvSpPr>
+          <p:cNvPr id="2" name="标题 1"/>
+          <p:cNvSpPr>
+            <a:spLocks noGrp="1"/>
+          </p:cNvSpPr>
+          <p:nvPr>
+            <p:ph type="title"/>
+          </p:nvPr>
+        </p:nvSpPr>
+        <p:spPr/>
+        <p:txBody>
+          <a:bodyPr/>
+          <a:lstStyle/>
+          <a:p>
+            <a:r>
+              <a:rPr lang="zh-CN" altLang="en-US" dirty="0" smtClean="0"/>
+              <a:t>客观信息</a:t>
+            </a:r>
+            <a:endParaRPr lang="zh-CN" dirty="0">
+              <a:latin typeface="Microsoft YaHei UI" panose="020B0503020204020204" pitchFamily="34" charset="-122"/>
+              <a:ea typeface="Microsoft YaHei UI" panose="020B0503020204020204" pitchFamily="34" charset="-122"/>
+            </a:endParaRPr>
+          </a:p>
+        </p:txBody>
+      </p:sp>
+      <p:sp>
+        <p:nvSpPr>
+          <p:cNvPr id="3" name="内容占位符 2"/>
+          <p:cNvSpPr>
+            <a:spLocks noGrp="1"/>
+          </p:cNvSpPr>
+          <p:nvPr>
+            <p:ph idx="1"/>
+          </p:nvPr>
+        </p:nvSpPr>
+        <p:spPr>
+          <a:xfrm>
+            <a:off x="838199" y="1825624"/>
+            <a:ext cx="10173237" cy="4447761"/>
+          </a:xfrm>
+        </p:spPr>
+        <p:txBody>
+          <a:bodyPr>
+            <a:normAutofit/>
+          </a:bodyPr>
+          <a:lstStyle/>
+          <a:p>
+            <a:r>
+              <a:rPr lang="zh-CN" altLang="en-US" dirty="0" smtClean="0"/>
+              <a:t>时间：</a:t>
+            </a:r>
+            <a:r>
+              <a:rPr lang="en-US" altLang="zh-CN" dirty="0" smtClean="0"/>
+              <a:t>2016-11-21 </a:t>
+            </a:r>
+            <a:r>
+              <a:rPr lang="zh-CN" altLang="en-US" dirty="0" smtClean="0"/>
+              <a:t>到 </a:t>
+            </a:r>
+            <a:r>
+              <a:rPr lang="en-US" altLang="zh-CN" dirty="0" smtClean="0"/>
+              <a:t>2017-2-27 </a:t>
+            </a:r>
+            <a:r>
+              <a:rPr lang="zh-CN" altLang="en-US" dirty="0"/>
+              <a:t> </a:t>
+            </a:r>
+            <a:r>
+              <a:rPr lang="zh-CN" altLang="en-US" dirty="0" smtClean="0"/>
+              <a:t>（</a:t>
+            </a:r>
+            <a:r>
+              <a:rPr lang="en-US" altLang="zh-CN" dirty="0" smtClean="0"/>
+              <a:t>67</a:t>
+            </a:r>
+            <a:r>
+              <a:rPr lang="zh-CN" altLang="en-US" dirty="0" smtClean="0"/>
+              <a:t>人日）</a:t>
+            </a:r>
+            <a:endParaRPr lang="en-US" altLang="zh-CN" dirty="0" smtClean="0"/>
+          </a:p>
+          <a:p>
+            <a:r>
+              <a:rPr lang="zh-CN" altLang="en-US" dirty="0" smtClean="0"/>
+              <a:t>投入人数：</a:t>
+            </a:r>
+            <a:r>
+              <a:rPr lang="en-US" altLang="zh-CN" dirty="0" smtClean="0"/>
+              <a:t>1</a:t>
+            </a:r>
+            <a:r>
+              <a:rPr lang="zh-CN" altLang="en-US" dirty="0" smtClean="0"/>
+              <a:t>人</a:t>
+            </a:r>
+            <a:endParaRPr lang="en-US" altLang="zh-CN" dirty="0" smtClean="0"/>
+          </a:p>
+          <a:p>
+            <a:r>
+              <a:rPr lang="zh-CN" altLang="en-US" dirty="0" smtClean="0"/>
+              <a:t>工作展开方式：以业务理解为驱动</a:t>
+            </a:r>
+            <a:r>
+              <a:rPr lang="zh-CN" altLang="en-US" dirty="0"/>
+              <a:t>，</a:t>
+            </a:r>
+            <a:r>
+              <a:rPr lang="zh-CN" altLang="en-US" dirty="0" smtClean="0"/>
+              <a:t>通过面对面的交流获得业务知识，以邮件的形式让大家了解工作的进展</a:t>
+            </a:r>
+            <a:endParaRPr lang="en-US" altLang="zh-CN" dirty="0" smtClean="0"/>
+          </a:p>
+          <a:p>
+            <a:r>
+              <a:rPr lang="en-US" altLang="zh-CN" dirty="0" err="1" smtClean="0"/>
+              <a:t>Svn</a:t>
+            </a:r>
+            <a:r>
+              <a:rPr lang="zh-CN" altLang="en-US" dirty="0" smtClean="0"/>
+              <a:t>地址：</a:t>
+            </a:r>
+            <a:r>
+              <a:rPr lang="en-US" altLang="zh-CN" dirty="0">
+                <a:hlinkClick r:id="rId2"/>
+              </a:rPr>
+              <a:t>https://</a:t>
+            </a:r>
+            <a:r>
+              <a:rPr lang="en-US" altLang="zh-CN" dirty="0" smtClean="0">
+                <a:hlinkClick r:id="rId2"/>
+              </a:rPr>
+              <a:t>github.com/jdepend/hospital</a:t>
+            </a:r>
+            <a:r>
+              <a:rPr lang="en-US" altLang="zh-CN" dirty="0" smtClean="0"/>
+              <a:t> </a:t>
+            </a:r>
+            <a:r>
+              <a:rPr lang="zh-CN" altLang="en-US" dirty="0" smtClean="0"/>
+              <a:t>（共保存了</a:t>
+            </a:r>
+            <a:r>
+              <a:rPr lang="en-US" altLang="zh-CN" dirty="0" smtClean="0"/>
+              <a:t>14</a:t>
+            </a:r>
+            <a:r>
+              <a:rPr lang="zh-CN" altLang="en-US" dirty="0" smtClean="0"/>
+              <a:t>个快照）</a:t>
+            </a:r>
+            <a:endParaRPr lang="en-US" altLang="zh-CN" dirty="0" smtClean="0"/>
+          </a:p>
+          <a:p>
+            <a:r>
+              <a:rPr lang="zh-CN" altLang="en-US" dirty="0"/>
+              <a:t>成果</a:t>
+            </a:r>
+            <a:r>
+              <a:rPr lang="zh-CN" altLang="en-US" dirty="0" smtClean="0"/>
+              <a:t>物：</a:t>
+            </a:r>
+            <a:endParaRPr lang="en-US" altLang="zh-CN" dirty="0" smtClean="0"/>
+          </a:p>
+          <a:p>
+            <a:r>
+              <a:rPr lang="en-US" altLang="zh-CN" dirty="0"/>
+              <a:t> </a:t>
+            </a:r>
+            <a:r>
+              <a:rPr lang="en-US" altLang="zh-CN" dirty="0" smtClean="0"/>
+              <a:t>        </a:t>
+            </a:r>
+            <a:r>
+              <a:rPr lang="zh-CN" altLang="en-US" dirty="0" smtClean="0"/>
+              <a:t>一份</a:t>
+            </a:r>
+            <a:r>
+              <a:rPr lang="en-US" altLang="zh-CN" dirty="0" smtClean="0"/>
+              <a:t>70</a:t>
+            </a:r>
+            <a:r>
+              <a:rPr lang="zh-CN" altLang="en-US" dirty="0" smtClean="0"/>
+              <a:t>页的</a:t>
+            </a:r>
+            <a:r>
+              <a:rPr lang="en-US" altLang="zh-CN" dirty="0" smtClean="0"/>
+              <a:t>word</a:t>
+            </a:r>
+            <a:r>
+              <a:rPr lang="zh-CN" altLang="en-US" dirty="0" smtClean="0"/>
+              <a:t>文档；一个由业务到设计的模型；</a:t>
+            </a:r>
+            <a:endParaRPr lang="en-US" altLang="zh-CN" dirty="0" smtClean="0"/>
+          </a:p>
+          <a:p>
+            <a:r>
+              <a:rPr lang="en-US" altLang="zh-CN" dirty="0"/>
+              <a:t> </a:t>
+            </a:r>
+            <a:r>
+              <a:rPr lang="en-US" altLang="zh-CN" dirty="0" smtClean="0"/>
+              <a:t>        9369</a:t>
+            </a:r>
+            <a:r>
+              <a:rPr lang="zh-CN" altLang="en-US" dirty="0" smtClean="0"/>
+              <a:t>行代码；</a:t>
+            </a:r>
+            <a:r>
+              <a:rPr lang="en-US" altLang="zh-CN" dirty="0" smtClean="0"/>
+              <a:t>38</a:t>
+            </a:r>
+            <a:r>
+              <a:rPr lang="zh-CN" altLang="en-US" dirty="0" smtClean="0"/>
+              <a:t>张数据库表（</a:t>
+            </a:r>
+            <a:r>
+              <a:rPr lang="en-US" altLang="zh-CN" dirty="0" smtClean="0"/>
+              <a:t>88</a:t>
+            </a:r>
+            <a:r>
+              <a:rPr lang="zh-CN" altLang="en-US" dirty="0" smtClean="0"/>
+              <a:t>个外键）；一组模拟患者住院流程的测试场景；</a:t>
+            </a:r>
+            <a:endParaRPr lang="en-US" altLang="zh-CN" dirty="0" smtClean="0"/>
+          </a:p>
+          <a:p>
+            <a:endParaRPr lang="en-US" altLang="zh-CN" dirty="0" smtClean="0"/>
+          </a:p>
+          <a:p>
+            <a:endParaRPr lang="zh-CN" dirty="0">
+              <a:latin typeface="Microsoft YaHei UI" panose="020B0503020204020204" pitchFamily="34" charset="-122"/>
+              <a:ea typeface="Microsoft YaHei UI" panose="020B0503020204020204" pitchFamily="34" charset="-122"/>
+            </a:endParaRPr>
+          </a:p>
+          <a:p>
+            <a:endParaRPr lang="zh-CN" dirty="0">
+              <a:latin typeface="Microsoft YaHei UI" panose="020B0503020204020204" pitchFamily="34" charset="-122"/>
+              <a:ea typeface="Microsoft YaHei UI" panose="020B0503020204020204" pitchFamily="34" charset="-122"/>
+            </a:endParaRPr>
+          </a:p>
+          <a:p>
+            <a:endParaRPr lang="zh-CN" dirty="0">
+              <a:latin typeface="Microsoft YaHei UI" panose="020B0503020204020204" pitchFamily="34" charset="-122"/>
+              <a:ea typeface="Microsoft YaHei UI" panose="020B0503020204020204" pitchFamily="34" charset="-122"/>
+            </a:endParaRPr>
+          </a:p>
+        </p:txBody>
+      </p:sp>
+    </p:spTree>
+    <p:extLst>
+      <p:ext uri="{BB962C8B-B14F-4D97-AF65-F5344CB8AC3E}">
+        <p14:creationId xmlns:p14="http://schemas.microsoft.com/office/powerpoint/2010/main" val="2090733893"/>
+      </p:ext>
+    </p:extLst>
+  </p:cSld>
+  <p:clrMapOvr>
+    <a:masterClrMapping/>
+  </p:clrMapOvr>
+  <mc:AlternateContent xmlns:mc="http://schemas.openxmlformats.org/markup-compatibility/2006" xmlns:p14="http://schemas.microsoft.com/office/powerpoint/2010/main">
+    <mc:Choice Requires="p14">
+      <p:transition p14:dur="0"/>
+    </mc:Choice>
+    <mc:Fallback xmlns="">
+      <p:transition/>
+    </mc:Fallback>
+  </mc:AlternateContent>
+  <p:timing>
+    <p:tnLst>
+      <p:par>
+        <p:cTn id="1" dur="indefinite" restart="never" nodeType="tmRoot"/>
+      </p:par>
+    </p:tnLst>
+  </p:timing>
+</p:sld>
+</file>
+
+<file path=ppt/slides/slide3.xml><?xml version="1.0" encoding="utf-8"?>
+<p:sld xmlns:a="http://schemas.openxmlformats.org/drawingml/2006/main" xmlns:r="http://schemas.openxmlformats.org/officeDocument/2006/relationships" xmlns:p="http://schemas.openxmlformats.org/presentationml/2006/main">
+  <p:cSld>
+    <p:spTree>
+      <p:nvGrpSpPr>
+        <p:cNvPr id="1" name=""/>
+        <p:cNvGrpSpPr/>
+        <p:nvPr/>
+      </p:nvGrpSpPr>
+      <p:grpSpPr>
+        <a:xfrm>
+          <a:off x="0" y="0"/>
+          <a:ext cx="0" cy="0"/>
+          <a:chOff x="0" y="0"/>
+          <a:chExt cx="0" cy="0"/>
+        </a:xfrm>
+      </p:grpSpPr>
+      <p:sp>
+        <p:nvSpPr>
+          <p:cNvPr id="2" name="标题 1"/>
+          <p:cNvSpPr>
+            <a:spLocks noGrp="1"/>
+          </p:cNvSpPr>
+          <p:nvPr>
+            <p:ph type="title"/>
+          </p:nvPr>
+        </p:nvSpPr>
+        <p:spPr/>
+        <p:txBody>
+          <a:bodyPr/>
+          <a:lstStyle/>
+          <a:p>
+            <a:r>
+              <a:rPr lang="zh-CN" altLang="en-US" dirty="0" smtClean="0"/>
+              <a:t>状态说明（满意度：</a:t>
+            </a:r>
+            <a:r>
+              <a:rPr lang="en-US" altLang="zh-CN" dirty="0" smtClean="0">
+                <a:sym typeface="Wingdings" panose="05000000000000000000" pitchFamily="2" charset="2"/>
+              </a:rPr>
+              <a:t></a:t>
+            </a:r>
+            <a:r>
+              <a:rPr lang="zh-CN" altLang="en-US" dirty="0" smtClean="0"/>
+              <a:t>）</a:t>
+            </a:r>
+            <a:endParaRPr lang="zh-CN" altLang="en-US" dirty="0"/>
+          </a:p>
+        </p:txBody>
+      </p:sp>
+      <p:sp>
+        <p:nvSpPr>
+          <p:cNvPr id="3" name="内容占位符 2"/>
+          <p:cNvSpPr>
+            <a:spLocks noGrp="1"/>
+          </p:cNvSpPr>
+          <p:nvPr>
+            <p:ph idx="1"/>
+          </p:nvPr>
+        </p:nvSpPr>
+        <p:spPr>
+          <a:xfrm>
+            <a:off x="838201" y="1825625"/>
+            <a:ext cx="10147478" cy="4351338"/>
+          </a:xfrm>
+        </p:spPr>
+        <p:txBody>
+          <a:bodyPr/>
+          <a:lstStyle/>
+          <a:p>
+            <a:r>
+              <a:rPr lang="zh-CN" altLang="en-US" dirty="0"/>
+              <a:t>分析</a:t>
+            </a:r>
+            <a:r>
+              <a:rPr lang="zh-CN" altLang="en-US" dirty="0" smtClean="0"/>
+              <a:t>了住院治病业务流程，以医嘱执行为线索覆盖了诊疗科室、药房、收费处、医技、住院处、病案室、医务科等相关科室，形成了业务到设计和代码的初始成果物</a:t>
+            </a:r>
+            <a:endParaRPr lang="en-US" altLang="zh-CN" dirty="0" smtClean="0"/>
+          </a:p>
+          <a:p>
+            <a:endParaRPr lang="zh-CN" altLang="en-US" dirty="0"/>
+          </a:p>
+        </p:txBody>
+      </p:sp>
+      <p:pic>
+        <p:nvPicPr>
+          <p:cNvPr id="4" name="图片 3"/>
+          <p:cNvPicPr>
+            <a:picLocks noChangeAspect="1"/>
+          </p:cNvPicPr>
+          <p:nvPr/>
+        </p:nvPicPr>
+        <p:blipFill>
+          <a:blip r:embed="rId2"/>
+          <a:stretch>
+            <a:fillRect/>
+          </a:stretch>
+        </p:blipFill>
+        <p:spPr>
+          <a:xfrm>
+            <a:off x="466528" y="3349160"/>
+            <a:ext cx="2845051" cy="1859022"/>
+          </a:xfrm>
+          <a:prstGeom prst="rect">
+            <a:avLst/>
+          </a:prstGeom>
+        </p:spPr>
+      </p:pic>
+      <p:pic>
+        <p:nvPicPr>
+          <p:cNvPr id="5" name="图片 4"/>
+          <p:cNvPicPr>
+            <a:picLocks noChangeAspect="1"/>
+          </p:cNvPicPr>
+          <p:nvPr/>
+        </p:nvPicPr>
+        <p:blipFill>
+          <a:blip r:embed="rId3"/>
+          <a:stretch>
+            <a:fillRect/>
+          </a:stretch>
+        </p:blipFill>
+        <p:spPr>
+          <a:xfrm>
+            <a:off x="3412057" y="3091112"/>
+            <a:ext cx="1556261" cy="1454546"/>
+          </a:xfrm>
+          <a:prstGeom prst="rect">
+            <a:avLst/>
+          </a:prstGeom>
+        </p:spPr>
+      </p:pic>
+      <p:pic>
+        <p:nvPicPr>
+          <p:cNvPr id="6" name="图片 5"/>
+          <p:cNvPicPr>
+            <a:picLocks noChangeAspect="1"/>
+          </p:cNvPicPr>
+          <p:nvPr/>
+        </p:nvPicPr>
+        <p:blipFill>
+          <a:blip r:embed="rId4"/>
+          <a:stretch>
+            <a:fillRect/>
+          </a:stretch>
+        </p:blipFill>
+        <p:spPr>
+          <a:xfrm>
+            <a:off x="3473533" y="5028930"/>
+            <a:ext cx="1993906" cy="1255216"/>
+          </a:xfrm>
+          <a:prstGeom prst="rect">
+            <a:avLst/>
+          </a:prstGeom>
+        </p:spPr>
+      </p:pic>
+      <p:pic>
+        <p:nvPicPr>
+          <p:cNvPr id="7" name="图片 6"/>
+          <p:cNvPicPr>
+            <a:picLocks noChangeAspect="1"/>
+          </p:cNvPicPr>
+          <p:nvPr/>
+        </p:nvPicPr>
+        <p:blipFill>
+          <a:blip r:embed="rId5"/>
+          <a:stretch>
+            <a:fillRect/>
+          </a:stretch>
+        </p:blipFill>
+        <p:spPr>
+          <a:xfrm>
+            <a:off x="5339991" y="2675528"/>
+            <a:ext cx="2601088" cy="3740259"/>
+          </a:xfrm>
+          <a:prstGeom prst="rect">
+            <a:avLst/>
+          </a:prstGeom>
+        </p:spPr>
+      </p:pic>
+      <p:pic>
+        <p:nvPicPr>
+          <p:cNvPr id="8" name="图片 7"/>
+          <p:cNvPicPr>
+            <a:picLocks noChangeAspect="1"/>
+          </p:cNvPicPr>
+          <p:nvPr/>
+        </p:nvPicPr>
+        <p:blipFill>
+          <a:blip r:embed="rId6"/>
+          <a:stretch>
+            <a:fillRect/>
+          </a:stretch>
+        </p:blipFill>
+        <p:spPr>
+          <a:xfrm>
+            <a:off x="8213705" y="2816170"/>
+            <a:ext cx="1593832" cy="1627601"/>
+          </a:xfrm>
+          <a:prstGeom prst="rect">
+            <a:avLst/>
+          </a:prstGeom>
+        </p:spPr>
+      </p:pic>
+      <p:pic>
+        <p:nvPicPr>
+          <p:cNvPr id="9" name="图片 8"/>
+          <p:cNvPicPr>
+            <a:picLocks noChangeAspect="1"/>
+          </p:cNvPicPr>
+          <p:nvPr/>
+        </p:nvPicPr>
+        <p:blipFill>
+          <a:blip r:embed="rId7"/>
+          <a:stretch>
+            <a:fillRect/>
+          </a:stretch>
+        </p:blipFill>
+        <p:spPr>
+          <a:xfrm>
+            <a:off x="8030759" y="4710758"/>
+            <a:ext cx="1776778" cy="1361356"/>
+          </a:xfrm>
+          <a:prstGeom prst="rect">
+            <a:avLst/>
+          </a:prstGeom>
+        </p:spPr>
+      </p:pic>
+      <p:pic>
+        <p:nvPicPr>
+          <p:cNvPr id="10" name="图片 9"/>
+          <p:cNvPicPr>
+            <a:picLocks noChangeAspect="1"/>
+          </p:cNvPicPr>
+          <p:nvPr/>
+        </p:nvPicPr>
+        <p:blipFill>
+          <a:blip r:embed="rId8"/>
+          <a:stretch>
+            <a:fillRect/>
+          </a:stretch>
+        </p:blipFill>
+        <p:spPr>
+          <a:xfrm>
+            <a:off x="10319061" y="3474228"/>
+            <a:ext cx="1657143" cy="2142857"/>
+          </a:xfrm>
+          <a:prstGeom prst="rect">
+            <a:avLst/>
+          </a:prstGeom>
+        </p:spPr>
+      </p:pic>
+    </p:spTree>
+    <p:extLst>
+      <p:ext uri="{BB962C8B-B14F-4D97-AF65-F5344CB8AC3E}">
+        <p14:creationId xmlns:p14="http://schemas.microsoft.com/office/powerpoint/2010/main" val="3749622430"/>
+      </p:ext>
+    </p:extLst>
+  </p:cSld>
+  <p:clrMapOvr>
+    <a:masterClrMapping/>
+  </p:clrMapOvr>
+  <p:timing>
+    <p:tnLst>
+      <p:par>
+        <p:cTn id="1" dur="indefinite" restart="never" nodeType="tmRoot"/>
+      </p:par>
+    </p:tnLst>
+  </p:timing>
+</p:sld>
+</file>
+
+<file path=ppt/slides/slide4.xml><?xml version="1.0" encoding="utf-8"?>
+<p:sld xmlns:a="http://schemas.openxmlformats.org/drawingml/2006/main" xmlns:r="http://schemas.openxmlformats.org/officeDocument/2006/relationships" xmlns:p="http://schemas.openxmlformats.org/presentationml/2006/main">
+  <p:cSld>
+    <p:spTree>
+      <p:nvGrpSpPr>
+        <p:cNvPr id="1" name=""/>
+        <p:cNvGrpSpPr/>
+        <p:nvPr/>
+      </p:nvGrpSpPr>
+      <p:grpSpPr>
+        <a:xfrm>
+          <a:off x="0" y="0"/>
+          <a:ext cx="0" cy="0"/>
+          <a:chOff x="0" y="0"/>
+          <a:chExt cx="0" cy="0"/>
+        </a:xfrm>
+      </p:grpSpPr>
+      <p:sp>
+        <p:nvSpPr>
+          <p:cNvPr id="2" name="标题 1"/>
+          <p:cNvSpPr>
+            <a:spLocks noGrp="1"/>
+          </p:cNvSpPr>
+          <p:nvPr>
+            <p:ph type="title"/>
+          </p:nvPr>
+        </p:nvSpPr>
+        <p:spPr/>
+        <p:txBody>
+          <a:bodyPr/>
+          <a:lstStyle/>
+          <a:p>
+            <a:r>
+              <a:rPr lang="zh-CN" altLang="en-US" dirty="0" smtClean="0"/>
+              <a:t>状态</a:t>
+            </a:r>
+            <a:r>
+              <a:rPr lang="zh-CN" altLang="en-US" dirty="0"/>
+              <a:t>说明</a:t>
+            </a:r>
+            <a:r>
+              <a:rPr lang="zh-CN" altLang="en-US" dirty="0" smtClean="0"/>
+              <a:t>（</a:t>
+            </a:r>
+            <a:r>
+              <a:rPr lang="zh-CN" altLang="en-US" dirty="0"/>
+              <a:t>满意度： </a:t>
+            </a:r>
+            <a:r>
+              <a:rPr lang="en-US" altLang="zh-CN" dirty="0" smtClean="0">
+                <a:sym typeface="Wingdings" panose="05000000000000000000" pitchFamily="2" charset="2"/>
+              </a:rPr>
+              <a:t></a:t>
+            </a:r>
+            <a:r>
+              <a:rPr lang="zh-CN" altLang="en-US" dirty="0" smtClean="0"/>
+              <a:t>）</a:t>
+            </a:r>
+            <a:endParaRPr lang="zh-CN" altLang="en-US" dirty="0"/>
+          </a:p>
+        </p:txBody>
+      </p:sp>
+      <p:sp>
+        <p:nvSpPr>
+          <p:cNvPr id="3" name="内容占位符 2"/>
+          <p:cNvSpPr>
+            <a:spLocks noGrp="1"/>
+          </p:cNvSpPr>
+          <p:nvPr>
+            <p:ph idx="1"/>
+          </p:nvPr>
+        </p:nvSpPr>
+        <p:spPr>
+          <a:xfrm>
+            <a:off x="838201" y="1825625"/>
+            <a:ext cx="10211872" cy="4351338"/>
+          </a:xfrm>
+        </p:spPr>
+        <p:txBody>
+          <a:bodyPr/>
+          <a:lstStyle/>
+          <a:p>
+            <a:r>
+              <a:rPr lang="zh-CN" altLang="en-US" dirty="0"/>
+              <a:t>形成</a:t>
+            </a:r>
+            <a:r>
+              <a:rPr lang="zh-CN" altLang="en-US" dirty="0" smtClean="0"/>
+              <a:t>了一份初始的工作目标，并对目标做了一次基于价值的分解</a:t>
+            </a:r>
+            <a:endParaRPr lang="zh-CN" altLang="en-US" dirty="0"/>
+          </a:p>
+        </p:txBody>
+      </p:sp>
+      <p:pic>
+        <p:nvPicPr>
+          <p:cNvPr id="5" name="图片 4"/>
+          <p:cNvPicPr>
+            <a:picLocks noChangeAspect="1"/>
+          </p:cNvPicPr>
+          <p:nvPr/>
+        </p:nvPicPr>
+        <p:blipFill>
+          <a:blip r:embed="rId2"/>
+          <a:stretch>
+            <a:fillRect/>
+          </a:stretch>
+        </p:blipFill>
+        <p:spPr>
+          <a:xfrm>
+            <a:off x="3728140" y="2510972"/>
+            <a:ext cx="3563547" cy="4049486"/>
+          </a:xfrm>
+          <a:prstGeom prst="rect">
+            <a:avLst/>
+          </a:prstGeom>
+        </p:spPr>
+      </p:pic>
+      <p:sp>
+        <p:nvSpPr>
+          <p:cNvPr id="6" name="椭圆形标注 5"/>
+          <p:cNvSpPr/>
+          <p:nvPr/>
+        </p:nvSpPr>
+        <p:spPr>
+          <a:xfrm>
+            <a:off x="8318500" y="3327400"/>
+            <a:ext cx="2197100" cy="1425448"/>
+          </a:xfrm>
+          <a:prstGeom prst="wedgeEllipseCallout">
+            <a:avLst/>
+          </a:prstGeom>
+          <a:noFill/>
+        </p:spPr>
+        <p:style>
+          <a:lnRef idx="2">
+            <a:schemeClr val="accent1">
+              <a:shade val="50000"/>
+            </a:schemeClr>
+          </a:lnRef>
+          <a:fillRef idx="1">
+            <a:schemeClr val="accent1"/>
+          </a:fillRef>
+          <a:effectRef idx="0">
+            <a:schemeClr val="accent1"/>
+          </a:effectRef>
+          <a:fontRef idx="minor">
+            <a:schemeClr val="lt1"/>
+          </a:fontRef>
+        </p:style>
+        <p:txBody>
+          <a:bodyPr rtlCol="0" anchor="ctr"/>
+          <a:lstStyle/>
+          <a:p>
+            <a:pPr algn="ctr"/>
+            <a:r>
+              <a:rPr lang="zh-CN" altLang="en-US" dirty="0" smtClean="0">
+                <a:solidFill>
+                  <a:schemeClr val="tx1"/>
+                </a:solidFill>
+              </a:rPr>
+              <a:t>希望工作是经过整体分析并有宏观设计的</a:t>
+            </a:r>
+            <a:endParaRPr lang="zh-CN" altLang="en-US" dirty="0">
+              <a:solidFill>
+                <a:schemeClr val="tx1"/>
+              </a:solidFill>
+            </a:endParaRPr>
+          </a:p>
+        </p:txBody>
+      </p:sp>
+    </p:spTree>
+    <p:extLst>
+      <p:ext uri="{BB962C8B-B14F-4D97-AF65-F5344CB8AC3E}">
+        <p14:creationId xmlns:p14="http://schemas.microsoft.com/office/powerpoint/2010/main" val="3360979877"/>
+      </p:ext>
+    </p:extLst>
+  </p:cSld>
+  <p:clrMapOvr>
+    <a:masterClrMapping/>
+  </p:clrMapOvr>
+  <p:timing>
+    <p:tnLst>
+      <p:par>
+        <p:cTn id="1" dur="indefinite" restart="never" nodeType="tmRoot"/>
+      </p:par>
+    </p:tnLst>
+  </p:timing>
+</p:sld>
+</file>
+
+<file path=ppt/slides/slide5.xml><?xml version="1.0" encoding="utf-8"?>
+<p:sld xmlns:a="http://schemas.openxmlformats.org/drawingml/2006/main" xmlns:r="http://schemas.openxmlformats.org/officeDocument/2006/relationships" xmlns:p="http://schemas.openxmlformats.org/presentationml/2006/main">
+  <p:cSld>
+    <p:spTree>
+      <p:nvGrpSpPr>
+        <p:cNvPr id="1" name=""/>
+        <p:cNvGrpSpPr/>
+        <p:nvPr/>
+      </p:nvGrpSpPr>
+      <p:grpSpPr>
+        <a:xfrm>
+          <a:off x="0" y="0"/>
+          <a:ext cx="0" cy="0"/>
+          <a:chOff x="0" y="0"/>
+          <a:chExt cx="0" cy="0"/>
+        </a:xfrm>
+      </p:grpSpPr>
+      <p:sp>
+        <p:nvSpPr>
+          <p:cNvPr id="2" name="标题 1"/>
+          <p:cNvSpPr>
+            <a:spLocks noGrp="1"/>
+          </p:cNvSpPr>
+          <p:nvPr>
+            <p:ph type="title"/>
+          </p:nvPr>
+        </p:nvSpPr>
+        <p:spPr/>
+        <p:txBody>
+          <a:bodyPr/>
+          <a:lstStyle/>
+          <a:p>
+            <a:r>
+              <a:rPr lang="zh-CN" altLang="en-US" dirty="0" smtClean="0"/>
+              <a:t>状态说明（</a:t>
+            </a:r>
+            <a:r>
+              <a:rPr lang="zh-CN" altLang="en-US" dirty="0"/>
+              <a:t>满意度： </a:t>
+            </a:r>
+            <a:r>
+              <a:rPr lang="en-US" altLang="zh-CN" dirty="0" smtClean="0">
+                <a:sym typeface="Wingdings" panose="05000000000000000000" pitchFamily="2" charset="2"/>
+              </a:rPr>
+              <a:t></a:t>
+            </a:r>
+            <a:r>
+              <a:rPr lang="zh-CN" altLang="en-US" dirty="0" smtClean="0"/>
+              <a:t>）</a:t>
+            </a:r>
+            <a:endParaRPr lang="zh-CN" altLang="en-US" dirty="0"/>
+          </a:p>
+        </p:txBody>
+      </p:sp>
+      <p:sp>
+        <p:nvSpPr>
+          <p:cNvPr id="3" name="内容占位符 2"/>
+          <p:cNvSpPr>
+            <a:spLocks noGrp="1"/>
+          </p:cNvSpPr>
+          <p:nvPr>
+            <p:ph idx="1"/>
+          </p:nvPr>
+        </p:nvSpPr>
+        <p:spPr>
+          <a:xfrm>
+            <a:off x="838201" y="1825625"/>
+            <a:ext cx="10276267" cy="4351338"/>
+          </a:xfrm>
+        </p:spPr>
+        <p:txBody>
+          <a:bodyPr/>
+          <a:lstStyle/>
+          <a:p>
+            <a:r>
+              <a:rPr lang="zh-CN" altLang="en-US" dirty="0" smtClean="0"/>
+              <a:t>通过识别领域与应用逻辑，谋求拆分软件系统进而影响研发分工的办法</a:t>
+            </a:r>
+            <a:endParaRPr lang="zh-CN" altLang="en-US" dirty="0"/>
+          </a:p>
+        </p:txBody>
+      </p:sp>
+      <p:pic>
+        <p:nvPicPr>
+          <p:cNvPr id="4" name="图片 3"/>
+          <p:cNvPicPr>
+            <a:picLocks noChangeAspect="1"/>
+          </p:cNvPicPr>
+          <p:nvPr/>
+        </p:nvPicPr>
+        <p:blipFill>
+          <a:blip r:embed="rId2"/>
+          <a:stretch>
+            <a:fillRect/>
+          </a:stretch>
+        </p:blipFill>
+        <p:spPr>
+          <a:xfrm>
+            <a:off x="1716871" y="2478554"/>
+            <a:ext cx="2391490" cy="4032460"/>
+          </a:xfrm>
+          <a:prstGeom prst="rect">
+            <a:avLst/>
+          </a:prstGeom>
+        </p:spPr>
+      </p:pic>
+      <p:pic>
+        <p:nvPicPr>
+          <p:cNvPr id="5" name="图片 4"/>
+          <p:cNvPicPr>
+            <a:picLocks noChangeAspect="1"/>
+          </p:cNvPicPr>
+          <p:nvPr/>
+        </p:nvPicPr>
+        <p:blipFill>
+          <a:blip r:embed="rId3"/>
+          <a:stretch>
+            <a:fillRect/>
+          </a:stretch>
+        </p:blipFill>
+        <p:spPr>
+          <a:xfrm>
+            <a:off x="5902304" y="2478554"/>
+            <a:ext cx="4130695" cy="4218213"/>
+          </a:xfrm>
+          <a:prstGeom prst="rect">
+            <a:avLst/>
+          </a:prstGeom>
+        </p:spPr>
+      </p:pic>
+      <p:cxnSp>
+        <p:nvCxnSpPr>
+          <p:cNvPr id="7" name="直接连接符 6"/>
+          <p:cNvCxnSpPr/>
+          <p:nvPr/>
+        </p:nvCxnSpPr>
+        <p:spPr>
+          <a:xfrm flipV="1">
+            <a:off x="9966960" y="5006340"/>
+            <a:ext cx="396240" cy="7620"/>
+          </a:xfrm>
+          <a:prstGeom prst="line">
+            <a:avLst/>
+          </a:prstGeom>
+        </p:spPr>
+        <p:style>
+          <a:lnRef idx="1">
+            <a:schemeClr val="accent1"/>
+          </a:lnRef>
+          <a:fillRef idx="0">
+            <a:schemeClr val="accent1"/>
+          </a:fillRef>
+          <a:effectRef idx="0">
+            <a:schemeClr val="accent1"/>
+          </a:effectRef>
+          <a:fontRef idx="minor">
+            <a:schemeClr val="tx1"/>
+          </a:fontRef>
+        </p:style>
+      </p:cxnSp>
+      <p:cxnSp>
+        <p:nvCxnSpPr>
+          <p:cNvPr id="8" name="直接连接符 7"/>
+          <p:cNvCxnSpPr/>
+          <p:nvPr/>
+        </p:nvCxnSpPr>
+        <p:spPr>
+          <a:xfrm flipV="1">
+            <a:off x="9966960" y="6019800"/>
+            <a:ext cx="396240" cy="7620"/>
+          </a:xfrm>
+          <a:prstGeom prst="line">
+            <a:avLst/>
+          </a:prstGeom>
+        </p:spPr>
+        <p:style>
+          <a:lnRef idx="1">
+            <a:schemeClr val="accent1"/>
+          </a:lnRef>
+          <a:fillRef idx="0">
+            <a:schemeClr val="accent1"/>
+          </a:fillRef>
+          <a:effectRef idx="0">
+            <a:schemeClr val="accent1"/>
+          </a:effectRef>
+          <a:fontRef idx="minor">
+            <a:schemeClr val="tx1"/>
+          </a:fontRef>
+        </p:style>
+      </p:cxnSp>
+      <p:cxnSp>
+        <p:nvCxnSpPr>
+          <p:cNvPr id="9" name="直接连接符 8"/>
+          <p:cNvCxnSpPr/>
+          <p:nvPr/>
+        </p:nvCxnSpPr>
+        <p:spPr>
+          <a:xfrm flipV="1">
+            <a:off x="9966960" y="3604260"/>
+            <a:ext cx="396240" cy="7620"/>
+          </a:xfrm>
+          <a:prstGeom prst="line">
+            <a:avLst/>
+          </a:prstGeom>
+        </p:spPr>
+        <p:style>
+          <a:lnRef idx="1">
+            <a:schemeClr val="accent1"/>
+          </a:lnRef>
+          <a:fillRef idx="0">
+            <a:schemeClr val="accent1"/>
+          </a:fillRef>
+          <a:effectRef idx="0">
+            <a:schemeClr val="accent1"/>
+          </a:effectRef>
+          <a:fontRef idx="minor">
+            <a:schemeClr val="tx1"/>
+          </a:fontRef>
+        </p:style>
+      </p:cxnSp>
+      <p:cxnSp>
+        <p:nvCxnSpPr>
+          <p:cNvPr id="10" name="直接连接符 9"/>
+          <p:cNvCxnSpPr/>
+          <p:nvPr/>
+        </p:nvCxnSpPr>
+        <p:spPr>
+          <a:xfrm flipV="1">
+            <a:off x="9956513" y="2711133"/>
+            <a:ext cx="396240" cy="7620"/>
+          </a:xfrm>
+          <a:prstGeom prst="line">
+            <a:avLst/>
+          </a:prstGeom>
+        </p:spPr>
+        <p:style>
+          <a:lnRef idx="1">
+            <a:schemeClr val="accent1"/>
+          </a:lnRef>
+          <a:fillRef idx="0">
+            <a:schemeClr val="accent1"/>
+          </a:fillRef>
+          <a:effectRef idx="0">
+            <a:schemeClr val="accent1"/>
+          </a:effectRef>
+          <a:fontRef idx="minor">
+            <a:schemeClr val="tx1"/>
+          </a:fontRef>
+        </p:style>
+      </p:cxnSp>
+      <p:sp>
+        <p:nvSpPr>
+          <p:cNvPr id="11" name="文本框 10"/>
+          <p:cNvSpPr txBox="1"/>
+          <p:nvPr/>
+        </p:nvSpPr>
+        <p:spPr>
+          <a:xfrm>
+            <a:off x="10163136" y="4052196"/>
+            <a:ext cx="646331" cy="369332"/>
+          </a:xfrm>
+          <a:prstGeom prst="rect">
+            <a:avLst/>
+          </a:prstGeom>
+          <a:noFill/>
+        </p:spPr>
+        <p:txBody>
+          <a:bodyPr wrap="none" rtlCol="0">
+            <a:spAutoFit/>
+          </a:bodyPr>
+          <a:lstStyle/>
+          <a:p>
+            <a:r>
+              <a:rPr lang="zh-CN" altLang="en-US" dirty="0"/>
+              <a:t>灰</a:t>
+            </a:r>
+            <a:r>
+              <a:rPr lang="zh-CN" altLang="en-US" dirty="0" smtClean="0"/>
+              <a:t>盒</a:t>
+            </a:r>
+            <a:endParaRPr lang="zh-CN" altLang="en-US" dirty="0"/>
+          </a:p>
+        </p:txBody>
+      </p:sp>
+      <p:sp>
+        <p:nvSpPr>
+          <p:cNvPr id="12" name="文本框 11"/>
+          <p:cNvSpPr txBox="1"/>
+          <p:nvPr/>
+        </p:nvSpPr>
+        <p:spPr>
+          <a:xfrm>
+            <a:off x="10154633" y="5316417"/>
+            <a:ext cx="646331" cy="369332"/>
+          </a:xfrm>
+          <a:prstGeom prst="rect">
+            <a:avLst/>
+          </a:prstGeom>
+          <a:noFill/>
+        </p:spPr>
+        <p:txBody>
+          <a:bodyPr wrap="none" rtlCol="0">
+            <a:spAutoFit/>
+          </a:bodyPr>
+          <a:lstStyle/>
+          <a:p>
+            <a:r>
+              <a:rPr lang="zh-CN" altLang="en-US" dirty="0" smtClean="0"/>
+              <a:t>黑盒</a:t>
+            </a:r>
+            <a:endParaRPr lang="zh-CN" altLang="en-US" dirty="0"/>
+          </a:p>
+        </p:txBody>
+      </p:sp>
+      <p:sp>
+        <p:nvSpPr>
+          <p:cNvPr id="13" name="文本框 12"/>
+          <p:cNvSpPr txBox="1"/>
+          <p:nvPr/>
+        </p:nvSpPr>
+        <p:spPr>
+          <a:xfrm>
+            <a:off x="10154632" y="2985634"/>
+            <a:ext cx="646331" cy="369332"/>
+          </a:xfrm>
+          <a:prstGeom prst="rect">
+            <a:avLst/>
+          </a:prstGeom>
+          <a:noFill/>
+        </p:spPr>
+        <p:txBody>
+          <a:bodyPr wrap="none" rtlCol="0">
+            <a:spAutoFit/>
+          </a:bodyPr>
+          <a:lstStyle/>
+          <a:p>
+            <a:r>
+              <a:rPr lang="zh-CN" altLang="en-US" dirty="0" smtClean="0"/>
+              <a:t>白盒</a:t>
+            </a:r>
+            <a:endParaRPr lang="zh-CN" altLang="en-US" dirty="0"/>
+          </a:p>
+        </p:txBody>
+      </p:sp>
+    </p:spTree>
+    <p:extLst>
+      <p:ext uri="{BB962C8B-B14F-4D97-AF65-F5344CB8AC3E}">
+        <p14:creationId xmlns:p14="http://schemas.microsoft.com/office/powerpoint/2010/main" val="567736922"/>
+      </p:ext>
+    </p:extLst>
+  </p:cSld>
+  <p:clrMapOvr>
+    <a:masterClrMapping/>
+  </p:clrMapOvr>
+  <p:timing>
+    <p:tnLst>
+      <p:par>
+        <p:cTn id="1" dur="indefinite" restart="never" nodeType="tmRoot"/>
+      </p:par>
+    </p:tnLst>
+  </p:timing>
+</p:sld>
+</file>
+
+<file path=ppt/slides/slide6.xml><?xml version="1.0" encoding="utf-8"?>
+<p:sld xmlns:a="http://schemas.openxmlformats.org/drawingml/2006/main" xmlns:r="http://schemas.openxmlformats.org/officeDocument/2006/relationships" xmlns:p="http://schemas.openxmlformats.org/presentationml/2006/main">
+  <p:cSld>
+    <p:spTree>
+      <p:nvGrpSpPr>
+        <p:cNvPr id="1" name=""/>
+        <p:cNvGrpSpPr/>
+        <p:nvPr/>
+      </p:nvGrpSpPr>
+      <p:grpSpPr>
+        <a:xfrm>
+          <a:off x="0" y="0"/>
+          <a:ext cx="0" cy="0"/>
+          <a:chOff x="0" y="0"/>
+          <a:chExt cx="0" cy="0"/>
+        </a:xfrm>
+      </p:grpSpPr>
+      <p:sp>
+        <p:nvSpPr>
+          <p:cNvPr id="2" name="标题 1"/>
+          <p:cNvSpPr>
+            <a:spLocks noGrp="1"/>
+          </p:cNvSpPr>
+          <p:nvPr>
+            <p:ph type="title"/>
+          </p:nvPr>
+        </p:nvSpPr>
+        <p:spPr/>
+        <p:txBody>
+          <a:bodyPr/>
+          <a:lstStyle/>
+          <a:p>
+            <a:r>
+              <a:rPr lang="zh-CN" altLang="en-US" dirty="0" smtClean="0"/>
+              <a:t>状态</a:t>
+            </a:r>
+            <a:r>
+              <a:rPr lang="zh-CN" altLang="en-US" dirty="0"/>
+              <a:t>说明</a:t>
+            </a:r>
+            <a:r>
+              <a:rPr lang="zh-CN" altLang="en-US" dirty="0" smtClean="0"/>
+              <a:t>（</a:t>
+            </a:r>
+            <a:r>
+              <a:rPr lang="zh-CN" altLang="en-US" dirty="0"/>
+              <a:t>满意度： </a:t>
+            </a:r>
+            <a:r>
+              <a:rPr lang="en-US" altLang="zh-CN" dirty="0" smtClean="0">
+                <a:sym typeface="Wingdings" panose="05000000000000000000" pitchFamily="2" charset="2"/>
+              </a:rPr>
+              <a:t></a:t>
+            </a:r>
+            <a:r>
+              <a:rPr lang="zh-CN" altLang="en-US" dirty="0" smtClean="0"/>
+              <a:t>）</a:t>
+            </a:r>
+            <a:endParaRPr lang="zh-CN" altLang="en-US" dirty="0"/>
+          </a:p>
+        </p:txBody>
+      </p:sp>
+      <p:sp>
+        <p:nvSpPr>
+          <p:cNvPr id="3" name="内容占位符 2"/>
+          <p:cNvSpPr>
+            <a:spLocks noGrp="1"/>
+          </p:cNvSpPr>
+          <p:nvPr>
+            <p:ph idx="1"/>
+          </p:nvPr>
+        </p:nvSpPr>
+        <p:spPr>
+          <a:xfrm>
+            <a:off x="838201" y="1825625"/>
+            <a:ext cx="10515600" cy="4351338"/>
+          </a:xfrm>
+        </p:spPr>
+        <p:txBody>
+          <a:bodyPr/>
+          <a:lstStyle/>
+          <a:p>
+            <a:r>
+              <a:rPr lang="zh-CN" altLang="en-US" dirty="0" smtClean="0"/>
+              <a:t>基于对业务的理解，设计了通过扩展核心概念（医嘱类型、医嘱</a:t>
+            </a:r>
+            <a:r>
+              <a:rPr lang="zh-CN" altLang="en-US" dirty="0"/>
+              <a:t>执行条目、病历</a:t>
+            </a:r>
+            <a:r>
+              <a:rPr lang="zh-CN" altLang="en-US" dirty="0" smtClean="0"/>
+              <a:t>生成器等）的方式来编写主要业务代码</a:t>
+            </a:r>
+            <a:endParaRPr lang="zh-CN" altLang="en-US" dirty="0"/>
+          </a:p>
+        </p:txBody>
+      </p:sp>
+      <p:pic>
+        <p:nvPicPr>
+          <p:cNvPr id="4" name="图片 3"/>
+          <p:cNvPicPr>
+            <a:picLocks noChangeAspect="1"/>
+          </p:cNvPicPr>
+          <p:nvPr/>
+        </p:nvPicPr>
+        <p:blipFill>
+          <a:blip r:embed="rId2"/>
+          <a:stretch>
+            <a:fillRect/>
+          </a:stretch>
+        </p:blipFill>
+        <p:spPr>
+          <a:xfrm>
+            <a:off x="416512" y="2804281"/>
+            <a:ext cx="3831932" cy="1830652"/>
+          </a:xfrm>
+          <a:prstGeom prst="rect">
+            <a:avLst/>
+          </a:prstGeom>
+        </p:spPr>
+      </p:pic>
+      <p:pic>
+        <p:nvPicPr>
+          <p:cNvPr id="5" name="图片 4"/>
+          <p:cNvPicPr>
+            <a:picLocks noChangeAspect="1"/>
+          </p:cNvPicPr>
+          <p:nvPr/>
+        </p:nvPicPr>
+        <p:blipFill>
+          <a:blip r:embed="rId3"/>
+          <a:stretch>
+            <a:fillRect/>
+          </a:stretch>
+        </p:blipFill>
+        <p:spPr>
+          <a:xfrm>
+            <a:off x="1020117" y="4930556"/>
+            <a:ext cx="2271724" cy="1676531"/>
+          </a:xfrm>
+          <a:prstGeom prst="rect">
+            <a:avLst/>
+          </a:prstGeom>
+        </p:spPr>
+      </p:pic>
+      <p:sp>
+        <p:nvSpPr>
+          <p:cNvPr id="6" name="矩形 5"/>
+          <p:cNvSpPr/>
+          <p:nvPr/>
+        </p:nvSpPr>
+        <p:spPr>
+          <a:xfrm>
+            <a:off x="1288952" y="2870955"/>
+            <a:ext cx="413239" cy="350547"/>
+          </a:xfrm>
+          <a:prstGeom prst="rect">
+            <a:avLst/>
+          </a:prstGeom>
+          <a:noFill/>
+          <a:ln w="25400"/>
+        </p:spPr>
+        <p:style>
+          <a:lnRef idx="2">
+            <a:schemeClr val="accent1">
+              <a:shade val="50000"/>
+            </a:schemeClr>
+          </a:lnRef>
+          <a:fillRef idx="1">
+            <a:schemeClr val="accent1"/>
+          </a:fillRef>
+          <a:effectRef idx="0">
+            <a:schemeClr val="accent1"/>
+          </a:effectRef>
+          <a:fontRef idx="minor">
+            <a:schemeClr val="lt1"/>
+          </a:fontRef>
+        </p:style>
+        <p:txBody>
+          <a:bodyPr rtlCol="0" anchor="ctr"/>
+          <a:lstStyle/>
+          <a:p>
+            <a:pPr algn="ctr"/>
+            <a:endParaRPr lang="zh-CN" altLang="en-US"/>
+          </a:p>
+        </p:txBody>
+      </p:sp>
+      <p:sp>
+        <p:nvSpPr>
+          <p:cNvPr id="7" name="矩形 6"/>
+          <p:cNvSpPr/>
+          <p:nvPr/>
+        </p:nvSpPr>
+        <p:spPr>
+          <a:xfrm>
+            <a:off x="1942396" y="5181350"/>
+            <a:ext cx="435043" cy="310335"/>
+          </a:xfrm>
+          <a:prstGeom prst="rect">
+            <a:avLst/>
+          </a:prstGeom>
+          <a:noFill/>
+          <a:ln w="25400"/>
+        </p:spPr>
+        <p:style>
+          <a:lnRef idx="2">
+            <a:schemeClr val="accent1">
+              <a:shade val="50000"/>
+            </a:schemeClr>
+          </a:lnRef>
+          <a:fillRef idx="1">
+            <a:schemeClr val="accent1"/>
+          </a:fillRef>
+          <a:effectRef idx="0">
+            <a:schemeClr val="accent1"/>
+          </a:effectRef>
+          <a:fontRef idx="minor">
+            <a:schemeClr val="lt1"/>
+          </a:fontRef>
+        </p:style>
+        <p:txBody>
+          <a:bodyPr rtlCol="0" anchor="ctr"/>
+          <a:lstStyle/>
+          <a:p>
+            <a:pPr algn="ctr"/>
+            <a:endParaRPr lang="zh-CN" altLang="en-US"/>
+          </a:p>
+        </p:txBody>
+      </p:sp>
+      <p:pic>
+        <p:nvPicPr>
+          <p:cNvPr id="8" name="图片 7"/>
+          <p:cNvPicPr>
+            <a:picLocks noChangeAspect="1"/>
+          </p:cNvPicPr>
+          <p:nvPr/>
+        </p:nvPicPr>
+        <p:blipFill>
+          <a:blip r:embed="rId4"/>
+          <a:stretch>
+            <a:fillRect/>
+          </a:stretch>
+        </p:blipFill>
+        <p:spPr>
+          <a:xfrm>
+            <a:off x="4473693" y="2732771"/>
+            <a:ext cx="3168582" cy="3330404"/>
+          </a:xfrm>
+          <a:prstGeom prst="rect">
+            <a:avLst/>
+          </a:prstGeom>
+        </p:spPr>
+      </p:pic>
+      <p:pic>
+        <p:nvPicPr>
+          <p:cNvPr id="9" name="图片 8"/>
+          <p:cNvPicPr>
+            <a:picLocks noChangeAspect="1"/>
+          </p:cNvPicPr>
+          <p:nvPr/>
+        </p:nvPicPr>
+        <p:blipFill>
+          <a:blip r:embed="rId5"/>
+          <a:stretch>
+            <a:fillRect/>
+          </a:stretch>
+        </p:blipFill>
+        <p:spPr>
+          <a:xfrm>
+            <a:off x="8556677" y="2732771"/>
+            <a:ext cx="2067302" cy="4125229"/>
+          </a:xfrm>
+          <a:prstGeom prst="rect">
+            <a:avLst/>
+          </a:prstGeom>
+        </p:spPr>
+      </p:pic>
+    </p:spTree>
+    <p:extLst>
+      <p:ext uri="{BB962C8B-B14F-4D97-AF65-F5344CB8AC3E}">
+        <p14:creationId xmlns:p14="http://schemas.microsoft.com/office/powerpoint/2010/main" val="1674671188"/>
+      </p:ext>
+    </p:extLst>
+  </p:cSld>
+  <p:clrMapOvr>
+    <a:masterClrMapping/>
+  </p:clrMapOvr>
+  <p:timing>
+    <p:tnLst>
+      <p:par>
+        <p:cTn id="1" dur="indefinite" restart="never" nodeType="tmRoot"/>
+      </p:par>
+    </p:tnLst>
+  </p:timing>
+</p:sld>
+</file>
+
+<file path=ppt/slides/slide7.xml><?xml version="1.0" encoding="utf-8"?>
+<p:sld xmlns:a="http://schemas.openxmlformats.org/drawingml/2006/main" xmlns:r="http://schemas.openxmlformats.org/officeDocument/2006/relationships" xmlns:p="http://schemas.openxmlformats.org/presentationml/2006/main">
+  <p:cSld>
+    <p:spTree>
+      <p:nvGrpSpPr>
+        <p:cNvPr id="1" name=""/>
+        <p:cNvGrpSpPr/>
+        <p:nvPr/>
+      </p:nvGrpSpPr>
+      <p:grpSpPr>
+        <a:xfrm>
+          <a:off x="0" y="0"/>
+          <a:ext cx="0" cy="0"/>
+          <a:chOff x="0" y="0"/>
+          <a:chExt cx="0" cy="0"/>
+        </a:xfrm>
+      </p:grpSpPr>
+      <p:sp>
+        <p:nvSpPr>
+          <p:cNvPr id="2" name="标题 1"/>
+          <p:cNvSpPr>
+            <a:spLocks noGrp="1"/>
+          </p:cNvSpPr>
+          <p:nvPr>
+            <p:ph type="title"/>
+          </p:nvPr>
+        </p:nvSpPr>
+        <p:spPr/>
+        <p:txBody>
+          <a:bodyPr/>
+          <a:lstStyle/>
+          <a:p>
+            <a:r>
+              <a:rPr lang="zh-CN" altLang="en-US" dirty="0" smtClean="0"/>
+              <a:t>状态</a:t>
+            </a:r>
+            <a:r>
+              <a:rPr lang="zh-CN" altLang="en-US" dirty="0"/>
+              <a:t>说明</a:t>
+            </a:r>
+            <a:r>
+              <a:rPr lang="zh-CN" altLang="en-US" dirty="0" smtClean="0"/>
+              <a:t>（</a:t>
+            </a:r>
+            <a:r>
+              <a:rPr lang="zh-CN" altLang="en-US" dirty="0"/>
+              <a:t>满意度： </a:t>
+            </a:r>
+            <a:r>
+              <a:rPr lang="en-US" altLang="zh-CN" dirty="0" smtClean="0">
+                <a:sym typeface="Wingdings" panose="05000000000000000000" pitchFamily="2" charset="2"/>
+              </a:rPr>
+              <a:t></a:t>
+            </a:r>
+            <a:r>
+              <a:rPr lang="zh-CN" altLang="en-US" dirty="0" smtClean="0"/>
+              <a:t>）</a:t>
+            </a:r>
+            <a:endParaRPr lang="zh-CN" altLang="en-US" dirty="0"/>
+          </a:p>
+        </p:txBody>
+      </p:sp>
+      <p:sp>
+        <p:nvSpPr>
+          <p:cNvPr id="3" name="内容占位符 2"/>
+          <p:cNvSpPr>
+            <a:spLocks noGrp="1"/>
+          </p:cNvSpPr>
+          <p:nvPr>
+            <p:ph idx="1"/>
+          </p:nvPr>
+        </p:nvSpPr>
+        <p:spPr>
+          <a:xfrm>
+            <a:off x="838201" y="1825625"/>
+            <a:ext cx="10302024" cy="4351338"/>
+          </a:xfrm>
+        </p:spPr>
+        <p:txBody>
+          <a:bodyPr/>
+          <a:lstStyle/>
+          <a:p>
+            <a:r>
+              <a:rPr lang="zh-CN" altLang="en-US" dirty="0" smtClean="0"/>
+              <a:t>通过代码模拟了一个患者从登记住院到出院结算，并将其病历归档到档案室的全过程，并可以实现重复模拟该过程</a:t>
+            </a:r>
+            <a:endParaRPr lang="zh-CN" altLang="en-US" dirty="0"/>
+          </a:p>
+        </p:txBody>
+      </p:sp>
+      <p:pic>
+        <p:nvPicPr>
+          <p:cNvPr id="4" name="图片 3"/>
+          <p:cNvPicPr>
+            <a:picLocks noChangeAspect="1"/>
+          </p:cNvPicPr>
+          <p:nvPr/>
+        </p:nvPicPr>
+        <p:blipFill>
+          <a:blip r:embed="rId2"/>
+          <a:stretch>
+            <a:fillRect/>
+          </a:stretch>
+        </p:blipFill>
+        <p:spPr>
+          <a:xfrm>
+            <a:off x="604434" y="2775496"/>
+            <a:ext cx="5801307" cy="3823020"/>
+          </a:xfrm>
+          <a:prstGeom prst="rect">
+            <a:avLst/>
+          </a:prstGeom>
+        </p:spPr>
+      </p:pic>
+      <p:pic>
+        <p:nvPicPr>
+          <p:cNvPr id="5" name="图片 4"/>
+          <p:cNvPicPr>
+            <a:picLocks noChangeAspect="1"/>
+          </p:cNvPicPr>
+          <p:nvPr/>
+        </p:nvPicPr>
+        <p:blipFill>
+          <a:blip r:embed="rId3"/>
+          <a:stretch>
+            <a:fillRect/>
+          </a:stretch>
+        </p:blipFill>
+        <p:spPr>
+          <a:xfrm>
+            <a:off x="6996037" y="2775496"/>
+            <a:ext cx="3553891" cy="522750"/>
+          </a:xfrm>
+          <a:prstGeom prst="rect">
+            <a:avLst/>
+          </a:prstGeom>
+        </p:spPr>
+      </p:pic>
+      <p:pic>
+        <p:nvPicPr>
+          <p:cNvPr id="6" name="图片 5"/>
+          <p:cNvPicPr>
+            <a:picLocks noChangeAspect="1"/>
+          </p:cNvPicPr>
+          <p:nvPr/>
+        </p:nvPicPr>
+        <p:blipFill>
+          <a:blip r:embed="rId4"/>
+          <a:stretch>
+            <a:fillRect/>
+          </a:stretch>
+        </p:blipFill>
+        <p:spPr>
+          <a:xfrm>
+            <a:off x="6996037" y="3494419"/>
+            <a:ext cx="3553891" cy="1923729"/>
+          </a:xfrm>
+          <a:prstGeom prst="rect">
+            <a:avLst/>
+          </a:prstGeom>
+        </p:spPr>
+      </p:pic>
+      <p:pic>
+        <p:nvPicPr>
+          <p:cNvPr id="7" name="图片 6"/>
+          <p:cNvPicPr>
+            <a:picLocks noChangeAspect="1"/>
+          </p:cNvPicPr>
+          <p:nvPr/>
+        </p:nvPicPr>
+        <p:blipFill>
+          <a:blip r:embed="rId5"/>
+          <a:stretch>
+            <a:fillRect/>
+          </a:stretch>
+        </p:blipFill>
+        <p:spPr>
+          <a:xfrm>
+            <a:off x="6996037" y="5614321"/>
+            <a:ext cx="3630005" cy="767954"/>
+          </a:xfrm>
+          <a:prstGeom prst="rect">
+            <a:avLst/>
+          </a:prstGeom>
+        </p:spPr>
+      </p:pic>
+    </p:spTree>
+    <p:extLst>
+      <p:ext uri="{BB962C8B-B14F-4D97-AF65-F5344CB8AC3E}">
+        <p14:creationId xmlns:p14="http://schemas.microsoft.com/office/powerpoint/2010/main" val="2762826962"/>
+      </p:ext>
+    </p:extLst>
+  </p:cSld>
+  <p:clrMapOvr>
+    <a:masterClrMapping/>
+  </p:clrMapOvr>
+  <p:timing>
+    <p:tnLst>
+      <p:par>
+        <p:cTn id="1" dur="indefinite" restart="never" nodeType="tmRoot"/>
+      </p:par>
+    </p:tnLst>
+  </p:timing>
+</p:sld>
+</file>
+
+<file path=ppt/slides/slide8.xml><?xml version="1.0" encoding="utf-8"?>
+<p:sld xmlns:a="http://schemas.openxmlformats.org/drawingml/2006/main" xmlns:r="http://schemas.openxmlformats.org/officeDocument/2006/relationships" xmlns:p="http://schemas.openxmlformats.org/presentationml/2006/main">
+  <p:cSld>
+    <p:spTree>
+      <p:nvGrpSpPr>
+        <p:cNvPr id="1" name=""/>
+        <p:cNvGrpSpPr/>
+        <p:nvPr/>
+      </p:nvGrpSpPr>
+      <p:grpSpPr>
+        <a:xfrm>
+          <a:off x="0" y="0"/>
+          <a:ext cx="0" cy="0"/>
+          <a:chOff x="0" y="0"/>
+          <a:chExt cx="0" cy="0"/>
+        </a:xfrm>
+      </p:grpSpPr>
+      <p:sp>
+        <p:nvSpPr>
+          <p:cNvPr id="2" name="标题 1"/>
+          <p:cNvSpPr>
+            <a:spLocks noGrp="1"/>
+          </p:cNvSpPr>
+          <p:nvPr>
+            <p:ph type="title"/>
+          </p:nvPr>
+        </p:nvSpPr>
+        <p:spPr/>
+        <p:txBody>
+          <a:bodyPr/>
+          <a:lstStyle/>
+          <a:p>
+            <a:r>
+              <a:rPr lang="zh-CN" altLang="en-US" dirty="0" smtClean="0"/>
+              <a:t>下一步计划工作</a:t>
+            </a:r>
+            <a:endParaRPr lang="zh-CN" altLang="en-US" dirty="0"/>
+          </a:p>
+        </p:txBody>
+      </p:sp>
+      <p:sp>
+        <p:nvSpPr>
+          <p:cNvPr id="3" name="内容占位符 2"/>
+          <p:cNvSpPr>
+            <a:spLocks noGrp="1"/>
+          </p:cNvSpPr>
+          <p:nvPr>
+            <p:ph idx="1"/>
+          </p:nvPr>
+        </p:nvSpPr>
+        <p:spPr>
+          <a:xfrm>
+            <a:off x="838201" y="1825625"/>
+            <a:ext cx="10379298" cy="4351338"/>
+          </a:xfrm>
+        </p:spPr>
+        <p:txBody>
+          <a:bodyPr/>
+          <a:lstStyle/>
+          <a:p>
+            <a:r>
+              <a:rPr lang="zh-CN" altLang="en-US" dirty="0" smtClean="0"/>
+              <a:t>分析门诊看病流程，并努力使门诊看病和住院治病流程做到合理的共享（患者一次住院和一次门诊都可以视其为对医院的一次访问）</a:t>
+            </a:r>
+            <a:endParaRPr lang="zh-CN" altLang="en-US" dirty="0"/>
+          </a:p>
+        </p:txBody>
+      </p:sp>
+      <p:pic>
+        <p:nvPicPr>
+          <p:cNvPr id="4" name="图片 3"/>
+          <p:cNvPicPr>
+            <a:picLocks noChangeAspect="1"/>
+          </p:cNvPicPr>
+          <p:nvPr/>
+        </p:nvPicPr>
+        <p:blipFill>
+          <a:blip r:embed="rId2"/>
+          <a:stretch>
+            <a:fillRect/>
+          </a:stretch>
+        </p:blipFill>
+        <p:spPr>
+          <a:xfrm>
+            <a:off x="2982084" y="3093576"/>
+            <a:ext cx="5211831" cy="3414047"/>
+          </a:xfrm>
+          <a:prstGeom prst="rect">
+            <a:avLst/>
+          </a:prstGeom>
+        </p:spPr>
+      </p:pic>
+    </p:spTree>
+    <p:extLst>
+      <p:ext uri="{BB962C8B-B14F-4D97-AF65-F5344CB8AC3E}">
+        <p14:creationId xmlns:p14="http://schemas.microsoft.com/office/powerpoint/2010/main" val="2689442408"/>
+      </p:ext>
+    </p:extLst>
+  </p:cSld>
+  <p:clrMapOvr>
+    <a:masterClrMapping/>
+  </p:clrMapOvr>
+  <p:timing>
+    <p:tnLst>
+      <p:par>
+        <p:cTn id="1" dur="indefinite" restart="never" nodeType="tmRoot"/>
+      </p:par>
+    </p:tnLst>
+  </p:timing>
+</p:sld>
+</file>
+
+<file path=ppt/slides/slide9.xml><?xml version="1.0" encoding="utf-8"?>
+<p:sld xmlns:a="http://schemas.openxmlformats.org/drawingml/2006/main" xmlns:r="http://schemas.openxmlformats.org/officeDocument/2006/relationships" xmlns:p="http://schemas.openxmlformats.org/presentationml/2006/main">
+  <p:cSld>
+    <p:bg>
+      <p:bgPr>
+        <a:blipFill dpi="0" rotWithShape="1">
+          <a:blip r:embed="rId2">
+            <a:lum/>
+          </a:blip>
+          <a:srcRect/>
+          <a:stretch>
+            <a:fillRect t="-13000" b="-13000"/>
+          </a:stretch>
+        </a:blipFill>
+        <a:effectLst/>
+      </p:bgPr>
+    </p:bg>
+    <p:spTree>
+      <p:nvGrpSpPr>
+        <p:cNvPr id="1" name=""/>
+        <p:cNvGrpSpPr/>
+        <p:nvPr/>
+      </p:nvGrpSpPr>
+      <p:grpSpPr>
+        <a:xfrm>
+          <a:off x="0" y="0"/>
+          <a:ext cx="0" cy="0"/>
+          <a:chOff x="0" y="0"/>
+          <a:chExt cx="0" cy="0"/>
+        </a:xfrm>
+      </p:grpSpPr>
+      <p:sp>
+        <p:nvSpPr>
+          <p:cNvPr id="2" name="标题 1"/>
+          <p:cNvSpPr>
+            <a:spLocks noGrp="1"/>
+          </p:cNvSpPr>
+          <p:nvPr>
+            <p:ph type="title"/>
+          </p:nvPr>
+        </p:nvSpPr>
+        <p:spPr/>
+        <p:txBody>
+          <a:bodyPr/>
+          <a:lstStyle/>
+          <a:p>
+            <a:endParaRPr lang="zh-CN" altLang="en-US"/>
+          </a:p>
+        </p:txBody>
+      </p:sp>
+      <p:sp>
+        <p:nvSpPr>
+          <p:cNvPr id="4" name="副标题 2"/>
+          <p:cNvSpPr>
+            <a:spLocks noGrp="1"/>
+          </p:cNvSpPr>
+          <p:nvPr>
+            <p:ph idx="1"/>
+          </p:nvPr>
+        </p:nvSpPr>
+        <p:spPr>
+          <a:xfrm>
+            <a:off x="8024247" y="2036640"/>
+            <a:ext cx="4167753" cy="4351338"/>
+          </a:xfrm>
+        </p:spPr>
+        <p:txBody>
+          <a:bodyPr>
+            <a:normAutofit/>
+          </a:bodyPr>
+          <a:lstStyle/>
+          <a:p>
+            <a:r>
+              <a:rPr lang="zh-CN" altLang="en-US" b="1" dirty="0">
+                <a:solidFill>
+                  <a:schemeClr val="accent6">
+                    <a:lumMod val="50000"/>
+                  </a:schemeClr>
+                </a:solidFill>
+              </a:rPr>
+              <a:t>自</a:t>
+            </a:r>
+            <a:r>
+              <a:rPr lang="en-US" altLang="zh-CN" b="1" dirty="0">
+                <a:solidFill>
+                  <a:schemeClr val="accent6">
+                    <a:lumMod val="50000"/>
+                  </a:schemeClr>
+                </a:solidFill>
+              </a:rPr>
+              <a:t>《</a:t>
+            </a:r>
+            <a:r>
+              <a:rPr lang="zh-CN" altLang="en-US" b="1" dirty="0">
+                <a:solidFill>
+                  <a:schemeClr val="accent6">
+                    <a:lumMod val="50000"/>
+                  </a:schemeClr>
+                </a:solidFill>
+              </a:rPr>
+              <a:t>希望</a:t>
+            </a:r>
+            <a:r>
+              <a:rPr lang="en-US" altLang="zh-CN" b="1" dirty="0">
+                <a:solidFill>
+                  <a:schemeClr val="accent6">
+                    <a:lumMod val="50000"/>
+                  </a:schemeClr>
+                </a:solidFill>
+              </a:rPr>
+              <a:t>——</a:t>
+            </a:r>
+            <a:r>
+              <a:rPr lang="zh-CN" altLang="en-US" b="1" dirty="0">
+                <a:solidFill>
+                  <a:schemeClr val="accent6">
+                    <a:lumMod val="50000"/>
+                  </a:schemeClr>
+                </a:solidFill>
+              </a:rPr>
+              <a:t>春暖花开，年轻十</a:t>
+            </a:r>
+            <a:r>
+              <a:rPr lang="zh-CN" altLang="en-US" b="1" dirty="0">
+                <a:solidFill>
+                  <a:schemeClr val="accent6">
+                    <a:lumMod val="50000"/>
+                  </a:schemeClr>
+                </a:solidFill>
+              </a:rPr>
+              <a:t>岁</a:t>
+            </a:r>
+            <a:r>
+              <a:rPr lang="en-US" altLang="zh-CN" b="1" dirty="0">
+                <a:solidFill>
+                  <a:schemeClr val="accent6">
+                    <a:lumMod val="50000"/>
+                  </a:schemeClr>
+                </a:solidFill>
+              </a:rPr>
+              <a:t>》</a:t>
+            </a:r>
+            <a:endParaRPr lang="zh-CN" altLang="en-US" b="1" dirty="0">
+              <a:solidFill>
+                <a:schemeClr val="accent6">
+                  <a:lumMod val="50000"/>
+                </a:schemeClr>
+              </a:solidFill>
+            </a:endParaRPr>
+          </a:p>
+          <a:p>
+            <a:endParaRPr lang="zh-CN" dirty="0">
+              <a:latin typeface="Microsoft YaHei UI" panose="020B0503020204020204" pitchFamily="34" charset="-122"/>
+              <a:ea typeface="Microsoft YaHei UI" panose="020B0503020204020204" pitchFamily="34" charset="-122"/>
+            </a:endParaRPr>
+          </a:p>
+        </p:txBody>
+      </p:sp>
+    </p:spTree>
+    <p:extLst>
+      <p:ext uri="{BB962C8B-B14F-4D97-AF65-F5344CB8AC3E}">
+        <p14:creationId xmlns:p14="http://schemas.microsoft.com/office/powerpoint/2010/main" val="3226259241"/>
+      </p:ext>
+    </p:extLst>
+  </p:cSld>
+  <p:clrMapOvr>
+    <a:masterClrMapping/>
+  </p:clrMapOvr>
   <p:timing>
     <p:tnLst>
       <p:par>
@@ -7261,6 +8147,267 @@
 </a:theme>
 </file>
 
+<file path=ppt/theme/theme3.xml><?xml version="1.0" encoding="utf-8"?>
+<a:theme xmlns:a="http://schemas.openxmlformats.org/drawingml/2006/main" name="Office 主题">
+  <a:themeElements>
+    <a:clrScheme name="Office">
+      <a:dk1>
+        <a:sysClr val="windowText" lastClr="000000"/>
+      </a:dk1>
+      <a:lt1>
+        <a:sysClr val="window" lastClr="FFFFFF"/>
+      </a:lt1>
+      <a:dk2>
+        <a:srgbClr val="44546A"/>
+      </a:dk2>
+      <a:lt2>
+        <a:srgbClr val="E7E6E6"/>
+      </a:lt2>
+      <a:accent1>
+        <a:srgbClr val="5B9BD5"/>
+      </a:accent1>
+      <a:accent2>
+        <a:srgbClr val="ED7D31"/>
+      </a:accent2>
+      <a:accent3>
+        <a:srgbClr val="A5A5A5"/>
+      </a:accent3>
+      <a:accent4>
+        <a:srgbClr val="FFC000"/>
+      </a:accent4>
+      <a:accent5>
+        <a:srgbClr val="4472C4"/>
+      </a:accent5>
+      <a:accent6>
+        <a:srgbClr val="70AD47"/>
+      </a:accent6>
+      <a:hlink>
+        <a:srgbClr val="0563C1"/>
+      </a:hlink>
+      <a:folHlink>
+        <a:srgbClr val="954F72"/>
+      </a:folHlink>
+    </a:clrScheme>
+    <a:fontScheme name="Office">
+      <a:majorFont>
+        <a:latin typeface="Calibri Light" panose="020F0302020204030204"/>
+        <a:ea typeface=""/>
+        <a:cs typeface=""/>
+        <a:font script="Jpan" typeface="ＭＳ Ｐゴシック"/>
+        <a:font script="Hang" typeface="맑은 고딕"/>
+        <a:font script="Hans" typeface="宋体"/>
+        <a:font script="Hant" typeface="新細明體"/>
+        <a:font script="Arab" typeface="Times New Roman"/>
+        <a:font script="Hebr" typeface="Times New Roman"/>
+        <a:font script="Thai" typeface="Angsana New"/>
+        <a:font script="Ethi" typeface="Nyala"/>
+        <a:font script="Beng" typeface="Vrinda"/>
+        <a:font script="Gujr" typeface="Shruti"/>
+        <a:font script="Khmr" typeface="MoolBoran"/>
+        <a:font script="Knda" typeface="Tunga"/>
+        <a:font script="Guru" typeface="Raavi"/>
+        <a:font script="Cans" typeface="Euphemia"/>
+        <a:font script="Cher" typeface="Plantagenet Cherokee"/>
+        <a:font script="Yiii" typeface="Microsoft Yi Baiti"/>
+        <a:font script="Tibt" typeface="Microsoft Himalaya"/>
+        <a:font script="Thaa" typeface="MV Boli"/>
+        <a:font script="Deva" typeface="Mangal"/>
+        <a:font script="Telu" typeface="Gautami"/>
+        <a:font script="Taml" typeface="Latha"/>
+        <a:font script="Syrc" typeface="Estrangelo Edessa"/>
+        <a:font script="Orya" typeface="Kalinga"/>
+        <a:font script="Mlym" typeface="Kartika"/>
+        <a:font script="Laoo" typeface="DokChampa"/>
+        <a:font script="Sinh" typeface="Iskoola Pota"/>
+        <a:font script="Mong" typeface="Mongolian Baiti"/>
+        <a:font script="Viet" typeface="Times New Roman"/>
+        <a:font script="Uigh" typeface="Microsoft Uighur"/>
+        <a:font script="Geor" typeface="Sylfaen"/>
+      </a:majorFont>
+      <a:minorFont>
+        <a:latin typeface="Calibri" panose="020F0502020204030204"/>
+        <a:ea typeface=""/>
+        <a:cs typeface=""/>
+        <a:font script="Jpan" typeface="ＭＳ Ｐゴシック"/>
+        <a:font script="Hang" typeface="맑은 고딕"/>
+        <a:font script="Hans" typeface="宋体"/>
+        <a:font script="Hant" typeface="新細明體"/>
+        <a:font script="Arab" typeface="Arial"/>
+        <a:font script="Hebr" typeface="Arial"/>
+        <a:font script="Thai" typeface="Cordia New"/>
+        <a:font script="Ethi" typeface="Nyala"/>
+        <a:font script="Beng" typeface="Vrinda"/>
+        <a:font script="Gujr" typeface="Shruti"/>
+        <a:font script="Khmr" typeface="DaunPenh"/>
+        <a:font script="Knda" typeface="Tunga"/>
+        <a:font script="Guru" typeface="Raavi"/>
+        <a:font script="Cans" typeface="Euphemia"/>
+        <a:font script="Cher" typeface="Plantagenet Cherokee"/>
+        <a:font script="Yiii" typeface="Microsoft Yi Baiti"/>
+        <a:font script="Tibt" typeface="Microsoft Himalaya"/>
+        <a:font script="Thaa" typeface="MV Boli"/>
+        <a:font script="Deva" typeface="Mangal"/>
+        <a:font script="Telu" typeface="Gautami"/>
+        <a:font script="Taml" typeface="Latha"/>
+        <a:font script="Syrc" typeface="Estrangelo Edessa"/>
+        <a:font script="Orya" typeface="Kalinga"/>
+        <a:font script="Mlym" typeface="Kartika"/>
+        <a:font script="Laoo" typeface="DokChampa"/>
+        <a:font script="Sinh" typeface="Iskoola Pota"/>
+        <a:font script="Mong" typeface="Mongolian Baiti"/>
+        <a:font script="Viet" typeface="Arial"/>
+        <a:font script="Uigh" typeface="Microsoft Uighur"/>
+        <a:font script="Geor" typeface="Sylfaen"/>
+      </a:minorFont>
+    </a:fontScheme>
+    <a:fmtScheme name="Office">
+      <a:fillStyleLst>
+        <a:solidFill>
+          <a:schemeClr val="phClr"/>
+        </a:solidFill>
+        <a:gradFill rotWithShape="1">
+          <a:gsLst>
+            <a:gs pos="0">
+              <a:schemeClr val="phClr">
+                <a:lumMod val="110000"/>
+                <a:satMod val="105000"/>
+                <a:tint val="67000"/>
+              </a:schemeClr>
+            </a:gs>
+            <a:gs pos="50000">
+              <a:schemeClr val="phClr">
+                <a:lumMod val="105000"/>
+                <a:satMod val="103000"/>
+                <a:tint val="73000"/>
+              </a:schemeClr>
+            </a:gs>
+            <a:gs pos="100000">
+              <a:schemeClr val="phClr">
+                <a:lumMod val="105000"/>
+                <a:satMod val="109000"/>
+                <a:tint val="81000"/>
+              </a:schemeClr>
+            </a:gs>
+          </a:gsLst>
+          <a:lin ang="5400000" scaled="0"/>
+        </a:gradFill>
+        <a:gradFill rotWithShape="1">
+          <a:gsLst>
+            <a:gs pos="0">
+              <a:schemeClr val="phClr">
+                <a:satMod val="103000"/>
+                <a:lumMod val="102000"/>
+                <a:tint val="94000"/>
+              </a:schemeClr>
+            </a:gs>
+            <a:gs pos="50000">
+              <a:schemeClr val="phClr">
+                <a:satMod val="110000"/>
+                <a:lumMod val="100000"/>
+                <a:shade val="100000"/>
+              </a:schemeClr>
+            </a:gs>
+            <a:gs pos="100000">
+              <a:schemeClr val="phClr">
+                <a:lumMod val="99000"/>
+                <a:satMod val="120000"/>
+                <a:shade val="78000"/>
+              </a:schemeClr>
+            </a:gs>
+          </a:gsLst>
+          <a:lin ang="5400000" scaled="0"/>
+        </a:gradFill>
+      </a:fillStyleLst>
+      <a:lnStyleLst>
+        <a:ln w="6350" cap="flat" cmpd="sng" algn="ctr">
+          <a:solidFill>
+            <a:schemeClr val="phClr"/>
+          </a:solidFill>
+          <a:prstDash val="solid"/>
+          <a:miter lim="800000"/>
+        </a:ln>
+        <a:ln w="12700" cap="flat" cmpd="sng" algn="ctr">
+          <a:solidFill>
+            <a:schemeClr val="phClr"/>
+          </a:solidFill>
+          <a:prstDash val="solid"/>
+          <a:miter lim="800000"/>
+        </a:ln>
+        <a:ln w="19050" cap="flat" cmpd="sng" algn="ctr">
+          <a:solidFill>
+            <a:schemeClr val="phClr"/>
+          </a:solidFill>
+          <a:prstDash val="solid"/>
+          <a:miter lim="800000"/>
+        </a:ln>
+      </a:lnStyleLst>
+      <a:effectStyleLst>
+        <a:effectStyle>
+          <a:effectLst/>
+        </a:effectStyle>
+        <a:effectStyle>
+          <a:effectLst/>
+        </a:effectStyle>
+        <a:effectStyle>
+          <a:effectLst>
+            <a:outerShdw blurRad="57150" dist="19050" dir="5400000" algn="ctr" rotWithShape="0">
+              <a:srgbClr val="000000">
+                <a:alpha val="63000"/>
+              </a:srgbClr>
+            </a:outerShdw>
+          </a:effectLst>
+        </a:effectStyle>
+      </a:effectStyleLst>
+      <a:bgFillStyleLst>
+        <a:solidFill>
+          <a:schemeClr val="phClr"/>
+        </a:solidFill>
+        <a:solidFill>
+          <a:schemeClr val="phClr">
+            <a:tint val="95000"/>
+            <a:satMod val="170000"/>
+          </a:schemeClr>
+        </a:solidFill>
+        <a:gradFill rotWithShape="1">
+          <a:gsLst>
+            <a:gs pos="0">
+              <a:schemeClr val="phClr">
+                <a:tint val="93000"/>
+                <a:satMod val="150000"/>
+                <a:shade val="98000"/>
+                <a:lumMod val="102000"/>
+              </a:schemeClr>
+            </a:gs>
+            <a:gs pos="50000">
+              <a:schemeClr val="phClr">
+                <a:tint val="98000"/>
+                <a:satMod val="130000"/>
+                <a:shade val="90000"/>
+                <a:lumMod val="103000"/>
+              </a:schemeClr>
+            </a:gs>
+            <a:gs pos="100000">
+              <a:schemeClr val="phClr">
+                <a:shade val="63000"/>
+                <a:satMod val="120000"/>
+              </a:schemeClr>
+            </a:gs>
+          </a:gsLst>
+          <a:lin ang="5400000" scaled="0"/>
+        </a:gradFill>
+      </a:bgFillStyleLst>
+    </a:fmtScheme>
+  </a:themeElements>
+  <a:objectDefaults/>
+  <a:extraClrSchemeLst/>
+  <a:extLst>
+    <a:ext uri="{05A4C25C-085E-4340-85A3-A5531E510DB2}">
+      <thm15:themeFamily xmlns:thm15="http://schemas.microsoft.com/office/thememl/2012/main" name="Office Theme" id="{62F939B6-93AF-4DB8-9C6B-D6C7DFDC589F}" vid="{4A3C46E8-61CC-4603-A589-7422A47A8E4A}"/>
+    </a:ext>
+  </a:extLst>
+</a:theme>
+</file>
+
 <file path=customXml/item1.xml><?xml version="1.0" encoding="utf-8"?>
 <?mso-contentType ?>
 <FormTemplates xmlns="http://schemas.microsoft.com/sharepoint/v3/contenttype/forms">

--- a/doc/状态报告 2017-2-27.pptx
+++ b/doc/状态报告 2017-2-27.pptx
@@ -5,10 +5,10 @@
     <p:sldMasterId id="2147483660" r:id="rId2"/>
   </p:sldMasterIdLst>
   <p:notesMasterIdLst>
-    <p:notesMasterId r:id="rId13"/>
+    <p:notesMasterId r:id="rId14"/>
   </p:notesMasterIdLst>
   <p:handoutMasterIdLst>
-    <p:handoutMasterId r:id="rId14"/>
+    <p:handoutMasterId r:id="rId15"/>
   </p:handoutMasterIdLst>
   <p:sldIdLst>
     <p:sldId id="256" r:id="rId3"/>
@@ -18,9 +18,10 @@
     <p:sldId id="269" r:id="rId7"/>
     <p:sldId id="266" r:id="rId8"/>
     <p:sldId id="267" r:id="rId9"/>
-    <p:sldId id="268" r:id="rId10"/>
-    <p:sldId id="270" r:id="rId11"/>
-    <p:sldId id="263" r:id="rId12"/>
+    <p:sldId id="272" r:id="rId10"/>
+    <p:sldId id="268" r:id="rId11"/>
+    <p:sldId id="270" r:id="rId12"/>
+    <p:sldId id="271" r:id="rId13"/>
   </p:sldIdLst>
   <p:sldSz cx="12192000" cy="6858000"/>
   <p:notesSz cx="6858000" cy="9144000"/>
@@ -135,14 +136,14 @@
             <p14:sldId id="269"/>
             <p14:sldId id="266"/>
             <p14:sldId id="267"/>
+            <p14:sldId id="272"/>
             <p14:sldId id="268"/>
             <p14:sldId id="270"/>
+            <p14:sldId id="271"/>
           </p14:sldIdLst>
         </p14:section>
         <p14:section name="了解更多" id="{2CC34DB2-6590-42C0-AD4B-A04C6060184E}">
-          <p14:sldIdLst>
-            <p14:sldId id="263"/>
-          </p14:sldIdLst>
+          <p14:sldIdLst/>
         </p14:section>
       </p14:sectionLst>
     </p:ext>
@@ -159,6 +160,9 @@
           </p15:clr>
         </p15:guide>
       </p15:sldGuideLst>
+    </p:ext>
+    <p:ext uri="{2D200454-40CA-4A62-9FC3-DE9A4176ACB9}">
+      <p15:notesGuideLst xmlns:p15="http://schemas.microsoft.com/office/powerpoint/2012/main"/>
     </p:ext>
   </p:extLst>
 </p:presentation>
@@ -762,103 +766,6 @@
     <p:extLst>
       <p:ext uri="{BB962C8B-B14F-4D97-AF65-F5344CB8AC3E}">
         <p14:creationId xmlns:p14="http://schemas.microsoft.com/office/powerpoint/2010/main" val="1011769815"/>
-      </p:ext>
-    </p:extLst>
-  </p:cSld>
-  <p:clrMapOvr>
-    <a:masterClrMapping/>
-  </p:clrMapOvr>
-</p:notes>
-</file>
-
-<file path=ppt/notesSlides/notesSlide2.xml><?xml version="1.0" encoding="utf-8"?>
-<p:notes xmlns:a="http://schemas.openxmlformats.org/drawingml/2006/main" xmlns:r="http://schemas.openxmlformats.org/officeDocument/2006/relationships" xmlns:p="http://schemas.openxmlformats.org/presentationml/2006/main">
-  <p:cSld>
-    <p:spTree>
-      <p:nvGrpSpPr>
-        <p:cNvPr id="1" name=""/>
-        <p:cNvGrpSpPr/>
-        <p:nvPr/>
-      </p:nvGrpSpPr>
-      <p:grpSpPr>
-        <a:xfrm>
-          <a:off x="0" y="0"/>
-          <a:ext cx="0" cy="0"/>
-          <a:chOff x="0" y="0"/>
-          <a:chExt cx="0" cy="0"/>
-        </a:xfrm>
-      </p:grpSpPr>
-      <p:sp>
-        <p:nvSpPr>
-          <p:cNvPr id="2" name="幻灯片图像占位符 1"/>
-          <p:cNvSpPr>
-            <a:spLocks noGrp="1" noRot="1" noChangeAspect="1"/>
-          </p:cNvSpPr>
-          <p:nvPr>
-            <p:ph type="sldImg"/>
-          </p:nvPr>
-        </p:nvSpPr>
-        <p:spPr>
-          <a:xfrm>
-            <a:off x="685800" y="1143000"/>
-            <a:ext cx="5486400" cy="3086100"/>
-          </a:xfrm>
-        </p:spPr>
-      </p:sp>
-      <p:sp>
-        <p:nvSpPr>
-          <p:cNvPr id="3" name="备注占位符 2"/>
-          <p:cNvSpPr>
-            <a:spLocks noGrp="1"/>
-          </p:cNvSpPr>
-          <p:nvPr>
-            <p:ph type="body" idx="1"/>
-          </p:nvPr>
-        </p:nvSpPr>
-        <p:spPr/>
-        <p:txBody>
-          <a:bodyPr/>
-          <a:lstStyle/>
-          <a:p>
-            <a:r>
-              <a:rPr lang="zh-CN" dirty="0" smtClean="0"/>
-              <a:t>在 </a:t>
-            </a:r>
-            <a:r>
-              <a:rPr lang="zh-CN" baseline="0" dirty="0" smtClean="0"/>
-              <a:t>“幻灯片放映”模式，单击箭头进入 PowerPoint 入门中心。</a:t>
-            </a:r>
-            <a:endParaRPr lang="zh-CN" dirty="0"/>
-          </a:p>
-        </p:txBody>
-      </p:sp>
-      <p:sp>
-        <p:nvSpPr>
-          <p:cNvPr id="4" name="幻灯片编号占位符 3"/>
-          <p:cNvSpPr>
-            <a:spLocks noGrp="1"/>
-          </p:cNvSpPr>
-          <p:nvPr>
-            <p:ph type="sldNum" sz="quarter" idx="10"/>
-          </p:nvPr>
-        </p:nvSpPr>
-        <p:spPr/>
-        <p:txBody>
-          <a:bodyPr/>
-          <a:lstStyle/>
-          <a:p>
-            <a:fld id="{DF61EA0F-A667-4B49-8422-0062BC55E249}" type="slidenum">
-              <a:rPr lang="en-US" altLang="zh-CN" smtClean="0"/>
-              <a:t>10</a:t>
-            </a:fld>
-            <a:endParaRPr lang="zh-CN"/>
-          </a:p>
-        </p:txBody>
-      </p:sp>
-    </p:spTree>
-    <p:extLst>
-      <p:ext uri="{BB962C8B-B14F-4D97-AF65-F5344CB8AC3E}">
-        <p14:creationId xmlns:p14="http://schemas.microsoft.com/office/powerpoint/2010/main" val="1851196112"/>
       </p:ext>
     </p:extLst>
   </p:cSld>
@@ -4987,7 +4894,7 @@
 </file>
 
 <file path=ppt/slides/slide1.xml><?xml version="1.0" encoding="utf-8"?>
-<p:sld xmlns:a="http://schemas.openxmlformats.org/drawingml/2006/main" xmlns:r="http://schemas.openxmlformats.org/officeDocument/2006/relationships" xmlns:p="http://schemas.openxmlformats.org/presentationml/2006/main">
+<p:sld xmlns:a="http://schemas.openxmlformats.org/drawingml/2006/main" xmlns:r="http://schemas.openxmlformats.org/officeDocument/2006/relationships" xmlns:p="http://schemas.openxmlformats.org/presentationml/2006/main" showMasterSp="0">
   <p:cSld>
     <p:bg>
       <p:bgPr>
@@ -5027,7 +4934,12 @@
             <p:ph type="title"/>
           </p:nvPr>
         </p:nvSpPr>
-        <p:spPr/>
+        <p:spPr>
+          <a:xfrm>
+            <a:off x="838201" y="4586068"/>
+            <a:ext cx="10749367" cy="1208868"/>
+          </a:xfrm>
+        </p:spPr>
         <p:txBody>
           <a:bodyPr/>
           <a:lstStyle/>
@@ -5072,7 +4984,12 @@
             <p:ph idx="1"/>
           </p:nvPr>
         </p:nvSpPr>
-        <p:spPr/>
+        <p:spPr>
+          <a:xfrm>
+            <a:off x="838201" y="1825625"/>
+            <a:ext cx="7503941" cy="4351338"/>
+          </a:xfrm>
+        </p:spPr>
         <p:txBody>
           <a:bodyPr>
             <a:normAutofit/>
@@ -5121,17 +5038,17 @@
                   </a:schemeClr>
                 </a:solidFill>
               </a:rPr>
-              <a:t>战斗</a:t>
-            </a:r>
-            <a:r>
-              <a:rPr lang="en-US" altLang="zh-CN" b="1" dirty="0" smtClean="0">
+              <a:t>战斗（</a:t>
+            </a:r>
+            <a:r>
+              <a:rPr lang="zh-CN" altLang="en-US" b="1" dirty="0">
                 <a:solidFill>
                   <a:schemeClr val="accent6">
                     <a:lumMod val="50000"/>
                   </a:schemeClr>
                 </a:solidFill>
               </a:rPr>
-              <a:t>》</a:t>
+              <a:t>刚哥说文化之刚哥说情怀</a:t>
             </a:r>
             <a:r>
               <a:rPr lang="zh-CN" altLang="en-US" b="1" dirty="0" smtClean="0">
@@ -5141,18 +5058,25 @@
                   </a:schemeClr>
                 </a:solidFill>
               </a:rPr>
-              <a:t>（</a:t>
-            </a:r>
-            <a:r>
-              <a:rPr lang="zh-CN" altLang="en-US" b="1" dirty="0">
+              <a:t>）</a:t>
+            </a:r>
+            <a:r>
+              <a:rPr lang="en-US" altLang="zh-CN" b="1" dirty="0">
                 <a:solidFill>
                   <a:schemeClr val="accent6">
                     <a:lumMod val="50000"/>
                   </a:schemeClr>
                 </a:solidFill>
               </a:rPr>
-              <a:t>刚哥说文化之刚哥说情怀）</a:t>
-            </a:r>
+              <a:t> 》</a:t>
+            </a:r>
+            <a:endParaRPr lang="zh-CN" altLang="en-US" b="1" dirty="0">
+              <a:solidFill>
+                <a:schemeClr val="accent6">
+                  <a:lumMod val="50000"/>
+                </a:schemeClr>
+              </a:solidFill>
+            </a:endParaRPr>
           </a:p>
           <a:p>
             <a:endParaRPr lang="zh-CN" dirty="0">
@@ -5183,7 +5107,175 @@
 </file>
 
 <file path=ppt/slides/slide10.xml><?xml version="1.0" encoding="utf-8"?>
-<p:sld xmlns:a="http://schemas.openxmlformats.org/drawingml/2006/main" xmlns:r="http://schemas.openxmlformats.org/officeDocument/2006/relationships" xmlns:p="http://schemas.openxmlformats.org/presentationml/2006/main">
+<p:sld xmlns:a="http://schemas.openxmlformats.org/drawingml/2006/main" xmlns:r="http://schemas.openxmlformats.org/officeDocument/2006/relationships" xmlns:p="http://schemas.openxmlformats.org/presentationml/2006/main" showMasterSp="0">
+  <p:cSld>
+    <p:bg>
+      <p:bgPr>
+        <a:blipFill dpi="0" rotWithShape="1">
+          <a:blip r:embed="rId2">
+            <a:lum/>
+          </a:blip>
+          <a:srcRect/>
+          <a:stretch>
+            <a:fillRect t="-13000" b="-13000"/>
+          </a:stretch>
+        </a:blipFill>
+        <a:effectLst/>
+      </p:bgPr>
+    </p:bg>
+    <p:spTree>
+      <p:nvGrpSpPr>
+        <p:cNvPr id="1" name=""/>
+        <p:cNvGrpSpPr/>
+        <p:nvPr/>
+      </p:nvGrpSpPr>
+      <p:grpSpPr>
+        <a:xfrm>
+          <a:off x="0" y="0"/>
+          <a:ext cx="0" cy="0"/>
+          <a:chOff x="0" y="0"/>
+          <a:chExt cx="0" cy="0"/>
+        </a:xfrm>
+      </p:grpSpPr>
+      <p:sp>
+        <p:nvSpPr>
+          <p:cNvPr id="2" name="标题 1"/>
+          <p:cNvSpPr>
+            <a:spLocks noGrp="1"/>
+          </p:cNvSpPr>
+          <p:nvPr>
+            <p:ph type="title"/>
+          </p:nvPr>
+        </p:nvSpPr>
+        <p:spPr/>
+        <p:txBody>
+          <a:bodyPr/>
+          <a:lstStyle/>
+          <a:p>
+            <a:endParaRPr lang="zh-CN" altLang="en-US"/>
+          </a:p>
+        </p:txBody>
+      </p:sp>
+      <p:sp>
+        <p:nvSpPr>
+          <p:cNvPr id="4" name="副标题 2"/>
+          <p:cNvSpPr>
+            <a:spLocks noGrp="1"/>
+          </p:cNvSpPr>
+          <p:nvPr>
+            <p:ph idx="1"/>
+          </p:nvPr>
+        </p:nvSpPr>
+        <p:spPr>
+          <a:xfrm>
+            <a:off x="8024247" y="446991"/>
+            <a:ext cx="4167753" cy="4351338"/>
+          </a:xfrm>
+        </p:spPr>
+        <p:txBody>
+          <a:bodyPr>
+            <a:normAutofit/>
+          </a:bodyPr>
+          <a:lstStyle/>
+          <a:p>
+            <a:r>
+              <a:rPr lang="zh-CN" altLang="en-US" b="1" dirty="0">
+                <a:solidFill>
+                  <a:schemeClr val="accent6">
+                    <a:lumMod val="50000"/>
+                  </a:schemeClr>
+                </a:solidFill>
+              </a:rPr>
+              <a:t>自</a:t>
+            </a:r>
+            <a:r>
+              <a:rPr lang="en-US" altLang="zh-CN" b="1" dirty="0">
+                <a:solidFill>
+                  <a:schemeClr val="accent6">
+                    <a:lumMod val="50000"/>
+                  </a:schemeClr>
+                </a:solidFill>
+              </a:rPr>
+              <a:t>《</a:t>
+            </a:r>
+            <a:r>
+              <a:rPr lang="zh-CN" altLang="en-US" b="1" dirty="0">
+                <a:solidFill>
+                  <a:schemeClr val="accent6">
+                    <a:lumMod val="50000"/>
+                  </a:schemeClr>
+                </a:solidFill>
+              </a:rPr>
+              <a:t>希望</a:t>
+            </a:r>
+            <a:r>
+              <a:rPr lang="en-US" altLang="zh-CN" b="1" dirty="0">
+                <a:solidFill>
+                  <a:schemeClr val="accent6">
+                    <a:lumMod val="50000"/>
+                  </a:schemeClr>
+                </a:solidFill>
+              </a:rPr>
+              <a:t>——</a:t>
+            </a:r>
+            <a:r>
+              <a:rPr lang="zh-CN" altLang="en-US" b="1" dirty="0">
+                <a:solidFill>
+                  <a:schemeClr val="accent6">
+                    <a:lumMod val="50000"/>
+                  </a:schemeClr>
+                </a:solidFill>
+              </a:rPr>
+              <a:t>春暖花开，年轻十岁</a:t>
+            </a:r>
+            <a:r>
+              <a:rPr lang="en-US" altLang="zh-CN" b="1" dirty="0">
+                <a:solidFill>
+                  <a:schemeClr val="accent6">
+                    <a:lumMod val="50000"/>
+                  </a:schemeClr>
+                </a:solidFill>
+              </a:rPr>
+              <a:t>》</a:t>
+            </a:r>
+            <a:endParaRPr lang="zh-CN" altLang="en-US" b="1" dirty="0">
+              <a:solidFill>
+                <a:schemeClr val="accent6">
+                  <a:lumMod val="50000"/>
+                </a:schemeClr>
+              </a:solidFill>
+            </a:endParaRPr>
+          </a:p>
+          <a:p>
+            <a:endParaRPr lang="zh-CN" dirty="0">
+              <a:latin typeface="Microsoft YaHei UI" panose="020B0503020204020204" pitchFamily="34" charset="-122"/>
+              <a:ea typeface="Microsoft YaHei UI" panose="020B0503020204020204" pitchFamily="34" charset="-122"/>
+            </a:endParaRPr>
+          </a:p>
+        </p:txBody>
+      </p:sp>
+    </p:spTree>
+    <p:extLst>
+      <p:ext uri="{BB962C8B-B14F-4D97-AF65-F5344CB8AC3E}">
+        <p14:creationId xmlns:p14="http://schemas.microsoft.com/office/powerpoint/2010/main" val="3226259241"/>
+      </p:ext>
+    </p:extLst>
+  </p:cSld>
+  <p:clrMapOvr>
+    <a:masterClrMapping/>
+  </p:clrMapOvr>
+  <p:timing>
+    <p:tnLst>
+      <p:par>
+        <p:cTn id="1" dur="indefinite" restart="never" nodeType="tmRoot"/>
+      </p:par>
+    </p:tnLst>
+  </p:timing>
+</p:sld>
+</file>
+
+<file path=ppt/slides/slide11.xml><?xml version="1.0" encoding="utf-8"?>
+<p:sld xmlns:a="http://schemas.openxmlformats.org/drawingml/2006/main" xmlns:r="http://schemas.openxmlformats.org/officeDocument/2006/relationships" xmlns:p="http://schemas.openxmlformats.org/presentationml/2006/main" showMasterSp="0">
   <p:cSld>
     <p:spTree>
       <p:nvGrpSpPr>
@@ -5201,566 +5293,166 @@
       </p:grpSpPr>
       <p:sp>
         <p:nvSpPr>
-          <p:cNvPr id="2" name="标题 1"/>
-          <p:cNvSpPr>
-            <a:spLocks noGrp="1"/>
-          </p:cNvSpPr>
-          <p:nvPr>
-            <p:ph type="title"/>
-          </p:nvPr>
-        </p:nvSpPr>
-        <p:spPr/>
-        <p:txBody>
-          <a:bodyPr/>
-          <a:lstStyle/>
-          <a:p>
-            <a:r>
-              <a:rPr lang="zh-CN" sz="4000" dirty="0">
-                <a:latin typeface="Microsoft YaHei UI" panose="020B0503020204020204" pitchFamily="34" charset="-122"/>
-                <a:ea typeface="Microsoft YaHei UI" panose="020B0503020204020204" pitchFamily="34" charset="-122"/>
-              </a:rPr>
-              <a:t>PowerPoint 2013</a:t>
-            </a:r>
-          </a:p>
-        </p:txBody>
-      </p:sp>
-      <p:sp>
-        <p:nvSpPr>
-          <p:cNvPr id="3" name="文本占位符 2"/>
-          <p:cNvSpPr>
-            <a:spLocks noGrp="1"/>
-          </p:cNvSpPr>
-          <p:nvPr>
-            <p:ph type="body" idx="1"/>
-          </p:nvPr>
-        </p:nvSpPr>
-        <p:spPr>
-          <a:xfrm>
-            <a:off x="6028267" y="2402237"/>
-            <a:ext cx="5859506" cy="2187226"/>
+          <p:cNvPr id="3" name="内容占位符 2"/>
+          <p:cNvSpPr>
+            <a:spLocks noGrp="1"/>
+          </p:cNvSpPr>
+          <p:nvPr>
+            <p:ph idx="1"/>
+          </p:nvPr>
+        </p:nvSpPr>
+        <p:spPr>
+          <a:xfrm>
+            <a:off x="633046" y="126608"/>
+            <a:ext cx="10860259" cy="6731391"/>
           </a:xfrm>
         </p:spPr>
         <p:txBody>
           <a:bodyPr>
-            <a:noAutofit/>
+            <a:normAutofit fontScale="77500" lnSpcReduction="20000"/>
           </a:bodyPr>
           <a:lstStyle/>
           <a:p>
             <a:r>
-              <a:rPr lang="zh-CN" sz="2400" dirty="0">
-                <a:latin typeface="Microsoft YaHei UI" panose="020B0503020204020204" pitchFamily="34" charset="-122"/>
-                <a:ea typeface="Microsoft YaHei UI" panose="020B0503020204020204" pitchFamily="34" charset="-122"/>
-              </a:rPr>
-              <a:t>使用先进的演示工具直观地设计精美的演示文稿、轻松与其他人共享和协作、提供展现专业素质的演示。</a:t>
-            </a:r>
-          </a:p>
-        </p:txBody>
-      </p:sp>
-      <p:sp>
-        <p:nvSpPr>
-          <p:cNvPr id="8" name="任意多边形 7">
-            <a:hlinkClick r:id="rId3" tooltip="了解详细信息"/>
-          </p:cNvPr>
-          <p:cNvSpPr/>
-          <p:nvPr/>
-        </p:nvSpPr>
-        <p:spPr>
-          <a:xfrm>
-            <a:off x="11557038" y="6134153"/>
-            <a:ext cx="431763" cy="431763"/>
-          </a:xfrm>
-          <a:custGeom>
-            <a:avLst/>
-            <a:gdLst>
-              <a:gd name="connsiteX0" fmla="*/ 283692 w 643468"/>
-              <a:gd name="connsiteY0" fmla="*/ 156886 h 643468"/>
-              <a:gd name="connsiteX1" fmla="*/ 315574 w 643468"/>
-              <a:gd name="connsiteY1" fmla="*/ 156886 h 643468"/>
-              <a:gd name="connsiteX2" fmla="*/ 486582 w 643468"/>
-              <a:gd name="connsiteY2" fmla="*/ 321734 h 643468"/>
-              <a:gd name="connsiteX3" fmla="*/ 315574 w 643468"/>
-              <a:gd name="connsiteY3" fmla="*/ 486582 h 643468"/>
-              <a:gd name="connsiteX4" fmla="*/ 283692 w 643468"/>
-              <a:gd name="connsiteY4" fmla="*/ 486582 h 643468"/>
-              <a:gd name="connsiteX5" fmla="*/ 441545 w 643468"/>
-              <a:gd name="connsiteY5" fmla="*/ 334415 h 643468"/>
-              <a:gd name="connsiteX6" fmla="*/ 156887 w 643468"/>
-              <a:gd name="connsiteY6" fmla="*/ 334415 h 643468"/>
-              <a:gd name="connsiteX7" fmla="*/ 156887 w 643468"/>
-              <a:gd name="connsiteY7" fmla="*/ 309054 h 643468"/>
-              <a:gd name="connsiteX8" fmla="*/ 441545 w 643468"/>
-              <a:gd name="connsiteY8" fmla="*/ 309054 h 643468"/>
-              <a:gd name="connsiteX9" fmla="*/ 321733 w 643468"/>
-              <a:gd name="connsiteY9" fmla="*/ 16937 h 643468"/>
-              <a:gd name="connsiteX10" fmla="*/ 16936 w 643468"/>
-              <a:gd name="connsiteY10" fmla="*/ 321734 h 643468"/>
-              <a:gd name="connsiteX11" fmla="*/ 321733 w 643468"/>
-              <a:gd name="connsiteY11" fmla="*/ 626531 h 643468"/>
-              <a:gd name="connsiteX12" fmla="*/ 626530 w 643468"/>
-              <a:gd name="connsiteY12" fmla="*/ 321734 h 643468"/>
-              <a:gd name="connsiteX13" fmla="*/ 321733 w 643468"/>
-              <a:gd name="connsiteY13" fmla="*/ 16937 h 643468"/>
-              <a:gd name="connsiteX14" fmla="*/ 321734 w 643468"/>
-              <a:gd name="connsiteY14" fmla="*/ 0 h 643468"/>
-              <a:gd name="connsiteX15" fmla="*/ 643468 w 643468"/>
-              <a:gd name="connsiteY15" fmla="*/ 321734 h 643468"/>
-              <a:gd name="connsiteX16" fmla="*/ 321734 w 643468"/>
-              <a:gd name="connsiteY16" fmla="*/ 643468 h 643468"/>
-              <a:gd name="connsiteX17" fmla="*/ 0 w 643468"/>
-              <a:gd name="connsiteY17" fmla="*/ 321734 h 643468"/>
-              <a:gd name="connsiteX18" fmla="*/ 321734 w 643468"/>
-              <a:gd name="connsiteY18" fmla="*/ 0 h 643468"/>
-            </a:gdLst>
-            <a:ahLst/>
-            <a:cxnLst>
-              <a:cxn ang="0">
-                <a:pos x="connsiteX0" y="connsiteY0"/>
-              </a:cxn>
-              <a:cxn ang="0">
-                <a:pos x="connsiteX1" y="connsiteY1"/>
-              </a:cxn>
-              <a:cxn ang="0">
-                <a:pos x="connsiteX2" y="connsiteY2"/>
-              </a:cxn>
-              <a:cxn ang="0">
-                <a:pos x="connsiteX3" y="connsiteY3"/>
-              </a:cxn>
-              <a:cxn ang="0">
-                <a:pos x="connsiteX4" y="connsiteY4"/>
-              </a:cxn>
-              <a:cxn ang="0">
-                <a:pos x="connsiteX5" y="connsiteY5"/>
-              </a:cxn>
-              <a:cxn ang="0">
-                <a:pos x="connsiteX6" y="connsiteY6"/>
-              </a:cxn>
-              <a:cxn ang="0">
-                <a:pos x="connsiteX7" y="connsiteY7"/>
-              </a:cxn>
-              <a:cxn ang="0">
-                <a:pos x="connsiteX8" y="connsiteY8"/>
-              </a:cxn>
-              <a:cxn ang="0">
-                <a:pos x="connsiteX9" y="connsiteY9"/>
-              </a:cxn>
-              <a:cxn ang="0">
-                <a:pos x="connsiteX10" y="connsiteY10"/>
-              </a:cxn>
-              <a:cxn ang="0">
-                <a:pos x="connsiteX11" y="connsiteY11"/>
-              </a:cxn>
-              <a:cxn ang="0">
-                <a:pos x="connsiteX12" y="connsiteY12"/>
-              </a:cxn>
-              <a:cxn ang="0">
-                <a:pos x="connsiteX13" y="connsiteY13"/>
-              </a:cxn>
-              <a:cxn ang="0">
-                <a:pos x="connsiteX14" y="connsiteY14"/>
-              </a:cxn>
-              <a:cxn ang="0">
-                <a:pos x="connsiteX15" y="connsiteY15"/>
-              </a:cxn>
-              <a:cxn ang="0">
-                <a:pos x="connsiteX16" y="connsiteY16"/>
-              </a:cxn>
-              <a:cxn ang="0">
-                <a:pos x="connsiteX17" y="connsiteY17"/>
-              </a:cxn>
-              <a:cxn ang="0">
-                <a:pos x="connsiteX18" y="connsiteY18"/>
-              </a:cxn>
-            </a:cxnLst>
-            <a:rect l="l" t="t" r="r" b="b"/>
-            <a:pathLst>
-              <a:path w="643468" h="643468">
-                <a:moveTo>
-                  <a:pt x="283692" y="156886"/>
-                </a:moveTo>
-                <a:lnTo>
-                  <a:pt x="315574" y="156886"/>
-                </a:lnTo>
-                <a:lnTo>
-                  <a:pt x="486582" y="321734"/>
-                </a:lnTo>
-                <a:lnTo>
-                  <a:pt x="315574" y="486582"/>
-                </a:lnTo>
-                <a:lnTo>
-                  <a:pt x="283692" y="486582"/>
-                </a:lnTo>
-                <a:lnTo>
-                  <a:pt x="441545" y="334415"/>
-                </a:lnTo>
-                <a:lnTo>
-                  <a:pt x="156887" y="334415"/>
-                </a:lnTo>
-                <a:lnTo>
-                  <a:pt x="156887" y="309054"/>
-                </a:lnTo>
-                <a:lnTo>
-                  <a:pt x="441545" y="309054"/>
-                </a:lnTo>
-                <a:close/>
-                <a:moveTo>
-                  <a:pt x="321733" y="16937"/>
-                </a:moveTo>
-                <a:cubicBezTo>
-                  <a:pt x="153398" y="16937"/>
-                  <a:pt x="16936" y="153399"/>
-                  <a:pt x="16936" y="321734"/>
-                </a:cubicBezTo>
-                <a:cubicBezTo>
-                  <a:pt x="16936" y="490069"/>
-                  <a:pt x="153398" y="626531"/>
-                  <a:pt x="321733" y="626531"/>
-                </a:cubicBezTo>
-                <a:cubicBezTo>
-                  <a:pt x="490068" y="626531"/>
-                  <a:pt x="626530" y="490069"/>
-                  <a:pt x="626530" y="321734"/>
-                </a:cubicBezTo>
-                <a:cubicBezTo>
-                  <a:pt x="626530" y="153399"/>
-                  <a:pt x="490068" y="16937"/>
-                  <a:pt x="321733" y="16937"/>
-                </a:cubicBezTo>
-                <a:close/>
-                <a:moveTo>
-                  <a:pt x="321734" y="0"/>
-                </a:moveTo>
-                <a:cubicBezTo>
-                  <a:pt x="499423" y="0"/>
-                  <a:pt x="643468" y="144045"/>
-                  <a:pt x="643468" y="321734"/>
-                </a:cubicBezTo>
-                <a:cubicBezTo>
-                  <a:pt x="643468" y="499423"/>
-                  <a:pt x="499423" y="643468"/>
-                  <a:pt x="321734" y="643468"/>
-                </a:cubicBezTo>
-                <a:cubicBezTo>
-                  <a:pt x="144045" y="643468"/>
-                  <a:pt x="0" y="499423"/>
-                  <a:pt x="0" y="321734"/>
-                </a:cubicBezTo>
-                <a:cubicBezTo>
-                  <a:pt x="0" y="144045"/>
-                  <a:pt x="144045" y="0"/>
-                  <a:pt x="321734" y="0"/>
-                </a:cubicBezTo>
-                <a:close/>
-              </a:path>
-            </a:pathLst>
-          </a:custGeom>
-          <a:solidFill>
-            <a:srgbClr val="DD462F"/>
-          </a:solidFill>
-          <a:ln>
-            <a:noFill/>
-          </a:ln>
-        </p:spPr>
-        <p:style>
-          <a:lnRef idx="2">
-            <a:schemeClr val="accent1">
-              <a:shade val="50000"/>
-            </a:schemeClr>
-          </a:lnRef>
-          <a:fillRef idx="1">
-            <a:schemeClr val="accent1"/>
-          </a:fillRef>
-          <a:effectRef idx="0">
-            <a:schemeClr val="accent1"/>
-          </a:effectRef>
-          <a:fontRef idx="minor">
-            <a:schemeClr val="lt1"/>
-          </a:fontRef>
-        </p:style>
-        <p:txBody>
-          <a:bodyPr rtlCol="0" anchor="ctr"/>
-          <a:lstStyle/>
-          <a:p>
-            <a:pPr algn="ctr"/>
-            <a:endParaRPr lang="zh-CN">
-              <a:solidFill>
-                <a:schemeClr val="tx1"/>
-              </a:solidFill>
-            </a:endParaRPr>
-          </a:p>
-        </p:txBody>
-      </p:sp>
-      <p:sp>
-        <p:nvSpPr>
-          <p:cNvPr id="9" name="文本占位符 2">
-            <a:hlinkClick r:id="rId3" tooltip="了解详细信息"/>
-          </p:cNvPr>
-          <p:cNvSpPr txBox="1">
-            <a:spLocks/>
-          </p:cNvSpPr>
-          <p:nvPr/>
-        </p:nvSpPr>
-        <p:spPr>
-          <a:xfrm>
-            <a:off x="2897188" y="5844663"/>
-            <a:ext cx="8659850" cy="931371"/>
-          </a:xfrm>
-          <a:prstGeom prst="rect">
-            <a:avLst/>
-          </a:prstGeom>
-        </p:spPr>
-        <p:txBody>
-          <a:bodyPr vert="horz" lIns="91440" tIns="45720" rIns="91440" bIns="45720" rtlCol="0" anchor="ctr">
-            <a:normAutofit/>
-          </a:bodyPr>
-          <a:lstStyle>
-            <a:lvl1pPr marL="0" indent="0" algn="l" defTabSz="914400" rtl="0" eaLnBrk="1" latinLnBrk="0" hangingPunct="1">
-              <a:lnSpc>
-                <a:spcPct val="150000"/>
-              </a:lnSpc>
-              <a:spcBef>
-                <a:spcPct val="30000"/>
-              </a:spcBef>
-              <a:buFont typeface="Arial" panose="020B0604020202020204" pitchFamily="34" charset="0"/>
-              <a:buNone/>
-              <a:defRPr lang="zh-CN" sz="2800" kern="1200">
-                <a:solidFill>
-                  <a:schemeClr val="bg1"/>
-                </a:solidFill>
-                <a:latin typeface="+mj-lt"/>
-                <a:ea typeface="+mn-ea"/>
-                <a:cs typeface="+mn-cs"/>
-              </a:defRPr>
-            </a:lvl1pPr>
-            <a:lvl2pPr marL="457200" indent="0" algn="l" defTabSz="914400" rtl="0" eaLnBrk="1" latinLnBrk="0" hangingPunct="1">
-              <a:lnSpc>
-                <a:spcPct val="90000"/>
-              </a:lnSpc>
-              <a:spcBef>
-                <a:spcPct val="30000"/>
-              </a:spcBef>
-              <a:buFont typeface="Arial" panose="020B0604020202020204" pitchFamily="34" charset="0"/>
-              <a:buNone/>
-              <a:defRPr lang="zh-CN" sz="2000" kern="1200">
-                <a:solidFill>
-                  <a:schemeClr val="tx1"/>
-                </a:solidFill>
-                <a:latin typeface="+mn-lt"/>
-                <a:ea typeface="+mn-ea"/>
-                <a:cs typeface="+mn-cs"/>
-              </a:defRPr>
-            </a:lvl2pPr>
-            <a:lvl3pPr marL="914400" indent="0" algn="l" defTabSz="914400" rtl="0" eaLnBrk="1" latinLnBrk="0" hangingPunct="1">
-              <a:lnSpc>
-                <a:spcPct val="90000"/>
-              </a:lnSpc>
-              <a:spcBef>
-                <a:spcPct val="30000"/>
-              </a:spcBef>
-              <a:buFont typeface="Arial" panose="020B0604020202020204" pitchFamily="34" charset="0"/>
-              <a:buNone/>
-              <a:defRPr lang="zh-CN" sz="1800" kern="1200">
-                <a:solidFill>
-                  <a:schemeClr val="tx1"/>
-                </a:solidFill>
-                <a:latin typeface="+mn-lt"/>
-                <a:ea typeface="+mn-ea"/>
-                <a:cs typeface="+mn-cs"/>
-              </a:defRPr>
-            </a:lvl3pPr>
-            <a:lvl4pPr marL="1371600" indent="0" algn="l" defTabSz="914400" rtl="0" eaLnBrk="1" latinLnBrk="0" hangingPunct="1">
-              <a:lnSpc>
-                <a:spcPct val="90000"/>
-              </a:lnSpc>
-              <a:spcBef>
-                <a:spcPct val="30000"/>
-              </a:spcBef>
-              <a:buFont typeface="Arial" panose="020B0604020202020204" pitchFamily="34" charset="0"/>
-              <a:buNone/>
-              <a:defRPr lang="zh-CN" sz="1600" kern="1200">
-                <a:solidFill>
-                  <a:schemeClr val="tx1"/>
-                </a:solidFill>
-                <a:latin typeface="+mn-lt"/>
-                <a:ea typeface="+mn-ea"/>
-                <a:cs typeface="+mn-cs"/>
-              </a:defRPr>
-            </a:lvl4pPr>
-            <a:lvl5pPr marL="1828800" indent="0" algn="l" defTabSz="914400" rtl="0" eaLnBrk="1" latinLnBrk="0" hangingPunct="1">
-              <a:lnSpc>
-                <a:spcPct val="90000"/>
-              </a:lnSpc>
-              <a:spcBef>
-                <a:spcPct val="30000"/>
-              </a:spcBef>
-              <a:buFont typeface="Arial" panose="020B0604020202020204" pitchFamily="34" charset="0"/>
-              <a:buNone/>
-              <a:defRPr lang="zh-CN" sz="1600" kern="1200">
-                <a:solidFill>
-                  <a:schemeClr val="tx1"/>
-                </a:solidFill>
-                <a:latin typeface="+mn-lt"/>
-                <a:ea typeface="+mn-ea"/>
-                <a:cs typeface="+mn-cs"/>
-              </a:defRPr>
-            </a:lvl5pPr>
-            <a:lvl6pPr marL="2286000" indent="0" algn="l" defTabSz="914400" rtl="0" eaLnBrk="1" latinLnBrk="0" hangingPunct="1">
-              <a:lnSpc>
-                <a:spcPct val="90000"/>
-              </a:lnSpc>
-              <a:spcBef>
-                <a:spcPct val="30000"/>
-              </a:spcBef>
-              <a:buFont typeface="Arial" panose="020B0604020202020204" pitchFamily="34" charset="0"/>
-              <a:buNone/>
-              <a:defRPr lang="zh-CN" sz="1600" kern="1200">
-                <a:solidFill>
-                  <a:schemeClr val="tx1"/>
-                </a:solidFill>
-                <a:latin typeface="+mn-lt"/>
-                <a:ea typeface="+mn-ea"/>
-                <a:cs typeface="+mn-cs"/>
-              </a:defRPr>
-            </a:lvl6pPr>
-            <a:lvl7pPr marL="2743200" indent="0" algn="l" defTabSz="914400" rtl="0" eaLnBrk="1" latinLnBrk="0" hangingPunct="1">
-              <a:lnSpc>
-                <a:spcPct val="90000"/>
-              </a:lnSpc>
-              <a:spcBef>
-                <a:spcPct val="30000"/>
-              </a:spcBef>
-              <a:buFont typeface="Arial" panose="020B0604020202020204" pitchFamily="34" charset="0"/>
-              <a:buNone/>
-              <a:defRPr lang="zh-CN" sz="1600" kern="1200">
-                <a:solidFill>
-                  <a:schemeClr val="tx1"/>
-                </a:solidFill>
-                <a:latin typeface="+mn-lt"/>
-                <a:ea typeface="+mn-ea"/>
-                <a:cs typeface="+mn-cs"/>
-              </a:defRPr>
-            </a:lvl7pPr>
-            <a:lvl8pPr marL="3200400" indent="0" algn="l" defTabSz="914400" rtl="0" eaLnBrk="1" latinLnBrk="0" hangingPunct="1">
-              <a:lnSpc>
-                <a:spcPct val="90000"/>
-              </a:lnSpc>
-              <a:spcBef>
-                <a:spcPct val="30000"/>
-              </a:spcBef>
-              <a:buFont typeface="Arial" panose="020B0604020202020204" pitchFamily="34" charset="0"/>
-              <a:buNone/>
-              <a:defRPr lang="zh-CN" sz="1600" kern="1200">
-                <a:solidFill>
-                  <a:schemeClr val="tx1"/>
-                </a:solidFill>
-                <a:latin typeface="+mn-lt"/>
-                <a:ea typeface="+mn-ea"/>
-                <a:cs typeface="+mn-cs"/>
-              </a:defRPr>
-            </a:lvl8pPr>
-            <a:lvl9pPr marL="3657600" indent="0" algn="l" defTabSz="914400" rtl="0" eaLnBrk="1" latinLnBrk="0" hangingPunct="1">
-              <a:lnSpc>
-                <a:spcPct val="90000"/>
-              </a:lnSpc>
-              <a:spcBef>
-                <a:spcPct val="30000"/>
-              </a:spcBef>
-              <a:buFont typeface="Arial" panose="020B0604020202020204" pitchFamily="34" charset="0"/>
-              <a:buNone/>
-              <a:defRPr lang="zh-CN" sz="1600" kern="1200">
-                <a:solidFill>
-                  <a:schemeClr val="tx1"/>
-                </a:solidFill>
-                <a:latin typeface="+mn-lt"/>
-                <a:ea typeface="+mn-ea"/>
-                <a:cs typeface="+mn-cs"/>
-              </a:defRPr>
-            </a:lvl9pPr>
-          </a:lstStyle>
-          <a:p>
-            <a:pPr algn="r"/>
-            <a:r>
-              <a:rPr lang="zh-CN" sz="1800" dirty="0">
-                <a:solidFill>
-                  <a:srgbClr val="DD462F"/>
-                </a:solidFill>
-                <a:latin typeface="Microsoft YaHei UI" panose="020B0503020204020204" pitchFamily="34" charset="-122"/>
-                <a:ea typeface="Microsoft YaHei UI" panose="020B0503020204020204" pitchFamily="34" charset="-122"/>
-              </a:rPr>
-              <a:t>在 PowerPoint 入门中心查找更多内容</a:t>
-            </a:r>
-          </a:p>
-        </p:txBody>
-      </p:sp>
-      <p:sp>
-        <p:nvSpPr>
-          <p:cNvPr id="4" name="文本框 3"/>
-          <p:cNvSpPr txBox="1"/>
-          <p:nvPr/>
-        </p:nvSpPr>
-        <p:spPr>
-          <a:xfrm>
-            <a:off x="8466022" y="6477369"/>
-            <a:ext cx="2963979" cy="298665"/>
-          </a:xfrm>
-          <a:prstGeom prst="rect">
-            <a:avLst/>
-          </a:prstGeom>
-          <a:noFill/>
-        </p:spPr>
-        <p:txBody>
-          <a:bodyPr wrap="none" rtlCol="0">
-            <a:noAutofit/>
-          </a:bodyPr>
-          <a:lstStyle/>
-          <a:p>
-            <a:r>
-              <a:rPr lang="zh-CN" sz="1200" dirty="0">
-                <a:solidFill>
-                  <a:srgbClr val="D24726">
-                    <a:alpha val="37000"/>
-                  </a:srgbClr>
-                </a:solidFill>
-                <a:latin typeface="Microsoft YaHei UI" panose="020B0503020204020204" pitchFamily="34" charset="-122"/>
-                <a:ea typeface="Microsoft YaHei UI" panose="020B0503020204020204" pitchFamily="34" charset="-122"/>
-              </a:rPr>
-              <a:t>（在“幻灯片放映”模式中时单击该箭头）</a:t>
-            </a:r>
-          </a:p>
-          <a:p>
-            <a:endParaRPr lang="zh-CN" sz="1200" dirty="0">
-              <a:solidFill>
-                <a:srgbClr val="D24726">
-                  <a:alpha val="37000"/>
-                </a:srgbClr>
-              </a:solidFill>
-              <a:latin typeface="Microsoft YaHei UI" panose="020B0503020204020204" pitchFamily="34" charset="-122"/>
-              <a:ea typeface="Microsoft YaHei UI" panose="020B0503020204020204" pitchFamily="34" charset="-122"/>
-            </a:endParaRPr>
+              <a:rPr lang="zh-CN" altLang="en-US" dirty="0" smtClean="0"/>
+              <a:t>感谢：</a:t>
+            </a:r>
+            <a:endParaRPr lang="en-US" altLang="zh-CN" dirty="0" smtClean="0"/>
+          </a:p>
+          <a:p>
+            <a:r>
+              <a:rPr lang="zh-CN" altLang="en-US" dirty="0" smtClean="0"/>
+              <a:t>彭金鑫（医嘱、收费、现场实施知识咨询）</a:t>
+            </a:r>
+            <a:endParaRPr lang="en-US" altLang="zh-CN" dirty="0" smtClean="0"/>
+          </a:p>
+          <a:p>
+            <a:r>
+              <a:rPr lang="zh-CN" altLang="en-US" dirty="0" smtClean="0"/>
+              <a:t>文礼（帮助理清思路）</a:t>
+            </a:r>
+            <a:endParaRPr lang="en-US" altLang="zh-CN" dirty="0" smtClean="0"/>
+          </a:p>
+          <a:p>
+            <a:r>
+              <a:rPr lang="zh-CN" altLang="en-US" dirty="0" smtClean="0"/>
+              <a:t>陈东（医嘱、软件设计思路）</a:t>
+            </a:r>
+            <a:endParaRPr lang="en-US" altLang="zh-CN" dirty="0" smtClean="0"/>
+          </a:p>
+          <a:p>
+            <a:r>
+              <a:rPr lang="zh-CN" altLang="en-US" dirty="0" smtClean="0"/>
+              <a:t>陈佩（医嘱重要性、角色职责、业务知识）</a:t>
+            </a:r>
+            <a:endParaRPr lang="en-US" altLang="zh-CN" dirty="0" smtClean="0"/>
+          </a:p>
+          <a:p>
+            <a:r>
+              <a:rPr lang="zh-CN" altLang="en-US" dirty="0" smtClean="0"/>
+              <a:t>雷永建（病历、设计思路交流、业务知识）</a:t>
+            </a:r>
+            <a:endParaRPr lang="en-US" altLang="zh-CN" dirty="0" smtClean="0"/>
+          </a:p>
+          <a:p>
+            <a:r>
+              <a:rPr lang="zh-CN" altLang="en-US" dirty="0" smtClean="0"/>
+              <a:t>张天琪（业务知识）</a:t>
+            </a:r>
+            <a:endParaRPr lang="en-US" altLang="zh-CN" dirty="0" smtClean="0"/>
+          </a:p>
+          <a:p>
+            <a:r>
+              <a:rPr lang="zh-CN" altLang="en-US" dirty="0" smtClean="0"/>
+              <a:t>郑勋（病历、医嘱</a:t>
+            </a:r>
+            <a:r>
+              <a:rPr lang="zh-CN" altLang="en-US" dirty="0"/>
+              <a:t>、设计思路交流</a:t>
+            </a:r>
+            <a:r>
+              <a:rPr lang="zh-CN" altLang="en-US" dirty="0" smtClean="0"/>
+              <a:t>、业务知识）</a:t>
+            </a:r>
+            <a:endParaRPr lang="en-US" altLang="zh-CN" dirty="0" smtClean="0"/>
+          </a:p>
+          <a:p>
+            <a:r>
+              <a:rPr lang="zh-CN" altLang="en-US" dirty="0" smtClean="0"/>
+              <a:t>曹洪梅（业务知识）</a:t>
+            </a:r>
+            <a:endParaRPr lang="en-US" altLang="zh-CN" dirty="0" smtClean="0"/>
+          </a:p>
+          <a:p>
+            <a:r>
+              <a:rPr lang="zh-CN" altLang="en-US" dirty="0" smtClean="0"/>
+              <a:t>杨威（医嘱分解、软件设计）</a:t>
+            </a:r>
+            <a:endParaRPr lang="en-US" altLang="zh-CN" dirty="0" smtClean="0"/>
+          </a:p>
+          <a:p>
+            <a:r>
+              <a:rPr lang="zh-CN" altLang="en-US" dirty="0" smtClean="0"/>
+              <a:t>孙清华（医嘱、</a:t>
+            </a:r>
+            <a:r>
+              <a:rPr lang="zh-CN" altLang="en-US" dirty="0"/>
+              <a:t>设计思路交流、业务知识</a:t>
+            </a:r>
+            <a:r>
+              <a:rPr lang="zh-CN" altLang="en-US" dirty="0" smtClean="0"/>
+              <a:t>）</a:t>
+            </a:r>
+            <a:endParaRPr lang="en-US" altLang="zh-CN" dirty="0" smtClean="0"/>
+          </a:p>
+          <a:p>
+            <a:r>
+              <a:rPr lang="zh-CN" altLang="en-US" dirty="0" smtClean="0"/>
+              <a:t>刘璇（精神支持）</a:t>
+            </a:r>
+            <a:endParaRPr lang="en-US" altLang="zh-CN" dirty="0" smtClean="0"/>
+          </a:p>
+          <a:p>
+            <a:r>
+              <a:rPr lang="zh-CN" altLang="en-US" dirty="0" smtClean="0"/>
+              <a:t>武跃（方法过程交流）</a:t>
+            </a:r>
+            <a:endParaRPr lang="en-US" altLang="zh-CN" dirty="0" smtClean="0"/>
+          </a:p>
+          <a:p>
+            <a:r>
+              <a:rPr lang="zh-CN" altLang="en-US" dirty="0" smtClean="0"/>
+              <a:t>冯涛（</a:t>
+            </a:r>
+            <a:r>
+              <a:rPr lang="zh-CN" altLang="en-US" dirty="0"/>
+              <a:t>帮助理清</a:t>
+            </a:r>
+            <a:r>
+              <a:rPr lang="zh-CN" altLang="en-US" dirty="0" smtClean="0"/>
+              <a:t>思路、工作空间）</a:t>
+            </a:r>
+            <a:endParaRPr lang="en-US" altLang="zh-CN" dirty="0" smtClean="0"/>
+          </a:p>
+          <a:p>
+            <a:r>
+              <a:rPr lang="zh-CN" altLang="en-US" dirty="0" smtClean="0"/>
+              <a:t>张陈（收费、子系统协作、工作空间）</a:t>
+            </a:r>
+            <a:endParaRPr lang="zh-CN" altLang="en-US" dirty="0"/>
           </a:p>
         </p:txBody>
       </p:sp>
     </p:spTree>
     <p:extLst>
       <p:ext uri="{BB962C8B-B14F-4D97-AF65-F5344CB8AC3E}">
-        <p14:creationId xmlns:p14="http://schemas.microsoft.com/office/powerpoint/2010/main" val="2317502127"/>
+        <p14:creationId xmlns:p14="http://schemas.microsoft.com/office/powerpoint/2010/main" val="1277144558"/>
       </p:ext>
     </p:extLst>
   </p:cSld>
   <p:clrMapOvr>
     <a:masterClrMapping/>
   </p:clrMapOvr>
-  <mc:AlternateContent xmlns:mc="http://schemas.openxmlformats.org/markup-compatibility/2006" xmlns:p15="http://schemas.microsoft.com/office/powerpoint/2012/main">
-    <mc:Choice Requires="p15">
-      <p:transition xmlns:p14="http://schemas.microsoft.com/office/powerpoint/2010/main" spd="slow" p14:dur="2000">
-        <p15:prstTrans prst="drape"/>
-      </p:transition>
-    </mc:Choice>
-    <mc:Fallback xmlns="">
-      <p:transition spd="slow">
-        <p:fade/>
-      </p:transition>
-    </mc:Fallback>
-  </mc:AlternateContent>
   <p:timing>
     <p:tnLst>
       <p:par>
@@ -5856,13 +5548,28 @@
               <a:rPr lang="zh-CN" altLang="en-US" dirty="0"/>
               <a:t> </a:t>
             </a:r>
+            <a:endParaRPr lang="en-US" altLang="zh-CN" dirty="0" smtClean="0"/>
+          </a:p>
+          <a:p>
             <a:r>
               <a:rPr lang="zh-CN" altLang="en-US" dirty="0" smtClean="0"/>
-              <a:t>（</a:t>
+              <a:t>投入人数：</a:t>
             </a:r>
             <a:r>
               <a:rPr lang="en-US" altLang="zh-CN" dirty="0" smtClean="0"/>
-              <a:t>67</a:t>
+              <a:t>1</a:t>
+            </a:r>
+            <a:r>
+              <a:rPr lang="zh-CN" altLang="en-US" dirty="0"/>
+              <a:t>人</a:t>
+            </a:r>
+            <a:r>
+              <a:rPr lang="zh-CN" altLang="en-US" dirty="0" smtClean="0"/>
+              <a:t>（约</a:t>
+            </a:r>
+            <a:r>
+              <a:rPr lang="en-US" altLang="zh-CN" dirty="0" smtClean="0"/>
+              <a:t>50</a:t>
             </a:r>
             <a:r>
               <a:rPr lang="zh-CN" altLang="en-US" dirty="0" smtClean="0"/>
@@ -5873,22 +5580,11 @@
           <a:p>
             <a:r>
               <a:rPr lang="zh-CN" altLang="en-US" dirty="0" smtClean="0"/>
-              <a:t>投入人数：</a:t>
-            </a:r>
-            <a:r>
-              <a:rPr lang="en-US" altLang="zh-CN" dirty="0" smtClean="0"/>
-              <a:t>1</a:t>
+              <a:t>工作</a:t>
             </a:r>
             <a:r>
               <a:rPr lang="zh-CN" altLang="en-US" dirty="0" smtClean="0"/>
-              <a:t>人</a:t>
-            </a:r>
-            <a:endParaRPr lang="en-US" altLang="zh-CN" dirty="0" smtClean="0"/>
-          </a:p>
-          <a:p>
-            <a:r>
-              <a:rPr lang="zh-CN" altLang="en-US" dirty="0" smtClean="0"/>
-              <a:t>工作展开方式：以业务理解为驱动</a:t>
+              <a:t>展开方式：以业务理解为驱动</a:t>
             </a:r>
             <a:r>
               <a:rPr lang="zh-CN" altLang="en-US" dirty="0"/>
@@ -6462,8 +6158,8 @@
         </p:nvSpPr>
         <p:spPr>
           <a:xfrm>
-            <a:off x="8318500" y="3327400"/>
-            <a:ext cx="2197100" cy="1425448"/>
+            <a:off x="8318499" y="3327399"/>
+            <a:ext cx="2731573" cy="1554089"/>
           </a:xfrm>
           <a:prstGeom prst="wedgeEllipseCallout">
             <a:avLst/>
@@ -6497,7 +6193,31 @@
                   <a:schemeClr val="tx1"/>
                 </a:solidFill>
               </a:rPr>
-              <a:t>希望工作是经过整体分析并有宏观设计的</a:t>
+              <a:t>希望工作是经过</a:t>
+            </a:r>
+            <a:r>
+              <a:rPr lang="zh-CN" altLang="en-US" dirty="0" smtClean="0">
+                <a:solidFill>
+                  <a:schemeClr val="tx1"/>
+                </a:solidFill>
+              </a:rPr>
+              <a:t>整体分析</a:t>
+            </a:r>
+            <a:r>
+              <a:rPr lang="zh-CN" altLang="en-US" dirty="0">
+                <a:solidFill>
+                  <a:schemeClr val="tx1"/>
+                </a:solidFill>
+              </a:rPr>
+              <a:t>、</a:t>
+            </a:r>
+            <a:r>
+              <a:rPr lang="zh-CN" altLang="en-US" dirty="0" smtClean="0">
+                <a:solidFill>
+                  <a:schemeClr val="tx1"/>
+                </a:solidFill>
+              </a:rPr>
+              <a:t>宏观设计，并深入指导代码的</a:t>
             </a:r>
             <a:endParaRPr lang="zh-CN" altLang="en-US" dirty="0">
               <a:solidFill>
@@ -6983,7 +6703,15 @@
             </a:r>
             <a:r>
               <a:rPr lang="zh-CN" altLang="en-US" dirty="0" smtClean="0"/>
-              <a:t>生成器等）的方式来编写主要业务代码</a:t>
+              <a:t>生成器等）的方式来编写主要</a:t>
+            </a:r>
+            <a:r>
+              <a:rPr lang="zh-CN" altLang="en-US" dirty="0" smtClean="0"/>
+              <a:t>业务</a:t>
+            </a:r>
+            <a:r>
+              <a:rPr lang="zh-CN" altLang="en-US" dirty="0"/>
+              <a:t>逻辑</a:t>
             </a:r>
             <a:endParaRPr lang="zh-CN" altLang="en-US" dirty="0"/>
           </a:p>
@@ -7429,6 +7157,101 @@
           <a:p>
             <a:r>
               <a:rPr lang="zh-CN" altLang="en-US" dirty="0" smtClean="0"/>
+              <a:t>状态总结</a:t>
+            </a:r>
+            <a:endParaRPr lang="zh-CN" altLang="en-US" dirty="0"/>
+          </a:p>
+        </p:txBody>
+      </p:sp>
+      <p:sp>
+        <p:nvSpPr>
+          <p:cNvPr id="3" name="内容占位符 2"/>
+          <p:cNvSpPr>
+            <a:spLocks noGrp="1"/>
+          </p:cNvSpPr>
+          <p:nvPr>
+            <p:ph idx="1"/>
+          </p:nvPr>
+        </p:nvSpPr>
+        <p:spPr>
+          <a:xfrm>
+            <a:off x="838201" y="1825625"/>
+            <a:ext cx="10007990" cy="4351338"/>
+          </a:xfrm>
+        </p:spPr>
+        <p:txBody>
+          <a:bodyPr/>
+          <a:lstStyle/>
+          <a:p>
+            <a:r>
+              <a:rPr lang="zh-CN" altLang="en-US" dirty="0" smtClean="0"/>
+              <a:t>滚起了一种可进一步持续的工作</a:t>
+            </a:r>
+            <a:endParaRPr lang="en-US" altLang="zh-CN" dirty="0" smtClean="0"/>
+          </a:p>
+          <a:p>
+            <a:r>
+              <a:rPr lang="zh-CN" altLang="en-US" dirty="0" smtClean="0"/>
+              <a:t>对于工作的价值还需要进一步思考</a:t>
+            </a:r>
+            <a:endParaRPr lang="en-US" altLang="zh-CN" dirty="0" smtClean="0"/>
+          </a:p>
+          <a:p>
+            <a:r>
+              <a:rPr lang="zh-CN" altLang="en-US" dirty="0" smtClean="0"/>
+              <a:t>希望可以获得关注，并持续互通有无</a:t>
+            </a:r>
+            <a:endParaRPr lang="zh-CN" altLang="en-US" dirty="0"/>
+          </a:p>
+        </p:txBody>
+      </p:sp>
+    </p:spTree>
+    <p:extLst>
+      <p:ext uri="{BB962C8B-B14F-4D97-AF65-F5344CB8AC3E}">
+        <p14:creationId xmlns:p14="http://schemas.microsoft.com/office/powerpoint/2010/main" val="3803280000"/>
+      </p:ext>
+    </p:extLst>
+  </p:cSld>
+  <p:clrMapOvr>
+    <a:masterClrMapping/>
+  </p:clrMapOvr>
+</p:sld>
+</file>
+
+<file path=ppt/slides/slide9.xml><?xml version="1.0" encoding="utf-8"?>
+<p:sld xmlns:a="http://schemas.openxmlformats.org/drawingml/2006/main" xmlns:r="http://schemas.openxmlformats.org/officeDocument/2006/relationships" xmlns:p="http://schemas.openxmlformats.org/presentationml/2006/main">
+  <p:cSld>
+    <p:spTree>
+      <p:nvGrpSpPr>
+        <p:cNvPr id="1" name=""/>
+        <p:cNvGrpSpPr/>
+        <p:nvPr/>
+      </p:nvGrpSpPr>
+      <p:grpSpPr>
+        <a:xfrm>
+          <a:off x="0" y="0"/>
+          <a:ext cx="0" cy="0"/>
+          <a:chOff x="0" y="0"/>
+          <a:chExt cx="0" cy="0"/>
+        </a:xfrm>
+      </p:grpSpPr>
+      <p:sp>
+        <p:nvSpPr>
+          <p:cNvPr id="2" name="标题 1"/>
+          <p:cNvSpPr>
+            <a:spLocks noGrp="1"/>
+          </p:cNvSpPr>
+          <p:nvPr>
+            <p:ph type="title"/>
+          </p:nvPr>
+        </p:nvSpPr>
+        <p:spPr/>
+        <p:txBody>
+          <a:bodyPr/>
+          <a:lstStyle/>
+          <a:p>
+            <a:r>
+              <a:rPr lang="zh-CN" altLang="en-US" dirty="0" smtClean="0"/>
               <a:t>下一步计划工作</a:t>
             </a:r>
             <a:endParaRPr lang="zh-CN" altLang="en-US" dirty="0"/>
@@ -7457,7 +7280,89 @@
           <a:p>
             <a:r>
               <a:rPr lang="zh-CN" altLang="en-US" dirty="0" smtClean="0"/>
-              <a:t>分析门诊看病流程，并努力使门诊看病和住院治病流程做到合理的共享（患者一次住院和一次门诊都可以视其为对医院的一次访问）</a:t>
+              <a:t>分析门诊看病流程，并努力使门诊看病和住院治病流程做到合理的共享</a:t>
+            </a:r>
+            <a:r>
+              <a:rPr lang="zh-CN" altLang="en-US" dirty="0" smtClean="0"/>
+              <a:t>（如：患者</a:t>
+            </a:r>
+            <a:r>
+              <a:rPr lang="zh-CN" altLang="en-US" dirty="0" smtClean="0"/>
+              <a:t>一次住院和一次门诊都可以视其为对医院的一次访问</a:t>
+            </a:r>
+            <a:r>
+              <a:rPr lang="zh-CN" altLang="en-US" dirty="0" smtClean="0"/>
+              <a:t>）（</a:t>
+            </a:r>
+            <a:r>
+              <a:rPr lang="en-US" altLang="zh-CN" dirty="0">
+                <a:sym typeface="Wingdings" panose="05000000000000000000" pitchFamily="2" charset="2"/>
+              </a:rPr>
+              <a:t></a:t>
+            </a:r>
+            <a:r>
+              <a:rPr lang="zh-CN" altLang="en-US" dirty="0" smtClean="0"/>
+              <a:t>）</a:t>
+            </a:r>
+            <a:endParaRPr lang="en-US" altLang="zh-CN" dirty="0" smtClean="0"/>
+          </a:p>
+          <a:p>
+            <a:r>
+              <a:rPr lang="zh-CN" altLang="en-US" dirty="0" smtClean="0"/>
+              <a:t>增加</a:t>
+            </a:r>
+            <a:r>
+              <a:rPr lang="en-US" altLang="zh-CN" dirty="0" smtClean="0"/>
+              <a:t>UI</a:t>
+            </a:r>
+            <a:r>
+              <a:rPr lang="zh-CN" altLang="en-US" dirty="0" smtClean="0"/>
+              <a:t>方面的投入，考虑通过</a:t>
+            </a:r>
+            <a:r>
+              <a:rPr lang="en-US" altLang="zh-CN" dirty="0" smtClean="0"/>
+              <a:t>UI</a:t>
+            </a:r>
+            <a:r>
+              <a:rPr lang="zh-CN" altLang="en-US" dirty="0" smtClean="0"/>
+              <a:t>演示内核（</a:t>
+            </a:r>
+            <a:r>
+              <a:rPr lang="en-US" altLang="zh-CN" dirty="0" smtClean="0">
+                <a:sym typeface="Wingdings" panose="05000000000000000000" pitchFamily="2" charset="2"/>
+              </a:rPr>
+              <a:t></a:t>
+            </a:r>
+            <a:r>
+              <a:rPr lang="zh-CN" altLang="en-US" dirty="0" smtClean="0"/>
+              <a:t>）</a:t>
+            </a:r>
+            <a:endParaRPr lang="en-US" altLang="zh-CN" dirty="0" smtClean="0"/>
+          </a:p>
+          <a:p>
+            <a:r>
+              <a:rPr lang="zh-CN" altLang="en-US" dirty="0" smtClean="0"/>
+              <a:t>完善</a:t>
+            </a:r>
+            <a:r>
+              <a:rPr lang="en-US" altLang="zh-CN" dirty="0" smtClean="0"/>
+              <a:t>API</a:t>
+            </a:r>
+            <a:r>
+              <a:rPr lang="zh-CN" altLang="en-US" dirty="0" smtClean="0"/>
+              <a:t>，为性能测试做准备（</a:t>
+            </a:r>
+            <a:r>
+              <a:rPr lang="en-US" altLang="zh-CN" dirty="0" smtClean="0">
+                <a:sym typeface="Wingdings" panose="05000000000000000000" pitchFamily="2" charset="2"/>
+              </a:rPr>
+              <a:t></a:t>
+            </a:r>
+            <a:r>
+              <a:rPr lang="zh-CN" altLang="en-US" dirty="0" smtClean="0">
+                <a:sym typeface="Wingdings" panose="05000000000000000000" pitchFamily="2" charset="2"/>
+              </a:rPr>
+              <a:t>）</a:t>
             </a:r>
             <a:endParaRPr lang="zh-CN" altLang="en-US" dirty="0"/>
           </a:p>
@@ -7479,7 +7384,7 @@
         </p:blipFill>
         <p:spPr>
           <a:xfrm>
-            <a:off x="2982084" y="3093576"/>
+            <a:off x="5387659" y="3051373"/>
             <a:ext cx="5211831" cy="3414047"/>
           </a:xfrm>
           <a:prstGeom prst="rect">
@@ -7491,184 +7396,6 @@
     <p:extLst>
       <p:ext uri="{BB962C8B-B14F-4D97-AF65-F5344CB8AC3E}">
         <p14:creationId xmlns:p14="http://schemas.microsoft.com/office/powerpoint/2010/main" val="2689442408"/>
-      </p:ext>
-    </p:extLst>
-  </p:cSld>
-  <p:clrMapOvr>
-    <a:masterClrMapping/>
-  </p:clrMapOvr>
-  <p:timing>
-    <p:tnLst>
-      <p:par>
-        <p:cTn id="1" dur="indefinite" restart="never" nodeType="tmRoot"/>
-      </p:par>
-    </p:tnLst>
-  </p:timing>
-</p:sld>
-</file>
-
-<file path=ppt/slides/slide9.xml><?xml version="1.0" encoding="utf-8"?>
-<p:sld xmlns:a="http://schemas.openxmlformats.org/drawingml/2006/main" xmlns:r="http://schemas.openxmlformats.org/officeDocument/2006/relationships" xmlns:p="http://schemas.openxmlformats.org/presentationml/2006/main">
-  <p:cSld>
-    <p:bg>
-      <p:bgPr>
-        <a:blipFill dpi="0" rotWithShape="1">
-          <a:blip r:embed="rId2">
-            <a:lum/>
-          </a:blip>
-          <a:srcRect/>
-          <a:stretch>
-            <a:fillRect t="-13000" b="-13000"/>
-          </a:stretch>
-        </a:blipFill>
-        <a:effectLst/>
-      </p:bgPr>
-    </p:bg>
-    <p:spTree>
-      <p:nvGrpSpPr>
-        <p:cNvPr id="1" name=""/>
-        <p:cNvGrpSpPr/>
-        <p:nvPr/>
-      </p:nvGrpSpPr>
-      <p:grpSpPr>
-        <a:xfrm>
-          <a:off x="0" y="0"/>
-          <a:ext cx="0" cy="0"/>
-          <a:chOff x="0" y="0"/>
-          <a:chExt cx="0" cy="0"/>
-        </a:xfrm>
-      </p:grpSpPr>
-      <p:sp>
-        <p:nvSpPr>
-          <p:cNvPr id="2" name="标题 1"/>
-          <p:cNvSpPr>
-            <a:spLocks noGrp="1"/>
-          </p:cNvSpPr>
-          <p:nvPr>
-            <p:ph type="title"/>
-          </p:nvPr>
-        </p:nvSpPr>
-        <p:spPr/>
-        <p:txBody>
-          <a:bodyPr/>
-          <a:lstStyle/>
-          <a:p>
-            <a:endParaRPr lang="zh-CN" altLang="en-US"/>
-          </a:p>
-        </p:txBody>
-      </p:sp>
-      <p:sp>
-        <p:nvSpPr>
-          <p:cNvPr id="4" name="副标题 2"/>
-          <p:cNvSpPr>
-            <a:spLocks noGrp="1"/>
-          </p:cNvSpPr>
-          <p:nvPr>
-            <p:ph idx="1"/>
-          </p:nvPr>
-        </p:nvSpPr>
-        <p:spPr>
-          <a:xfrm>
-            <a:off x="8024247" y="2036640"/>
-            <a:ext cx="4167753" cy="4351338"/>
-          </a:xfrm>
-        </p:spPr>
-        <p:txBody>
-          <a:bodyPr>
-            <a:normAutofit/>
-          </a:bodyPr>
-          <a:lstStyle/>
-          <a:p>
-            <a:r>
-              <a:rPr lang="zh-CN" altLang="en-US" b="1" dirty="0">
-                <a:solidFill>
-                  <a:schemeClr val="accent6">
-                    <a:lumMod val="50000"/>
-                  </a:schemeClr>
-                </a:solidFill>
-              </a:rPr>
-              <a:t>自</a:t>
-            </a:r>
-            <a:r>
-              <a:rPr lang="en-US" altLang="zh-CN" b="1" dirty="0">
-                <a:solidFill>
-                  <a:schemeClr val="accent6">
-                    <a:lumMod val="50000"/>
-                  </a:schemeClr>
-                </a:solidFill>
-              </a:rPr>
-              <a:t>《</a:t>
-            </a:r>
-            <a:r>
-              <a:rPr lang="zh-CN" altLang="en-US" b="1" dirty="0">
-                <a:solidFill>
-                  <a:schemeClr val="accent6">
-                    <a:lumMod val="50000"/>
-                  </a:schemeClr>
-                </a:solidFill>
-              </a:rPr>
-              <a:t>希望</a:t>
-            </a:r>
-            <a:r>
-              <a:rPr lang="en-US" altLang="zh-CN" b="1" dirty="0">
-                <a:solidFill>
-                  <a:schemeClr val="accent6">
-                    <a:lumMod val="50000"/>
-                  </a:schemeClr>
-                </a:solidFill>
-              </a:rPr>
-              <a:t>——</a:t>
-            </a:r>
-            <a:r>
-              <a:rPr lang="zh-CN" altLang="en-US" b="1" dirty="0">
-                <a:solidFill>
-                  <a:schemeClr val="accent6">
-                    <a:lumMod val="50000"/>
-                  </a:schemeClr>
-                </a:solidFill>
-              </a:rPr>
-              <a:t>春暖花开，年轻十</a:t>
-            </a:r>
-            <a:r>
-              <a:rPr lang="zh-CN" altLang="en-US" b="1" dirty="0">
-                <a:solidFill>
-                  <a:schemeClr val="accent6">
-                    <a:lumMod val="50000"/>
-                  </a:schemeClr>
-                </a:solidFill>
-              </a:rPr>
-              <a:t>岁</a:t>
-            </a:r>
-            <a:r>
-              <a:rPr lang="en-US" altLang="zh-CN" b="1" dirty="0">
-                <a:solidFill>
-                  <a:schemeClr val="accent6">
-                    <a:lumMod val="50000"/>
-                  </a:schemeClr>
-                </a:solidFill>
-              </a:rPr>
-              <a:t>》</a:t>
-            </a:r>
-            <a:endParaRPr lang="zh-CN" altLang="en-US" b="1" dirty="0">
-              <a:solidFill>
-                <a:schemeClr val="accent6">
-                  <a:lumMod val="50000"/>
-                </a:schemeClr>
-              </a:solidFill>
-            </a:endParaRPr>
-          </a:p>
-          <a:p>
-            <a:endParaRPr lang="zh-CN" dirty="0">
-              <a:latin typeface="Microsoft YaHei UI" panose="020B0503020204020204" pitchFamily="34" charset="-122"/>
-              <a:ea typeface="Microsoft YaHei UI" panose="020B0503020204020204" pitchFamily="34" charset="-122"/>
-            </a:endParaRPr>
-          </a:p>
-        </p:txBody>
-      </p:sp>
-    </p:spTree>
-    <p:extLst>
-      <p:ext uri="{BB962C8B-B14F-4D97-AF65-F5344CB8AC3E}">
-        <p14:creationId xmlns:p14="http://schemas.microsoft.com/office/powerpoint/2010/main" val="3226259241"/>
       </p:ext>
     </p:extLst>
   </p:cSld>

--- a/doc/状态报告 2017-2-27.pptx
+++ b/doc/状态报告 2017-2-27.pptx
@@ -5309,7 +5309,7 @@
         </p:spPr>
         <p:txBody>
           <a:bodyPr>
-            <a:normAutofit fontScale="77500" lnSpcReduction="20000"/>
+            <a:normAutofit fontScale="62500" lnSpcReduction="20000"/>
           </a:bodyPr>
           <a:lstStyle/>
           <a:p>
@@ -5408,7 +5408,22 @@
           <a:p>
             <a:r>
               <a:rPr lang="zh-CN" altLang="en-US" dirty="0" smtClean="0"/>
-              <a:t>刘璇（精神支持）</a:t>
+              <a:t>刘璇（院间业务咨询、工作方向和目标）</a:t>
+            </a:r>
+            <a:endParaRPr lang="en-US" altLang="zh-CN" dirty="0" smtClean="0"/>
+          </a:p>
+          <a:p>
+            <a:r>
+              <a:rPr lang="zh-CN" altLang="en-US" dirty="0" smtClean="0"/>
+              <a:t>杨舒雯（</a:t>
+            </a:r>
+            <a:r>
+              <a:rPr lang="zh-CN" altLang="en-US" dirty="0"/>
+              <a:t>院间业务咨询</a:t>
+            </a:r>
+            <a:r>
+              <a:rPr lang="zh-CN" altLang="en-US" dirty="0" smtClean="0"/>
+              <a:t>）</a:t>
             </a:r>
             <a:endParaRPr lang="en-US" altLang="zh-CN" dirty="0" smtClean="0"/>
           </a:p>
@@ -5416,6 +5431,17 @@
             <a:r>
               <a:rPr lang="zh-CN" altLang="en-US" dirty="0" smtClean="0"/>
               <a:t>武跃（方法过程交流）</a:t>
+            </a:r>
+            <a:endParaRPr lang="en-US" altLang="zh-CN" dirty="0" smtClean="0"/>
+          </a:p>
+          <a:p>
+            <a:r>
+              <a:rPr lang="zh-CN" altLang="en-US" dirty="0"/>
+              <a:t>王</a:t>
+            </a:r>
+            <a:r>
+              <a:rPr lang="zh-CN" altLang="en-US" dirty="0" smtClean="0"/>
+              <a:t>英辉（医嘱概念、角色职责）</a:t>
             </a:r>
             <a:endParaRPr lang="en-US" altLang="zh-CN" dirty="0" smtClean="0"/>
           </a:p>
@@ -5580,11 +5606,7 @@
           <a:p>
             <a:r>
               <a:rPr lang="zh-CN" altLang="en-US" dirty="0" smtClean="0"/>
-              <a:t>工作</a:t>
-            </a:r>
-            <a:r>
-              <a:rPr lang="zh-CN" altLang="en-US" dirty="0" smtClean="0"/>
-              <a:t>展开方式：以业务理解为驱动</a:t>
+              <a:t>工作展开方式：以业务理解为驱动</a:t>
             </a:r>
             <a:r>
               <a:rPr lang="zh-CN" altLang="en-US" dirty="0"/>
@@ -6142,8 +6164,8 @@
         </p:blipFill>
         <p:spPr>
           <a:xfrm>
-            <a:off x="3728140" y="2510972"/>
-            <a:ext cx="3563547" cy="4049486"/>
+            <a:off x="3581165" y="2343955"/>
+            <a:ext cx="3915793" cy="4449765"/>
           </a:xfrm>
           <a:prstGeom prst="rect">
             <a:avLst/>
@@ -6193,15 +6215,7 @@
                   <a:schemeClr val="tx1"/>
                 </a:solidFill>
               </a:rPr>
-              <a:t>希望工作是经过</a:t>
-            </a:r>
-            <a:r>
-              <a:rPr lang="zh-CN" altLang="en-US" dirty="0" smtClean="0">
-                <a:solidFill>
-                  <a:schemeClr val="tx1"/>
-                </a:solidFill>
-              </a:rPr>
-              <a:t>整体分析</a:t>
+              <a:t>希望工作是经过整体分析</a:t>
             </a:r>
             <a:r>
               <a:rPr lang="zh-CN" altLang="en-US" dirty="0">
@@ -6291,7 +6305,7 @@
               <a:rPr lang="en-US" altLang="zh-CN" dirty="0" smtClean="0">
                 <a:sym typeface="Wingdings" panose="05000000000000000000" pitchFamily="2" charset="2"/>
               </a:rPr>
-              <a:t></a:t>
+              <a:t></a:t>
             </a:r>
             <a:r>
               <a:rPr lang="zh-CN" altLang="en-US" dirty="0" smtClean="0"/>
@@ -6703,15 +6717,7 @@
             </a:r>
             <a:r>
               <a:rPr lang="zh-CN" altLang="en-US" dirty="0" smtClean="0"/>
-              <a:t>生成器等）的方式来编写主要</a:t>
-            </a:r>
-            <a:r>
-              <a:rPr lang="zh-CN" altLang="en-US" dirty="0" smtClean="0"/>
-              <a:t>业务</a:t>
-            </a:r>
-            <a:r>
-              <a:rPr lang="zh-CN" altLang="en-US" dirty="0"/>
-              <a:t>逻辑</a:t>
+              <a:t>生成器等）的方式来编写主要业务逻辑的模式</a:t>
             </a:r>
             <a:endParaRPr lang="zh-CN" altLang="en-US" dirty="0"/>
           </a:p>
@@ -7191,17 +7197,116 @@
           </a:p>
           <a:p>
             <a:r>
-              <a:rPr lang="zh-CN" altLang="en-US" dirty="0" smtClean="0"/>
-              <a:t>对于工作的价值还需要进一步思考</a:t>
-            </a:r>
-            <a:endParaRPr lang="en-US" altLang="zh-CN" dirty="0" smtClean="0"/>
-          </a:p>
-          <a:p>
-            <a:r>
-              <a:rPr lang="zh-CN" altLang="en-US" dirty="0" smtClean="0"/>
+              <a:rPr lang="zh-CN" altLang="en-US" b="1" dirty="0" smtClean="0"/>
+              <a:t>对于工作的价值和推进方式需要和</a:t>
+            </a:r>
+            <a:r>
+              <a:rPr lang="en-US" altLang="zh-CN" b="1" dirty="0" smtClean="0"/>
+              <a:t>HIS</a:t>
+            </a:r>
+            <a:r>
+              <a:rPr lang="zh-CN" altLang="en-US" b="1" dirty="0" smtClean="0"/>
+              <a:t>、</a:t>
+            </a:r>
+            <a:r>
+              <a:rPr lang="en-US" altLang="zh-CN" b="1" dirty="0" smtClean="0"/>
+              <a:t>EMR</a:t>
+            </a:r>
+            <a:r>
+              <a:rPr lang="zh-CN" altLang="en-US" b="1" dirty="0" smtClean="0"/>
+              <a:t>、</a:t>
+            </a:r>
+            <a:r>
+              <a:rPr lang="en-US" altLang="zh-CN" b="1" dirty="0" smtClean="0"/>
+              <a:t>PACS</a:t>
+            </a:r>
+            <a:r>
+              <a:rPr lang="zh-CN" altLang="en-US" b="1" dirty="0" smtClean="0"/>
+              <a:t>、手麻、院内平台等相关研发人员一起</a:t>
+            </a:r>
+            <a:r>
+              <a:rPr lang="zh-CN" altLang="en-US" b="1" dirty="0" smtClean="0"/>
+              <a:t>探讨</a:t>
+            </a:r>
+            <a:endParaRPr lang="en-US" altLang="zh-CN" b="1" dirty="0" smtClean="0"/>
+          </a:p>
+          <a:p>
+            <a:r>
+              <a:rPr lang="en-US" altLang="zh-CN" b="1" dirty="0" smtClean="0">
+                <a:solidFill>
+                  <a:srgbClr val="FF0000"/>
+                </a:solidFill>
+              </a:rPr>
+              <a:t>    </a:t>
+            </a:r>
+            <a:r>
+              <a:rPr lang="zh-CN" altLang="en-US" b="1" dirty="0" smtClean="0">
+                <a:solidFill>
+                  <a:srgbClr val="FF0000"/>
+                </a:solidFill>
+              </a:rPr>
+              <a:t>对于在状态说明中满意度最低的部分（</a:t>
+            </a:r>
+            <a:r>
+              <a:rPr lang="zh-CN" altLang="en-US" dirty="0">
+                <a:solidFill>
+                  <a:srgbClr val="FF0000"/>
+                </a:solidFill>
+              </a:rPr>
+              <a:t>通过识别领域与应用逻辑，谋求拆分软件系统进而影响研发分工的</a:t>
+            </a:r>
+            <a:r>
+              <a:rPr lang="zh-CN" altLang="en-US" dirty="0" smtClean="0">
+                <a:solidFill>
+                  <a:srgbClr val="FF0000"/>
+                </a:solidFill>
+              </a:rPr>
+              <a:t>办法</a:t>
+            </a:r>
+            <a:r>
+              <a:rPr lang="zh-CN" altLang="en-US" b="1" dirty="0" smtClean="0">
+                <a:solidFill>
+                  <a:srgbClr val="FF0000"/>
+                </a:solidFill>
+              </a:rPr>
+              <a:t>）希望能够和各方选手配合提升一下满意度</a:t>
+            </a:r>
+            <a:r>
+              <a:rPr lang="en-US" altLang="zh-CN" b="1" dirty="0" smtClean="0">
+                <a:solidFill>
+                  <a:srgbClr val="FF0000"/>
+                </a:solidFill>
+              </a:rPr>
+              <a:t>【</a:t>
+            </a:r>
+            <a:r>
+              <a:rPr lang="zh-CN" altLang="en-US" b="1" dirty="0" smtClean="0">
+                <a:solidFill>
+                  <a:srgbClr val="FF0000"/>
+                </a:solidFill>
+              </a:rPr>
+              <a:t>希望一份成果双方共享</a:t>
+            </a:r>
+            <a:r>
+              <a:rPr lang="en-US" altLang="zh-CN" b="1" dirty="0" smtClean="0">
+                <a:solidFill>
+                  <a:srgbClr val="FF0000"/>
+                </a:solidFill>
+              </a:rPr>
+              <a:t>】</a:t>
+            </a:r>
+            <a:endParaRPr lang="en-US" altLang="zh-CN" b="1" dirty="0" smtClean="0">
+              <a:solidFill>
+                <a:srgbClr val="FF0000"/>
+              </a:solidFill>
+            </a:endParaRPr>
+          </a:p>
+          <a:p>
+            <a:r>
+              <a:rPr lang="zh-CN" altLang="en-US" b="1" dirty="0" smtClean="0"/>
               <a:t>希望可以获得关注，并持续互通有无</a:t>
             </a:r>
-            <a:endParaRPr lang="zh-CN" altLang="en-US" dirty="0"/>
+            <a:endParaRPr lang="zh-CN" altLang="en-US" b="1" dirty="0"/>
           </a:p>
         </p:txBody>
       </p:sp>
@@ -7280,19 +7385,7 @@
           <a:p>
             <a:r>
               <a:rPr lang="zh-CN" altLang="en-US" dirty="0" smtClean="0"/>
-              <a:t>分析门诊看病流程，并努力使门诊看病和住院治病流程做到合理的共享</a:t>
-            </a:r>
-            <a:r>
-              <a:rPr lang="zh-CN" altLang="en-US" dirty="0" smtClean="0"/>
-              <a:t>（如：患者</a:t>
-            </a:r>
-            <a:r>
-              <a:rPr lang="zh-CN" altLang="en-US" dirty="0" smtClean="0"/>
-              <a:t>一次住院和一次门诊都可以视其为对医院的一次访问</a:t>
-            </a:r>
-            <a:r>
-              <a:rPr lang="zh-CN" altLang="en-US" dirty="0" smtClean="0"/>
-              <a:t>）（</a:t>
+              <a:t>分析门诊看病流程，并努力使门诊看病和住院治病流程做到合理的共享（如：患者一次住院和一次门诊都可以视其为对医院的一次访问）（</a:t>
             </a:r>
             <a:r>
               <a:rPr lang="en-US" altLang="zh-CN" dirty="0">

--- a/doc/状态报告 2017-2-27.pptx
+++ b/doc/状态报告 2017-2-27.pptx
@@ -5408,7 +5408,7 @@
           <a:p>
             <a:r>
               <a:rPr lang="zh-CN" altLang="en-US" dirty="0" smtClean="0"/>
-              <a:t>刘璇（院间业务咨询、工作方向和目标）</a:t>
+              <a:t>刘璇（院间业务咨询、工作方向、方法和目标）</a:t>
             </a:r>
             <a:endParaRPr lang="en-US" altLang="zh-CN" dirty="0" smtClean="0"/>
           </a:p>
@@ -6359,8 +6359,8 @@
         </p:blipFill>
         <p:spPr>
           <a:xfrm>
-            <a:off x="1716871" y="2478554"/>
-            <a:ext cx="2391490" cy="4032460"/>
+            <a:off x="1694568" y="2411951"/>
+            <a:ext cx="2598651" cy="4381769"/>
           </a:xfrm>
           <a:prstGeom prst="rect">
             <a:avLst/>
@@ -7222,11 +7222,7 @@
             </a:r>
             <a:r>
               <a:rPr lang="zh-CN" altLang="en-US" b="1" dirty="0" smtClean="0"/>
-              <a:t>、手麻、院内平台等相关研发人员一起</a:t>
-            </a:r>
-            <a:r>
-              <a:rPr lang="zh-CN" altLang="en-US" b="1" dirty="0" smtClean="0"/>
-              <a:t>探讨</a:t>
+              <a:t>、手麻、院内平台等相关研发人员一起探讨</a:t>
             </a:r>
             <a:endParaRPr lang="en-US" altLang="zh-CN" b="1" dirty="0" smtClean="0"/>
           </a:p>
@@ -7295,11 +7291,6 @@
               </a:rPr>
               <a:t>】</a:t>
             </a:r>
-            <a:endParaRPr lang="en-US" altLang="zh-CN" b="1" dirty="0" smtClean="0">
-              <a:solidFill>
-                <a:srgbClr val="FF0000"/>
-              </a:solidFill>
-            </a:endParaRPr>
           </a:p>
           <a:p>
             <a:r>

--- a/doc/状态报告 2017-2-27.pptx
+++ b/doc/状态报告 2017-2-27.pptx
@@ -19,9 +19,9 @@
     <p:sldId id="266" r:id="rId8"/>
     <p:sldId id="267" r:id="rId9"/>
     <p:sldId id="272" r:id="rId10"/>
-    <p:sldId id="268" r:id="rId11"/>
-    <p:sldId id="270" r:id="rId12"/>
-    <p:sldId id="271" r:id="rId13"/>
+    <p:sldId id="271" r:id="rId11"/>
+    <p:sldId id="273" r:id="rId12"/>
+    <p:sldId id="268" r:id="rId13"/>
   </p:sldIdLst>
   <p:sldSz cx="12192000" cy="6858000"/>
   <p:notesSz cx="6858000" cy="9144000"/>
@@ -137,9 +137,9 @@
             <p14:sldId id="266"/>
             <p14:sldId id="267"/>
             <p14:sldId id="272"/>
+            <p14:sldId id="271"/>
+            <p14:sldId id="273"/>
             <p14:sldId id="268"/>
-            <p14:sldId id="270"/>
-            <p14:sldId id="271"/>
           </p14:sldIdLst>
         </p14:section>
         <p14:section name="了解更多" id="{2CC34DB2-6590-42C0-AD4B-A04C6060184E}">
@@ -5107,22 +5107,8 @@
 </file>
 
 <file path=ppt/slides/slide10.xml><?xml version="1.0" encoding="utf-8"?>
-<p:sld xmlns:a="http://schemas.openxmlformats.org/drawingml/2006/main" xmlns:r="http://schemas.openxmlformats.org/officeDocument/2006/relationships" xmlns:p="http://schemas.openxmlformats.org/presentationml/2006/main" showMasterSp="0">
+<p:sld xmlns:a="http://schemas.openxmlformats.org/drawingml/2006/main" xmlns:r="http://schemas.openxmlformats.org/officeDocument/2006/relationships" xmlns:p="http://schemas.openxmlformats.org/presentationml/2006/main">
   <p:cSld>
-    <p:bg>
-      <p:bgPr>
-        <a:blipFill dpi="0" rotWithShape="1">
-          <a:blip r:embed="rId2">
-            <a:lum/>
-          </a:blip>
-          <a:srcRect/>
-          <a:stretch>
-            <a:fillRect t="-13000" b="-13000"/>
-          </a:stretch>
-        </a:blipFill>
-        <a:effectLst/>
-      </p:bgPr>
-    </p:bg>
     <p:spTree>
       <p:nvGrpSpPr>
         <p:cNvPr id="1" name=""/>
@@ -5137,127 +5123,109 @@
           <a:chExt cx="0" cy="0"/>
         </a:xfrm>
       </p:grpSpPr>
-      <p:sp>
-        <p:nvSpPr>
-          <p:cNvPr id="2" name="标题 1"/>
-          <p:cNvSpPr>
-            <a:spLocks noGrp="1"/>
-          </p:cNvSpPr>
-          <p:nvPr>
-            <p:ph type="title"/>
-          </p:nvPr>
-        </p:nvSpPr>
-        <p:spPr/>
+      <p:pic>
+        <p:nvPicPr>
+          <p:cNvPr id="4" name="Picture 12" descr="b-3"/>
+          <p:cNvPicPr>
+            <a:picLocks noChangeAspect="1" noChangeArrowheads="1"/>
+          </p:cNvPicPr>
+          <p:nvPr/>
+        </p:nvPicPr>
+        <p:blipFill>
+          <a:blip r:embed="rId2">
+            <a:extLst>
+              <a:ext uri="{28A0092B-C50C-407E-A947-70E740481C1C}">
+                <a14:useLocalDpi xmlns:a14="http://schemas.microsoft.com/office/drawing/2010/main" val="0"/>
+              </a:ext>
+            </a:extLst>
+          </a:blip>
+          <a:srcRect/>
+          <a:stretch>
+            <a:fillRect/>
+          </a:stretch>
+        </p:blipFill>
+        <p:spPr bwMode="auto">
+          <a:xfrm>
+            <a:off x="3863072" y="1801960"/>
+            <a:ext cx="4103687" cy="1341437"/>
+          </a:xfrm>
+          <a:prstGeom prst="rect">
+            <a:avLst/>
+          </a:prstGeom>
+          <a:noFill/>
+          <a:ln>
+            <a:noFill/>
+          </a:ln>
+          <a:extLst>
+            <a:ext uri="{909E8E84-426E-40DD-AFC4-6F175D3DCCD1}">
+              <a14:hiddenFill xmlns:a14="http://schemas.microsoft.com/office/drawing/2010/main">
+                <a:solidFill>
+                  <a:srgbClr val="FFFFFF"/>
+                </a:solidFill>
+              </a14:hiddenFill>
+            </a:ext>
+            <a:ext uri="{91240B29-F687-4F45-9708-019B960494DF}">
+              <a14:hiddenLine xmlns:a14="http://schemas.microsoft.com/office/drawing/2010/main" w="9525">
+                <a:solidFill>
+                  <a:srgbClr val="000000"/>
+                </a:solidFill>
+                <a:miter lim="800000"/>
+                <a:headEnd/>
+                <a:tailEnd/>
+              </a14:hiddenLine>
+            </a:ext>
+          </a:extLst>
+        </p:spPr>
+      </p:pic>
+      <p:sp>
+        <p:nvSpPr>
+          <p:cNvPr id="5" name="Rectangle 14"/>
+          <p:cNvSpPr txBox="1">
+            <a:spLocks noChangeArrowheads="1"/>
+          </p:cNvSpPr>
+          <p:nvPr/>
+        </p:nvSpPr>
+        <p:spPr>
+          <a:xfrm>
+            <a:off x="4796522" y="5186510"/>
+            <a:ext cx="2593975" cy="503237"/>
+          </a:xfrm>
+          <a:prstGeom prst="rect">
+            <a:avLst/>
+          </a:prstGeom>
+          <a:noFill/>
+        </p:spPr>
         <p:txBody>
           <a:bodyPr/>
-          <a:lstStyle/>
-          <a:p>
-            <a:endParaRPr lang="zh-CN" altLang="en-US"/>
-          </a:p>
-        </p:txBody>
-      </p:sp>
-      <p:sp>
-        <p:nvSpPr>
-          <p:cNvPr id="4" name="副标题 2"/>
-          <p:cNvSpPr>
-            <a:spLocks noGrp="1"/>
-          </p:cNvSpPr>
-          <p:nvPr>
-            <p:ph idx="1"/>
-          </p:nvPr>
-        </p:nvSpPr>
-        <p:spPr>
-          <a:xfrm>
-            <a:off x="8024247" y="446991"/>
-            <a:ext cx="4167753" cy="4351338"/>
-          </a:xfrm>
-        </p:spPr>
-        <p:txBody>
-          <a:bodyPr>
-            <a:normAutofit/>
-          </a:bodyPr>
-          <a:lstStyle/>
-          <a:p>
-            <a:r>
-              <a:rPr lang="zh-CN" altLang="en-US" b="1" dirty="0">
+          <a:lstStyle>
+            <a:lvl1pPr algn="l" defTabSz="914400" rtl="0" eaLnBrk="1" latinLnBrk="0" hangingPunct="1">
+              <a:spcBef>
+                <a:spcPct val="0"/>
+              </a:spcBef>
+              <a:buNone/>
+              <a:defRPr lang="zh-CN" sz="4400" kern="1200">
                 <a:solidFill>
-                  <a:schemeClr val="accent6">
-                    <a:lumMod val="50000"/>
-                  </a:schemeClr>
+                  <a:schemeClr val="tx1"/>
                 </a:solidFill>
-              </a:rPr>
-              <a:t>自</a:t>
-            </a:r>
-            <a:r>
-              <a:rPr lang="en-US" altLang="zh-CN" b="1" dirty="0">
-                <a:solidFill>
-                  <a:schemeClr val="accent6">
-                    <a:lumMod val="50000"/>
-                  </a:schemeClr>
-                </a:solidFill>
-              </a:rPr>
-              <a:t>《</a:t>
-            </a:r>
-            <a:r>
-              <a:rPr lang="zh-CN" altLang="en-US" b="1" dirty="0">
-                <a:solidFill>
-                  <a:schemeClr val="accent6">
-                    <a:lumMod val="50000"/>
-                  </a:schemeClr>
-                </a:solidFill>
-              </a:rPr>
-              <a:t>希望</a:t>
-            </a:r>
-            <a:r>
-              <a:rPr lang="en-US" altLang="zh-CN" b="1" dirty="0">
-                <a:solidFill>
-                  <a:schemeClr val="accent6">
-                    <a:lumMod val="50000"/>
-                  </a:schemeClr>
-                </a:solidFill>
-              </a:rPr>
-              <a:t>——</a:t>
-            </a:r>
-            <a:r>
-              <a:rPr lang="zh-CN" altLang="en-US" b="1" dirty="0">
-                <a:solidFill>
-                  <a:schemeClr val="accent6">
-                    <a:lumMod val="50000"/>
-                  </a:schemeClr>
-                </a:solidFill>
-              </a:rPr>
-              <a:t>春暖花开，年轻十岁</a:t>
-            </a:r>
-            <a:r>
-              <a:rPr lang="en-US" altLang="zh-CN" b="1" dirty="0">
-                <a:solidFill>
-                  <a:schemeClr val="accent6">
-                    <a:lumMod val="50000"/>
-                  </a:schemeClr>
-                </a:solidFill>
-              </a:rPr>
-              <a:t>》</a:t>
-            </a:r>
-            <a:endParaRPr lang="zh-CN" altLang="en-US" b="1" dirty="0">
-              <a:solidFill>
-                <a:schemeClr val="accent6">
-                  <a:lumMod val="50000"/>
-                </a:schemeClr>
-              </a:solidFill>
-            </a:endParaRPr>
-          </a:p>
-          <a:p>
-            <a:endParaRPr lang="zh-CN" dirty="0">
-              <a:latin typeface="Microsoft YaHei UI" panose="020B0503020204020204" pitchFamily="34" charset="-122"/>
-              <a:ea typeface="Microsoft YaHei UI" panose="020B0503020204020204" pitchFamily="34" charset="-122"/>
-            </a:endParaRPr>
+                <a:latin typeface="Microsoft YaHei UI" panose="020B0503020204020204" pitchFamily="34" charset="-122"/>
+                <a:ea typeface="Microsoft YaHei UI" panose="020B0503020204020204" pitchFamily="34" charset="-122"/>
+                <a:cs typeface="+mj-cs"/>
+              </a:defRPr>
+            </a:lvl1pPr>
+          </a:lstStyle>
+          <a:p>
+            <a:r>
+              <a:rPr lang="en-US" altLang="zh-CN" sz="1000" smtClean="0"/>
+              <a:t>Copyright © 2008 Neusoft Corporation </a:t>
+            </a:r>
+            <a:endParaRPr lang="en-US" altLang="zh-CN" sz="1000" smtClean="0"/>
           </a:p>
         </p:txBody>
       </p:sp>
     </p:spTree>
     <p:extLst>
       <p:ext uri="{BB962C8B-B14F-4D97-AF65-F5344CB8AC3E}">
-        <p14:creationId xmlns:p14="http://schemas.microsoft.com/office/powerpoint/2010/main" val="3226259241"/>
+        <p14:creationId xmlns:p14="http://schemas.microsoft.com/office/powerpoint/2010/main" val="869885121"/>
       </p:ext>
     </p:extLst>
   </p:cSld>
@@ -5275,7 +5243,7 @@
 </file>
 
 <file path=ppt/slides/slide11.xml><?xml version="1.0" encoding="utf-8"?>
-<p:sld xmlns:a="http://schemas.openxmlformats.org/drawingml/2006/main" xmlns:r="http://schemas.openxmlformats.org/officeDocument/2006/relationships" xmlns:p="http://schemas.openxmlformats.org/presentationml/2006/main" showMasterSp="0">
+<p:sld xmlns:a="http://schemas.openxmlformats.org/drawingml/2006/main" xmlns:r="http://schemas.openxmlformats.org/officeDocument/2006/relationships" xmlns:p="http://schemas.openxmlformats.org/presentationml/2006/main" show="0">
   <p:cSld>
     <p:spTree>
       <p:nvGrpSpPr>
@@ -5293,6 +5261,33 @@
       </p:grpSpPr>
       <p:sp>
         <p:nvSpPr>
+          <p:cNvPr id="2" name="标题 1"/>
+          <p:cNvSpPr>
+            <a:spLocks noGrp="1"/>
+          </p:cNvSpPr>
+          <p:nvPr>
+            <p:ph type="title"/>
+          </p:nvPr>
+        </p:nvSpPr>
+        <p:spPr/>
+        <p:txBody>
+          <a:bodyPr/>
+          <a:lstStyle/>
+          <a:p>
+            <a:r>
+              <a:rPr lang="zh-CN" altLang="en-US" dirty="0" smtClean="0"/>
+              <a:t>（其他）下一步自有计划</a:t>
+            </a:r>
+            <a:r>
+              <a:rPr lang="zh-CN" altLang="en-US" dirty="0" smtClean="0"/>
+              <a:t>工作</a:t>
+            </a:r>
+            <a:endParaRPr lang="zh-CN" altLang="en-US" dirty="0"/>
+          </a:p>
+        </p:txBody>
+      </p:sp>
+      <p:sp>
+        <p:nvSpPr>
           <p:cNvPr id="3" name="内容占位符 2"/>
           <p:cNvSpPr>
             <a:spLocks noGrp="1"/>
@@ -5303,101 +5298,23 @@
         </p:nvSpPr>
         <p:spPr>
           <a:xfrm>
-            <a:off x="633046" y="126608"/>
-            <a:ext cx="10860259" cy="6731391"/>
-          </a:xfrm>
-        </p:spPr>
-        <p:txBody>
-          <a:bodyPr>
-            <a:normAutofit fontScale="62500" lnSpcReduction="20000"/>
-          </a:bodyPr>
+            <a:off x="838201" y="1825625"/>
+            <a:ext cx="10379298" cy="4351338"/>
+          </a:xfrm>
+        </p:spPr>
+        <p:txBody>
+          <a:bodyPr/>
           <a:lstStyle/>
           <a:p>
             <a:r>
               <a:rPr lang="zh-CN" altLang="en-US" dirty="0" smtClean="0"/>
-              <a:t>感谢：</a:t>
-            </a:r>
-            <a:endParaRPr lang="en-US" altLang="zh-CN" dirty="0" smtClean="0"/>
-          </a:p>
-          <a:p>
-            <a:r>
-              <a:rPr lang="zh-CN" altLang="en-US" dirty="0" smtClean="0"/>
-              <a:t>彭金鑫（医嘱、收费、现场实施知识咨询）</a:t>
-            </a:r>
-            <a:endParaRPr lang="en-US" altLang="zh-CN" dirty="0" smtClean="0"/>
-          </a:p>
-          <a:p>
-            <a:r>
-              <a:rPr lang="zh-CN" altLang="en-US" dirty="0" smtClean="0"/>
-              <a:t>文礼（帮助理清思路）</a:t>
-            </a:r>
-            <a:endParaRPr lang="en-US" altLang="zh-CN" dirty="0" smtClean="0"/>
-          </a:p>
-          <a:p>
-            <a:r>
-              <a:rPr lang="zh-CN" altLang="en-US" dirty="0" smtClean="0"/>
-              <a:t>陈东（医嘱、软件设计思路）</a:t>
-            </a:r>
-            <a:endParaRPr lang="en-US" altLang="zh-CN" dirty="0" smtClean="0"/>
-          </a:p>
-          <a:p>
-            <a:r>
-              <a:rPr lang="zh-CN" altLang="en-US" dirty="0" smtClean="0"/>
-              <a:t>陈佩（医嘱重要性、角色职责、业务知识）</a:t>
-            </a:r>
-            <a:endParaRPr lang="en-US" altLang="zh-CN" dirty="0" smtClean="0"/>
-          </a:p>
-          <a:p>
-            <a:r>
-              <a:rPr lang="zh-CN" altLang="en-US" dirty="0" smtClean="0"/>
-              <a:t>雷永建（病历、设计思路交流、业务知识）</a:t>
-            </a:r>
-            <a:endParaRPr lang="en-US" altLang="zh-CN" dirty="0" smtClean="0"/>
-          </a:p>
-          <a:p>
-            <a:r>
-              <a:rPr lang="zh-CN" altLang="en-US" dirty="0" smtClean="0"/>
-              <a:t>张天琪（业务知识）</a:t>
-            </a:r>
-            <a:endParaRPr lang="en-US" altLang="zh-CN" dirty="0" smtClean="0"/>
-          </a:p>
-          <a:p>
-            <a:r>
-              <a:rPr lang="zh-CN" altLang="en-US" dirty="0" smtClean="0"/>
-              <a:t>郑勋（病历、医嘱</a:t>
-            </a:r>
-            <a:r>
-              <a:rPr lang="zh-CN" altLang="en-US" dirty="0"/>
-              <a:t>、设计思路交流</a:t>
-            </a:r>
-            <a:r>
-              <a:rPr lang="zh-CN" altLang="en-US" dirty="0" smtClean="0"/>
-              <a:t>、业务知识）</a:t>
-            </a:r>
-            <a:endParaRPr lang="en-US" altLang="zh-CN" dirty="0" smtClean="0"/>
-          </a:p>
-          <a:p>
-            <a:r>
-              <a:rPr lang="zh-CN" altLang="en-US" dirty="0" smtClean="0"/>
-              <a:t>曹洪梅（业务知识）</a:t>
-            </a:r>
-            <a:endParaRPr lang="en-US" altLang="zh-CN" dirty="0" smtClean="0"/>
-          </a:p>
-          <a:p>
-            <a:r>
-              <a:rPr lang="zh-CN" altLang="en-US" dirty="0" smtClean="0"/>
-              <a:t>杨威（医嘱分解、软件设计）</a:t>
-            </a:r>
-            <a:endParaRPr lang="en-US" altLang="zh-CN" dirty="0" smtClean="0"/>
-          </a:p>
-          <a:p>
-            <a:r>
-              <a:rPr lang="zh-CN" altLang="en-US" dirty="0" smtClean="0"/>
-              <a:t>孙清华（医嘱、</a:t>
-            </a:r>
-            <a:r>
-              <a:rPr lang="zh-CN" altLang="en-US" dirty="0"/>
-              <a:t>设计思路交流、业务知识</a:t>
+              <a:t>分析门诊看病流程，并努力使门诊看病和住院治病流程做到合理的共享（如：患者一次住院和一次门诊都可以视其为对医院的一次访问）（</a:t>
+            </a:r>
+            <a:r>
+              <a:rPr lang="en-US" altLang="zh-CN" dirty="0">
+                <a:sym typeface="Wingdings" panose="05000000000000000000" pitchFamily="2" charset="2"/>
+              </a:rPr>
+              <a:t></a:t>
             </a:r>
             <a:r>
               <a:rPr lang="zh-CN" altLang="en-US" dirty="0" smtClean="0"/>
@@ -5408,18 +5325,29 @@
           <a:p>
             <a:r>
               <a:rPr lang="zh-CN" altLang="en-US" dirty="0" smtClean="0"/>
-              <a:t>刘璇（院间业务咨询、工作方向、方法和目标）</a:t>
-            </a:r>
-            <a:endParaRPr lang="en-US" altLang="zh-CN" dirty="0" smtClean="0"/>
-          </a:p>
-          <a:p>
+              <a:t>增加</a:t>
+            </a:r>
+            <a:r>
+              <a:rPr lang="en-US" altLang="zh-CN" dirty="0" smtClean="0"/>
+              <a:t>UI</a:t>
+            </a:r>
             <a:r>
               <a:rPr lang="zh-CN" altLang="en-US" dirty="0" smtClean="0"/>
-              <a:t>杨舒雯（</a:t>
-            </a:r>
-            <a:r>
-              <a:rPr lang="zh-CN" altLang="en-US" dirty="0"/>
-              <a:t>院间业务咨询</a:t>
+              <a:t>方面的投入，考虑通过</a:t>
+            </a:r>
+            <a:r>
+              <a:rPr lang="en-US" altLang="zh-CN" dirty="0" smtClean="0"/>
+              <a:t>UI</a:t>
+            </a:r>
+            <a:r>
+              <a:rPr lang="zh-CN" altLang="en-US" dirty="0" smtClean="0"/>
+              <a:t>演示内核（</a:t>
+            </a:r>
+            <a:r>
+              <a:rPr lang="en-US" altLang="zh-CN" dirty="0" smtClean="0">
+                <a:sym typeface="Wingdings" panose="05000000000000000000" pitchFamily="2" charset="2"/>
+              </a:rPr>
+              <a:t></a:t>
             </a:r>
             <a:r>
               <a:rPr lang="zh-CN" altLang="en-US" dirty="0" smtClean="0"/>
@@ -5430,55 +5358,74 @@
           <a:p>
             <a:r>
               <a:rPr lang="zh-CN" altLang="en-US" dirty="0" smtClean="0"/>
-              <a:t>武跃（方法过程交流）</a:t>
-            </a:r>
-            <a:endParaRPr lang="en-US" altLang="zh-CN" dirty="0" smtClean="0"/>
-          </a:p>
-          <a:p>
-            <a:r>
-              <a:rPr lang="zh-CN" altLang="en-US" dirty="0"/>
-              <a:t>王</a:t>
+              <a:t>完善</a:t>
+            </a:r>
+            <a:r>
+              <a:rPr lang="en-US" altLang="zh-CN" dirty="0" smtClean="0"/>
+              <a:t>API</a:t>
             </a:r>
             <a:r>
               <a:rPr lang="zh-CN" altLang="en-US" dirty="0" smtClean="0"/>
-              <a:t>英辉（医嘱概念、角色职责）</a:t>
-            </a:r>
-            <a:endParaRPr lang="en-US" altLang="zh-CN" dirty="0" smtClean="0"/>
-          </a:p>
-          <a:p>
-            <a:r>
-              <a:rPr lang="zh-CN" altLang="en-US" dirty="0" smtClean="0"/>
-              <a:t>冯涛（</a:t>
-            </a:r>
-            <a:r>
-              <a:rPr lang="zh-CN" altLang="en-US" dirty="0"/>
-              <a:t>帮助理清</a:t>
-            </a:r>
-            <a:r>
-              <a:rPr lang="zh-CN" altLang="en-US" dirty="0" smtClean="0"/>
-              <a:t>思路、工作空间）</a:t>
-            </a:r>
-            <a:endParaRPr lang="en-US" altLang="zh-CN" dirty="0" smtClean="0"/>
-          </a:p>
-          <a:p>
-            <a:r>
-              <a:rPr lang="zh-CN" altLang="en-US" dirty="0" smtClean="0"/>
-              <a:t>张陈（收费、子系统协作、工作空间）</a:t>
+              <a:t>，为性能测试做准备（</a:t>
+            </a:r>
+            <a:r>
+              <a:rPr lang="en-US" altLang="zh-CN" dirty="0" smtClean="0">
+                <a:sym typeface="Wingdings" panose="05000000000000000000" pitchFamily="2" charset="2"/>
+              </a:rPr>
+              <a:t></a:t>
+            </a:r>
+            <a:r>
+              <a:rPr lang="zh-CN" altLang="en-US" dirty="0" smtClean="0">
+                <a:sym typeface="Wingdings" panose="05000000000000000000" pitchFamily="2" charset="2"/>
+              </a:rPr>
+              <a:t>）</a:t>
             </a:r>
             <a:endParaRPr lang="zh-CN" altLang="en-US" dirty="0"/>
           </a:p>
         </p:txBody>
       </p:sp>
+      <p:pic>
+        <p:nvPicPr>
+          <p:cNvPr id="4" name="图片 3"/>
+          <p:cNvPicPr>
+            <a:picLocks noChangeAspect="1"/>
+          </p:cNvPicPr>
+          <p:nvPr/>
+        </p:nvPicPr>
+        <p:blipFill>
+          <a:blip r:embed="rId2"/>
+          <a:stretch>
+            <a:fillRect/>
+          </a:stretch>
+        </p:blipFill>
+        <p:spPr>
+          <a:xfrm>
+            <a:off x="5387659" y="3051373"/>
+            <a:ext cx="5211831" cy="3414047"/>
+          </a:xfrm>
+          <a:prstGeom prst="rect">
+            <a:avLst/>
+          </a:prstGeom>
+        </p:spPr>
+      </p:pic>
     </p:spTree>
     <p:extLst>
       <p:ext uri="{BB962C8B-B14F-4D97-AF65-F5344CB8AC3E}">
-        <p14:creationId xmlns:p14="http://schemas.microsoft.com/office/powerpoint/2010/main" val="1277144558"/>
+        <p14:creationId xmlns:p14="http://schemas.microsoft.com/office/powerpoint/2010/main" val="2689442408"/>
       </p:ext>
     </p:extLst>
   </p:cSld>
   <p:clrMapOvr>
     <a:masterClrMapping/>
   </p:clrMapOvr>
+  <mc:AlternateContent xmlns:mc="http://schemas.openxmlformats.org/markup-compatibility/2006">
+    <mc:Choice xmlns:p14="http://schemas.microsoft.com/office/powerpoint/2010/main" Requires="p14">
+      <p:transition spd="slow" p14:dur="2000"/>
+    </mc:Choice>
+    <mc:Fallback>
+      <p:transition spd="slow"/>
+    </mc:Fallback>
+  </mc:AlternateContent>
   <p:timing>
     <p:tnLst>
       <p:par>
@@ -6106,7 +6053,7 @@
               <a:rPr lang="en-US" altLang="zh-CN" dirty="0" smtClean="0">
                 <a:sym typeface="Wingdings" panose="05000000000000000000" pitchFamily="2" charset="2"/>
               </a:rPr>
-              <a:t></a:t>
+              <a:t></a:t>
             </a:r>
             <a:r>
               <a:rPr lang="zh-CN" altLang="en-US" dirty="0" smtClean="0"/>
@@ -6164,8 +6111,8 @@
         </p:blipFill>
         <p:spPr>
           <a:xfrm>
-            <a:off x="3581165" y="2343955"/>
-            <a:ext cx="3915793" cy="4449765"/>
+            <a:off x="1245929" y="2920732"/>
+            <a:ext cx="3206398" cy="3643634"/>
           </a:xfrm>
           <a:prstGeom prst="rect">
             <a:avLst/>
@@ -6180,11 +6127,14 @@
         </p:nvSpPr>
         <p:spPr>
           <a:xfrm>
-            <a:off x="8318499" y="3327399"/>
-            <a:ext cx="2731573" cy="1554089"/>
+            <a:off x="4965897" y="3319975"/>
+            <a:ext cx="6597746" cy="2373265"/>
           </a:xfrm>
           <a:prstGeom prst="wedgeEllipseCallout">
-            <a:avLst/>
+            <a:avLst>
+              <a:gd name="adj1" fmla="val -57720"/>
+              <a:gd name="adj2" fmla="val 50052"/>
+            </a:avLst>
           </a:prstGeom>
           <a:noFill/>
         </p:spPr>
@@ -6208,36 +6158,129 @@
           <a:bodyPr rtlCol="0" anchor="ctr"/>
           <a:lstStyle/>
           <a:p>
-            <a:pPr algn="ctr"/>
-            <a:r>
-              <a:rPr lang="zh-CN" altLang="en-US" dirty="0" smtClean="0">
+            <a:r>
+              <a:rPr lang="zh-CN" altLang="zh-CN" sz="1200" dirty="0">
                 <a:solidFill>
-                  <a:schemeClr val="tx1"/>
+                  <a:schemeClr val="tx1">
+                    <a:lumMod val="50000"/>
+                    <a:lumOff val="50000"/>
+                  </a:schemeClr>
                 </a:solidFill>
               </a:rPr>
-              <a:t>希望工作是经过整体分析</a:t>
-            </a:r>
-            <a:r>
-              <a:rPr lang="zh-CN" altLang="en-US" dirty="0">
+              <a:t>该工作将在这些方面对外产生价值：</a:t>
+            </a:r>
+          </a:p>
+          <a:p>
+            <a:pPr marL="171450" lvl="0" indent="-171450">
+              <a:buFont typeface="Arial" panose="020B0604020202020204" pitchFamily="34" charset="0"/>
+              <a:buChar char="•"/>
+            </a:pPr>
+            <a:r>
+              <a:rPr lang="zh-CN" altLang="zh-CN" sz="1200" dirty="0">
                 <a:solidFill>
-                  <a:schemeClr val="tx1"/>
+                  <a:schemeClr val="tx1">
+                    <a:lumMod val="50000"/>
+                    <a:lumOff val="50000"/>
+                  </a:schemeClr>
                 </a:solidFill>
               </a:rPr>
-              <a:t>、</a:t>
-            </a:r>
-            <a:r>
-              <a:rPr lang="zh-CN" altLang="en-US" dirty="0" smtClean="0">
+              <a:t>以医院业务为背景形成一个采用</a:t>
+            </a:r>
+            <a:r>
+              <a:rPr lang="en-US" altLang="zh-CN" sz="1200" dirty="0">
                 <a:solidFill>
-                  <a:schemeClr val="tx1"/>
+                  <a:schemeClr val="tx1">
+                    <a:lumMod val="50000"/>
+                    <a:lumOff val="50000"/>
+                  </a:schemeClr>
                 </a:solidFill>
               </a:rPr>
-              <a:t>宏观设计，并深入指导代码的</a:t>
-            </a:r>
-            <a:endParaRPr lang="zh-CN" altLang="en-US" dirty="0">
-              <a:solidFill>
-                <a:schemeClr val="tx1"/>
-              </a:solidFill>
-            </a:endParaRPr>
+              <a:t>RUP</a:t>
+            </a:r>
+            <a:r>
+              <a:rPr lang="zh-CN" altLang="zh-CN" sz="1200" dirty="0">
+                <a:solidFill>
+                  <a:schemeClr val="tx1">
+                    <a:lumMod val="50000"/>
+                    <a:lumOff val="50000"/>
+                  </a:schemeClr>
+                </a:solidFill>
+              </a:rPr>
+              <a:t>工程方法的参考案例，有助于他人了解学习</a:t>
+            </a:r>
+            <a:r>
+              <a:rPr lang="en-US" altLang="zh-CN" sz="1200" dirty="0">
+                <a:solidFill>
+                  <a:schemeClr val="tx1">
+                    <a:lumMod val="50000"/>
+                    <a:lumOff val="50000"/>
+                  </a:schemeClr>
+                </a:solidFill>
+              </a:rPr>
+              <a:t>RUP</a:t>
+            </a:r>
+            <a:r>
+              <a:rPr lang="zh-CN" altLang="zh-CN" sz="1200" dirty="0">
+                <a:solidFill>
+                  <a:schemeClr val="tx1">
+                    <a:lumMod val="50000"/>
+                    <a:lumOff val="50000"/>
+                  </a:schemeClr>
+                </a:solidFill>
+              </a:rPr>
+              <a:t>由业务建模到编码实现的全过程。</a:t>
+            </a:r>
+          </a:p>
+          <a:p>
+            <a:pPr marL="171450" lvl="0" indent="-171450">
+              <a:buFont typeface="Arial" panose="020B0604020202020204" pitchFamily="34" charset="0"/>
+              <a:buChar char="•"/>
+            </a:pPr>
+            <a:r>
+              <a:rPr lang="zh-CN" altLang="zh-CN" sz="1200" dirty="0">
+                <a:solidFill>
+                  <a:schemeClr val="tx1">
+                    <a:lumMod val="50000"/>
+                    <a:lumOff val="50000"/>
+                  </a:schemeClr>
+                </a:solidFill>
+              </a:rPr>
+              <a:t>在设计层面提供一个参考设计，包括了子系统职责的划分，代码风格、以及实体关系等。</a:t>
+            </a:r>
+          </a:p>
+          <a:p>
+            <a:pPr marL="171450" lvl="0" indent="-171450">
+              <a:buFont typeface="Arial" panose="020B0604020202020204" pitchFamily="34" charset="0"/>
+              <a:buChar char="•"/>
+            </a:pPr>
+            <a:r>
+              <a:rPr lang="zh-CN" altLang="zh-CN" sz="1200" dirty="0">
+                <a:solidFill>
+                  <a:schemeClr val="tx1">
+                    <a:lumMod val="50000"/>
+                    <a:lumOff val="50000"/>
+                  </a:schemeClr>
+                </a:solidFill>
+              </a:rPr>
+              <a:t>提供一个展现将复杂业务软件系统的按着可变性的不同分为黑盒、灰盒和白盒复用的三个层次，并对不同层次研发的方法、质量提出具体的要求。</a:t>
+            </a:r>
+          </a:p>
+          <a:p>
+            <a:pPr marL="171450" lvl="0" indent="-171450">
+              <a:buFont typeface="Arial" panose="020B0604020202020204" pitchFamily="34" charset="0"/>
+              <a:buChar char="•"/>
+            </a:pPr>
+            <a:r>
+              <a:rPr lang="zh-CN" altLang="zh-CN" sz="1200" dirty="0">
+                <a:solidFill>
+                  <a:schemeClr val="tx1">
+                    <a:lumMod val="50000"/>
+                    <a:lumOff val="50000"/>
+                  </a:schemeClr>
+                </a:solidFill>
+              </a:rPr>
+              <a:t>存在经过研究期后将工作展开为实际的研发项目，并应用于实际客户。</a:t>
+            </a:r>
           </a:p>
         </p:txBody>
       </p:sp>
@@ -7191,14 +7234,56 @@
           <a:p>
             <a:r>
               <a:rPr lang="zh-CN" altLang="en-US" dirty="0" smtClean="0"/>
-              <a:t>滚起了一种可进一步持续的工作</a:t>
+              <a:t>滚起了一</a:t>
+            </a:r>
+            <a:r>
+              <a:rPr lang="zh-CN" altLang="en-US" dirty="0" smtClean="0"/>
+              <a:t>种单向推进的探索性工作（</a:t>
+            </a:r>
+            <a:r>
+              <a:rPr lang="en-US" altLang="zh-CN" dirty="0" smtClean="0"/>
+              <a:t>25</a:t>
+            </a:r>
+            <a:r>
+              <a:rPr lang="zh-CN" altLang="en-US" dirty="0" smtClean="0"/>
+              <a:t>封邮件</a:t>
+            </a:r>
+            <a:r>
+              <a:rPr lang="zh-CN" altLang="en-US" dirty="0" smtClean="0"/>
+              <a:t>）</a:t>
             </a:r>
             <a:endParaRPr lang="en-US" altLang="zh-CN" dirty="0" smtClean="0"/>
           </a:p>
           <a:p>
             <a:r>
+              <a:rPr lang="zh-CN" altLang="en-US" dirty="0" smtClean="0"/>
+              <a:t>对于该工作与现存研发工作的</a:t>
+            </a:r>
+            <a:r>
+              <a:rPr lang="zh-CN" altLang="en-US" dirty="0" smtClean="0"/>
+              <a:t>关系未明确</a:t>
+            </a:r>
+            <a:endParaRPr lang="en-US" altLang="zh-CN" dirty="0"/>
+          </a:p>
+          <a:p>
+            <a:r>
+              <a:rPr lang="zh-CN" altLang="en-US" dirty="0" smtClean="0"/>
+              <a:t>对于该工作短期的</a:t>
+            </a:r>
+            <a:r>
+              <a:rPr lang="zh-CN" altLang="en-US" dirty="0" smtClean="0"/>
+              <a:t>价值和推进</a:t>
+            </a:r>
+            <a:r>
+              <a:rPr lang="zh-CN" altLang="en-US" dirty="0" smtClean="0"/>
+              <a:t>方式待探索</a:t>
+            </a:r>
+            <a:endParaRPr lang="en-US" altLang="zh-CN" dirty="0" smtClean="0"/>
+          </a:p>
+          <a:p>
+            <a:r>
               <a:rPr lang="zh-CN" altLang="en-US" b="1" dirty="0" smtClean="0"/>
-              <a:t>对于工作的价值和推进方式需要和</a:t>
+              <a:t>希望可以和</a:t>
             </a:r>
             <a:r>
               <a:rPr lang="en-US" altLang="zh-CN" b="1" dirty="0" smtClean="0"/>
@@ -7214,88 +7299,7 @@
             </a:r>
             <a:r>
               <a:rPr lang="zh-CN" altLang="en-US" b="1" dirty="0" smtClean="0"/>
-              <a:t>、</a:t>
-            </a:r>
-            <a:r>
-              <a:rPr lang="en-US" altLang="zh-CN" b="1" dirty="0" smtClean="0"/>
-              <a:t>PACS</a:t>
-            </a:r>
-            <a:r>
-              <a:rPr lang="zh-CN" altLang="en-US" b="1" dirty="0" smtClean="0"/>
-              <a:t>、手麻、院内平台等相关研发人员一起探讨</a:t>
-            </a:r>
-            <a:endParaRPr lang="en-US" altLang="zh-CN" b="1" dirty="0" smtClean="0"/>
-          </a:p>
-          <a:p>
-            <a:r>
-              <a:rPr lang="en-US" altLang="zh-CN" b="1" dirty="0" smtClean="0">
-                <a:solidFill>
-                  <a:srgbClr val="FF0000"/>
-                </a:solidFill>
-              </a:rPr>
-              <a:t>    </a:t>
-            </a:r>
-            <a:r>
-              <a:rPr lang="zh-CN" altLang="en-US" b="1" dirty="0" smtClean="0">
-                <a:solidFill>
-                  <a:srgbClr val="FF0000"/>
-                </a:solidFill>
-              </a:rPr>
-              <a:t>对于在状态说明中满意度最低的部分（</a:t>
-            </a:r>
-            <a:r>
-              <a:rPr lang="zh-CN" altLang="en-US" dirty="0">
-                <a:solidFill>
-                  <a:srgbClr val="FF0000"/>
-                </a:solidFill>
-              </a:rPr>
-              <a:t>通过识别领域与应用逻辑，谋求拆分软件系统进而影响研发分工的</a:t>
-            </a:r>
-            <a:r>
-              <a:rPr lang="zh-CN" altLang="en-US" dirty="0" smtClean="0">
-                <a:solidFill>
-                  <a:srgbClr val="FF0000"/>
-                </a:solidFill>
-              </a:rPr>
-              <a:t>办法</a:t>
-            </a:r>
-            <a:r>
-              <a:rPr lang="zh-CN" altLang="en-US" b="1" dirty="0" smtClean="0">
-                <a:solidFill>
-                  <a:srgbClr val="FF0000"/>
-                </a:solidFill>
-              </a:rPr>
-              <a:t>）希望能够和各方选手配合提升一下满意度</a:t>
-            </a:r>
-            <a:r>
-              <a:rPr lang="en-US" altLang="zh-CN" b="1" dirty="0" smtClean="0">
-                <a:solidFill>
-                  <a:srgbClr val="FF0000"/>
-                </a:solidFill>
-              </a:rPr>
-              <a:t>【</a:t>
-            </a:r>
-            <a:r>
-              <a:rPr lang="zh-CN" altLang="en-US" b="1" dirty="0" smtClean="0">
-                <a:solidFill>
-                  <a:srgbClr val="FF0000"/>
-                </a:solidFill>
-              </a:rPr>
-              <a:t>希望一份成果双方共享</a:t>
-            </a:r>
-            <a:r>
-              <a:rPr lang="en-US" altLang="zh-CN" b="1" dirty="0" smtClean="0">
-                <a:solidFill>
-                  <a:srgbClr val="FF0000"/>
-                </a:solidFill>
-              </a:rPr>
-              <a:t>】</a:t>
-            </a:r>
-          </a:p>
-          <a:p>
-            <a:r>
-              <a:rPr lang="zh-CN" altLang="en-US" b="1" dirty="0" smtClean="0"/>
-              <a:t>希望可以获得关注，并持续互通有无</a:t>
+              <a:t>、院内平台等相关项目负责人有更深入的沟通，形成合作模式并能共享成果</a:t>
             </a:r>
             <a:endParaRPr lang="zh-CN" altLang="en-US" b="1" dirty="0"/>
           </a:p>
@@ -7311,11 +7315,18 @@
   <p:clrMapOvr>
     <a:masterClrMapping/>
   </p:clrMapOvr>
+  <p:timing>
+    <p:tnLst>
+      <p:par>
+        <p:cTn id="1" dur="indefinite" restart="never" nodeType="tmRoot"/>
+      </p:par>
+    </p:tnLst>
+  </p:timing>
 </p:sld>
 </file>
 
 <file path=ppt/slides/slide9.xml><?xml version="1.0" encoding="utf-8"?>
-<p:sld xmlns:a="http://schemas.openxmlformats.org/drawingml/2006/main" xmlns:r="http://schemas.openxmlformats.org/officeDocument/2006/relationships" xmlns:p="http://schemas.openxmlformats.org/presentationml/2006/main">
+<p:sld xmlns:a="http://schemas.openxmlformats.org/drawingml/2006/main" xmlns:r="http://schemas.openxmlformats.org/officeDocument/2006/relationships" xmlns:p="http://schemas.openxmlformats.org/presentationml/2006/main" showMasterSp="0">
   <p:cSld>
     <p:spTree>
       <p:nvGrpSpPr>
@@ -7333,56 +7344,120 @@
       </p:grpSpPr>
       <p:sp>
         <p:nvSpPr>
-          <p:cNvPr id="2" name="标题 1"/>
-          <p:cNvSpPr>
-            <a:spLocks noGrp="1"/>
-          </p:cNvSpPr>
-          <p:nvPr>
-            <p:ph type="title"/>
-          </p:nvPr>
-        </p:nvSpPr>
-        <p:spPr/>
-        <p:txBody>
-          <a:bodyPr/>
+          <p:cNvPr id="3" name="内容占位符 2"/>
+          <p:cNvSpPr>
+            <a:spLocks noGrp="1"/>
+          </p:cNvSpPr>
+          <p:nvPr>
+            <p:ph idx="1"/>
+          </p:nvPr>
+        </p:nvSpPr>
+        <p:spPr>
+          <a:xfrm>
+            <a:off x="633046" y="126608"/>
+            <a:ext cx="10860259" cy="6731391"/>
+          </a:xfrm>
+        </p:spPr>
+        <p:txBody>
+          <a:bodyPr>
+            <a:normAutofit fontScale="77500" lnSpcReduction="20000"/>
+          </a:bodyPr>
           <a:lstStyle/>
           <a:p>
             <a:r>
               <a:rPr lang="zh-CN" altLang="en-US" dirty="0" smtClean="0"/>
-              <a:t>下一步计划工作</a:t>
-            </a:r>
-            <a:endParaRPr lang="zh-CN" altLang="en-US" dirty="0"/>
-          </a:p>
-        </p:txBody>
-      </p:sp>
-      <p:sp>
-        <p:nvSpPr>
-          <p:cNvPr id="3" name="内容占位符 2"/>
-          <p:cNvSpPr>
-            <a:spLocks noGrp="1"/>
-          </p:cNvSpPr>
-          <p:nvPr>
-            <p:ph idx="1"/>
-          </p:nvPr>
-        </p:nvSpPr>
-        <p:spPr>
-          <a:xfrm>
-            <a:off x="838201" y="1825625"/>
-            <a:ext cx="10379298" cy="4351338"/>
-          </a:xfrm>
-        </p:spPr>
-        <p:txBody>
-          <a:bodyPr/>
-          <a:lstStyle/>
+              <a:t>感谢：</a:t>
+            </a:r>
+            <a:endParaRPr lang="en-US" altLang="zh-CN" dirty="0" smtClean="0"/>
+          </a:p>
           <a:p>
             <a:r>
               <a:rPr lang="zh-CN" altLang="en-US" dirty="0" smtClean="0"/>
-              <a:t>分析门诊看病流程，并努力使门诊看病和住院治病流程做到合理的共享（如：患者一次住院和一次门诊都可以视其为对医院的一次访问）（</a:t>
-            </a:r>
-            <a:r>
-              <a:rPr lang="en-US" altLang="zh-CN" dirty="0">
-                <a:sym typeface="Wingdings" panose="05000000000000000000" pitchFamily="2" charset="2"/>
-              </a:rPr>
-              <a:t></a:t>
+              <a:t>彭金鑫（医嘱、收费、现场实施知识咨询）</a:t>
+            </a:r>
+            <a:endParaRPr lang="en-US" altLang="zh-CN" dirty="0" smtClean="0"/>
+          </a:p>
+          <a:p>
+            <a:r>
+              <a:rPr lang="zh-CN" altLang="en-US" dirty="0" smtClean="0"/>
+              <a:t>文礼（帮助理清思路）</a:t>
+            </a:r>
+            <a:endParaRPr lang="en-US" altLang="zh-CN" dirty="0" smtClean="0"/>
+          </a:p>
+          <a:p>
+            <a:r>
+              <a:rPr lang="zh-CN" altLang="en-US" dirty="0" smtClean="0"/>
+              <a:t>陈东（医嘱、软件设计思路）</a:t>
+            </a:r>
+            <a:endParaRPr lang="en-US" altLang="zh-CN" dirty="0" smtClean="0"/>
+          </a:p>
+          <a:p>
+            <a:r>
+              <a:rPr lang="zh-CN" altLang="en-US" dirty="0" smtClean="0"/>
+              <a:t>陈佩（医嘱重要性、角色职责、业务知识）</a:t>
+            </a:r>
+            <a:endParaRPr lang="en-US" altLang="zh-CN" dirty="0" smtClean="0"/>
+          </a:p>
+          <a:p>
+            <a:r>
+              <a:rPr lang="zh-CN" altLang="en-US" dirty="0" smtClean="0"/>
+              <a:t>雷永建（病历、设计思路交流、业务知识）</a:t>
+            </a:r>
+            <a:endParaRPr lang="en-US" altLang="zh-CN" dirty="0" smtClean="0"/>
+          </a:p>
+          <a:p>
+            <a:r>
+              <a:rPr lang="zh-CN" altLang="en-US" dirty="0" smtClean="0"/>
+              <a:t>郑</a:t>
+            </a:r>
+            <a:r>
+              <a:rPr lang="zh-CN" altLang="en-US" dirty="0" smtClean="0"/>
+              <a:t>勋（病历、医嘱</a:t>
+            </a:r>
+            <a:r>
+              <a:rPr lang="zh-CN" altLang="en-US" dirty="0"/>
+              <a:t>、设计思路交流</a:t>
+            </a:r>
+            <a:r>
+              <a:rPr lang="zh-CN" altLang="en-US" dirty="0" smtClean="0"/>
+              <a:t>、业务知识）</a:t>
+            </a:r>
+            <a:endParaRPr lang="en-US" altLang="zh-CN" dirty="0" smtClean="0"/>
+          </a:p>
+          <a:p>
+            <a:r>
+              <a:rPr lang="zh-CN" altLang="en-US" dirty="0"/>
+              <a:t>张天</a:t>
+            </a:r>
+            <a:r>
+              <a:rPr lang="zh-CN" altLang="en-US" dirty="0" smtClean="0"/>
+              <a:t>琪、曹</a:t>
+            </a:r>
+            <a:r>
+              <a:rPr lang="zh-CN" altLang="en-US" dirty="0" smtClean="0"/>
+              <a:t>洪梅</a:t>
+            </a:r>
+            <a:r>
+              <a:rPr lang="zh-CN" altLang="en-US" dirty="0" smtClean="0"/>
+              <a:t>（业务知识）</a:t>
+            </a:r>
+            <a:endParaRPr lang="en-US" altLang="zh-CN" dirty="0" smtClean="0"/>
+          </a:p>
+          <a:p>
+            <a:r>
+              <a:rPr lang="zh-CN" altLang="en-US" dirty="0" smtClean="0"/>
+              <a:t>杨威（医嘱分解、软件设计）</a:t>
+            </a:r>
+            <a:endParaRPr lang="en-US" altLang="zh-CN" dirty="0" smtClean="0"/>
+          </a:p>
+          <a:p>
+            <a:r>
+              <a:rPr lang="zh-CN" altLang="en-US" dirty="0" smtClean="0"/>
+              <a:t>孙清华（医嘱、</a:t>
+            </a:r>
+            <a:r>
+              <a:rPr lang="zh-CN" altLang="en-US" dirty="0"/>
+              <a:t>设计思路交流、业务知识</a:t>
             </a:r>
             <a:r>
               <a:rPr lang="zh-CN" altLang="en-US" dirty="0" smtClean="0"/>
@@ -7392,94 +7467,69 @@
           </a:p>
           <a:p>
             <a:r>
+              <a:rPr lang="zh-CN" altLang="en-US" dirty="0"/>
+              <a:t>刘璇、杨舒雯（</a:t>
+            </a:r>
+            <a:r>
               <a:rPr lang="zh-CN" altLang="en-US" dirty="0" smtClean="0"/>
-              <a:t>增加</a:t>
-            </a:r>
-            <a:r>
-              <a:rPr lang="en-US" altLang="zh-CN" dirty="0" smtClean="0"/>
-              <a:t>UI</a:t>
+              <a:t>院间业务</a:t>
             </a:r>
             <a:r>
               <a:rPr lang="zh-CN" altLang="en-US" dirty="0" smtClean="0"/>
-              <a:t>方面的投入，考虑通过</a:t>
-            </a:r>
-            <a:r>
-              <a:rPr lang="en-US" altLang="zh-CN" dirty="0" smtClean="0"/>
-              <a:t>UI</a:t>
-            </a:r>
+              <a:t>咨询）</a:t>
+            </a:r>
+            <a:endParaRPr lang="en-US" altLang="zh-CN" dirty="0" smtClean="0"/>
+          </a:p>
+          <a:p>
             <a:r>
               <a:rPr lang="zh-CN" altLang="en-US" dirty="0" smtClean="0"/>
-              <a:t>演示内核（</a:t>
-            </a:r>
-            <a:r>
-              <a:rPr lang="en-US" altLang="zh-CN" dirty="0" smtClean="0">
-                <a:sym typeface="Wingdings" panose="05000000000000000000" pitchFamily="2" charset="2"/>
-              </a:rPr>
-              <a:t></a:t>
+              <a:t>武</a:t>
             </a:r>
             <a:r>
               <a:rPr lang="zh-CN" altLang="en-US" dirty="0" smtClean="0"/>
-              <a:t>）</a:t>
+              <a:t>跃（方法过程交流）</a:t>
             </a:r>
             <a:endParaRPr lang="en-US" altLang="zh-CN" dirty="0" smtClean="0"/>
           </a:p>
           <a:p>
             <a:r>
+              <a:rPr lang="zh-CN" altLang="en-US" dirty="0"/>
+              <a:t>王</a:t>
+            </a:r>
+            <a:r>
               <a:rPr lang="zh-CN" altLang="en-US" dirty="0" smtClean="0"/>
-              <a:t>完善</a:t>
-            </a:r>
-            <a:r>
-              <a:rPr lang="en-US" altLang="zh-CN" dirty="0" smtClean="0"/>
-              <a:t>API</a:t>
-            </a:r>
+              <a:t>英辉（医嘱概念、角色职责）</a:t>
+            </a:r>
+            <a:endParaRPr lang="en-US" altLang="zh-CN" dirty="0" smtClean="0"/>
+          </a:p>
+          <a:p>
             <a:r>
               <a:rPr lang="zh-CN" altLang="en-US" dirty="0" smtClean="0"/>
-              <a:t>，为性能测试做准备（</a:t>
-            </a:r>
-            <a:r>
-              <a:rPr lang="en-US" altLang="zh-CN" dirty="0" smtClean="0">
-                <a:sym typeface="Wingdings" panose="05000000000000000000" pitchFamily="2" charset="2"/>
-              </a:rPr>
-              <a:t></a:t>
-            </a:r>
-            <a:r>
-              <a:rPr lang="zh-CN" altLang="en-US" dirty="0" smtClean="0">
-                <a:sym typeface="Wingdings" panose="05000000000000000000" pitchFamily="2" charset="2"/>
-              </a:rPr>
-              <a:t>）</a:t>
+              <a:t>冯涛（</a:t>
+            </a:r>
+            <a:r>
+              <a:rPr lang="zh-CN" altLang="en-US" dirty="0"/>
+              <a:t>帮助理清</a:t>
+            </a:r>
+            <a:r>
+              <a:rPr lang="zh-CN" altLang="en-US" dirty="0" smtClean="0"/>
+              <a:t>思路、工作空间）</a:t>
+            </a:r>
+            <a:endParaRPr lang="en-US" altLang="zh-CN" dirty="0" smtClean="0"/>
+          </a:p>
+          <a:p>
+            <a:r>
+              <a:rPr lang="zh-CN" altLang="en-US" dirty="0" smtClean="0"/>
+              <a:t>张陈（收费、子系统协作、工作空间）</a:t>
             </a:r>
             <a:endParaRPr lang="zh-CN" altLang="en-US" dirty="0"/>
           </a:p>
         </p:txBody>
       </p:sp>
-      <p:pic>
-        <p:nvPicPr>
-          <p:cNvPr id="4" name="图片 3"/>
-          <p:cNvPicPr>
-            <a:picLocks noChangeAspect="1"/>
-          </p:cNvPicPr>
-          <p:nvPr/>
-        </p:nvPicPr>
-        <p:blipFill>
-          <a:blip r:embed="rId2"/>
-          <a:stretch>
-            <a:fillRect/>
-          </a:stretch>
-        </p:blipFill>
-        <p:spPr>
-          <a:xfrm>
-            <a:off x="5387659" y="3051373"/>
-            <a:ext cx="5211831" cy="3414047"/>
-          </a:xfrm>
-          <a:prstGeom prst="rect">
-            <a:avLst/>
-          </a:prstGeom>
-        </p:spPr>
-      </p:pic>
     </p:spTree>
     <p:extLst>
       <p:ext uri="{BB962C8B-B14F-4D97-AF65-F5344CB8AC3E}">
-        <p14:creationId xmlns:p14="http://schemas.microsoft.com/office/powerpoint/2010/main" val="2689442408"/>
+        <p14:creationId xmlns:p14="http://schemas.microsoft.com/office/powerpoint/2010/main" val="1277144558"/>
       </p:ext>
     </p:extLst>
   </p:cSld>

--- a/doc/状态报告 2017-2-27.pptx
+++ b/doc/状态报告 2017-2-27.pptx
@@ -5218,7 +5218,6 @@
               <a:rPr lang="en-US" altLang="zh-CN" sz="1000" smtClean="0"/>
               <a:t>Copyright © 2008 Neusoft Corporation </a:t>
             </a:r>
-            <a:endParaRPr lang="en-US" altLang="zh-CN" sz="1000" smtClean="0"/>
           </a:p>
         </p:txBody>
       </p:sp>
@@ -5276,11 +5275,15 @@
           <a:p>
             <a:r>
               <a:rPr lang="zh-CN" altLang="en-US" dirty="0" smtClean="0"/>
-              <a:t>（其他）下一步自有计划</a:t>
+              <a:t>（其他）下一步</a:t>
             </a:r>
             <a:r>
               <a:rPr lang="zh-CN" altLang="en-US" dirty="0" smtClean="0"/>
-              <a:t>工作</a:t>
+              <a:t>自</a:t>
+            </a:r>
+            <a:r>
+              <a:rPr lang="zh-CN" altLang="en-US" dirty="0"/>
+              <a:t>驱动的工作计划</a:t>
             </a:r>
             <a:endParaRPr lang="zh-CN" altLang="en-US" dirty="0"/>
           </a:p>
@@ -5418,11 +5421,11 @@
   <p:clrMapOvr>
     <a:masterClrMapping/>
   </p:clrMapOvr>
-  <mc:AlternateContent xmlns:mc="http://schemas.openxmlformats.org/markup-compatibility/2006">
-    <mc:Choice xmlns:p14="http://schemas.microsoft.com/office/powerpoint/2010/main" Requires="p14">
+  <mc:AlternateContent xmlns:mc="http://schemas.openxmlformats.org/markup-compatibility/2006" xmlns:p14="http://schemas.microsoft.com/office/powerpoint/2010/main">
+    <mc:Choice Requires="p14">
       <p:transition spd="slow" p14:dur="2000"/>
     </mc:Choice>
-    <mc:Fallback>
+    <mc:Fallback xmlns="">
       <p:transition spd="slow"/>
     </mc:Fallback>
   </mc:AlternateContent>
@@ -7234,11 +7237,7 @@
           <a:p>
             <a:r>
               <a:rPr lang="zh-CN" altLang="en-US" dirty="0" smtClean="0"/>
-              <a:t>滚起了一</a:t>
-            </a:r>
-            <a:r>
-              <a:rPr lang="zh-CN" altLang="en-US" dirty="0" smtClean="0"/>
-              <a:t>种单向推进的探索性工作（</a:t>
+              <a:t>滚起了一种单向推进的探索性工作（</a:t>
             </a:r>
             <a:r>
               <a:rPr lang="en-US" altLang="zh-CN" dirty="0" smtClean="0"/>
@@ -7246,37 +7245,21 @@
             </a:r>
             <a:r>
               <a:rPr lang="zh-CN" altLang="en-US" dirty="0" smtClean="0"/>
-              <a:t>封邮件</a:t>
-            </a:r>
+              <a:t>封邮件）</a:t>
+            </a:r>
+            <a:endParaRPr lang="en-US" altLang="zh-CN" dirty="0" smtClean="0"/>
+          </a:p>
+          <a:p>
             <a:r>
               <a:rPr lang="zh-CN" altLang="en-US" dirty="0" smtClean="0"/>
-              <a:t>）</a:t>
-            </a:r>
-            <a:endParaRPr lang="en-US" altLang="zh-CN" dirty="0" smtClean="0"/>
+              <a:t>对于该工作与现存研发工作的关系未明确</a:t>
+            </a:r>
+            <a:endParaRPr lang="en-US" altLang="zh-CN" dirty="0"/>
           </a:p>
           <a:p>
             <a:r>
               <a:rPr lang="zh-CN" altLang="en-US" dirty="0" smtClean="0"/>
-              <a:t>对于该工作与现存研发工作的</a:t>
-            </a:r>
-            <a:r>
-              <a:rPr lang="zh-CN" altLang="en-US" dirty="0" smtClean="0"/>
-              <a:t>关系未明确</a:t>
-            </a:r>
-            <a:endParaRPr lang="en-US" altLang="zh-CN" dirty="0"/>
-          </a:p>
-          <a:p>
-            <a:r>
-              <a:rPr lang="zh-CN" altLang="en-US" dirty="0" smtClean="0"/>
-              <a:t>对于该工作短期的</a:t>
-            </a:r>
-            <a:r>
-              <a:rPr lang="zh-CN" altLang="en-US" dirty="0" smtClean="0"/>
-              <a:t>价值和推进</a:t>
-            </a:r>
-            <a:r>
-              <a:rPr lang="zh-CN" altLang="en-US" dirty="0" smtClean="0"/>
-              <a:t>方式待探索</a:t>
+              <a:t>对于该工作短期的价值和推进方式待探索</a:t>
             </a:r>
             <a:endParaRPr lang="en-US" altLang="zh-CN" dirty="0" smtClean="0"/>
           </a:p>
@@ -7408,11 +7391,7 @@
           <a:p>
             <a:r>
               <a:rPr lang="zh-CN" altLang="en-US" dirty="0" smtClean="0"/>
-              <a:t>郑</a:t>
-            </a:r>
-            <a:r>
-              <a:rPr lang="zh-CN" altLang="en-US" dirty="0" smtClean="0"/>
-              <a:t>勋（病历、医嘱</a:t>
+              <a:t>郑勋（病历、医嘱</a:t>
             </a:r>
             <a:r>
               <a:rPr lang="zh-CN" altLang="en-US" dirty="0"/>
@@ -7431,15 +7410,7 @@
             </a:r>
             <a:r>
               <a:rPr lang="zh-CN" altLang="en-US" dirty="0" smtClean="0"/>
-              <a:t>琪、曹</a:t>
-            </a:r>
-            <a:r>
-              <a:rPr lang="zh-CN" altLang="en-US" dirty="0" smtClean="0"/>
-              <a:t>洪梅</a:t>
-            </a:r>
-            <a:r>
-              <a:rPr lang="zh-CN" altLang="en-US" dirty="0" smtClean="0"/>
-              <a:t>（业务知识）</a:t>
+              <a:t>琪、曹洪梅（业务知识）</a:t>
             </a:r>
             <a:endParaRPr lang="en-US" altLang="zh-CN" dirty="0" smtClean="0"/>
           </a:p>
@@ -7472,22 +7443,14 @@
             </a:r>
             <a:r>
               <a:rPr lang="zh-CN" altLang="en-US" dirty="0" smtClean="0"/>
-              <a:t>院间业务</a:t>
-            </a:r>
+              <a:t>院间业务咨询）</a:t>
+            </a:r>
+            <a:endParaRPr lang="en-US" altLang="zh-CN" dirty="0" smtClean="0"/>
+          </a:p>
+          <a:p>
             <a:r>
               <a:rPr lang="zh-CN" altLang="en-US" dirty="0" smtClean="0"/>
-              <a:t>咨询）</a:t>
-            </a:r>
-            <a:endParaRPr lang="en-US" altLang="zh-CN" dirty="0" smtClean="0"/>
-          </a:p>
-          <a:p>
-            <a:r>
-              <a:rPr lang="zh-CN" altLang="en-US" dirty="0" smtClean="0"/>
-              <a:t>武</a:t>
-            </a:r>
-            <a:r>
-              <a:rPr lang="zh-CN" altLang="en-US" dirty="0" smtClean="0"/>
-              <a:t>跃（方法过程交流）</a:t>
+              <a:t>武跃（方法过程交流）</a:t>
             </a:r>
             <a:endParaRPr lang="en-US" altLang="zh-CN" dirty="0" smtClean="0"/>
           </a:p>

--- a/doc/状态报告 2017-2-27.pptx
+++ b/doc/状态报告 2017-2-27.pptx
@@ -5275,17 +5275,12 @@
           <a:p>
             <a:r>
               <a:rPr lang="zh-CN" altLang="en-US" dirty="0" smtClean="0"/>
-              <a:t>（其他）下一步</a:t>
-            </a:r>
-            <a:r>
-              <a:rPr lang="zh-CN" altLang="en-US" dirty="0" smtClean="0"/>
-              <a:t>自</a:t>
+              <a:t>（其他）下一步自</a:t>
             </a:r>
             <a:r>
               <a:rPr lang="zh-CN" altLang="en-US" dirty="0"/>
               <a:t>驱动的工作计划</a:t>
             </a:r>
-            <a:endParaRPr lang="zh-CN" altLang="en-US" dirty="0"/>
           </a:p>
         </p:txBody>
       </p:sp>
@@ -6140,6 +6135,13 @@
             </a:avLst>
           </a:prstGeom>
           <a:noFill/>
+          <a:ln>
+            <a:solidFill>
+              <a:schemeClr val="bg2">
+                <a:lumMod val="50000"/>
+              </a:schemeClr>
+            </a:solidFill>
+          </a:ln>
         </p:spPr>
         <p:style>
           <a:lnRef idx="2">
@@ -6240,7 +6242,7 @@
               <a:buChar char="•"/>
             </a:pPr>
             <a:r>
-              <a:rPr lang="zh-CN" altLang="zh-CN" sz="1200" dirty="0">
+              <a:rPr lang="zh-CN" altLang="zh-CN" sz="1200" b="1" dirty="0">
                 <a:solidFill>
                   <a:schemeClr val="tx1">
                     <a:lumMod val="50000"/>
@@ -6257,7 +6259,7 @@
               <a:buChar char="•"/>
             </a:pPr>
             <a:r>
-              <a:rPr lang="zh-CN" altLang="zh-CN" sz="1200" dirty="0">
+              <a:rPr lang="zh-CN" altLang="zh-CN" sz="1200" b="1" dirty="0">
                 <a:solidFill>
                   <a:schemeClr val="tx1">
                     <a:lumMod val="50000"/>

--- a/doc/状态报告 2017-2-27.pptx
+++ b/doc/状态报告 2017-2-27.pptx
@@ -5,10 +5,10 @@
     <p:sldMasterId id="2147483660" r:id="rId2"/>
   </p:sldMasterIdLst>
   <p:notesMasterIdLst>
-    <p:notesMasterId r:id="rId14"/>
+    <p:notesMasterId r:id="rId15"/>
   </p:notesMasterIdLst>
   <p:handoutMasterIdLst>
-    <p:handoutMasterId r:id="rId15"/>
+    <p:handoutMasterId r:id="rId16"/>
   </p:handoutMasterIdLst>
   <p:sldIdLst>
     <p:sldId id="256" r:id="rId3"/>
@@ -19,9 +19,10 @@
     <p:sldId id="266" r:id="rId8"/>
     <p:sldId id="267" r:id="rId9"/>
     <p:sldId id="272" r:id="rId10"/>
-    <p:sldId id="271" r:id="rId11"/>
-    <p:sldId id="273" r:id="rId12"/>
-    <p:sldId id="268" r:id="rId13"/>
+    <p:sldId id="274" r:id="rId11"/>
+    <p:sldId id="271" r:id="rId12"/>
+    <p:sldId id="273" r:id="rId13"/>
+    <p:sldId id="268" r:id="rId14"/>
   </p:sldIdLst>
   <p:sldSz cx="12192000" cy="6858000"/>
   <p:notesSz cx="6858000" cy="9144000"/>
@@ -137,6 +138,7 @@
             <p14:sldId id="266"/>
             <p14:sldId id="267"/>
             <p14:sldId id="272"/>
+            <p14:sldId id="274"/>
             <p14:sldId id="271"/>
             <p14:sldId id="273"/>
             <p14:sldId id="268"/>
@@ -172,6 +174,3096 @@
 <p:cmAuthorLst xmlns:a="http://schemas.openxmlformats.org/drawingml/2006/main" xmlns:r="http://schemas.openxmlformats.org/officeDocument/2006/relationships" xmlns:p="http://schemas.openxmlformats.org/presentationml/2006/main">
   <p:cmAuthor id="2" name="作者" initials="A" lastIdx="0" clrIdx="2"/>
 </p:cmAuthorLst>
+</file>
+
+<file path=ppt/diagrams/colors1.xml><?xml version="1.0" encoding="utf-8"?>
+<dgm:colorsDef xmlns:dgm="http://schemas.openxmlformats.org/drawingml/2006/diagram" xmlns:a="http://schemas.openxmlformats.org/drawingml/2006/main" uniqueId="urn:microsoft.com/office/officeart/2005/8/colors/accent1_2">
+  <dgm:title val=""/>
+  <dgm:desc val=""/>
+  <dgm:catLst>
+    <dgm:cat type="accent1" pri="11200"/>
+  </dgm:catLst>
+  <dgm:styleLbl name="node0">
+    <dgm:fillClrLst meth="repeat">
+      <a:schemeClr val="accent1"/>
+    </dgm:fillClrLst>
+    <dgm:linClrLst meth="repeat">
+      <a:schemeClr val="lt1"/>
+    </dgm:linClrLst>
+    <dgm:effectClrLst/>
+    <dgm:txLinClrLst/>
+    <dgm:txFillClrLst/>
+    <dgm:txEffectClrLst/>
+  </dgm:styleLbl>
+  <dgm:styleLbl name="alignNode1">
+    <dgm:fillClrLst meth="repeat">
+      <a:schemeClr val="accent1"/>
+    </dgm:fillClrLst>
+    <dgm:linClrLst meth="repeat">
+      <a:schemeClr val="accent1"/>
+    </dgm:linClrLst>
+    <dgm:effectClrLst/>
+    <dgm:txLinClrLst/>
+    <dgm:txFillClrLst/>
+    <dgm:txEffectClrLst/>
+  </dgm:styleLbl>
+  <dgm:styleLbl name="node1">
+    <dgm:fillClrLst meth="repeat">
+      <a:schemeClr val="accent1"/>
+    </dgm:fillClrLst>
+    <dgm:linClrLst meth="repeat">
+      <a:schemeClr val="lt1"/>
+    </dgm:linClrLst>
+    <dgm:effectClrLst/>
+    <dgm:txLinClrLst/>
+    <dgm:txFillClrLst/>
+    <dgm:txEffectClrLst/>
+  </dgm:styleLbl>
+  <dgm:styleLbl name="lnNode1">
+    <dgm:fillClrLst meth="repeat">
+      <a:schemeClr val="accent1"/>
+    </dgm:fillClrLst>
+    <dgm:linClrLst meth="repeat">
+      <a:schemeClr val="lt1"/>
+    </dgm:linClrLst>
+    <dgm:effectClrLst/>
+    <dgm:txLinClrLst/>
+    <dgm:txFillClrLst/>
+    <dgm:txEffectClrLst/>
+  </dgm:styleLbl>
+  <dgm:styleLbl name="vennNode1">
+    <dgm:fillClrLst meth="repeat">
+      <a:schemeClr val="accent1">
+        <a:alpha val="50000"/>
+      </a:schemeClr>
+    </dgm:fillClrLst>
+    <dgm:linClrLst meth="repeat">
+      <a:schemeClr val="lt1"/>
+    </dgm:linClrLst>
+    <dgm:effectClrLst/>
+    <dgm:txLinClrLst/>
+    <dgm:txFillClrLst/>
+    <dgm:txEffectClrLst/>
+  </dgm:styleLbl>
+  <dgm:styleLbl name="node2">
+    <dgm:fillClrLst meth="repeat">
+      <a:schemeClr val="accent1"/>
+    </dgm:fillClrLst>
+    <dgm:linClrLst meth="repeat">
+      <a:schemeClr val="lt1"/>
+    </dgm:linClrLst>
+    <dgm:effectClrLst/>
+    <dgm:txLinClrLst/>
+    <dgm:txFillClrLst/>
+    <dgm:txEffectClrLst/>
+  </dgm:styleLbl>
+  <dgm:styleLbl name="node3">
+    <dgm:fillClrLst meth="repeat">
+      <a:schemeClr val="accent1"/>
+    </dgm:fillClrLst>
+    <dgm:linClrLst meth="repeat">
+      <a:schemeClr val="lt1"/>
+    </dgm:linClrLst>
+    <dgm:effectClrLst/>
+    <dgm:txLinClrLst/>
+    <dgm:txFillClrLst/>
+    <dgm:txEffectClrLst/>
+  </dgm:styleLbl>
+  <dgm:styleLbl name="node4">
+    <dgm:fillClrLst meth="repeat">
+      <a:schemeClr val="accent1"/>
+    </dgm:fillClrLst>
+    <dgm:linClrLst meth="repeat">
+      <a:schemeClr val="lt1"/>
+    </dgm:linClrLst>
+    <dgm:effectClrLst/>
+    <dgm:txLinClrLst/>
+    <dgm:txFillClrLst/>
+    <dgm:txEffectClrLst/>
+  </dgm:styleLbl>
+  <dgm:styleLbl name="fgImgPlace1">
+    <dgm:fillClrLst meth="repeat">
+      <a:schemeClr val="accent1">
+        <a:tint val="50000"/>
+      </a:schemeClr>
+    </dgm:fillClrLst>
+    <dgm:linClrLst meth="repeat">
+      <a:schemeClr val="lt1"/>
+    </dgm:linClrLst>
+    <dgm:effectClrLst/>
+    <dgm:txLinClrLst/>
+    <dgm:txFillClrLst meth="repeat">
+      <a:schemeClr val="lt1"/>
+    </dgm:txFillClrLst>
+    <dgm:txEffectClrLst/>
+  </dgm:styleLbl>
+  <dgm:styleLbl name="alignImgPlace1">
+    <dgm:fillClrLst meth="repeat">
+      <a:schemeClr val="accent1">
+        <a:tint val="50000"/>
+      </a:schemeClr>
+    </dgm:fillClrLst>
+    <dgm:linClrLst meth="repeat">
+      <a:schemeClr val="lt1"/>
+    </dgm:linClrLst>
+    <dgm:effectClrLst/>
+    <dgm:txLinClrLst/>
+    <dgm:txFillClrLst meth="repeat">
+      <a:schemeClr val="lt1"/>
+    </dgm:txFillClrLst>
+    <dgm:txEffectClrLst/>
+  </dgm:styleLbl>
+  <dgm:styleLbl name="bgImgPlace1">
+    <dgm:fillClrLst meth="repeat">
+      <a:schemeClr val="accent1">
+        <a:tint val="50000"/>
+      </a:schemeClr>
+    </dgm:fillClrLst>
+    <dgm:linClrLst meth="repeat">
+      <a:schemeClr val="lt1"/>
+    </dgm:linClrLst>
+    <dgm:effectClrLst/>
+    <dgm:txLinClrLst/>
+    <dgm:txFillClrLst meth="repeat">
+      <a:schemeClr val="lt1"/>
+    </dgm:txFillClrLst>
+    <dgm:txEffectClrLst/>
+  </dgm:styleLbl>
+  <dgm:styleLbl name="sibTrans2D1">
+    <dgm:fillClrLst meth="repeat">
+      <a:schemeClr val="accent1">
+        <a:tint val="60000"/>
+      </a:schemeClr>
+    </dgm:fillClrLst>
+    <dgm:linClrLst meth="repeat">
+      <a:schemeClr val="accent1">
+        <a:tint val="60000"/>
+      </a:schemeClr>
+    </dgm:linClrLst>
+    <dgm:effectClrLst/>
+    <dgm:txLinClrLst/>
+    <dgm:txFillClrLst/>
+    <dgm:txEffectClrLst/>
+  </dgm:styleLbl>
+  <dgm:styleLbl name="fgSibTrans2D1">
+    <dgm:fillClrLst meth="repeat">
+      <a:schemeClr val="accent1">
+        <a:tint val="60000"/>
+      </a:schemeClr>
+    </dgm:fillClrLst>
+    <dgm:linClrLst meth="repeat">
+      <a:schemeClr val="accent1">
+        <a:tint val="60000"/>
+      </a:schemeClr>
+    </dgm:linClrLst>
+    <dgm:effectClrLst/>
+    <dgm:txLinClrLst/>
+    <dgm:txFillClrLst/>
+    <dgm:txEffectClrLst/>
+  </dgm:styleLbl>
+  <dgm:styleLbl name="bgSibTrans2D1">
+    <dgm:fillClrLst meth="repeat">
+      <a:schemeClr val="accent1">
+        <a:tint val="60000"/>
+      </a:schemeClr>
+    </dgm:fillClrLst>
+    <dgm:linClrLst meth="repeat">
+      <a:schemeClr val="accent1">
+        <a:tint val="60000"/>
+      </a:schemeClr>
+    </dgm:linClrLst>
+    <dgm:effectClrLst/>
+    <dgm:txLinClrLst/>
+    <dgm:txFillClrLst/>
+    <dgm:txEffectClrLst/>
+  </dgm:styleLbl>
+  <dgm:styleLbl name="sibTrans1D1">
+    <dgm:fillClrLst meth="repeat">
+      <a:schemeClr val="accent1"/>
+    </dgm:fillClrLst>
+    <dgm:linClrLst meth="repeat">
+      <a:schemeClr val="accent1"/>
+    </dgm:linClrLst>
+    <dgm:effectClrLst/>
+    <dgm:txLinClrLst/>
+    <dgm:txFillClrLst meth="repeat">
+      <a:schemeClr val="tx1"/>
+    </dgm:txFillClrLst>
+    <dgm:txEffectClrLst/>
+  </dgm:styleLbl>
+  <dgm:styleLbl name="callout">
+    <dgm:fillClrLst meth="repeat">
+      <a:schemeClr val="accent1"/>
+    </dgm:fillClrLst>
+    <dgm:linClrLst meth="repeat">
+      <a:schemeClr val="accent1">
+        <a:tint val="50000"/>
+      </a:schemeClr>
+    </dgm:linClrLst>
+    <dgm:effectClrLst/>
+    <dgm:txLinClrLst/>
+    <dgm:txFillClrLst meth="repeat">
+      <a:schemeClr val="tx1"/>
+    </dgm:txFillClrLst>
+    <dgm:txEffectClrLst/>
+  </dgm:styleLbl>
+  <dgm:styleLbl name="asst0">
+    <dgm:fillClrLst meth="repeat">
+      <a:schemeClr val="accent1"/>
+    </dgm:fillClrLst>
+    <dgm:linClrLst meth="repeat">
+      <a:schemeClr val="lt1"/>
+    </dgm:linClrLst>
+    <dgm:effectClrLst/>
+    <dgm:txLinClrLst/>
+    <dgm:txFillClrLst/>
+    <dgm:txEffectClrLst/>
+  </dgm:styleLbl>
+  <dgm:styleLbl name="asst1">
+    <dgm:fillClrLst meth="repeat">
+      <a:schemeClr val="accent1"/>
+    </dgm:fillClrLst>
+    <dgm:linClrLst meth="repeat">
+      <a:schemeClr val="lt1"/>
+    </dgm:linClrLst>
+    <dgm:effectClrLst/>
+    <dgm:txLinClrLst/>
+    <dgm:txFillClrLst/>
+    <dgm:txEffectClrLst/>
+  </dgm:styleLbl>
+  <dgm:styleLbl name="asst2">
+    <dgm:fillClrLst meth="repeat">
+      <a:schemeClr val="accent1"/>
+    </dgm:fillClrLst>
+    <dgm:linClrLst meth="repeat">
+      <a:schemeClr val="lt1"/>
+    </dgm:linClrLst>
+    <dgm:effectClrLst/>
+    <dgm:txLinClrLst/>
+    <dgm:txFillClrLst/>
+    <dgm:txEffectClrLst/>
+  </dgm:styleLbl>
+  <dgm:styleLbl name="asst3">
+    <dgm:fillClrLst meth="repeat">
+      <a:schemeClr val="accent1"/>
+    </dgm:fillClrLst>
+    <dgm:linClrLst meth="repeat">
+      <a:schemeClr val="lt1"/>
+    </dgm:linClrLst>
+    <dgm:effectClrLst/>
+    <dgm:txLinClrLst/>
+    <dgm:txFillClrLst/>
+    <dgm:txEffectClrLst/>
+  </dgm:styleLbl>
+  <dgm:styleLbl name="asst4">
+    <dgm:fillClrLst meth="repeat">
+      <a:schemeClr val="accent1"/>
+    </dgm:fillClrLst>
+    <dgm:linClrLst meth="repeat">
+      <a:schemeClr val="lt1"/>
+    </dgm:linClrLst>
+    <dgm:effectClrLst/>
+    <dgm:txLinClrLst/>
+    <dgm:txFillClrLst/>
+    <dgm:txEffectClrLst/>
+  </dgm:styleLbl>
+  <dgm:styleLbl name="parChTrans2D1">
+    <dgm:fillClrLst meth="repeat">
+      <a:schemeClr val="accent1">
+        <a:tint val="60000"/>
+      </a:schemeClr>
+    </dgm:fillClrLst>
+    <dgm:linClrLst meth="repeat">
+      <a:schemeClr val="accent1">
+        <a:tint val="60000"/>
+      </a:schemeClr>
+    </dgm:linClrLst>
+    <dgm:effectClrLst/>
+    <dgm:txLinClrLst/>
+    <dgm:txFillClrLst meth="repeat">
+      <a:schemeClr val="lt1"/>
+    </dgm:txFillClrLst>
+    <dgm:txEffectClrLst/>
+  </dgm:styleLbl>
+  <dgm:styleLbl name="parChTrans2D2">
+    <dgm:fillClrLst meth="repeat">
+      <a:schemeClr val="accent1"/>
+    </dgm:fillClrLst>
+    <dgm:linClrLst meth="repeat">
+      <a:schemeClr val="accent1"/>
+    </dgm:linClrLst>
+    <dgm:effectClrLst/>
+    <dgm:txLinClrLst/>
+    <dgm:txFillClrLst meth="repeat">
+      <a:schemeClr val="lt1"/>
+    </dgm:txFillClrLst>
+    <dgm:txEffectClrLst/>
+  </dgm:styleLbl>
+  <dgm:styleLbl name="parChTrans2D3">
+    <dgm:fillClrLst meth="repeat">
+      <a:schemeClr val="accent1"/>
+    </dgm:fillClrLst>
+    <dgm:linClrLst meth="repeat">
+      <a:schemeClr val="accent1"/>
+    </dgm:linClrLst>
+    <dgm:effectClrLst/>
+    <dgm:txLinClrLst/>
+    <dgm:txFillClrLst meth="repeat">
+      <a:schemeClr val="lt1"/>
+    </dgm:txFillClrLst>
+    <dgm:txEffectClrLst/>
+  </dgm:styleLbl>
+  <dgm:styleLbl name="parChTrans2D4">
+    <dgm:fillClrLst meth="repeat">
+      <a:schemeClr val="accent1"/>
+    </dgm:fillClrLst>
+    <dgm:linClrLst meth="repeat">
+      <a:schemeClr val="accent1"/>
+    </dgm:linClrLst>
+    <dgm:effectClrLst/>
+    <dgm:txLinClrLst/>
+    <dgm:txFillClrLst meth="repeat">
+      <a:schemeClr val="lt1"/>
+    </dgm:txFillClrLst>
+    <dgm:txEffectClrLst/>
+  </dgm:styleLbl>
+  <dgm:styleLbl name="parChTrans1D1">
+    <dgm:fillClrLst meth="repeat">
+      <a:schemeClr val="accent1"/>
+    </dgm:fillClrLst>
+    <dgm:linClrLst meth="repeat">
+      <a:schemeClr val="accent1">
+        <a:shade val="60000"/>
+      </a:schemeClr>
+    </dgm:linClrLst>
+    <dgm:effectClrLst/>
+    <dgm:txLinClrLst/>
+    <dgm:txFillClrLst meth="repeat">
+      <a:schemeClr val="tx1"/>
+    </dgm:txFillClrLst>
+    <dgm:txEffectClrLst/>
+  </dgm:styleLbl>
+  <dgm:styleLbl name="parChTrans1D2">
+    <dgm:fillClrLst meth="repeat">
+      <a:schemeClr val="accent1"/>
+    </dgm:fillClrLst>
+    <dgm:linClrLst meth="repeat">
+      <a:schemeClr val="accent1">
+        <a:shade val="60000"/>
+      </a:schemeClr>
+    </dgm:linClrLst>
+    <dgm:effectClrLst/>
+    <dgm:txLinClrLst/>
+    <dgm:txFillClrLst meth="repeat">
+      <a:schemeClr val="tx1"/>
+    </dgm:txFillClrLst>
+    <dgm:txEffectClrLst/>
+  </dgm:styleLbl>
+  <dgm:styleLbl name="parChTrans1D3">
+    <dgm:fillClrLst meth="repeat">
+      <a:schemeClr val="accent1"/>
+    </dgm:fillClrLst>
+    <dgm:linClrLst meth="repeat">
+      <a:schemeClr val="accent1">
+        <a:shade val="80000"/>
+      </a:schemeClr>
+    </dgm:linClrLst>
+    <dgm:effectClrLst/>
+    <dgm:txLinClrLst/>
+    <dgm:txFillClrLst meth="repeat">
+      <a:schemeClr val="tx1"/>
+    </dgm:txFillClrLst>
+    <dgm:txEffectClrLst/>
+  </dgm:styleLbl>
+  <dgm:styleLbl name="parChTrans1D4">
+    <dgm:fillClrLst meth="repeat">
+      <a:schemeClr val="accent1"/>
+    </dgm:fillClrLst>
+    <dgm:linClrLst meth="repeat">
+      <a:schemeClr val="accent1">
+        <a:shade val="80000"/>
+      </a:schemeClr>
+    </dgm:linClrLst>
+    <dgm:effectClrLst/>
+    <dgm:txLinClrLst/>
+    <dgm:txFillClrLst meth="repeat">
+      <a:schemeClr val="tx1"/>
+    </dgm:txFillClrLst>
+    <dgm:txEffectClrLst/>
+  </dgm:styleLbl>
+  <dgm:styleLbl name="fgAcc1">
+    <dgm:fillClrLst meth="repeat">
+      <a:schemeClr val="lt1">
+        <a:alpha val="90000"/>
+      </a:schemeClr>
+    </dgm:fillClrLst>
+    <dgm:linClrLst meth="repeat">
+      <a:schemeClr val="accent1"/>
+    </dgm:linClrLst>
+    <dgm:effectClrLst/>
+    <dgm:txLinClrLst/>
+    <dgm:txFillClrLst meth="repeat">
+      <a:schemeClr val="dk1"/>
+    </dgm:txFillClrLst>
+    <dgm:txEffectClrLst/>
+  </dgm:styleLbl>
+  <dgm:styleLbl name="conFgAcc1">
+    <dgm:fillClrLst meth="repeat">
+      <a:schemeClr val="lt1">
+        <a:alpha val="90000"/>
+      </a:schemeClr>
+    </dgm:fillClrLst>
+    <dgm:linClrLst meth="repeat">
+      <a:schemeClr val="accent1"/>
+    </dgm:linClrLst>
+    <dgm:effectClrLst/>
+    <dgm:txLinClrLst/>
+    <dgm:txFillClrLst meth="repeat">
+      <a:schemeClr val="dk1"/>
+    </dgm:txFillClrLst>
+    <dgm:txEffectClrLst/>
+  </dgm:styleLbl>
+  <dgm:styleLbl name="alignAcc1">
+    <dgm:fillClrLst meth="repeat">
+      <a:schemeClr val="lt1">
+        <a:alpha val="90000"/>
+      </a:schemeClr>
+    </dgm:fillClrLst>
+    <dgm:linClrLst meth="repeat">
+      <a:schemeClr val="accent1"/>
+    </dgm:linClrLst>
+    <dgm:effectClrLst/>
+    <dgm:txLinClrLst/>
+    <dgm:txFillClrLst meth="repeat">
+      <a:schemeClr val="dk1"/>
+    </dgm:txFillClrLst>
+    <dgm:txEffectClrLst/>
+  </dgm:styleLbl>
+  <dgm:styleLbl name="trAlignAcc1">
+    <dgm:fillClrLst meth="repeat">
+      <a:schemeClr val="lt1">
+        <a:alpha val="40000"/>
+      </a:schemeClr>
+    </dgm:fillClrLst>
+    <dgm:linClrLst meth="repeat">
+      <a:schemeClr val="accent1"/>
+    </dgm:linClrLst>
+    <dgm:effectClrLst/>
+    <dgm:txLinClrLst/>
+    <dgm:txFillClrLst meth="repeat">
+      <a:schemeClr val="dk1"/>
+    </dgm:txFillClrLst>
+    <dgm:txEffectClrLst/>
+  </dgm:styleLbl>
+  <dgm:styleLbl name="bgAcc1">
+    <dgm:fillClrLst meth="repeat">
+      <a:schemeClr val="lt1">
+        <a:alpha val="90000"/>
+      </a:schemeClr>
+    </dgm:fillClrLst>
+    <dgm:linClrLst meth="repeat">
+      <a:schemeClr val="accent1"/>
+    </dgm:linClrLst>
+    <dgm:effectClrLst/>
+    <dgm:txLinClrLst/>
+    <dgm:txFillClrLst meth="repeat">
+      <a:schemeClr val="dk1"/>
+    </dgm:txFillClrLst>
+    <dgm:txEffectClrLst/>
+  </dgm:styleLbl>
+  <dgm:styleLbl name="solidFgAcc1">
+    <dgm:fillClrLst meth="repeat">
+      <a:schemeClr val="lt1"/>
+    </dgm:fillClrLst>
+    <dgm:linClrLst meth="repeat">
+      <a:schemeClr val="accent1"/>
+    </dgm:linClrLst>
+    <dgm:effectClrLst/>
+    <dgm:txLinClrLst/>
+    <dgm:txFillClrLst meth="repeat">
+      <a:schemeClr val="dk1"/>
+    </dgm:txFillClrLst>
+    <dgm:txEffectClrLst/>
+  </dgm:styleLbl>
+  <dgm:styleLbl name="solidAlignAcc1">
+    <dgm:fillClrLst meth="repeat">
+      <a:schemeClr val="lt1"/>
+    </dgm:fillClrLst>
+    <dgm:linClrLst meth="repeat">
+      <a:schemeClr val="accent1"/>
+    </dgm:linClrLst>
+    <dgm:effectClrLst/>
+    <dgm:txLinClrLst/>
+    <dgm:txFillClrLst meth="repeat">
+      <a:schemeClr val="dk1"/>
+    </dgm:txFillClrLst>
+    <dgm:txEffectClrLst/>
+  </dgm:styleLbl>
+  <dgm:styleLbl name="solidBgAcc1">
+    <dgm:fillClrLst meth="repeat">
+      <a:schemeClr val="lt1"/>
+    </dgm:fillClrLst>
+    <dgm:linClrLst meth="repeat">
+      <a:schemeClr val="accent1"/>
+    </dgm:linClrLst>
+    <dgm:effectClrLst/>
+    <dgm:txLinClrLst/>
+    <dgm:txFillClrLst meth="repeat">
+      <a:schemeClr val="dk1"/>
+    </dgm:txFillClrLst>
+    <dgm:txEffectClrLst/>
+  </dgm:styleLbl>
+  <dgm:styleLbl name="fgAccFollowNode1">
+    <dgm:fillClrLst meth="repeat">
+      <a:schemeClr val="accent1">
+        <a:alpha val="90000"/>
+        <a:tint val="40000"/>
+      </a:schemeClr>
+    </dgm:fillClrLst>
+    <dgm:linClrLst meth="repeat">
+      <a:schemeClr val="accent1">
+        <a:alpha val="90000"/>
+        <a:tint val="40000"/>
+      </a:schemeClr>
+    </dgm:linClrLst>
+    <dgm:effectClrLst/>
+    <dgm:txLinClrLst/>
+    <dgm:txFillClrLst meth="repeat">
+      <a:schemeClr val="dk1"/>
+    </dgm:txFillClrLst>
+    <dgm:txEffectClrLst/>
+  </dgm:styleLbl>
+  <dgm:styleLbl name="alignAccFollowNode1">
+    <dgm:fillClrLst meth="repeat">
+      <a:schemeClr val="accent1">
+        <a:alpha val="90000"/>
+        <a:tint val="40000"/>
+      </a:schemeClr>
+    </dgm:fillClrLst>
+    <dgm:linClrLst meth="repeat">
+      <a:schemeClr val="accent1">
+        <a:alpha val="90000"/>
+        <a:tint val="40000"/>
+      </a:schemeClr>
+    </dgm:linClrLst>
+    <dgm:effectClrLst/>
+    <dgm:txLinClrLst/>
+    <dgm:txFillClrLst meth="repeat">
+      <a:schemeClr val="dk1"/>
+    </dgm:txFillClrLst>
+    <dgm:txEffectClrLst/>
+  </dgm:styleLbl>
+  <dgm:styleLbl name="bgAccFollowNode1">
+    <dgm:fillClrLst meth="repeat">
+      <a:schemeClr val="accent1">
+        <a:alpha val="90000"/>
+        <a:tint val="40000"/>
+      </a:schemeClr>
+    </dgm:fillClrLst>
+    <dgm:linClrLst meth="repeat">
+      <a:schemeClr val="accent1">
+        <a:alpha val="90000"/>
+        <a:tint val="40000"/>
+      </a:schemeClr>
+    </dgm:linClrLst>
+    <dgm:effectClrLst/>
+    <dgm:txLinClrLst/>
+    <dgm:txFillClrLst meth="repeat">
+      <a:schemeClr val="dk1"/>
+    </dgm:txFillClrLst>
+    <dgm:txEffectClrLst/>
+  </dgm:styleLbl>
+  <dgm:styleLbl name="fgAcc0">
+    <dgm:fillClrLst meth="repeat">
+      <a:schemeClr val="lt1">
+        <a:alpha val="90000"/>
+      </a:schemeClr>
+    </dgm:fillClrLst>
+    <dgm:linClrLst meth="repeat">
+      <a:schemeClr val="accent1"/>
+    </dgm:linClrLst>
+    <dgm:effectClrLst/>
+    <dgm:txLinClrLst/>
+    <dgm:txFillClrLst meth="repeat">
+      <a:schemeClr val="dk1"/>
+    </dgm:txFillClrLst>
+    <dgm:txEffectClrLst/>
+  </dgm:styleLbl>
+  <dgm:styleLbl name="fgAcc2">
+    <dgm:fillClrLst meth="repeat">
+      <a:schemeClr val="lt1">
+        <a:alpha val="90000"/>
+      </a:schemeClr>
+    </dgm:fillClrLst>
+    <dgm:linClrLst meth="repeat">
+      <a:schemeClr val="accent1"/>
+    </dgm:linClrLst>
+    <dgm:effectClrLst/>
+    <dgm:txLinClrLst/>
+    <dgm:txFillClrLst meth="repeat">
+      <a:schemeClr val="dk1"/>
+    </dgm:txFillClrLst>
+    <dgm:txEffectClrLst/>
+  </dgm:styleLbl>
+  <dgm:styleLbl name="fgAcc3">
+    <dgm:fillClrLst meth="repeat">
+      <a:schemeClr val="lt1">
+        <a:alpha val="90000"/>
+      </a:schemeClr>
+    </dgm:fillClrLst>
+    <dgm:linClrLst meth="repeat">
+      <a:schemeClr val="accent1"/>
+    </dgm:linClrLst>
+    <dgm:effectClrLst/>
+    <dgm:txLinClrLst/>
+    <dgm:txFillClrLst meth="repeat">
+      <a:schemeClr val="dk1"/>
+    </dgm:txFillClrLst>
+    <dgm:txEffectClrLst/>
+  </dgm:styleLbl>
+  <dgm:styleLbl name="fgAcc4">
+    <dgm:fillClrLst meth="repeat">
+      <a:schemeClr val="lt1">
+        <a:alpha val="90000"/>
+      </a:schemeClr>
+    </dgm:fillClrLst>
+    <dgm:linClrLst meth="repeat">
+      <a:schemeClr val="accent1"/>
+    </dgm:linClrLst>
+    <dgm:effectClrLst/>
+    <dgm:txLinClrLst/>
+    <dgm:txFillClrLst meth="repeat">
+      <a:schemeClr val="dk1"/>
+    </dgm:txFillClrLst>
+    <dgm:txEffectClrLst/>
+  </dgm:styleLbl>
+  <dgm:styleLbl name="bgShp">
+    <dgm:fillClrLst meth="repeat">
+      <a:schemeClr val="accent1">
+        <a:tint val="40000"/>
+      </a:schemeClr>
+    </dgm:fillClrLst>
+    <dgm:linClrLst meth="repeat">
+      <a:schemeClr val="accent1"/>
+    </dgm:linClrLst>
+    <dgm:effectClrLst/>
+    <dgm:txLinClrLst/>
+    <dgm:txFillClrLst meth="repeat">
+      <a:schemeClr val="dk1"/>
+    </dgm:txFillClrLst>
+    <dgm:txEffectClrLst/>
+  </dgm:styleLbl>
+  <dgm:styleLbl name="dkBgShp">
+    <dgm:fillClrLst meth="repeat">
+      <a:schemeClr val="accent1">
+        <a:shade val="80000"/>
+      </a:schemeClr>
+    </dgm:fillClrLst>
+    <dgm:linClrLst meth="repeat">
+      <a:schemeClr val="accent1"/>
+    </dgm:linClrLst>
+    <dgm:effectClrLst/>
+    <dgm:txLinClrLst/>
+    <dgm:txFillClrLst meth="repeat">
+      <a:schemeClr val="lt1"/>
+    </dgm:txFillClrLst>
+    <dgm:txEffectClrLst/>
+  </dgm:styleLbl>
+  <dgm:styleLbl name="trBgShp">
+    <dgm:fillClrLst meth="repeat">
+      <a:schemeClr val="accent1">
+        <a:tint val="50000"/>
+        <a:alpha val="40000"/>
+      </a:schemeClr>
+    </dgm:fillClrLst>
+    <dgm:linClrLst meth="repeat">
+      <a:schemeClr val="accent1"/>
+    </dgm:linClrLst>
+    <dgm:effectClrLst/>
+    <dgm:txLinClrLst/>
+    <dgm:txFillClrLst meth="repeat">
+      <a:schemeClr val="lt1"/>
+    </dgm:txFillClrLst>
+    <dgm:txEffectClrLst/>
+  </dgm:styleLbl>
+  <dgm:styleLbl name="fgShp">
+    <dgm:fillClrLst meth="repeat">
+      <a:schemeClr val="accent1">
+        <a:tint val="60000"/>
+      </a:schemeClr>
+    </dgm:fillClrLst>
+    <dgm:linClrLst meth="repeat">
+      <a:schemeClr val="lt1"/>
+    </dgm:linClrLst>
+    <dgm:effectClrLst/>
+    <dgm:txLinClrLst/>
+    <dgm:txFillClrLst meth="repeat">
+      <a:schemeClr val="dk1"/>
+    </dgm:txFillClrLst>
+    <dgm:txEffectClrLst/>
+  </dgm:styleLbl>
+  <dgm:styleLbl name="revTx">
+    <dgm:fillClrLst meth="repeat">
+      <a:schemeClr val="lt1">
+        <a:alpha val="0"/>
+      </a:schemeClr>
+    </dgm:fillClrLst>
+    <dgm:linClrLst meth="repeat">
+      <a:schemeClr val="dk1">
+        <a:alpha val="0"/>
+      </a:schemeClr>
+    </dgm:linClrLst>
+    <dgm:effectClrLst/>
+    <dgm:txLinClrLst/>
+    <dgm:txFillClrLst meth="repeat">
+      <a:schemeClr val="tx1"/>
+    </dgm:txFillClrLst>
+    <dgm:txEffectClrLst/>
+  </dgm:styleLbl>
+</dgm:colorsDef>
+</file>
+
+<file path=ppt/diagrams/data1.xml><?xml version="1.0" encoding="utf-8"?>
+<dgm:dataModel xmlns:dgm="http://schemas.openxmlformats.org/drawingml/2006/diagram" xmlns:a="http://schemas.openxmlformats.org/drawingml/2006/main">
+  <dgm:ptLst>
+    <dgm:pt modelId="{A4DB4072-3419-44D8-82EA-346032B77FE6}" type="doc">
+      <dgm:prSet loTypeId="urn:microsoft.com/office/officeart/2005/8/layout/hList2" loCatId="list" qsTypeId="urn:microsoft.com/office/officeart/2005/8/quickstyle/simple1" qsCatId="simple" csTypeId="urn:microsoft.com/office/officeart/2005/8/colors/accent1_2" csCatId="accent1" phldr="1"/>
+      <dgm:spPr/>
+      <dgm:t>
+        <a:bodyPr/>
+        <a:lstStyle/>
+        <a:p>
+          <a:endParaRPr lang="zh-CN" altLang="en-US"/>
+        </a:p>
+      </dgm:t>
+    </dgm:pt>
+    <dgm:pt modelId="{961A5F9B-8FB2-4976-AEBB-029B089EE769}">
+      <dgm:prSet phldrT="[文本]" phldr="1"/>
+      <dgm:spPr/>
+      <dgm:t>
+        <a:bodyPr/>
+        <a:lstStyle/>
+        <a:p>
+          <a:endParaRPr lang="zh-CN" altLang="en-US"/>
+        </a:p>
+      </dgm:t>
+    </dgm:pt>
+    <dgm:pt modelId="{5E9758BF-D79A-467A-B0E5-A0372BF4D689}" type="parTrans" cxnId="{E7BB1E59-3481-4A87-A626-1385A18FB9DC}">
+      <dgm:prSet/>
+      <dgm:spPr/>
+      <dgm:t>
+        <a:bodyPr/>
+        <a:lstStyle/>
+        <a:p>
+          <a:endParaRPr lang="zh-CN" altLang="en-US"/>
+        </a:p>
+      </dgm:t>
+    </dgm:pt>
+    <dgm:pt modelId="{D9C2BF3E-080D-431C-A74E-67283E4F1F16}" type="sibTrans" cxnId="{E7BB1E59-3481-4A87-A626-1385A18FB9DC}">
+      <dgm:prSet/>
+      <dgm:spPr/>
+      <dgm:t>
+        <a:bodyPr/>
+        <a:lstStyle/>
+        <a:p>
+          <a:endParaRPr lang="zh-CN" altLang="en-US"/>
+        </a:p>
+      </dgm:t>
+    </dgm:pt>
+    <dgm:pt modelId="{F716D3E8-D07E-4052-8F31-22BEAA740E73}">
+      <dgm:prSet phldrT="[文本]"/>
+      <dgm:spPr/>
+      <dgm:t>
+        <a:bodyPr/>
+        <a:lstStyle/>
+        <a:p>
+          <a:r>
+            <a:rPr lang="zh-CN" altLang="en-US" dirty="0" smtClean="0"/>
+            <a:t>继续当前的自研模式</a:t>
+          </a:r>
+          <a:endParaRPr lang="zh-CN" altLang="en-US" dirty="0"/>
+        </a:p>
+      </dgm:t>
+    </dgm:pt>
+    <dgm:pt modelId="{D36FA83F-D6B7-4949-A0B0-307CE606301B}" type="parTrans" cxnId="{E2BD1ADB-E3A3-4407-8DFA-A48347440272}">
+      <dgm:prSet/>
+      <dgm:spPr/>
+      <dgm:t>
+        <a:bodyPr/>
+        <a:lstStyle/>
+        <a:p>
+          <a:endParaRPr lang="zh-CN" altLang="en-US"/>
+        </a:p>
+      </dgm:t>
+    </dgm:pt>
+    <dgm:pt modelId="{2FBFE4E5-D6B2-458C-84F1-D7D5C39D439E}" type="sibTrans" cxnId="{E2BD1ADB-E3A3-4407-8DFA-A48347440272}">
+      <dgm:prSet/>
+      <dgm:spPr/>
+      <dgm:t>
+        <a:bodyPr/>
+        <a:lstStyle/>
+        <a:p>
+          <a:endParaRPr lang="zh-CN" altLang="en-US"/>
+        </a:p>
+      </dgm:t>
+    </dgm:pt>
+    <dgm:pt modelId="{9C1CA6BC-5705-4B1F-94C5-078AFED221E4}">
+      <dgm:prSet phldrT="[文本]" phldr="1"/>
+      <dgm:spPr/>
+      <dgm:t>
+        <a:bodyPr/>
+        <a:lstStyle/>
+        <a:p>
+          <a:endParaRPr lang="zh-CN" altLang="en-US"/>
+        </a:p>
+      </dgm:t>
+    </dgm:pt>
+    <dgm:pt modelId="{8A9AAA77-3033-48B8-8B12-C2109CE731BD}" type="parTrans" cxnId="{D8ED9CCA-C95A-4266-93D7-6941B0B2203E}">
+      <dgm:prSet/>
+      <dgm:spPr/>
+      <dgm:t>
+        <a:bodyPr/>
+        <a:lstStyle/>
+        <a:p>
+          <a:endParaRPr lang="zh-CN" altLang="en-US"/>
+        </a:p>
+      </dgm:t>
+    </dgm:pt>
+    <dgm:pt modelId="{C408C935-75D4-4216-8841-91A1CFCA9655}" type="sibTrans" cxnId="{D8ED9CCA-C95A-4266-93D7-6941B0B2203E}">
+      <dgm:prSet/>
+      <dgm:spPr/>
+      <dgm:t>
+        <a:bodyPr/>
+        <a:lstStyle/>
+        <a:p>
+          <a:endParaRPr lang="zh-CN" altLang="en-US"/>
+        </a:p>
+      </dgm:t>
+    </dgm:pt>
+    <dgm:pt modelId="{670D4072-F894-425C-8509-4C189545641C}">
+      <dgm:prSet phldrT="[文本]"/>
+      <dgm:spPr/>
+      <dgm:t>
+        <a:bodyPr/>
+        <a:lstStyle/>
+        <a:p>
+          <a:r>
+            <a:rPr lang="zh-CN" altLang="en-US" dirty="0" smtClean="0"/>
+            <a:t>与各部门形成基于共同目标的协作主题研究，成果共享</a:t>
+          </a:r>
+          <a:endParaRPr lang="zh-CN" altLang="en-US" dirty="0"/>
+        </a:p>
+      </dgm:t>
+    </dgm:pt>
+    <dgm:pt modelId="{2EEF4D8C-A413-4DBD-BAE5-18F630277AF2}" type="parTrans" cxnId="{0B7A7370-2E4F-4DA5-9DAE-B92D2FBC11F2}">
+      <dgm:prSet/>
+      <dgm:spPr/>
+      <dgm:t>
+        <a:bodyPr/>
+        <a:lstStyle/>
+        <a:p>
+          <a:endParaRPr lang="zh-CN" altLang="en-US"/>
+        </a:p>
+      </dgm:t>
+    </dgm:pt>
+    <dgm:pt modelId="{BBC8680E-D934-40BB-BE19-D57CB7B44E4C}" type="sibTrans" cxnId="{0B7A7370-2E4F-4DA5-9DAE-B92D2FBC11F2}">
+      <dgm:prSet/>
+      <dgm:spPr/>
+      <dgm:t>
+        <a:bodyPr/>
+        <a:lstStyle/>
+        <a:p>
+          <a:endParaRPr lang="zh-CN" altLang="en-US"/>
+        </a:p>
+      </dgm:t>
+    </dgm:pt>
+    <dgm:pt modelId="{0ECC3562-F80D-448D-B65C-8911E36377E8}">
+      <dgm:prSet phldrT="[文本]" phldr="1"/>
+      <dgm:spPr/>
+      <dgm:t>
+        <a:bodyPr/>
+        <a:lstStyle/>
+        <a:p>
+          <a:endParaRPr lang="zh-CN" altLang="en-US"/>
+        </a:p>
+      </dgm:t>
+    </dgm:pt>
+    <dgm:pt modelId="{E2F5E5A3-2183-4DFF-9038-9C660F434020}" type="parTrans" cxnId="{A17D5023-F311-4115-BDDA-2A75FF631D52}">
+      <dgm:prSet/>
+      <dgm:spPr/>
+      <dgm:t>
+        <a:bodyPr/>
+        <a:lstStyle/>
+        <a:p>
+          <a:endParaRPr lang="zh-CN" altLang="en-US"/>
+        </a:p>
+      </dgm:t>
+    </dgm:pt>
+    <dgm:pt modelId="{8976DB78-524D-4D1A-8B5E-C961D7D8C5C4}" type="sibTrans" cxnId="{A17D5023-F311-4115-BDDA-2A75FF631D52}">
+      <dgm:prSet/>
+      <dgm:spPr/>
+      <dgm:t>
+        <a:bodyPr/>
+        <a:lstStyle/>
+        <a:p>
+          <a:endParaRPr lang="zh-CN" altLang="en-US"/>
+        </a:p>
+      </dgm:t>
+    </dgm:pt>
+    <dgm:pt modelId="{3EBEC76A-90D0-4E89-BA5F-684378FD9753}">
+      <dgm:prSet phldrT="[文本]"/>
+      <dgm:spPr/>
+      <dgm:t>
+        <a:bodyPr/>
+        <a:lstStyle/>
+        <a:p>
+          <a:r>
+            <a:rPr lang="zh-CN" altLang="en-US" dirty="0" smtClean="0"/>
+            <a:t>进入到</a:t>
+          </a:r>
+          <a:r>
+            <a:rPr lang="en-US" altLang="zh-CN" dirty="0" smtClean="0"/>
+            <a:t>HIS</a:t>
+          </a:r>
+          <a:r>
+            <a:rPr lang="zh-CN" altLang="en-US" dirty="0" smtClean="0"/>
+            <a:t>项目组直接参与系统分析和架构工作</a:t>
+          </a:r>
+          <a:endParaRPr lang="zh-CN" altLang="en-US" dirty="0"/>
+        </a:p>
+      </dgm:t>
+    </dgm:pt>
+    <dgm:pt modelId="{6C8C2DB8-40A9-4A59-B0D3-B455795F7D8C}" type="parTrans" cxnId="{FC6AD297-956D-4BBF-BCA9-70ED3785A149}">
+      <dgm:prSet/>
+      <dgm:spPr/>
+      <dgm:t>
+        <a:bodyPr/>
+        <a:lstStyle/>
+        <a:p>
+          <a:endParaRPr lang="zh-CN" altLang="en-US"/>
+        </a:p>
+      </dgm:t>
+    </dgm:pt>
+    <dgm:pt modelId="{66CCF9E3-5E00-4AC6-AD8D-38F52D6CD5A9}" type="sibTrans" cxnId="{FC6AD297-956D-4BBF-BCA9-70ED3785A149}">
+      <dgm:prSet/>
+      <dgm:spPr/>
+      <dgm:t>
+        <a:bodyPr/>
+        <a:lstStyle/>
+        <a:p>
+          <a:endParaRPr lang="zh-CN" altLang="en-US"/>
+        </a:p>
+      </dgm:t>
+    </dgm:pt>
+    <dgm:pt modelId="{7F9CA10F-3EEB-48C0-883A-61F1FCBD1C90}" type="pres">
+      <dgm:prSet presAssocID="{A4DB4072-3419-44D8-82EA-346032B77FE6}" presName="linearFlow" presStyleCnt="0">
+        <dgm:presLayoutVars>
+          <dgm:dir/>
+          <dgm:animLvl val="lvl"/>
+          <dgm:resizeHandles/>
+        </dgm:presLayoutVars>
+      </dgm:prSet>
+      <dgm:spPr/>
+    </dgm:pt>
+    <dgm:pt modelId="{EE4604A0-0F81-4FC4-9767-5B80FD1309DB}" type="pres">
+      <dgm:prSet presAssocID="{961A5F9B-8FB2-4976-AEBB-029B089EE769}" presName="compositeNode" presStyleCnt="0">
+        <dgm:presLayoutVars>
+          <dgm:bulletEnabled val="1"/>
+        </dgm:presLayoutVars>
+      </dgm:prSet>
+      <dgm:spPr/>
+    </dgm:pt>
+    <dgm:pt modelId="{FB55BAAA-E896-4465-A694-0B38C9C6AD1F}" type="pres">
+      <dgm:prSet presAssocID="{961A5F9B-8FB2-4976-AEBB-029B089EE769}" presName="image" presStyleLbl="fgImgPlace1" presStyleIdx="0" presStyleCnt="3"/>
+      <dgm:spPr>
+        <a:blipFill>
+          <a:blip xmlns:r="http://schemas.openxmlformats.org/officeDocument/2006/relationships" r:embed="rId1" cstate="print">
+            <a:extLst>
+              <a:ext uri="{28A0092B-C50C-407E-A947-70E740481C1C}">
+                <a14:useLocalDpi xmlns:a14="http://schemas.microsoft.com/office/drawing/2010/main" val="0"/>
+              </a:ext>
+            </a:extLst>
+          </a:blip>
+          <a:srcRect/>
+          <a:stretch>
+            <a:fillRect t="-17000" b="-17000"/>
+          </a:stretch>
+        </a:blipFill>
+      </dgm:spPr>
+    </dgm:pt>
+    <dgm:pt modelId="{09A1361E-1CB1-4CC2-8517-7DD5619ACDD1}" type="pres">
+      <dgm:prSet presAssocID="{961A5F9B-8FB2-4976-AEBB-029B089EE769}" presName="childNode" presStyleLbl="node1" presStyleIdx="0" presStyleCnt="3">
+        <dgm:presLayoutVars>
+          <dgm:bulletEnabled val="1"/>
+        </dgm:presLayoutVars>
+      </dgm:prSet>
+      <dgm:spPr/>
+      <dgm:t>
+        <a:bodyPr/>
+        <a:lstStyle/>
+        <a:p>
+          <a:endParaRPr lang="zh-CN" altLang="en-US"/>
+        </a:p>
+      </dgm:t>
+    </dgm:pt>
+    <dgm:pt modelId="{FEF55703-A703-4A7E-88B9-8259B3000901}" type="pres">
+      <dgm:prSet presAssocID="{961A5F9B-8FB2-4976-AEBB-029B089EE769}" presName="parentNode" presStyleLbl="revTx" presStyleIdx="0" presStyleCnt="3">
+        <dgm:presLayoutVars>
+          <dgm:chMax val="0"/>
+          <dgm:bulletEnabled val="1"/>
+        </dgm:presLayoutVars>
+      </dgm:prSet>
+      <dgm:spPr/>
+    </dgm:pt>
+    <dgm:pt modelId="{BBF30DA8-3DA1-4406-8290-D841A383352B}" type="pres">
+      <dgm:prSet presAssocID="{D9C2BF3E-080D-431C-A74E-67283E4F1F16}" presName="sibTrans" presStyleCnt="0"/>
+      <dgm:spPr/>
+    </dgm:pt>
+    <dgm:pt modelId="{8D4E7B15-AC36-44F0-B6C4-7B2D232B127C}" type="pres">
+      <dgm:prSet presAssocID="{9C1CA6BC-5705-4B1F-94C5-078AFED221E4}" presName="compositeNode" presStyleCnt="0">
+        <dgm:presLayoutVars>
+          <dgm:bulletEnabled val="1"/>
+        </dgm:presLayoutVars>
+      </dgm:prSet>
+      <dgm:spPr/>
+    </dgm:pt>
+    <dgm:pt modelId="{D28B5089-6FF2-4E2A-AD75-E33881BD0684}" type="pres">
+      <dgm:prSet presAssocID="{9C1CA6BC-5705-4B1F-94C5-078AFED221E4}" presName="image" presStyleLbl="fgImgPlace1" presStyleIdx="1" presStyleCnt="3"/>
+      <dgm:spPr>
+        <a:blipFill>
+          <a:blip xmlns:r="http://schemas.openxmlformats.org/officeDocument/2006/relationships" r:embed="rId2">
+            <a:extLst>
+              <a:ext uri="{28A0092B-C50C-407E-A947-70E740481C1C}">
+                <a14:useLocalDpi xmlns:a14="http://schemas.microsoft.com/office/drawing/2010/main" val="0"/>
+              </a:ext>
+            </a:extLst>
+          </a:blip>
+          <a:srcRect/>
+          <a:stretch>
+            <a:fillRect l="-6000" r="-6000"/>
+          </a:stretch>
+        </a:blipFill>
+      </dgm:spPr>
+    </dgm:pt>
+    <dgm:pt modelId="{74FB6CA8-B1C3-4066-812D-D23553B4FC7A}" type="pres">
+      <dgm:prSet presAssocID="{9C1CA6BC-5705-4B1F-94C5-078AFED221E4}" presName="childNode" presStyleLbl="node1" presStyleIdx="1" presStyleCnt="3">
+        <dgm:presLayoutVars>
+          <dgm:bulletEnabled val="1"/>
+        </dgm:presLayoutVars>
+      </dgm:prSet>
+      <dgm:spPr/>
+      <dgm:t>
+        <a:bodyPr/>
+        <a:lstStyle/>
+        <a:p>
+          <a:endParaRPr lang="zh-CN" altLang="en-US"/>
+        </a:p>
+      </dgm:t>
+    </dgm:pt>
+    <dgm:pt modelId="{1B9DED19-40AD-4761-A2B5-4E88A7CADBBB}" type="pres">
+      <dgm:prSet presAssocID="{9C1CA6BC-5705-4B1F-94C5-078AFED221E4}" presName="parentNode" presStyleLbl="revTx" presStyleIdx="1" presStyleCnt="3">
+        <dgm:presLayoutVars>
+          <dgm:chMax val="0"/>
+          <dgm:bulletEnabled val="1"/>
+        </dgm:presLayoutVars>
+      </dgm:prSet>
+      <dgm:spPr/>
+    </dgm:pt>
+    <dgm:pt modelId="{F8A0A380-F2AC-4412-BCC5-4632D8C8B02E}" type="pres">
+      <dgm:prSet presAssocID="{C408C935-75D4-4216-8841-91A1CFCA9655}" presName="sibTrans" presStyleCnt="0"/>
+      <dgm:spPr/>
+    </dgm:pt>
+    <dgm:pt modelId="{502EA8C4-4D8F-44BC-B9E0-92A2403B9391}" type="pres">
+      <dgm:prSet presAssocID="{0ECC3562-F80D-448D-B65C-8911E36377E8}" presName="compositeNode" presStyleCnt="0">
+        <dgm:presLayoutVars>
+          <dgm:bulletEnabled val="1"/>
+        </dgm:presLayoutVars>
+      </dgm:prSet>
+      <dgm:spPr/>
+    </dgm:pt>
+    <dgm:pt modelId="{F09EE712-02F6-4E41-BB9B-695F100D06C6}" type="pres">
+      <dgm:prSet presAssocID="{0ECC3562-F80D-448D-B65C-8911E36377E8}" presName="image" presStyleLbl="fgImgPlace1" presStyleIdx="2" presStyleCnt="3"/>
+      <dgm:spPr>
+        <a:blipFill>
+          <a:blip xmlns:r="http://schemas.openxmlformats.org/officeDocument/2006/relationships" r:embed="rId3">
+            <a:extLst>
+              <a:ext uri="{28A0092B-C50C-407E-A947-70E740481C1C}">
+                <a14:useLocalDpi xmlns:a14="http://schemas.microsoft.com/office/drawing/2010/main" val="0"/>
+              </a:ext>
+            </a:extLst>
+          </a:blip>
+          <a:srcRect/>
+          <a:stretch>
+            <a:fillRect l="-25000" r="-25000"/>
+          </a:stretch>
+        </a:blipFill>
+      </dgm:spPr>
+    </dgm:pt>
+    <dgm:pt modelId="{7F1C4D6B-0D94-4EE3-AFD7-9566F479C3B2}" type="pres">
+      <dgm:prSet presAssocID="{0ECC3562-F80D-448D-B65C-8911E36377E8}" presName="childNode" presStyleLbl="node1" presStyleIdx="2" presStyleCnt="3">
+        <dgm:presLayoutVars>
+          <dgm:bulletEnabled val="1"/>
+        </dgm:presLayoutVars>
+      </dgm:prSet>
+      <dgm:spPr/>
+      <dgm:t>
+        <a:bodyPr/>
+        <a:lstStyle/>
+        <a:p>
+          <a:endParaRPr lang="zh-CN" altLang="en-US"/>
+        </a:p>
+      </dgm:t>
+    </dgm:pt>
+    <dgm:pt modelId="{1B98D55C-4504-4022-94CF-252788CEB4A4}" type="pres">
+      <dgm:prSet presAssocID="{0ECC3562-F80D-448D-B65C-8911E36377E8}" presName="parentNode" presStyleLbl="revTx" presStyleIdx="2" presStyleCnt="3">
+        <dgm:presLayoutVars>
+          <dgm:chMax val="0"/>
+          <dgm:bulletEnabled val="1"/>
+        </dgm:presLayoutVars>
+      </dgm:prSet>
+      <dgm:spPr/>
+    </dgm:pt>
+  </dgm:ptLst>
+  <dgm:cxnLst>
+    <dgm:cxn modelId="{262E15CE-3B62-4723-AC2B-68F0C3F5E1D5}" type="presOf" srcId="{F716D3E8-D07E-4052-8F31-22BEAA740E73}" destId="{09A1361E-1CB1-4CC2-8517-7DD5619ACDD1}" srcOrd="0" destOrd="0" presId="urn:microsoft.com/office/officeart/2005/8/layout/hList2"/>
+    <dgm:cxn modelId="{E7BB1E59-3481-4A87-A626-1385A18FB9DC}" srcId="{A4DB4072-3419-44D8-82EA-346032B77FE6}" destId="{961A5F9B-8FB2-4976-AEBB-029B089EE769}" srcOrd="0" destOrd="0" parTransId="{5E9758BF-D79A-467A-B0E5-A0372BF4D689}" sibTransId="{D9C2BF3E-080D-431C-A74E-67283E4F1F16}"/>
+    <dgm:cxn modelId="{AECFB298-6237-4285-A1FA-96E6B4FFCF58}" type="presOf" srcId="{9C1CA6BC-5705-4B1F-94C5-078AFED221E4}" destId="{1B9DED19-40AD-4761-A2B5-4E88A7CADBBB}" srcOrd="0" destOrd="0" presId="urn:microsoft.com/office/officeart/2005/8/layout/hList2"/>
+    <dgm:cxn modelId="{CF2BFC16-2194-4681-8DC9-0140A11DC68B}" type="presOf" srcId="{961A5F9B-8FB2-4976-AEBB-029B089EE769}" destId="{FEF55703-A703-4A7E-88B9-8259B3000901}" srcOrd="0" destOrd="0" presId="urn:microsoft.com/office/officeart/2005/8/layout/hList2"/>
+    <dgm:cxn modelId="{D8ED9CCA-C95A-4266-93D7-6941B0B2203E}" srcId="{A4DB4072-3419-44D8-82EA-346032B77FE6}" destId="{9C1CA6BC-5705-4B1F-94C5-078AFED221E4}" srcOrd="1" destOrd="0" parTransId="{8A9AAA77-3033-48B8-8B12-C2109CE731BD}" sibTransId="{C408C935-75D4-4216-8841-91A1CFCA9655}"/>
+    <dgm:cxn modelId="{70867487-8C3B-4BE2-80FA-EBF92F0212AE}" type="presOf" srcId="{670D4072-F894-425C-8509-4C189545641C}" destId="{74FB6CA8-B1C3-4066-812D-D23553B4FC7A}" srcOrd="0" destOrd="0" presId="urn:microsoft.com/office/officeart/2005/8/layout/hList2"/>
+    <dgm:cxn modelId="{E2BD1ADB-E3A3-4407-8DFA-A48347440272}" srcId="{961A5F9B-8FB2-4976-AEBB-029B089EE769}" destId="{F716D3E8-D07E-4052-8F31-22BEAA740E73}" srcOrd="0" destOrd="0" parTransId="{D36FA83F-D6B7-4949-A0B0-307CE606301B}" sibTransId="{2FBFE4E5-D6B2-458C-84F1-D7D5C39D439E}"/>
+    <dgm:cxn modelId="{08CC5149-1DE9-4687-9721-0528C7763E59}" type="presOf" srcId="{0ECC3562-F80D-448D-B65C-8911E36377E8}" destId="{1B98D55C-4504-4022-94CF-252788CEB4A4}" srcOrd="0" destOrd="0" presId="urn:microsoft.com/office/officeart/2005/8/layout/hList2"/>
+    <dgm:cxn modelId="{0B7A7370-2E4F-4DA5-9DAE-B92D2FBC11F2}" srcId="{9C1CA6BC-5705-4B1F-94C5-078AFED221E4}" destId="{670D4072-F894-425C-8509-4C189545641C}" srcOrd="0" destOrd="0" parTransId="{2EEF4D8C-A413-4DBD-BAE5-18F630277AF2}" sibTransId="{BBC8680E-D934-40BB-BE19-D57CB7B44E4C}"/>
+    <dgm:cxn modelId="{FB59B66D-0CB6-4383-9BC5-914A66D30473}" type="presOf" srcId="{A4DB4072-3419-44D8-82EA-346032B77FE6}" destId="{7F9CA10F-3EEB-48C0-883A-61F1FCBD1C90}" srcOrd="0" destOrd="0" presId="urn:microsoft.com/office/officeart/2005/8/layout/hList2"/>
+    <dgm:cxn modelId="{FC6AD297-956D-4BBF-BCA9-70ED3785A149}" srcId="{0ECC3562-F80D-448D-B65C-8911E36377E8}" destId="{3EBEC76A-90D0-4E89-BA5F-684378FD9753}" srcOrd="0" destOrd="0" parTransId="{6C8C2DB8-40A9-4A59-B0D3-B455795F7D8C}" sibTransId="{66CCF9E3-5E00-4AC6-AD8D-38F52D6CD5A9}"/>
+    <dgm:cxn modelId="{A17D5023-F311-4115-BDDA-2A75FF631D52}" srcId="{A4DB4072-3419-44D8-82EA-346032B77FE6}" destId="{0ECC3562-F80D-448D-B65C-8911E36377E8}" srcOrd="2" destOrd="0" parTransId="{E2F5E5A3-2183-4DFF-9038-9C660F434020}" sibTransId="{8976DB78-524D-4D1A-8B5E-C961D7D8C5C4}"/>
+    <dgm:cxn modelId="{0865BB70-00CE-4F0F-8D48-CB96A218585C}" type="presOf" srcId="{3EBEC76A-90D0-4E89-BA5F-684378FD9753}" destId="{7F1C4D6B-0D94-4EE3-AFD7-9566F479C3B2}" srcOrd="0" destOrd="0" presId="urn:microsoft.com/office/officeart/2005/8/layout/hList2"/>
+    <dgm:cxn modelId="{CB43F012-E489-4DD1-941F-9E6C7183F7D3}" type="presParOf" srcId="{7F9CA10F-3EEB-48C0-883A-61F1FCBD1C90}" destId="{EE4604A0-0F81-4FC4-9767-5B80FD1309DB}" srcOrd="0" destOrd="0" presId="urn:microsoft.com/office/officeart/2005/8/layout/hList2"/>
+    <dgm:cxn modelId="{EF05FC25-5AA3-45C6-991C-EAA1B7F9540E}" type="presParOf" srcId="{EE4604A0-0F81-4FC4-9767-5B80FD1309DB}" destId="{FB55BAAA-E896-4465-A694-0B38C9C6AD1F}" srcOrd="0" destOrd="0" presId="urn:microsoft.com/office/officeart/2005/8/layout/hList2"/>
+    <dgm:cxn modelId="{63B21C43-9640-4AA0-AC82-CAEAA06912DA}" type="presParOf" srcId="{EE4604A0-0F81-4FC4-9767-5B80FD1309DB}" destId="{09A1361E-1CB1-4CC2-8517-7DD5619ACDD1}" srcOrd="1" destOrd="0" presId="urn:microsoft.com/office/officeart/2005/8/layout/hList2"/>
+    <dgm:cxn modelId="{88280223-FC7D-4EE6-92E6-21B65DD45F62}" type="presParOf" srcId="{EE4604A0-0F81-4FC4-9767-5B80FD1309DB}" destId="{FEF55703-A703-4A7E-88B9-8259B3000901}" srcOrd="2" destOrd="0" presId="urn:microsoft.com/office/officeart/2005/8/layout/hList2"/>
+    <dgm:cxn modelId="{894F2472-255F-4AC4-A290-B087007131DC}" type="presParOf" srcId="{7F9CA10F-3EEB-48C0-883A-61F1FCBD1C90}" destId="{BBF30DA8-3DA1-4406-8290-D841A383352B}" srcOrd="1" destOrd="0" presId="urn:microsoft.com/office/officeart/2005/8/layout/hList2"/>
+    <dgm:cxn modelId="{6934DAB3-25BE-4990-9508-E708778E2353}" type="presParOf" srcId="{7F9CA10F-3EEB-48C0-883A-61F1FCBD1C90}" destId="{8D4E7B15-AC36-44F0-B6C4-7B2D232B127C}" srcOrd="2" destOrd="0" presId="urn:microsoft.com/office/officeart/2005/8/layout/hList2"/>
+    <dgm:cxn modelId="{643C60A5-F364-4431-8212-9E99303A74F3}" type="presParOf" srcId="{8D4E7B15-AC36-44F0-B6C4-7B2D232B127C}" destId="{D28B5089-6FF2-4E2A-AD75-E33881BD0684}" srcOrd="0" destOrd="0" presId="urn:microsoft.com/office/officeart/2005/8/layout/hList2"/>
+    <dgm:cxn modelId="{9F48E2F1-E768-4315-8FF5-8F56E9BC189F}" type="presParOf" srcId="{8D4E7B15-AC36-44F0-B6C4-7B2D232B127C}" destId="{74FB6CA8-B1C3-4066-812D-D23553B4FC7A}" srcOrd="1" destOrd="0" presId="urn:microsoft.com/office/officeart/2005/8/layout/hList2"/>
+    <dgm:cxn modelId="{165E007D-2669-4375-9F03-E8FFBC31D2DD}" type="presParOf" srcId="{8D4E7B15-AC36-44F0-B6C4-7B2D232B127C}" destId="{1B9DED19-40AD-4761-A2B5-4E88A7CADBBB}" srcOrd="2" destOrd="0" presId="urn:microsoft.com/office/officeart/2005/8/layout/hList2"/>
+    <dgm:cxn modelId="{E9BEC8F0-D572-4536-AE34-2B6AF6C5642B}" type="presParOf" srcId="{7F9CA10F-3EEB-48C0-883A-61F1FCBD1C90}" destId="{F8A0A380-F2AC-4412-BCC5-4632D8C8B02E}" srcOrd="3" destOrd="0" presId="urn:microsoft.com/office/officeart/2005/8/layout/hList2"/>
+    <dgm:cxn modelId="{F1648455-F208-4E58-857F-C587BFF22EBB}" type="presParOf" srcId="{7F9CA10F-3EEB-48C0-883A-61F1FCBD1C90}" destId="{502EA8C4-4D8F-44BC-B9E0-92A2403B9391}" srcOrd="4" destOrd="0" presId="urn:microsoft.com/office/officeart/2005/8/layout/hList2"/>
+    <dgm:cxn modelId="{A4AE5AE4-0B23-486C-82EC-F516500F845B}" type="presParOf" srcId="{502EA8C4-4D8F-44BC-B9E0-92A2403B9391}" destId="{F09EE712-02F6-4E41-BB9B-695F100D06C6}" srcOrd="0" destOrd="0" presId="urn:microsoft.com/office/officeart/2005/8/layout/hList2"/>
+    <dgm:cxn modelId="{5A072B95-FCEF-44EC-8171-8AB6BD857A80}" type="presParOf" srcId="{502EA8C4-4D8F-44BC-B9E0-92A2403B9391}" destId="{7F1C4D6B-0D94-4EE3-AFD7-9566F479C3B2}" srcOrd="1" destOrd="0" presId="urn:microsoft.com/office/officeart/2005/8/layout/hList2"/>
+    <dgm:cxn modelId="{E8C6432A-F83F-4EC9-813A-EBFC0AC55F9B}" type="presParOf" srcId="{502EA8C4-4D8F-44BC-B9E0-92A2403B9391}" destId="{1B98D55C-4504-4022-94CF-252788CEB4A4}" srcOrd="2" destOrd="0" presId="urn:microsoft.com/office/officeart/2005/8/layout/hList2"/>
+  </dgm:cxnLst>
+  <dgm:bg/>
+  <dgm:whole/>
+  <dgm:extLst>
+    <a:ext uri="http://schemas.microsoft.com/office/drawing/2008/diagram">
+      <dsp:dataModelExt xmlns:dsp="http://schemas.microsoft.com/office/drawing/2008/diagram" relId="rId6" minVer="http://schemas.openxmlformats.org/drawingml/2006/diagram"/>
+    </a:ext>
+  </dgm:extLst>
+</dgm:dataModel>
+</file>
+
+<file path=ppt/diagrams/drawing1.xml><?xml version="1.0" encoding="utf-8"?>
+<dsp:drawing xmlns:dgm="http://schemas.openxmlformats.org/drawingml/2006/diagram" xmlns:dsp="http://schemas.microsoft.com/office/drawing/2008/diagram" xmlns:a="http://schemas.openxmlformats.org/drawingml/2006/main">
+  <dsp:spTree>
+    <dsp:nvGrpSpPr>
+      <dsp:cNvPr id="0" name=""/>
+      <dsp:cNvGrpSpPr/>
+    </dsp:nvGrpSpPr>
+    <dsp:grpSpPr/>
+    <dsp:sp modelId="{FEF55703-A703-4A7E-88B9-8259B3000901}">
+      <dsp:nvSpPr>
+        <dsp:cNvPr id="0" name=""/>
+        <dsp:cNvSpPr/>
+      </dsp:nvSpPr>
+      <dsp:spPr>
+        <a:xfrm rot="16200000">
+          <a:off x="-1867795" y="2772097"/>
+          <a:ext cx="4226560" cy="392277"/>
+        </a:xfrm>
+        <a:prstGeom prst="rect">
+          <a:avLst/>
+        </a:prstGeom>
+        <a:noFill/>
+        <a:ln>
+          <a:noFill/>
+        </a:ln>
+        <a:effectLst/>
+      </dsp:spPr>
+      <dsp:style>
+        <a:lnRef idx="0">
+          <a:scrgbClr r="0" g="0" b="0"/>
+        </a:lnRef>
+        <a:fillRef idx="0">
+          <a:scrgbClr r="0" g="0" b="0"/>
+        </a:fillRef>
+        <a:effectRef idx="0">
+          <a:scrgbClr r="0" g="0" b="0"/>
+        </a:effectRef>
+        <a:fontRef idx="minor"/>
+      </dsp:style>
+      <dsp:txBody>
+        <a:bodyPr spcFirstLastPara="0" vert="horz" wrap="square" lIns="0" tIns="0" rIns="345967" bIns="0" numCol="1" spcCol="1270" anchor="t" anchorCtr="0">
+          <a:noAutofit/>
+        </a:bodyPr>
+        <a:lstStyle/>
+        <a:p>
+          <a:pPr lvl="0" algn="r" defTabSz="844550">
+            <a:lnSpc>
+              <a:spcPct val="90000"/>
+            </a:lnSpc>
+            <a:spcBef>
+              <a:spcPct val="0"/>
+            </a:spcBef>
+            <a:spcAft>
+              <a:spcPct val="35000"/>
+            </a:spcAft>
+          </a:pPr>
+          <a:endParaRPr lang="zh-CN" altLang="en-US" sz="1900" kern="1200"/>
+        </a:p>
+      </dsp:txBody>
+      <dsp:txXfrm>
+        <a:off x="-1867795" y="2772097"/>
+        <a:ext cx="4226560" cy="392277"/>
+      </dsp:txXfrm>
+    </dsp:sp>
+    <dsp:sp modelId="{09A1361E-1CB1-4CC2-8517-7DD5619ACDD1}">
+      <dsp:nvSpPr>
+        <dsp:cNvPr id="0" name=""/>
+        <dsp:cNvSpPr/>
+      </dsp:nvSpPr>
+      <dsp:spPr>
+        <a:xfrm>
+          <a:off x="441623" y="854956"/>
+          <a:ext cx="1953958" cy="4226560"/>
+        </a:xfrm>
+        <a:prstGeom prst="rect">
+          <a:avLst/>
+        </a:prstGeom>
+        <a:solidFill>
+          <a:schemeClr val="accent1">
+            <a:hueOff val="0"/>
+            <a:satOff val="0"/>
+            <a:lumOff val="0"/>
+            <a:alphaOff val="0"/>
+          </a:schemeClr>
+        </a:solidFill>
+        <a:ln w="12700" cap="flat" cmpd="sng" algn="ctr">
+          <a:solidFill>
+            <a:schemeClr val="lt1">
+              <a:hueOff val="0"/>
+              <a:satOff val="0"/>
+              <a:lumOff val="0"/>
+              <a:alphaOff val="0"/>
+            </a:schemeClr>
+          </a:solidFill>
+          <a:prstDash val="solid"/>
+          <a:miter lim="800000"/>
+        </a:ln>
+        <a:effectLst/>
+      </dsp:spPr>
+      <dsp:style>
+        <a:lnRef idx="2">
+          <a:scrgbClr r="0" g="0" b="0"/>
+        </a:lnRef>
+        <a:fillRef idx="1">
+          <a:scrgbClr r="0" g="0" b="0"/>
+        </a:fillRef>
+        <a:effectRef idx="0">
+          <a:scrgbClr r="0" g="0" b="0"/>
+        </a:effectRef>
+        <a:fontRef idx="minor">
+          <a:schemeClr val="lt1"/>
+        </a:fontRef>
+      </dsp:style>
+      <dsp:txBody>
+        <a:bodyPr spcFirstLastPara="0" vert="horz" wrap="square" lIns="227584" tIns="345967" rIns="227584" bIns="227584" numCol="1" spcCol="1270" anchor="t" anchorCtr="0">
+          <a:noAutofit/>
+        </a:bodyPr>
+        <a:lstStyle/>
+        <a:p>
+          <a:pPr marL="228600" lvl="1" indent="-228600" algn="l" defTabSz="1111250">
+            <a:lnSpc>
+              <a:spcPct val="90000"/>
+            </a:lnSpc>
+            <a:spcBef>
+              <a:spcPct val="0"/>
+            </a:spcBef>
+            <a:spcAft>
+              <a:spcPct val="15000"/>
+            </a:spcAft>
+            <a:buChar char="••"/>
+          </a:pPr>
+          <a:r>
+            <a:rPr lang="zh-CN" altLang="en-US" sz="2500" kern="1200" dirty="0" smtClean="0"/>
+            <a:t>继续当前的自研模式</a:t>
+          </a:r>
+          <a:endParaRPr lang="zh-CN" altLang="en-US" sz="2500" kern="1200" dirty="0"/>
+        </a:p>
+      </dsp:txBody>
+      <dsp:txXfrm>
+        <a:off x="441623" y="854956"/>
+        <a:ext cx="1953958" cy="4226560"/>
+      </dsp:txXfrm>
+    </dsp:sp>
+    <dsp:sp modelId="{FB55BAAA-E896-4465-A694-0B38C9C6AD1F}">
+      <dsp:nvSpPr>
+        <dsp:cNvPr id="0" name=""/>
+        <dsp:cNvSpPr/>
+      </dsp:nvSpPr>
+      <dsp:spPr>
+        <a:xfrm>
+          <a:off x="49345" y="337150"/>
+          <a:ext cx="784555" cy="784555"/>
+        </a:xfrm>
+        <a:prstGeom prst="rect">
+          <a:avLst/>
+        </a:prstGeom>
+        <a:blipFill>
+          <a:blip xmlns:r="http://schemas.openxmlformats.org/officeDocument/2006/relationships" r:embed="rId1" cstate="print">
+            <a:extLst>
+              <a:ext uri="{28A0092B-C50C-407E-A947-70E740481C1C}">
+                <a14:useLocalDpi xmlns:a14="http://schemas.microsoft.com/office/drawing/2010/main" val="0"/>
+              </a:ext>
+            </a:extLst>
+          </a:blip>
+          <a:srcRect/>
+          <a:stretch>
+            <a:fillRect t="-17000" b="-17000"/>
+          </a:stretch>
+        </a:blipFill>
+        <a:ln w="12700" cap="flat" cmpd="sng" algn="ctr">
+          <a:solidFill>
+            <a:schemeClr val="lt1">
+              <a:hueOff val="0"/>
+              <a:satOff val="0"/>
+              <a:lumOff val="0"/>
+              <a:alphaOff val="0"/>
+            </a:schemeClr>
+          </a:solidFill>
+          <a:prstDash val="solid"/>
+          <a:miter lim="800000"/>
+        </a:ln>
+        <a:effectLst/>
+      </dsp:spPr>
+      <dsp:style>
+        <a:lnRef idx="2">
+          <a:scrgbClr r="0" g="0" b="0"/>
+        </a:lnRef>
+        <a:fillRef idx="1">
+          <a:scrgbClr r="0" g="0" b="0"/>
+        </a:fillRef>
+        <a:effectRef idx="0">
+          <a:scrgbClr r="0" g="0" b="0"/>
+        </a:effectRef>
+        <a:fontRef idx="minor"/>
+      </dsp:style>
+    </dsp:sp>
+    <dsp:sp modelId="{1B9DED19-40AD-4761-A2B5-4E88A7CADBBB}">
+      <dsp:nvSpPr>
+        <dsp:cNvPr id="0" name=""/>
+        <dsp:cNvSpPr/>
+      </dsp:nvSpPr>
+      <dsp:spPr>
+        <a:xfrm rot="16200000">
+          <a:off x="973740" y="2772097"/>
+          <a:ext cx="4226560" cy="392277"/>
+        </a:xfrm>
+        <a:prstGeom prst="rect">
+          <a:avLst/>
+        </a:prstGeom>
+        <a:noFill/>
+        <a:ln>
+          <a:noFill/>
+        </a:ln>
+        <a:effectLst/>
+      </dsp:spPr>
+      <dsp:style>
+        <a:lnRef idx="0">
+          <a:scrgbClr r="0" g="0" b="0"/>
+        </a:lnRef>
+        <a:fillRef idx="0">
+          <a:scrgbClr r="0" g="0" b="0"/>
+        </a:fillRef>
+        <a:effectRef idx="0">
+          <a:scrgbClr r="0" g="0" b="0"/>
+        </a:effectRef>
+        <a:fontRef idx="minor"/>
+      </dsp:style>
+      <dsp:txBody>
+        <a:bodyPr spcFirstLastPara="0" vert="horz" wrap="square" lIns="0" tIns="0" rIns="345967" bIns="0" numCol="1" spcCol="1270" anchor="t" anchorCtr="0">
+          <a:noAutofit/>
+        </a:bodyPr>
+        <a:lstStyle/>
+        <a:p>
+          <a:pPr lvl="0" algn="r" defTabSz="844550">
+            <a:lnSpc>
+              <a:spcPct val="90000"/>
+            </a:lnSpc>
+            <a:spcBef>
+              <a:spcPct val="0"/>
+            </a:spcBef>
+            <a:spcAft>
+              <a:spcPct val="35000"/>
+            </a:spcAft>
+          </a:pPr>
+          <a:endParaRPr lang="zh-CN" altLang="en-US" sz="1900" kern="1200"/>
+        </a:p>
+      </dsp:txBody>
+      <dsp:txXfrm>
+        <a:off x="973740" y="2772097"/>
+        <a:ext cx="4226560" cy="392277"/>
+      </dsp:txXfrm>
+    </dsp:sp>
+    <dsp:sp modelId="{74FB6CA8-B1C3-4066-812D-D23553B4FC7A}">
+      <dsp:nvSpPr>
+        <dsp:cNvPr id="0" name=""/>
+        <dsp:cNvSpPr/>
+      </dsp:nvSpPr>
+      <dsp:spPr>
+        <a:xfrm>
+          <a:off x="3283159" y="854956"/>
+          <a:ext cx="1953958" cy="4226560"/>
+        </a:xfrm>
+        <a:prstGeom prst="rect">
+          <a:avLst/>
+        </a:prstGeom>
+        <a:solidFill>
+          <a:schemeClr val="accent1">
+            <a:hueOff val="0"/>
+            <a:satOff val="0"/>
+            <a:lumOff val="0"/>
+            <a:alphaOff val="0"/>
+          </a:schemeClr>
+        </a:solidFill>
+        <a:ln w="12700" cap="flat" cmpd="sng" algn="ctr">
+          <a:solidFill>
+            <a:schemeClr val="lt1">
+              <a:hueOff val="0"/>
+              <a:satOff val="0"/>
+              <a:lumOff val="0"/>
+              <a:alphaOff val="0"/>
+            </a:schemeClr>
+          </a:solidFill>
+          <a:prstDash val="solid"/>
+          <a:miter lim="800000"/>
+        </a:ln>
+        <a:effectLst/>
+      </dsp:spPr>
+      <dsp:style>
+        <a:lnRef idx="2">
+          <a:scrgbClr r="0" g="0" b="0"/>
+        </a:lnRef>
+        <a:fillRef idx="1">
+          <a:scrgbClr r="0" g="0" b="0"/>
+        </a:fillRef>
+        <a:effectRef idx="0">
+          <a:scrgbClr r="0" g="0" b="0"/>
+        </a:effectRef>
+        <a:fontRef idx="minor">
+          <a:schemeClr val="lt1"/>
+        </a:fontRef>
+      </dsp:style>
+      <dsp:txBody>
+        <a:bodyPr spcFirstLastPara="0" vert="horz" wrap="square" lIns="227584" tIns="345967" rIns="227584" bIns="227584" numCol="1" spcCol="1270" anchor="t" anchorCtr="0">
+          <a:noAutofit/>
+        </a:bodyPr>
+        <a:lstStyle/>
+        <a:p>
+          <a:pPr marL="228600" lvl="1" indent="-228600" algn="l" defTabSz="1111250">
+            <a:lnSpc>
+              <a:spcPct val="90000"/>
+            </a:lnSpc>
+            <a:spcBef>
+              <a:spcPct val="0"/>
+            </a:spcBef>
+            <a:spcAft>
+              <a:spcPct val="15000"/>
+            </a:spcAft>
+            <a:buChar char="••"/>
+          </a:pPr>
+          <a:r>
+            <a:rPr lang="zh-CN" altLang="en-US" sz="2500" kern="1200" dirty="0" smtClean="0"/>
+            <a:t>与各部门形成基于共同目标的协作主题研究，成果共享</a:t>
+          </a:r>
+          <a:endParaRPr lang="zh-CN" altLang="en-US" sz="2500" kern="1200" dirty="0"/>
+        </a:p>
+      </dsp:txBody>
+      <dsp:txXfrm>
+        <a:off x="3283159" y="854956"/>
+        <a:ext cx="1953958" cy="4226560"/>
+      </dsp:txXfrm>
+    </dsp:sp>
+    <dsp:sp modelId="{D28B5089-6FF2-4E2A-AD75-E33881BD0684}">
+      <dsp:nvSpPr>
+        <dsp:cNvPr id="0" name=""/>
+        <dsp:cNvSpPr/>
+      </dsp:nvSpPr>
+      <dsp:spPr>
+        <a:xfrm>
+          <a:off x="2890881" y="337150"/>
+          <a:ext cx="784555" cy="784555"/>
+        </a:xfrm>
+        <a:prstGeom prst="rect">
+          <a:avLst/>
+        </a:prstGeom>
+        <a:blipFill>
+          <a:blip xmlns:r="http://schemas.openxmlformats.org/officeDocument/2006/relationships" r:embed="rId2">
+            <a:extLst>
+              <a:ext uri="{28A0092B-C50C-407E-A947-70E740481C1C}">
+                <a14:useLocalDpi xmlns:a14="http://schemas.microsoft.com/office/drawing/2010/main" val="0"/>
+              </a:ext>
+            </a:extLst>
+          </a:blip>
+          <a:srcRect/>
+          <a:stretch>
+            <a:fillRect l="-6000" r="-6000"/>
+          </a:stretch>
+        </a:blipFill>
+        <a:ln w="12700" cap="flat" cmpd="sng" algn="ctr">
+          <a:solidFill>
+            <a:schemeClr val="lt1">
+              <a:hueOff val="0"/>
+              <a:satOff val="0"/>
+              <a:lumOff val="0"/>
+              <a:alphaOff val="0"/>
+            </a:schemeClr>
+          </a:solidFill>
+          <a:prstDash val="solid"/>
+          <a:miter lim="800000"/>
+        </a:ln>
+        <a:effectLst/>
+      </dsp:spPr>
+      <dsp:style>
+        <a:lnRef idx="2">
+          <a:scrgbClr r="0" g="0" b="0"/>
+        </a:lnRef>
+        <a:fillRef idx="1">
+          <a:scrgbClr r="0" g="0" b="0"/>
+        </a:fillRef>
+        <a:effectRef idx="0">
+          <a:scrgbClr r="0" g="0" b="0"/>
+        </a:effectRef>
+        <a:fontRef idx="minor"/>
+      </dsp:style>
+    </dsp:sp>
+    <dsp:sp modelId="{1B98D55C-4504-4022-94CF-252788CEB4A4}">
+      <dsp:nvSpPr>
+        <dsp:cNvPr id="0" name=""/>
+        <dsp:cNvSpPr/>
+      </dsp:nvSpPr>
+      <dsp:spPr>
+        <a:xfrm rot="16200000">
+          <a:off x="3815276" y="2772097"/>
+          <a:ext cx="4226560" cy="392277"/>
+        </a:xfrm>
+        <a:prstGeom prst="rect">
+          <a:avLst/>
+        </a:prstGeom>
+        <a:noFill/>
+        <a:ln>
+          <a:noFill/>
+        </a:ln>
+        <a:effectLst/>
+      </dsp:spPr>
+      <dsp:style>
+        <a:lnRef idx="0">
+          <a:scrgbClr r="0" g="0" b="0"/>
+        </a:lnRef>
+        <a:fillRef idx="0">
+          <a:scrgbClr r="0" g="0" b="0"/>
+        </a:fillRef>
+        <a:effectRef idx="0">
+          <a:scrgbClr r="0" g="0" b="0"/>
+        </a:effectRef>
+        <a:fontRef idx="minor"/>
+      </dsp:style>
+      <dsp:txBody>
+        <a:bodyPr spcFirstLastPara="0" vert="horz" wrap="square" lIns="0" tIns="0" rIns="345967" bIns="0" numCol="1" spcCol="1270" anchor="t" anchorCtr="0">
+          <a:noAutofit/>
+        </a:bodyPr>
+        <a:lstStyle/>
+        <a:p>
+          <a:pPr lvl="0" algn="r" defTabSz="844550">
+            <a:lnSpc>
+              <a:spcPct val="90000"/>
+            </a:lnSpc>
+            <a:spcBef>
+              <a:spcPct val="0"/>
+            </a:spcBef>
+            <a:spcAft>
+              <a:spcPct val="35000"/>
+            </a:spcAft>
+          </a:pPr>
+          <a:endParaRPr lang="zh-CN" altLang="en-US" sz="1900" kern="1200"/>
+        </a:p>
+      </dsp:txBody>
+      <dsp:txXfrm>
+        <a:off x="3815276" y="2772097"/>
+        <a:ext cx="4226560" cy="392277"/>
+      </dsp:txXfrm>
+    </dsp:sp>
+    <dsp:sp modelId="{7F1C4D6B-0D94-4EE3-AFD7-9566F479C3B2}">
+      <dsp:nvSpPr>
+        <dsp:cNvPr id="0" name=""/>
+        <dsp:cNvSpPr/>
+      </dsp:nvSpPr>
+      <dsp:spPr>
+        <a:xfrm>
+          <a:off x="6124695" y="854956"/>
+          <a:ext cx="1953958" cy="4226560"/>
+        </a:xfrm>
+        <a:prstGeom prst="rect">
+          <a:avLst/>
+        </a:prstGeom>
+        <a:solidFill>
+          <a:schemeClr val="accent1">
+            <a:hueOff val="0"/>
+            <a:satOff val="0"/>
+            <a:lumOff val="0"/>
+            <a:alphaOff val="0"/>
+          </a:schemeClr>
+        </a:solidFill>
+        <a:ln w="12700" cap="flat" cmpd="sng" algn="ctr">
+          <a:solidFill>
+            <a:schemeClr val="lt1">
+              <a:hueOff val="0"/>
+              <a:satOff val="0"/>
+              <a:lumOff val="0"/>
+              <a:alphaOff val="0"/>
+            </a:schemeClr>
+          </a:solidFill>
+          <a:prstDash val="solid"/>
+          <a:miter lim="800000"/>
+        </a:ln>
+        <a:effectLst/>
+      </dsp:spPr>
+      <dsp:style>
+        <a:lnRef idx="2">
+          <a:scrgbClr r="0" g="0" b="0"/>
+        </a:lnRef>
+        <a:fillRef idx="1">
+          <a:scrgbClr r="0" g="0" b="0"/>
+        </a:fillRef>
+        <a:effectRef idx="0">
+          <a:scrgbClr r="0" g="0" b="0"/>
+        </a:effectRef>
+        <a:fontRef idx="minor">
+          <a:schemeClr val="lt1"/>
+        </a:fontRef>
+      </dsp:style>
+      <dsp:txBody>
+        <a:bodyPr spcFirstLastPara="0" vert="horz" wrap="square" lIns="227584" tIns="345967" rIns="227584" bIns="227584" numCol="1" spcCol="1270" anchor="t" anchorCtr="0">
+          <a:noAutofit/>
+        </a:bodyPr>
+        <a:lstStyle/>
+        <a:p>
+          <a:pPr marL="228600" lvl="1" indent="-228600" algn="l" defTabSz="1111250">
+            <a:lnSpc>
+              <a:spcPct val="90000"/>
+            </a:lnSpc>
+            <a:spcBef>
+              <a:spcPct val="0"/>
+            </a:spcBef>
+            <a:spcAft>
+              <a:spcPct val="15000"/>
+            </a:spcAft>
+            <a:buChar char="••"/>
+          </a:pPr>
+          <a:r>
+            <a:rPr lang="zh-CN" altLang="en-US" sz="2500" kern="1200" dirty="0" smtClean="0"/>
+            <a:t>进入到</a:t>
+          </a:r>
+          <a:r>
+            <a:rPr lang="en-US" altLang="zh-CN" sz="2500" kern="1200" dirty="0" smtClean="0"/>
+            <a:t>HIS</a:t>
+          </a:r>
+          <a:r>
+            <a:rPr lang="zh-CN" altLang="en-US" sz="2500" kern="1200" dirty="0" smtClean="0"/>
+            <a:t>项目组直接参与系统分析和架构工作</a:t>
+          </a:r>
+          <a:endParaRPr lang="zh-CN" altLang="en-US" sz="2500" kern="1200" dirty="0"/>
+        </a:p>
+      </dsp:txBody>
+      <dsp:txXfrm>
+        <a:off x="6124695" y="854956"/>
+        <a:ext cx="1953958" cy="4226560"/>
+      </dsp:txXfrm>
+    </dsp:sp>
+    <dsp:sp modelId="{F09EE712-02F6-4E41-BB9B-695F100D06C6}">
+      <dsp:nvSpPr>
+        <dsp:cNvPr id="0" name=""/>
+        <dsp:cNvSpPr/>
+      </dsp:nvSpPr>
+      <dsp:spPr>
+        <a:xfrm>
+          <a:off x="5732418" y="337150"/>
+          <a:ext cx="784555" cy="784555"/>
+        </a:xfrm>
+        <a:prstGeom prst="rect">
+          <a:avLst/>
+        </a:prstGeom>
+        <a:blipFill>
+          <a:blip xmlns:r="http://schemas.openxmlformats.org/officeDocument/2006/relationships" r:embed="rId3">
+            <a:extLst>
+              <a:ext uri="{28A0092B-C50C-407E-A947-70E740481C1C}">
+                <a14:useLocalDpi xmlns:a14="http://schemas.microsoft.com/office/drawing/2010/main" val="0"/>
+              </a:ext>
+            </a:extLst>
+          </a:blip>
+          <a:srcRect/>
+          <a:stretch>
+            <a:fillRect l="-25000" r="-25000"/>
+          </a:stretch>
+        </a:blipFill>
+        <a:ln w="12700" cap="flat" cmpd="sng" algn="ctr">
+          <a:solidFill>
+            <a:schemeClr val="lt1">
+              <a:hueOff val="0"/>
+              <a:satOff val="0"/>
+              <a:lumOff val="0"/>
+              <a:alphaOff val="0"/>
+            </a:schemeClr>
+          </a:solidFill>
+          <a:prstDash val="solid"/>
+          <a:miter lim="800000"/>
+        </a:ln>
+        <a:effectLst/>
+      </dsp:spPr>
+      <dsp:style>
+        <a:lnRef idx="2">
+          <a:scrgbClr r="0" g="0" b="0"/>
+        </a:lnRef>
+        <a:fillRef idx="1">
+          <a:scrgbClr r="0" g="0" b="0"/>
+        </a:fillRef>
+        <a:effectRef idx="0">
+          <a:scrgbClr r="0" g="0" b="0"/>
+        </a:effectRef>
+        <a:fontRef idx="minor"/>
+      </dsp:style>
+    </dsp:sp>
+  </dsp:spTree>
+</dsp:drawing>
+</file>
+
+<file path=ppt/diagrams/layout1.xml><?xml version="1.0" encoding="utf-8"?>
+<dgm:layoutDef xmlns:dgm="http://schemas.openxmlformats.org/drawingml/2006/diagram" xmlns:a="http://schemas.openxmlformats.org/drawingml/2006/main" uniqueId="urn:microsoft.com/office/officeart/2005/8/layout/hList2">
+  <dgm:title val=""/>
+  <dgm:desc val=""/>
+  <dgm:catLst>
+    <dgm:cat type="list" pri="6000"/>
+    <dgm:cat type="relationship" pri="16000"/>
+    <dgm:cat type="picture" pri="29000"/>
+    <dgm:cat type="pictureconvert" pri="29000"/>
+  </dgm:catLst>
+  <dgm:sampData>
+    <dgm:dataModel>
+      <dgm:ptLst>
+        <dgm:pt modelId="0" type="doc"/>
+        <dgm:pt modelId="1">
+          <dgm:prSet phldr="1"/>
+        </dgm:pt>
+        <dgm:pt modelId="11">
+          <dgm:prSet phldr="1"/>
+        </dgm:pt>
+        <dgm:pt modelId="12">
+          <dgm:prSet phldr="1"/>
+        </dgm:pt>
+        <dgm:pt modelId="2">
+          <dgm:prSet phldr="1"/>
+        </dgm:pt>
+        <dgm:pt modelId="21">
+          <dgm:prSet phldr="1"/>
+        </dgm:pt>
+        <dgm:pt modelId="22">
+          <dgm:prSet phldr="1"/>
+        </dgm:pt>
+        <dgm:pt modelId="3">
+          <dgm:prSet phldr="1"/>
+        </dgm:pt>
+        <dgm:pt modelId="31">
+          <dgm:prSet phldr="1"/>
+        </dgm:pt>
+        <dgm:pt modelId="32">
+          <dgm:prSet phldr="1"/>
+        </dgm:pt>
+      </dgm:ptLst>
+      <dgm:cxnLst>
+        <dgm:cxn modelId="4" srcId="0" destId="1" srcOrd="0" destOrd="0"/>
+        <dgm:cxn modelId="5" srcId="0" destId="2" srcOrd="1" destOrd="0"/>
+        <dgm:cxn modelId="6" srcId="0" destId="3" srcOrd="2" destOrd="0"/>
+        <dgm:cxn modelId="13" srcId="1" destId="11" srcOrd="0" destOrd="0"/>
+        <dgm:cxn modelId="14" srcId="1" destId="12" srcOrd="1" destOrd="0"/>
+        <dgm:cxn modelId="23" srcId="2" destId="21" srcOrd="0" destOrd="0"/>
+        <dgm:cxn modelId="24" srcId="2" destId="22" srcOrd="1" destOrd="0"/>
+        <dgm:cxn modelId="33" srcId="3" destId="31" srcOrd="0" destOrd="0"/>
+        <dgm:cxn modelId="34" srcId="3" destId="32" srcOrd="1" destOrd="0"/>
+      </dgm:cxnLst>
+      <dgm:bg/>
+      <dgm:whole/>
+    </dgm:dataModel>
+  </dgm:sampData>
+  <dgm:styleData>
+    <dgm:dataModel>
+      <dgm:ptLst>
+        <dgm:pt modelId="0" type="doc"/>
+        <dgm:pt modelId="1"/>
+        <dgm:pt modelId="11"/>
+        <dgm:pt modelId="2"/>
+        <dgm:pt modelId="21"/>
+      </dgm:ptLst>
+      <dgm:cxnLst>
+        <dgm:cxn modelId="4" srcId="0" destId="1" srcOrd="0" destOrd="0"/>
+        <dgm:cxn modelId="5" srcId="0" destId="2" srcOrd="1" destOrd="0"/>
+        <dgm:cxn modelId="13" srcId="1" destId="11" srcOrd="0" destOrd="0"/>
+        <dgm:cxn modelId="23" srcId="2" destId="21" srcOrd="0" destOrd="0"/>
+      </dgm:cxnLst>
+      <dgm:bg/>
+      <dgm:whole/>
+    </dgm:dataModel>
+  </dgm:styleData>
+  <dgm:clrData>
+    <dgm:dataModel>
+      <dgm:ptLst>
+        <dgm:pt modelId="0" type="doc"/>
+        <dgm:pt modelId="1"/>
+        <dgm:pt modelId="11"/>
+        <dgm:pt modelId="2"/>
+        <dgm:pt modelId="21"/>
+        <dgm:pt modelId="3"/>
+        <dgm:pt modelId="31"/>
+        <dgm:pt modelId="4"/>
+        <dgm:pt modelId="41"/>
+      </dgm:ptLst>
+      <dgm:cxnLst>
+        <dgm:cxn modelId="5" srcId="0" destId="1" srcOrd="0" destOrd="0"/>
+        <dgm:cxn modelId="6" srcId="0" destId="2" srcOrd="1" destOrd="0"/>
+        <dgm:cxn modelId="7" srcId="0" destId="3" srcOrd="2" destOrd="0"/>
+        <dgm:cxn modelId="8" srcId="0" destId="4" srcOrd="3" destOrd="0"/>
+        <dgm:cxn modelId="13" srcId="1" destId="11" srcOrd="0" destOrd="0"/>
+        <dgm:cxn modelId="23" srcId="2" destId="21" srcOrd="0" destOrd="0"/>
+        <dgm:cxn modelId="33" srcId="3" destId="31" srcOrd="0" destOrd="0"/>
+        <dgm:cxn modelId="43" srcId="4" destId="41" srcOrd="0" destOrd="0"/>
+      </dgm:cxnLst>
+      <dgm:bg/>
+      <dgm:whole/>
+    </dgm:dataModel>
+  </dgm:clrData>
+  <dgm:layoutNode name="linearFlow">
+    <dgm:varLst>
+      <dgm:dir/>
+      <dgm:animLvl val="lvl"/>
+      <dgm:resizeHandles/>
+    </dgm:varLst>
+    <dgm:choose name="Name0">
+      <dgm:if name="Name1" func="var" arg="dir" op="equ" val="norm">
+        <dgm:alg type="lin">
+          <dgm:param type="linDir" val="fromL"/>
+          <dgm:param type="nodeVertAlign" val="t"/>
+        </dgm:alg>
+      </dgm:if>
+      <dgm:else name="Name2">
+        <dgm:alg type="lin">
+          <dgm:param type="linDir" val="fromR"/>
+          <dgm:param type="nodeVertAlign" val="t"/>
+        </dgm:alg>
+      </dgm:else>
+    </dgm:choose>
+    <dgm:shape xmlns:r="http://schemas.openxmlformats.org/officeDocument/2006/relationships" r:blip="">
+      <dgm:adjLst/>
+    </dgm:shape>
+    <dgm:presOf/>
+    <dgm:constrLst>
+      <dgm:constr type="w" for="ch" forName="compositeNode" refType="w"/>
+      <dgm:constr type="h" for="ch" forName="compositeNode" refType="h"/>
+      <dgm:constr type="w" for="ch" forName="sibTrans" refType="w" refFor="ch" refForName="compositeNode" op="equ" fact="0.2"/>
+      <dgm:constr type="h" for="des" forName="childNode" op="equ"/>
+      <dgm:constr type="w" for="des" forName="childNode" op="equ"/>
+      <dgm:constr type="w" for="des" forName="parentNode" op="equ"/>
+      <dgm:constr type="h" for="des" forName="image" op="equ"/>
+      <dgm:constr type="w" for="des" forName="image" op="equ"/>
+      <dgm:constr type="primFontSz" for="des" forName="parentNode" op="equ" val="65"/>
+      <dgm:constr type="primFontSz" for="des" forName="childNode" op="equ" val="65"/>
+    </dgm:constrLst>
+    <dgm:ruleLst/>
+    <dgm:forEach name="Name3" axis="ch" ptType="node">
+      <dgm:layoutNode name="compositeNode">
+        <dgm:varLst>
+          <dgm:bulletEnabled val="1"/>
+        </dgm:varLst>
+        <dgm:alg type="composite"/>
+        <dgm:presOf/>
+        <dgm:choose name="Name4">
+          <dgm:if name="Name5" func="var" arg="dir" op="equ" val="norm">
+            <dgm:constrLst>
+              <dgm:constr type="w" for="ch" forName="image" refType="w"/>
+              <dgm:constr type="h" for="ch" forName="image" refType="h"/>
+              <dgm:constr type="h" for="ch" forName="image" refType="w" refFor="ch" refForName="image" op="lte"/>
+              <dgm:constr type="w" for="ch" forName="image" refType="h" refFor="ch" refForName="image" op="lte"/>
+              <dgm:constr type="w" for="ch" forName="image" refType="w" op="lte" fact="0.33"/>
+              <dgm:constr type="h" for="ch" forName="image" refType="h" op="lte" fact="0.33"/>
+              <dgm:constr type="t" for="ch" forName="image"/>
+              <dgm:constr type="l" for="ch" forName="image"/>
+              <dgm:constr type="w" for="ch" forName="childNode" refType="w" fact="0.85"/>
+              <dgm:constr type="h" for="ch" forName="childNode" refType="h" fact="0.78"/>
+              <dgm:constr type="t" for="ch" forName="childNode" refType="h" refFor="ch" refForName="image" fact="0.66"/>
+              <dgm:constr type="l" for="ch" forName="childNode" refType="w" refFor="ch" refForName="image" fact="0.5"/>
+              <dgm:constr type="tMarg" for="ch" forName="childNode" refType="w" refFor="ch" refForName="image" fact="1.25"/>
+              <dgm:constr type="t" for="ch" forName="parentNode" refType="h" refFor="ch" refForName="image" fact="0.66"/>
+              <dgm:constr type="b" for="ch" forName="parentNode" refType="b" refFor="ch" refForName="childNode"/>
+              <dgm:constr type="l" for="ch" forName="parentNode"/>
+              <dgm:constr type="r" for="ch" forName="parentNode" refType="l" refFor="ch" refForName="childNode"/>
+              <dgm:constr type="rMarg" for="ch" forName="parentNode" refType="w" refFor="ch" refForName="image" fact="1.25"/>
+            </dgm:constrLst>
+          </dgm:if>
+          <dgm:else name="Name6">
+            <dgm:constrLst>
+              <dgm:constr type="w" for="ch" forName="image" refType="w"/>
+              <dgm:constr type="h" for="ch" forName="image" refType="h"/>
+              <dgm:constr type="h" for="ch" forName="image" refType="w" refFor="ch" refForName="image" op="lte"/>
+              <dgm:constr type="w" for="ch" forName="image" refType="h" refFor="ch" refForName="image" op="lte"/>
+              <dgm:constr type="w" for="ch" forName="image" refType="w" op="lte" fact="0.33"/>
+              <dgm:constr type="h" for="ch" forName="image" refType="h" op="lte" fact="0.33"/>
+              <dgm:constr type="t" for="ch" forName="image"/>
+              <dgm:constr type="r" for="ch" forName="image" refType="w"/>
+              <dgm:constr type="w" for="ch" forName="childNode" refType="w" fact="0.85"/>
+              <dgm:constr type="h" for="ch" forName="childNode" refType="h" fact="0.78"/>
+              <dgm:constr type="t" for="ch" forName="childNode" refType="h" refFor="ch" refForName="image" fact="0.66"/>
+              <dgm:constr type="r" for="ch" forName="childNode" refType="w"/>
+              <dgm:constr type="rOff" for="ch" forName="childNode" refType="w" refFor="ch" refForName="image" fact="-0.5"/>
+              <dgm:constr type="tMarg" for="ch" forName="childNode" refType="w" refFor="ch" refForName="image" fact="1.25"/>
+              <dgm:constr type="t" for="ch" forName="parentNode" refType="h" refFor="ch" refForName="image" fact="0.66"/>
+              <dgm:constr type="b" for="ch" forName="parentNode" refType="b" refFor="ch" refForName="childNode"/>
+              <dgm:constr type="r" for="ch" forName="parentNode" refType="w"/>
+              <dgm:constr type="l" for="ch" forName="parentNode" refType="r" refFor="ch" refForName="childNode"/>
+              <dgm:constr type="lOff" for="ch" forName="parentNode" refType="rOff" refFor="ch" refForName="childNode"/>
+              <dgm:constr type="lMarg" for="ch" forName="parentNode" refType="w" refFor="ch" refForName="image" fact="1.25"/>
+            </dgm:constrLst>
+          </dgm:else>
+        </dgm:choose>
+        <dgm:ruleLst>
+          <dgm:rule type="w" for="ch" forName="childNode" val="NaN" fact="0.4" max="NaN"/>
+          <dgm:rule type="h" for="ch" forName="childNode" val="NaN" fact="0.5" max="NaN"/>
+        </dgm:ruleLst>
+        <dgm:layoutNode name="image" styleLbl="fgImgPlace1">
+          <dgm:alg type="sp"/>
+          <dgm:shape xmlns:r="http://schemas.openxmlformats.org/officeDocument/2006/relationships" type="rect" r:blip="" zOrderOff="4" blipPhldr="1">
+            <dgm:adjLst/>
+          </dgm:shape>
+          <dgm:presOf/>
+          <dgm:constrLst/>
+          <dgm:ruleLst/>
+        </dgm:layoutNode>
+        <dgm:layoutNode name="childNode" styleLbl="node1">
+          <dgm:varLst>
+            <dgm:bulletEnabled val="1"/>
+          </dgm:varLst>
+          <dgm:alg type="tx">
+            <dgm:param type="stBulletLvl" val="1"/>
+          </dgm:alg>
+          <dgm:shape xmlns:r="http://schemas.openxmlformats.org/officeDocument/2006/relationships" type="rect" r:blip="" zOrderOff="2">
+            <dgm:adjLst/>
+          </dgm:shape>
+          <dgm:presOf axis="des" ptType="node"/>
+          <dgm:constrLst/>
+          <dgm:ruleLst>
+            <dgm:rule type="primFontSz" val="5" fact="NaN" max="NaN"/>
+          </dgm:ruleLst>
+        </dgm:layoutNode>
+        <dgm:layoutNode name="parentNode" styleLbl="revTx">
+          <dgm:varLst>
+            <dgm:chMax val="0"/>
+            <dgm:bulletEnabled val="1"/>
+          </dgm:varLst>
+          <dgm:choose name="Name7">
+            <dgm:if name="Name8" func="var" arg="dir" op="equ" val="norm">
+              <dgm:alg type="tx">
+                <dgm:param type="autoTxRot" val="grav"/>
+                <dgm:param type="txAnchorVert" val="t"/>
+                <dgm:param type="parTxLTRAlign" val="r"/>
+                <dgm:param type="parTxRTLAlign" val="r"/>
+              </dgm:alg>
+              <dgm:shape xmlns:r="http://schemas.openxmlformats.org/officeDocument/2006/relationships" rot="270" type="rect" r:blip="">
+                <dgm:adjLst/>
+              </dgm:shape>
+              <dgm:presOf axis="self"/>
+              <dgm:constrLst>
+                <dgm:constr type="lMarg"/>
+                <dgm:constr type="bMarg"/>
+                <dgm:constr type="tMarg"/>
+              </dgm:constrLst>
+            </dgm:if>
+            <dgm:else name="Name9">
+              <dgm:alg type="tx">
+                <dgm:param type="autoTxRot" val="grav"/>
+                <dgm:param type="parTxLTRAlign" val="l"/>
+                <dgm:param type="parTxRTLAlign" val="l"/>
+              </dgm:alg>
+              <dgm:shape xmlns:r="http://schemas.openxmlformats.org/officeDocument/2006/relationships" rot="90" type="rect" r:blip="">
+                <dgm:adjLst/>
+              </dgm:shape>
+              <dgm:presOf axis="self"/>
+              <dgm:constrLst>
+                <dgm:constr type="rMarg"/>
+                <dgm:constr type="bMarg"/>
+                <dgm:constr type="tMarg"/>
+              </dgm:constrLst>
+            </dgm:else>
+          </dgm:choose>
+          <dgm:ruleLst>
+            <dgm:rule type="primFontSz" val="5" fact="NaN" max="NaN"/>
+          </dgm:ruleLst>
+        </dgm:layoutNode>
+      </dgm:layoutNode>
+      <dgm:forEach name="Name10" axis="followSib" ptType="sibTrans" cnt="1">
+        <dgm:layoutNode name="sibTrans">
+          <dgm:alg type="sp"/>
+          <dgm:shape xmlns:r="http://schemas.openxmlformats.org/officeDocument/2006/relationships" r:blip="">
+            <dgm:adjLst/>
+          </dgm:shape>
+          <dgm:presOf axis="self"/>
+          <dgm:constrLst/>
+          <dgm:ruleLst/>
+        </dgm:layoutNode>
+      </dgm:forEach>
+    </dgm:forEach>
+  </dgm:layoutNode>
+</dgm:layoutDef>
+</file>
+
+<file path=ppt/diagrams/quickStyle1.xml><?xml version="1.0" encoding="utf-8"?>
+<dgm:styleDef xmlns:dgm="http://schemas.openxmlformats.org/drawingml/2006/diagram" xmlns:a="http://schemas.openxmlformats.org/drawingml/2006/main" uniqueId="urn:microsoft.com/office/officeart/2005/8/quickstyle/simple1">
+  <dgm:title val=""/>
+  <dgm:desc val=""/>
+  <dgm:catLst>
+    <dgm:cat type="simple" pri="10100"/>
+  </dgm:catLst>
+  <dgm:scene3d>
+    <a:camera prst="orthographicFront"/>
+    <a:lightRig rig="threePt" dir="t"/>
+  </dgm:scene3d>
+  <dgm:styleLbl name="node0">
+    <dgm:scene3d>
+      <a:camera prst="orthographicFront"/>
+      <a:lightRig rig="threePt" dir="t"/>
+    </dgm:scene3d>
+    <dgm:sp3d/>
+    <dgm:txPr/>
+    <dgm:style>
+      <a:lnRef idx="2">
+        <a:scrgbClr r="0" g="0" b="0"/>
+      </a:lnRef>
+      <a:fillRef idx="1">
+        <a:scrgbClr r="0" g="0" b="0"/>
+      </a:fillRef>
+      <a:effectRef idx="0">
+        <a:scrgbClr r="0" g="0" b="0"/>
+      </a:effectRef>
+      <a:fontRef idx="minor">
+        <a:schemeClr val="lt1"/>
+      </a:fontRef>
+    </dgm:style>
+  </dgm:styleLbl>
+  <dgm:styleLbl name="lnNode1">
+    <dgm:scene3d>
+      <a:camera prst="orthographicFront"/>
+      <a:lightRig rig="threePt" dir="t"/>
+    </dgm:scene3d>
+    <dgm:sp3d/>
+    <dgm:txPr/>
+    <dgm:style>
+      <a:lnRef idx="2">
+        <a:scrgbClr r="0" g="0" b="0"/>
+      </a:lnRef>
+      <a:fillRef idx="1">
+        <a:scrgbClr r="0" g="0" b="0"/>
+      </a:fillRef>
+      <a:effectRef idx="0">
+        <a:scrgbClr r="0" g="0" b="0"/>
+      </a:effectRef>
+      <a:fontRef idx="minor">
+        <a:schemeClr val="lt1"/>
+      </a:fontRef>
+    </dgm:style>
+  </dgm:styleLbl>
+  <dgm:styleLbl name="vennNode1">
+    <dgm:scene3d>
+      <a:camera prst="orthographicFront"/>
+      <a:lightRig rig="threePt" dir="t"/>
+    </dgm:scene3d>
+    <dgm:sp3d/>
+    <dgm:txPr/>
+    <dgm:style>
+      <a:lnRef idx="2">
+        <a:scrgbClr r="0" g="0" b="0"/>
+      </a:lnRef>
+      <a:fillRef idx="1">
+        <a:scrgbClr r="0" g="0" b="0"/>
+      </a:fillRef>
+      <a:effectRef idx="0">
+        <a:scrgbClr r="0" g="0" b="0"/>
+      </a:effectRef>
+      <a:fontRef idx="minor">
+        <a:schemeClr val="tx1"/>
+      </a:fontRef>
+    </dgm:style>
+  </dgm:styleLbl>
+  <dgm:styleLbl name="alignNode1">
+    <dgm:scene3d>
+      <a:camera prst="orthographicFront"/>
+      <a:lightRig rig="threePt" dir="t"/>
+    </dgm:scene3d>
+    <dgm:sp3d/>
+    <dgm:txPr/>
+    <dgm:style>
+      <a:lnRef idx="2">
+        <a:scrgbClr r="0" g="0" b="0"/>
+      </a:lnRef>
+      <a:fillRef idx="1">
+        <a:scrgbClr r="0" g="0" b="0"/>
+      </a:fillRef>
+      <a:effectRef idx="0">
+        <a:scrgbClr r="0" g="0" b="0"/>
+      </a:effectRef>
+      <a:fontRef idx="minor">
+        <a:schemeClr val="lt1"/>
+      </a:fontRef>
+    </dgm:style>
+  </dgm:styleLbl>
+  <dgm:styleLbl name="node1">
+    <dgm:scene3d>
+      <a:camera prst="orthographicFront"/>
+      <a:lightRig rig="threePt" dir="t"/>
+    </dgm:scene3d>
+    <dgm:sp3d/>
+    <dgm:txPr/>
+    <dgm:style>
+      <a:lnRef idx="2">
+        <a:scrgbClr r="0" g="0" b="0"/>
+      </a:lnRef>
+      <a:fillRef idx="1">
+        <a:scrgbClr r="0" g="0" b="0"/>
+      </a:fillRef>
+      <a:effectRef idx="0">
+        <a:scrgbClr r="0" g="0" b="0"/>
+      </a:effectRef>
+      <a:fontRef idx="minor">
+        <a:schemeClr val="lt1"/>
+      </a:fontRef>
+    </dgm:style>
+  </dgm:styleLbl>
+  <dgm:styleLbl name="node2">
+    <dgm:scene3d>
+      <a:camera prst="orthographicFront"/>
+      <a:lightRig rig="threePt" dir="t"/>
+    </dgm:scene3d>
+    <dgm:sp3d/>
+    <dgm:txPr/>
+    <dgm:style>
+      <a:lnRef idx="2">
+        <a:scrgbClr r="0" g="0" b="0"/>
+      </a:lnRef>
+      <a:fillRef idx="1">
+        <a:scrgbClr r="0" g="0" b="0"/>
+      </a:fillRef>
+      <a:effectRef idx="0">
+        <a:scrgbClr r="0" g="0" b="0"/>
+      </a:effectRef>
+      <a:fontRef idx="minor">
+        <a:schemeClr val="lt1"/>
+      </a:fontRef>
+    </dgm:style>
+  </dgm:styleLbl>
+  <dgm:styleLbl name="node3">
+    <dgm:scene3d>
+      <a:camera prst="orthographicFront"/>
+      <a:lightRig rig="threePt" dir="t"/>
+    </dgm:scene3d>
+    <dgm:sp3d/>
+    <dgm:txPr/>
+    <dgm:style>
+      <a:lnRef idx="2">
+        <a:scrgbClr r="0" g="0" b="0"/>
+      </a:lnRef>
+      <a:fillRef idx="1">
+        <a:scrgbClr r="0" g="0" b="0"/>
+      </a:fillRef>
+      <a:effectRef idx="0">
+        <a:scrgbClr r="0" g="0" b="0"/>
+      </a:effectRef>
+      <a:fontRef idx="minor">
+        <a:schemeClr val="lt1"/>
+      </a:fontRef>
+    </dgm:style>
+  </dgm:styleLbl>
+  <dgm:styleLbl name="node4">
+    <dgm:scene3d>
+      <a:camera prst="orthographicFront"/>
+      <a:lightRig rig="threePt" dir="t"/>
+    </dgm:scene3d>
+    <dgm:sp3d/>
+    <dgm:txPr/>
+    <dgm:style>
+      <a:lnRef idx="2">
+        <a:scrgbClr r="0" g="0" b="0"/>
+      </a:lnRef>
+      <a:fillRef idx="1">
+        <a:scrgbClr r="0" g="0" b="0"/>
+      </a:fillRef>
+      <a:effectRef idx="0">
+        <a:scrgbClr r="0" g="0" b="0"/>
+      </a:effectRef>
+      <a:fontRef idx="minor">
+        <a:schemeClr val="lt1"/>
+      </a:fontRef>
+    </dgm:style>
+  </dgm:styleLbl>
+  <dgm:styleLbl name="fgImgPlace1">
+    <dgm:scene3d>
+      <a:camera prst="orthographicFront"/>
+      <a:lightRig rig="threePt" dir="t"/>
+    </dgm:scene3d>
+    <dgm:sp3d/>
+    <dgm:txPr/>
+    <dgm:style>
+      <a:lnRef idx="2">
+        <a:scrgbClr r="0" g="0" b="0"/>
+      </a:lnRef>
+      <a:fillRef idx="1">
+        <a:scrgbClr r="0" g="0" b="0"/>
+      </a:fillRef>
+      <a:effectRef idx="0">
+        <a:scrgbClr r="0" g="0" b="0"/>
+      </a:effectRef>
+      <a:fontRef idx="minor"/>
+    </dgm:style>
+  </dgm:styleLbl>
+  <dgm:styleLbl name="alignImgPlace1">
+    <dgm:scene3d>
+      <a:camera prst="orthographicFront"/>
+      <a:lightRig rig="threePt" dir="t"/>
+    </dgm:scene3d>
+    <dgm:sp3d/>
+    <dgm:txPr/>
+    <dgm:style>
+      <a:lnRef idx="2">
+        <a:scrgbClr r="0" g="0" b="0"/>
+      </a:lnRef>
+      <a:fillRef idx="1">
+        <a:scrgbClr r="0" g="0" b="0"/>
+      </a:fillRef>
+      <a:effectRef idx="0">
+        <a:scrgbClr r="0" g="0" b="0"/>
+      </a:effectRef>
+      <a:fontRef idx="minor"/>
+    </dgm:style>
+  </dgm:styleLbl>
+  <dgm:styleLbl name="bgImgPlace1">
+    <dgm:scene3d>
+      <a:camera prst="orthographicFront"/>
+      <a:lightRig rig="threePt" dir="t"/>
+    </dgm:scene3d>
+    <dgm:sp3d/>
+    <dgm:txPr/>
+    <dgm:style>
+      <a:lnRef idx="2">
+        <a:scrgbClr r="0" g="0" b="0"/>
+      </a:lnRef>
+      <a:fillRef idx="1">
+        <a:scrgbClr r="0" g="0" b="0"/>
+      </a:fillRef>
+      <a:effectRef idx="0">
+        <a:scrgbClr r="0" g="0" b="0"/>
+      </a:effectRef>
+      <a:fontRef idx="minor"/>
+    </dgm:style>
+  </dgm:styleLbl>
+  <dgm:styleLbl name="sibTrans2D1">
+    <dgm:scene3d>
+      <a:camera prst="orthographicFront"/>
+      <a:lightRig rig="threePt" dir="t"/>
+    </dgm:scene3d>
+    <dgm:sp3d/>
+    <dgm:txPr/>
+    <dgm:style>
+      <a:lnRef idx="0">
+        <a:scrgbClr r="0" g="0" b="0"/>
+      </a:lnRef>
+      <a:fillRef idx="1">
+        <a:scrgbClr r="0" g="0" b="0"/>
+      </a:fillRef>
+      <a:effectRef idx="0">
+        <a:scrgbClr r="0" g="0" b="0"/>
+      </a:effectRef>
+      <a:fontRef idx="minor">
+        <a:schemeClr val="lt1"/>
+      </a:fontRef>
+    </dgm:style>
+  </dgm:styleLbl>
+  <dgm:styleLbl name="fgSibTrans2D1">
+    <dgm:scene3d>
+      <a:camera prst="orthographicFront"/>
+      <a:lightRig rig="threePt" dir="t"/>
+    </dgm:scene3d>
+    <dgm:sp3d/>
+    <dgm:txPr/>
+    <dgm:style>
+      <a:lnRef idx="0">
+        <a:scrgbClr r="0" g="0" b="0"/>
+      </a:lnRef>
+      <a:fillRef idx="1">
+        <a:scrgbClr r="0" g="0" b="0"/>
+      </a:fillRef>
+      <a:effectRef idx="0">
+        <a:scrgbClr r="0" g="0" b="0"/>
+      </a:effectRef>
+      <a:fontRef idx="minor">
+        <a:schemeClr val="lt1"/>
+      </a:fontRef>
+    </dgm:style>
+  </dgm:styleLbl>
+  <dgm:styleLbl name="bgSibTrans2D1">
+    <dgm:scene3d>
+      <a:camera prst="orthographicFront"/>
+      <a:lightRig rig="threePt" dir="t"/>
+    </dgm:scene3d>
+    <dgm:sp3d/>
+    <dgm:txPr/>
+    <dgm:style>
+      <a:lnRef idx="0">
+        <a:scrgbClr r="0" g="0" b="0"/>
+      </a:lnRef>
+      <a:fillRef idx="1">
+        <a:scrgbClr r="0" g="0" b="0"/>
+      </a:fillRef>
+      <a:effectRef idx="0">
+        <a:scrgbClr r="0" g="0" b="0"/>
+      </a:effectRef>
+      <a:fontRef idx="minor">
+        <a:schemeClr val="lt1"/>
+      </a:fontRef>
+    </dgm:style>
+  </dgm:styleLbl>
+  <dgm:styleLbl name="sibTrans1D1">
+    <dgm:scene3d>
+      <a:camera prst="orthographicFront"/>
+      <a:lightRig rig="threePt" dir="t"/>
+    </dgm:scene3d>
+    <dgm:sp3d/>
+    <dgm:txPr/>
+    <dgm:style>
+      <a:lnRef idx="1">
+        <a:scrgbClr r="0" g="0" b="0"/>
+      </a:lnRef>
+      <a:fillRef idx="0">
+        <a:scrgbClr r="0" g="0" b="0"/>
+      </a:fillRef>
+      <a:effectRef idx="0">
+        <a:scrgbClr r="0" g="0" b="0"/>
+      </a:effectRef>
+      <a:fontRef idx="minor"/>
+    </dgm:style>
+  </dgm:styleLbl>
+  <dgm:styleLbl name="callout">
+    <dgm:scene3d>
+      <a:camera prst="orthographicFront"/>
+      <a:lightRig rig="threePt" dir="t"/>
+    </dgm:scene3d>
+    <dgm:sp3d/>
+    <dgm:txPr/>
+    <dgm:style>
+      <a:lnRef idx="2">
+        <a:scrgbClr r="0" g="0" b="0"/>
+      </a:lnRef>
+      <a:fillRef idx="1">
+        <a:scrgbClr r="0" g="0" b="0"/>
+      </a:fillRef>
+      <a:effectRef idx="0">
+        <a:scrgbClr r="0" g="0" b="0"/>
+      </a:effectRef>
+      <a:fontRef idx="minor"/>
+    </dgm:style>
+  </dgm:styleLbl>
+  <dgm:styleLbl name="asst0">
+    <dgm:scene3d>
+      <a:camera prst="orthographicFront"/>
+      <a:lightRig rig="threePt" dir="t"/>
+    </dgm:scene3d>
+    <dgm:sp3d/>
+    <dgm:txPr/>
+    <dgm:style>
+      <a:lnRef idx="2">
+        <a:scrgbClr r="0" g="0" b="0"/>
+      </a:lnRef>
+      <a:fillRef idx="1">
+        <a:scrgbClr r="0" g="0" b="0"/>
+      </a:fillRef>
+      <a:effectRef idx="0">
+        <a:scrgbClr r="0" g="0" b="0"/>
+      </a:effectRef>
+      <a:fontRef idx="minor">
+        <a:schemeClr val="lt1"/>
+      </a:fontRef>
+    </dgm:style>
+  </dgm:styleLbl>
+  <dgm:styleLbl name="asst1">
+    <dgm:scene3d>
+      <a:camera prst="orthographicFront"/>
+      <a:lightRig rig="threePt" dir="t"/>
+    </dgm:scene3d>
+    <dgm:sp3d/>
+    <dgm:txPr/>
+    <dgm:style>
+      <a:lnRef idx="2">
+        <a:scrgbClr r="0" g="0" b="0"/>
+      </a:lnRef>
+      <a:fillRef idx="1">
+        <a:scrgbClr r="0" g="0" b="0"/>
+      </a:fillRef>
+      <a:effectRef idx="0">
+        <a:scrgbClr r="0" g="0" b="0"/>
+      </a:effectRef>
+      <a:fontRef idx="minor">
+        <a:schemeClr val="lt1"/>
+      </a:fontRef>
+    </dgm:style>
+  </dgm:styleLbl>
+  <dgm:styleLbl name="asst2">
+    <dgm:scene3d>
+      <a:camera prst="orthographicFront"/>
+      <a:lightRig rig="threePt" dir="t"/>
+    </dgm:scene3d>
+    <dgm:sp3d/>
+    <dgm:txPr/>
+    <dgm:style>
+      <a:lnRef idx="2">
+        <a:scrgbClr r="0" g="0" b="0"/>
+      </a:lnRef>
+      <a:fillRef idx="1">
+        <a:scrgbClr r="0" g="0" b="0"/>
+      </a:fillRef>
+      <a:effectRef idx="0">
+        <a:scrgbClr r="0" g="0" b="0"/>
+      </a:effectRef>
+      <a:fontRef idx="minor">
+        <a:schemeClr val="lt1"/>
+      </a:fontRef>
+    </dgm:style>
+  </dgm:styleLbl>
+  <dgm:styleLbl name="asst3">
+    <dgm:scene3d>
+      <a:camera prst="orthographicFront"/>
+      <a:lightRig rig="threePt" dir="t"/>
+    </dgm:scene3d>
+    <dgm:sp3d/>
+    <dgm:txPr/>
+    <dgm:style>
+      <a:lnRef idx="2">
+        <a:scrgbClr r="0" g="0" b="0"/>
+      </a:lnRef>
+      <a:fillRef idx="1">
+        <a:scrgbClr r="0" g="0" b="0"/>
+      </a:fillRef>
+      <a:effectRef idx="0">
+        <a:scrgbClr r="0" g="0" b="0"/>
+      </a:effectRef>
+      <a:fontRef idx="minor">
+        <a:schemeClr val="lt1"/>
+      </a:fontRef>
+    </dgm:style>
+  </dgm:styleLbl>
+  <dgm:styleLbl name="asst4">
+    <dgm:scene3d>
+      <a:camera prst="orthographicFront"/>
+      <a:lightRig rig="threePt" dir="t"/>
+    </dgm:scene3d>
+    <dgm:sp3d/>
+    <dgm:txPr/>
+    <dgm:style>
+      <a:lnRef idx="2">
+        <a:scrgbClr r="0" g="0" b="0"/>
+      </a:lnRef>
+      <a:fillRef idx="1">
+        <a:scrgbClr r="0" g="0" b="0"/>
+      </a:fillRef>
+      <a:effectRef idx="0">
+        <a:scrgbClr r="0" g="0" b="0"/>
+      </a:effectRef>
+      <a:fontRef idx="minor">
+        <a:schemeClr val="lt1"/>
+      </a:fontRef>
+    </dgm:style>
+  </dgm:styleLbl>
+  <dgm:styleLbl name="parChTrans2D1">
+    <dgm:scene3d>
+      <a:camera prst="orthographicFront"/>
+      <a:lightRig rig="threePt" dir="t"/>
+    </dgm:scene3d>
+    <dgm:sp3d/>
+    <dgm:txPr/>
+    <dgm:style>
+      <a:lnRef idx="2">
+        <a:scrgbClr r="0" g="0" b="0"/>
+      </a:lnRef>
+      <a:fillRef idx="1">
+        <a:scrgbClr r="0" g="0" b="0"/>
+      </a:fillRef>
+      <a:effectRef idx="0">
+        <a:scrgbClr r="0" g="0" b="0"/>
+      </a:effectRef>
+      <a:fontRef idx="minor">
+        <a:schemeClr val="lt1"/>
+      </a:fontRef>
+    </dgm:style>
+  </dgm:styleLbl>
+  <dgm:styleLbl name="parChTrans2D2">
+    <dgm:scene3d>
+      <a:camera prst="orthographicFront"/>
+      <a:lightRig rig="threePt" dir="t"/>
+    </dgm:scene3d>
+    <dgm:sp3d/>
+    <dgm:txPr/>
+    <dgm:style>
+      <a:lnRef idx="2">
+        <a:scrgbClr r="0" g="0" b="0"/>
+      </a:lnRef>
+      <a:fillRef idx="1">
+        <a:scrgbClr r="0" g="0" b="0"/>
+      </a:fillRef>
+      <a:effectRef idx="0">
+        <a:scrgbClr r="0" g="0" b="0"/>
+      </a:effectRef>
+      <a:fontRef idx="minor">
+        <a:schemeClr val="lt1"/>
+      </a:fontRef>
+    </dgm:style>
+  </dgm:styleLbl>
+  <dgm:styleLbl name="parChTrans2D3">
+    <dgm:scene3d>
+      <a:camera prst="orthographicFront"/>
+      <a:lightRig rig="threePt" dir="t"/>
+    </dgm:scene3d>
+    <dgm:sp3d/>
+    <dgm:txPr/>
+    <dgm:style>
+      <a:lnRef idx="2">
+        <a:scrgbClr r="0" g="0" b="0"/>
+      </a:lnRef>
+      <a:fillRef idx="1">
+        <a:scrgbClr r="0" g="0" b="0"/>
+      </a:fillRef>
+      <a:effectRef idx="0">
+        <a:scrgbClr r="0" g="0" b="0"/>
+      </a:effectRef>
+      <a:fontRef idx="minor">
+        <a:schemeClr val="lt1"/>
+      </a:fontRef>
+    </dgm:style>
+  </dgm:styleLbl>
+  <dgm:styleLbl name="parChTrans2D4">
+    <dgm:scene3d>
+      <a:camera prst="orthographicFront"/>
+      <a:lightRig rig="threePt" dir="t"/>
+    </dgm:scene3d>
+    <dgm:sp3d/>
+    <dgm:txPr/>
+    <dgm:style>
+      <a:lnRef idx="2">
+        <a:scrgbClr r="0" g="0" b="0"/>
+      </a:lnRef>
+      <a:fillRef idx="1">
+        <a:scrgbClr r="0" g="0" b="0"/>
+      </a:fillRef>
+      <a:effectRef idx="0">
+        <a:scrgbClr r="0" g="0" b="0"/>
+      </a:effectRef>
+      <a:fontRef idx="minor">
+        <a:schemeClr val="lt1"/>
+      </a:fontRef>
+    </dgm:style>
+  </dgm:styleLbl>
+  <dgm:styleLbl name="parChTrans1D1">
+    <dgm:scene3d>
+      <a:camera prst="orthographicFront"/>
+      <a:lightRig rig="threePt" dir="t"/>
+    </dgm:scene3d>
+    <dgm:sp3d/>
+    <dgm:txPr/>
+    <dgm:style>
+      <a:lnRef idx="2">
+        <a:scrgbClr r="0" g="0" b="0"/>
+      </a:lnRef>
+      <a:fillRef idx="0">
+        <a:scrgbClr r="0" g="0" b="0"/>
+      </a:fillRef>
+      <a:effectRef idx="0">
+        <a:scrgbClr r="0" g="0" b="0"/>
+      </a:effectRef>
+      <a:fontRef idx="minor"/>
+    </dgm:style>
+  </dgm:styleLbl>
+  <dgm:styleLbl name="parChTrans1D2">
+    <dgm:scene3d>
+      <a:camera prst="orthographicFront"/>
+      <a:lightRig rig="threePt" dir="t"/>
+    </dgm:scene3d>
+    <dgm:sp3d/>
+    <dgm:txPr/>
+    <dgm:style>
+      <a:lnRef idx="2">
+        <a:scrgbClr r="0" g="0" b="0"/>
+      </a:lnRef>
+      <a:fillRef idx="0">
+        <a:scrgbClr r="0" g="0" b="0"/>
+      </a:fillRef>
+      <a:effectRef idx="0">
+        <a:scrgbClr r="0" g="0" b="0"/>
+      </a:effectRef>
+      <a:fontRef idx="minor"/>
+    </dgm:style>
+  </dgm:styleLbl>
+  <dgm:styleLbl name="parChTrans1D3">
+    <dgm:scene3d>
+      <a:camera prst="orthographicFront"/>
+      <a:lightRig rig="threePt" dir="t"/>
+    </dgm:scene3d>
+    <dgm:sp3d/>
+    <dgm:txPr/>
+    <dgm:style>
+      <a:lnRef idx="2">
+        <a:scrgbClr r="0" g="0" b="0"/>
+      </a:lnRef>
+      <a:fillRef idx="0">
+        <a:scrgbClr r="0" g="0" b="0"/>
+      </a:fillRef>
+      <a:effectRef idx="0">
+        <a:scrgbClr r="0" g="0" b="0"/>
+      </a:effectRef>
+      <a:fontRef idx="minor"/>
+    </dgm:style>
+  </dgm:styleLbl>
+  <dgm:styleLbl name="parChTrans1D4">
+    <dgm:scene3d>
+      <a:camera prst="orthographicFront"/>
+      <a:lightRig rig="threePt" dir="t"/>
+    </dgm:scene3d>
+    <dgm:sp3d/>
+    <dgm:txPr/>
+    <dgm:style>
+      <a:lnRef idx="2">
+        <a:scrgbClr r="0" g="0" b="0"/>
+      </a:lnRef>
+      <a:fillRef idx="0">
+        <a:scrgbClr r="0" g="0" b="0"/>
+      </a:fillRef>
+      <a:effectRef idx="0">
+        <a:scrgbClr r="0" g="0" b="0"/>
+      </a:effectRef>
+      <a:fontRef idx="minor"/>
+    </dgm:style>
+  </dgm:styleLbl>
+  <dgm:styleLbl name="fgAcc1">
+    <dgm:scene3d>
+      <a:camera prst="orthographicFront"/>
+      <a:lightRig rig="threePt" dir="t"/>
+    </dgm:scene3d>
+    <dgm:sp3d/>
+    <dgm:txPr/>
+    <dgm:style>
+      <a:lnRef idx="2">
+        <a:scrgbClr r="0" g="0" b="0"/>
+      </a:lnRef>
+      <a:fillRef idx="1">
+        <a:scrgbClr r="0" g="0" b="0"/>
+      </a:fillRef>
+      <a:effectRef idx="0">
+        <a:scrgbClr r="0" g="0" b="0"/>
+      </a:effectRef>
+      <a:fontRef idx="minor"/>
+    </dgm:style>
+  </dgm:styleLbl>
+  <dgm:styleLbl name="conFgAcc1">
+    <dgm:scene3d>
+      <a:camera prst="orthographicFront"/>
+      <a:lightRig rig="threePt" dir="t"/>
+    </dgm:scene3d>
+    <dgm:sp3d/>
+    <dgm:txPr/>
+    <dgm:style>
+      <a:lnRef idx="2">
+        <a:scrgbClr r="0" g="0" b="0"/>
+      </a:lnRef>
+      <a:fillRef idx="1">
+        <a:scrgbClr r="0" g="0" b="0"/>
+      </a:fillRef>
+      <a:effectRef idx="0">
+        <a:scrgbClr r="0" g="0" b="0"/>
+      </a:effectRef>
+      <a:fontRef idx="minor"/>
+    </dgm:style>
+  </dgm:styleLbl>
+  <dgm:styleLbl name="alignAcc1">
+    <dgm:scene3d>
+      <a:camera prst="orthographicFront"/>
+      <a:lightRig rig="threePt" dir="t"/>
+    </dgm:scene3d>
+    <dgm:sp3d/>
+    <dgm:txPr/>
+    <dgm:style>
+      <a:lnRef idx="2">
+        <a:scrgbClr r="0" g="0" b="0"/>
+      </a:lnRef>
+      <a:fillRef idx="1">
+        <a:scrgbClr r="0" g="0" b="0"/>
+      </a:fillRef>
+      <a:effectRef idx="0">
+        <a:scrgbClr r="0" g="0" b="0"/>
+      </a:effectRef>
+      <a:fontRef idx="minor"/>
+    </dgm:style>
+  </dgm:styleLbl>
+  <dgm:styleLbl name="trAlignAcc1">
+    <dgm:scene3d>
+      <a:camera prst="orthographicFront"/>
+      <a:lightRig rig="threePt" dir="t"/>
+    </dgm:scene3d>
+    <dgm:sp3d/>
+    <dgm:txPr/>
+    <dgm:style>
+      <a:lnRef idx="1">
+        <a:scrgbClr r="0" g="0" b="0"/>
+      </a:lnRef>
+      <a:fillRef idx="1">
+        <a:scrgbClr r="0" g="0" b="0"/>
+      </a:fillRef>
+      <a:effectRef idx="0">
+        <a:scrgbClr r="0" g="0" b="0"/>
+      </a:effectRef>
+      <a:fontRef idx="minor"/>
+    </dgm:style>
+  </dgm:styleLbl>
+  <dgm:styleLbl name="bgAcc1">
+    <dgm:scene3d>
+      <a:camera prst="orthographicFront"/>
+      <a:lightRig rig="threePt" dir="t"/>
+    </dgm:scene3d>
+    <dgm:sp3d/>
+    <dgm:txPr/>
+    <dgm:style>
+      <a:lnRef idx="2">
+        <a:scrgbClr r="0" g="0" b="0"/>
+      </a:lnRef>
+      <a:fillRef idx="1">
+        <a:scrgbClr r="0" g="0" b="0"/>
+      </a:fillRef>
+      <a:effectRef idx="0">
+        <a:scrgbClr r="0" g="0" b="0"/>
+      </a:effectRef>
+      <a:fontRef idx="minor"/>
+    </dgm:style>
+  </dgm:styleLbl>
+  <dgm:styleLbl name="solidFgAcc1">
+    <dgm:scene3d>
+      <a:camera prst="orthographicFront"/>
+      <a:lightRig rig="threePt" dir="t"/>
+    </dgm:scene3d>
+    <dgm:sp3d/>
+    <dgm:txPr/>
+    <dgm:style>
+      <a:lnRef idx="2">
+        <a:scrgbClr r="0" g="0" b="0"/>
+      </a:lnRef>
+      <a:fillRef idx="1">
+        <a:scrgbClr r="0" g="0" b="0"/>
+      </a:fillRef>
+      <a:effectRef idx="0">
+        <a:scrgbClr r="0" g="0" b="0"/>
+      </a:effectRef>
+      <a:fontRef idx="minor"/>
+    </dgm:style>
+  </dgm:styleLbl>
+  <dgm:styleLbl name="solidAlignAcc1">
+    <dgm:scene3d>
+      <a:camera prst="orthographicFront"/>
+      <a:lightRig rig="threePt" dir="t"/>
+    </dgm:scene3d>
+    <dgm:sp3d/>
+    <dgm:txPr/>
+    <dgm:style>
+      <a:lnRef idx="2">
+        <a:scrgbClr r="0" g="0" b="0"/>
+      </a:lnRef>
+      <a:fillRef idx="1">
+        <a:scrgbClr r="0" g="0" b="0"/>
+      </a:fillRef>
+      <a:effectRef idx="0">
+        <a:scrgbClr r="0" g="0" b="0"/>
+      </a:effectRef>
+      <a:fontRef idx="minor"/>
+    </dgm:style>
+  </dgm:styleLbl>
+  <dgm:styleLbl name="solidBgAcc1">
+    <dgm:scene3d>
+      <a:camera prst="orthographicFront"/>
+      <a:lightRig rig="threePt" dir="t"/>
+    </dgm:scene3d>
+    <dgm:sp3d/>
+    <dgm:txPr/>
+    <dgm:style>
+      <a:lnRef idx="2">
+        <a:scrgbClr r="0" g="0" b="0"/>
+      </a:lnRef>
+      <a:fillRef idx="1">
+        <a:scrgbClr r="0" g="0" b="0"/>
+      </a:fillRef>
+      <a:effectRef idx="0">
+        <a:scrgbClr r="0" g="0" b="0"/>
+      </a:effectRef>
+      <a:fontRef idx="minor"/>
+    </dgm:style>
+  </dgm:styleLbl>
+  <dgm:styleLbl name="fgAccFollowNode1">
+    <dgm:scene3d>
+      <a:camera prst="orthographicFront"/>
+      <a:lightRig rig="threePt" dir="t"/>
+    </dgm:scene3d>
+    <dgm:sp3d/>
+    <dgm:txPr/>
+    <dgm:style>
+      <a:lnRef idx="2">
+        <a:scrgbClr r="0" g="0" b="0"/>
+      </a:lnRef>
+      <a:fillRef idx="1">
+        <a:scrgbClr r="0" g="0" b="0"/>
+      </a:fillRef>
+      <a:effectRef idx="0">
+        <a:scrgbClr r="0" g="0" b="0"/>
+      </a:effectRef>
+      <a:fontRef idx="minor"/>
+    </dgm:style>
+  </dgm:styleLbl>
+  <dgm:styleLbl name="alignAccFollowNode1">
+    <dgm:scene3d>
+      <a:camera prst="orthographicFront"/>
+      <a:lightRig rig="threePt" dir="t"/>
+    </dgm:scene3d>
+    <dgm:sp3d/>
+    <dgm:txPr/>
+    <dgm:style>
+      <a:lnRef idx="2">
+        <a:scrgbClr r="0" g="0" b="0"/>
+      </a:lnRef>
+      <a:fillRef idx="1">
+        <a:scrgbClr r="0" g="0" b="0"/>
+      </a:fillRef>
+      <a:effectRef idx="0">
+        <a:scrgbClr r="0" g="0" b="0"/>
+      </a:effectRef>
+      <a:fontRef idx="minor"/>
+    </dgm:style>
+  </dgm:styleLbl>
+  <dgm:styleLbl name="bgAccFollowNode1">
+    <dgm:scene3d>
+      <a:camera prst="orthographicFront"/>
+      <a:lightRig rig="threePt" dir="t"/>
+    </dgm:scene3d>
+    <dgm:sp3d/>
+    <dgm:txPr/>
+    <dgm:style>
+      <a:lnRef idx="2">
+        <a:scrgbClr r="0" g="0" b="0"/>
+      </a:lnRef>
+      <a:fillRef idx="1">
+        <a:scrgbClr r="0" g="0" b="0"/>
+      </a:fillRef>
+      <a:effectRef idx="0">
+        <a:scrgbClr r="0" g="0" b="0"/>
+      </a:effectRef>
+      <a:fontRef idx="minor"/>
+    </dgm:style>
+  </dgm:styleLbl>
+  <dgm:styleLbl name="fgAcc0">
+    <dgm:scene3d>
+      <a:camera prst="orthographicFront"/>
+      <a:lightRig rig="threePt" dir="t"/>
+    </dgm:scene3d>
+    <dgm:sp3d/>
+    <dgm:txPr/>
+    <dgm:style>
+      <a:lnRef idx="2">
+        <a:scrgbClr r="0" g="0" b="0"/>
+      </a:lnRef>
+      <a:fillRef idx="1">
+        <a:scrgbClr r="0" g="0" b="0"/>
+      </a:fillRef>
+      <a:effectRef idx="0">
+        <a:scrgbClr r="0" g="0" b="0"/>
+      </a:effectRef>
+      <a:fontRef idx="minor"/>
+    </dgm:style>
+  </dgm:styleLbl>
+  <dgm:styleLbl name="fgAcc2">
+    <dgm:scene3d>
+      <a:camera prst="orthographicFront"/>
+      <a:lightRig rig="threePt" dir="t"/>
+    </dgm:scene3d>
+    <dgm:sp3d/>
+    <dgm:txPr/>
+    <dgm:style>
+      <a:lnRef idx="2">
+        <a:scrgbClr r="0" g="0" b="0"/>
+      </a:lnRef>
+      <a:fillRef idx="1">
+        <a:scrgbClr r="0" g="0" b="0"/>
+      </a:fillRef>
+      <a:effectRef idx="0">
+        <a:scrgbClr r="0" g="0" b="0"/>
+      </a:effectRef>
+      <a:fontRef idx="minor"/>
+    </dgm:style>
+  </dgm:styleLbl>
+  <dgm:styleLbl name="fgAcc3">
+    <dgm:scene3d>
+      <a:camera prst="orthographicFront"/>
+      <a:lightRig rig="threePt" dir="t"/>
+    </dgm:scene3d>
+    <dgm:sp3d/>
+    <dgm:txPr/>
+    <dgm:style>
+      <a:lnRef idx="2">
+        <a:scrgbClr r="0" g="0" b="0"/>
+      </a:lnRef>
+      <a:fillRef idx="1">
+        <a:scrgbClr r="0" g="0" b="0"/>
+      </a:fillRef>
+      <a:effectRef idx="0">
+        <a:scrgbClr r="0" g="0" b="0"/>
+      </a:effectRef>
+      <a:fontRef idx="minor"/>
+    </dgm:style>
+  </dgm:styleLbl>
+  <dgm:styleLbl name="fgAcc4">
+    <dgm:scene3d>
+      <a:camera prst="orthographicFront"/>
+      <a:lightRig rig="threePt" dir="t"/>
+    </dgm:scene3d>
+    <dgm:sp3d/>
+    <dgm:txPr/>
+    <dgm:style>
+      <a:lnRef idx="2">
+        <a:scrgbClr r="0" g="0" b="0"/>
+      </a:lnRef>
+      <a:fillRef idx="1">
+        <a:scrgbClr r="0" g="0" b="0"/>
+      </a:fillRef>
+      <a:effectRef idx="0">
+        <a:scrgbClr r="0" g="0" b="0"/>
+      </a:effectRef>
+      <a:fontRef idx="minor"/>
+    </dgm:style>
+  </dgm:styleLbl>
+  <dgm:styleLbl name="bgShp">
+    <dgm:scene3d>
+      <a:camera prst="orthographicFront"/>
+      <a:lightRig rig="threePt" dir="t"/>
+    </dgm:scene3d>
+    <dgm:sp3d/>
+    <dgm:txPr/>
+    <dgm:style>
+      <a:lnRef idx="0">
+        <a:scrgbClr r="0" g="0" b="0"/>
+      </a:lnRef>
+      <a:fillRef idx="1">
+        <a:scrgbClr r="0" g="0" b="0"/>
+      </a:fillRef>
+      <a:effectRef idx="0">
+        <a:scrgbClr r="0" g="0" b="0"/>
+      </a:effectRef>
+      <a:fontRef idx="minor"/>
+    </dgm:style>
+  </dgm:styleLbl>
+  <dgm:styleLbl name="dkBgShp">
+    <dgm:scene3d>
+      <a:camera prst="orthographicFront"/>
+      <a:lightRig rig="threePt" dir="t"/>
+    </dgm:scene3d>
+    <dgm:sp3d/>
+    <dgm:txPr/>
+    <dgm:style>
+      <a:lnRef idx="0">
+        <a:scrgbClr r="0" g="0" b="0"/>
+      </a:lnRef>
+      <a:fillRef idx="1">
+        <a:scrgbClr r="0" g="0" b="0"/>
+      </a:fillRef>
+      <a:effectRef idx="0">
+        <a:scrgbClr r="0" g="0" b="0"/>
+      </a:effectRef>
+      <a:fontRef idx="minor"/>
+    </dgm:style>
+  </dgm:styleLbl>
+  <dgm:styleLbl name="trBgShp">
+    <dgm:scene3d>
+      <a:camera prst="orthographicFront"/>
+      <a:lightRig rig="threePt" dir="t"/>
+    </dgm:scene3d>
+    <dgm:sp3d/>
+    <dgm:txPr/>
+    <dgm:style>
+      <a:lnRef idx="0">
+        <a:scrgbClr r="0" g="0" b="0"/>
+      </a:lnRef>
+      <a:fillRef idx="1">
+        <a:scrgbClr r="0" g="0" b="0"/>
+      </a:fillRef>
+      <a:effectRef idx="0">
+        <a:scrgbClr r="0" g="0" b="0"/>
+      </a:effectRef>
+      <a:fontRef idx="minor"/>
+    </dgm:style>
+  </dgm:styleLbl>
+  <dgm:styleLbl name="fgShp">
+    <dgm:scene3d>
+      <a:camera prst="orthographicFront"/>
+      <a:lightRig rig="threePt" dir="t"/>
+    </dgm:scene3d>
+    <dgm:sp3d/>
+    <dgm:txPr/>
+    <dgm:style>
+      <a:lnRef idx="2">
+        <a:scrgbClr r="0" g="0" b="0"/>
+      </a:lnRef>
+      <a:fillRef idx="1">
+        <a:scrgbClr r="0" g="0" b="0"/>
+      </a:fillRef>
+      <a:effectRef idx="0">
+        <a:scrgbClr r="0" g="0" b="0"/>
+      </a:effectRef>
+      <a:fontRef idx="minor"/>
+    </dgm:style>
+  </dgm:styleLbl>
+  <dgm:styleLbl name="revTx">
+    <dgm:scene3d>
+      <a:camera prst="orthographicFront"/>
+      <a:lightRig rig="threePt" dir="t"/>
+    </dgm:scene3d>
+    <dgm:sp3d/>
+    <dgm:txPr/>
+    <dgm:style>
+      <a:lnRef idx="0">
+        <a:scrgbClr r="0" g="0" b="0"/>
+      </a:lnRef>
+      <a:fillRef idx="0">
+        <a:scrgbClr r="0" g="0" b="0"/>
+      </a:fillRef>
+      <a:effectRef idx="0">
+        <a:scrgbClr r="0" g="0" b="0"/>
+      </a:effectRef>
+      <a:fontRef idx="minor"/>
+    </dgm:style>
+  </dgm:styleLbl>
+</dgm:styleDef>
 </file>
 
 <file path=ppt/handoutMasters/handoutMaster1.xml><?xml version="1.0" encoding="utf-8"?>
@@ -5107,6 +8199,207 @@
 </file>
 
 <file path=ppt/slides/slide10.xml><?xml version="1.0" encoding="utf-8"?>
+<p:sld xmlns:a="http://schemas.openxmlformats.org/drawingml/2006/main" xmlns:r="http://schemas.openxmlformats.org/officeDocument/2006/relationships" xmlns:p="http://schemas.openxmlformats.org/presentationml/2006/main" showMasterSp="0">
+  <p:cSld>
+    <p:spTree>
+      <p:nvGrpSpPr>
+        <p:cNvPr id="1" name=""/>
+        <p:cNvGrpSpPr/>
+        <p:nvPr/>
+      </p:nvGrpSpPr>
+      <p:grpSpPr>
+        <a:xfrm>
+          <a:off x="0" y="0"/>
+          <a:ext cx="0" cy="0"/>
+          <a:chOff x="0" y="0"/>
+          <a:chExt cx="0" cy="0"/>
+        </a:xfrm>
+      </p:grpSpPr>
+      <p:sp>
+        <p:nvSpPr>
+          <p:cNvPr id="3" name="内容占位符 2"/>
+          <p:cNvSpPr>
+            <a:spLocks noGrp="1"/>
+          </p:cNvSpPr>
+          <p:nvPr>
+            <p:ph idx="1"/>
+          </p:nvPr>
+        </p:nvSpPr>
+        <p:spPr>
+          <a:xfrm>
+            <a:off x="633046" y="126608"/>
+            <a:ext cx="10860259" cy="6731391"/>
+          </a:xfrm>
+        </p:spPr>
+        <p:txBody>
+          <a:bodyPr>
+            <a:normAutofit fontScale="77500" lnSpcReduction="20000"/>
+          </a:bodyPr>
+          <a:lstStyle/>
+          <a:p>
+            <a:r>
+              <a:rPr lang="zh-CN" altLang="en-US" dirty="0" smtClean="0"/>
+              <a:t>感谢：</a:t>
+            </a:r>
+            <a:endParaRPr lang="en-US" altLang="zh-CN" dirty="0" smtClean="0"/>
+          </a:p>
+          <a:p>
+            <a:r>
+              <a:rPr lang="zh-CN" altLang="en-US" dirty="0" smtClean="0"/>
+              <a:t>彭金鑫（医嘱、收费、现场实施知识咨询）</a:t>
+            </a:r>
+            <a:endParaRPr lang="en-US" altLang="zh-CN" dirty="0" smtClean="0"/>
+          </a:p>
+          <a:p>
+            <a:r>
+              <a:rPr lang="zh-CN" altLang="en-US" dirty="0" smtClean="0"/>
+              <a:t>文礼（帮助理清思路）</a:t>
+            </a:r>
+            <a:endParaRPr lang="en-US" altLang="zh-CN" dirty="0" smtClean="0"/>
+          </a:p>
+          <a:p>
+            <a:r>
+              <a:rPr lang="zh-CN" altLang="en-US" dirty="0" smtClean="0"/>
+              <a:t>陈东（医嘱、软件设计思路）</a:t>
+            </a:r>
+            <a:endParaRPr lang="en-US" altLang="zh-CN" dirty="0" smtClean="0"/>
+          </a:p>
+          <a:p>
+            <a:r>
+              <a:rPr lang="zh-CN" altLang="en-US" dirty="0" smtClean="0"/>
+              <a:t>陈佩（医嘱重要性、角色职责、业务知识）</a:t>
+            </a:r>
+            <a:endParaRPr lang="en-US" altLang="zh-CN" dirty="0" smtClean="0"/>
+          </a:p>
+          <a:p>
+            <a:r>
+              <a:rPr lang="zh-CN" altLang="en-US" dirty="0" smtClean="0"/>
+              <a:t>雷永建（病历、设计思路交流、业务知识）</a:t>
+            </a:r>
+            <a:endParaRPr lang="en-US" altLang="zh-CN" dirty="0" smtClean="0"/>
+          </a:p>
+          <a:p>
+            <a:r>
+              <a:rPr lang="zh-CN" altLang="en-US" dirty="0" smtClean="0"/>
+              <a:t>郑勋（病历、医嘱</a:t>
+            </a:r>
+            <a:r>
+              <a:rPr lang="zh-CN" altLang="en-US" dirty="0"/>
+              <a:t>、设计思路交流</a:t>
+            </a:r>
+            <a:r>
+              <a:rPr lang="zh-CN" altLang="en-US" dirty="0" smtClean="0"/>
+              <a:t>、业务知识）</a:t>
+            </a:r>
+            <a:endParaRPr lang="en-US" altLang="zh-CN" dirty="0" smtClean="0"/>
+          </a:p>
+          <a:p>
+            <a:r>
+              <a:rPr lang="zh-CN" altLang="en-US" dirty="0"/>
+              <a:t>张天</a:t>
+            </a:r>
+            <a:r>
+              <a:rPr lang="zh-CN" altLang="en-US" dirty="0" smtClean="0"/>
+              <a:t>琪、曹洪梅（业务知识）</a:t>
+            </a:r>
+            <a:endParaRPr lang="en-US" altLang="zh-CN" dirty="0" smtClean="0"/>
+          </a:p>
+          <a:p>
+            <a:r>
+              <a:rPr lang="zh-CN" altLang="en-US" dirty="0" smtClean="0"/>
+              <a:t>杨威（医嘱分解、软件设计）</a:t>
+            </a:r>
+            <a:endParaRPr lang="en-US" altLang="zh-CN" dirty="0" smtClean="0"/>
+          </a:p>
+          <a:p>
+            <a:r>
+              <a:rPr lang="zh-CN" altLang="en-US" dirty="0" smtClean="0"/>
+              <a:t>孙清华（医嘱、</a:t>
+            </a:r>
+            <a:r>
+              <a:rPr lang="zh-CN" altLang="en-US" dirty="0"/>
+              <a:t>设计思路交流、业务知识</a:t>
+            </a:r>
+            <a:r>
+              <a:rPr lang="zh-CN" altLang="en-US" dirty="0" smtClean="0"/>
+              <a:t>）</a:t>
+            </a:r>
+            <a:endParaRPr lang="en-US" altLang="zh-CN" dirty="0" smtClean="0"/>
+          </a:p>
+          <a:p>
+            <a:r>
+              <a:rPr lang="zh-CN" altLang="en-US" dirty="0"/>
+              <a:t>刘璇、杨舒雯（</a:t>
+            </a:r>
+            <a:r>
+              <a:rPr lang="zh-CN" altLang="en-US" dirty="0" smtClean="0"/>
+              <a:t>院间业务咨询）</a:t>
+            </a:r>
+            <a:endParaRPr lang="en-US" altLang="zh-CN" dirty="0" smtClean="0"/>
+          </a:p>
+          <a:p>
+            <a:r>
+              <a:rPr lang="zh-CN" altLang="en-US" dirty="0" smtClean="0"/>
+              <a:t>武跃（方法过程交流）</a:t>
+            </a:r>
+            <a:endParaRPr lang="en-US" altLang="zh-CN" dirty="0" smtClean="0"/>
+          </a:p>
+          <a:p>
+            <a:r>
+              <a:rPr lang="zh-CN" altLang="en-US" dirty="0"/>
+              <a:t>王</a:t>
+            </a:r>
+            <a:r>
+              <a:rPr lang="zh-CN" altLang="en-US" dirty="0" smtClean="0"/>
+              <a:t>英辉（医嘱概念、角色职责）</a:t>
+            </a:r>
+            <a:endParaRPr lang="en-US" altLang="zh-CN" dirty="0" smtClean="0"/>
+          </a:p>
+          <a:p>
+            <a:r>
+              <a:rPr lang="zh-CN" altLang="en-US" dirty="0" smtClean="0"/>
+              <a:t>冯涛（</a:t>
+            </a:r>
+            <a:r>
+              <a:rPr lang="zh-CN" altLang="en-US" dirty="0"/>
+              <a:t>帮助理清</a:t>
+            </a:r>
+            <a:r>
+              <a:rPr lang="zh-CN" altLang="en-US" dirty="0" smtClean="0"/>
+              <a:t>思路、工作空间）</a:t>
+            </a:r>
+            <a:endParaRPr lang="en-US" altLang="zh-CN" dirty="0" smtClean="0"/>
+          </a:p>
+          <a:p>
+            <a:r>
+              <a:rPr lang="zh-CN" altLang="en-US" dirty="0" smtClean="0"/>
+              <a:t>张陈（收费、子系统协作、工作空间）</a:t>
+            </a:r>
+            <a:endParaRPr lang="zh-CN" altLang="en-US" dirty="0"/>
+          </a:p>
+        </p:txBody>
+      </p:sp>
+    </p:spTree>
+    <p:extLst>
+      <p:ext uri="{BB962C8B-B14F-4D97-AF65-F5344CB8AC3E}">
+        <p14:creationId xmlns:p14="http://schemas.microsoft.com/office/powerpoint/2010/main" val="1277144558"/>
+      </p:ext>
+    </p:extLst>
+  </p:cSld>
+  <p:clrMapOvr>
+    <a:masterClrMapping/>
+  </p:clrMapOvr>
+  <p:timing>
+    <p:tnLst>
+      <p:par>
+        <p:cTn id="1" dur="indefinite" restart="never" nodeType="tmRoot"/>
+      </p:par>
+    </p:tnLst>
+  </p:timing>
+</p:sld>
+</file>
+
+<file path=ppt/slides/slide11.xml><?xml version="1.0" encoding="utf-8"?>
 <p:sld xmlns:a="http://schemas.openxmlformats.org/drawingml/2006/main" xmlns:r="http://schemas.openxmlformats.org/officeDocument/2006/relationships" xmlns:p="http://schemas.openxmlformats.org/presentationml/2006/main">
   <p:cSld>
     <p:spTree>
@@ -5241,7 +8534,7 @@
 </p:sld>
 </file>
 
-<file path=ppt/slides/slide11.xml><?xml version="1.0" encoding="utf-8"?>
+<file path=ppt/slides/slide12.xml><?xml version="1.0" encoding="utf-8"?>
 <p:sld xmlns:a="http://schemas.openxmlformats.org/drawingml/2006/main" xmlns:r="http://schemas.openxmlformats.org/officeDocument/2006/relationships" xmlns:p="http://schemas.openxmlformats.org/presentationml/2006/main" show="0">
   <p:cSld>
     <p:spTree>
@@ -7290,6 +10583,48 @@
           </a:p>
         </p:txBody>
       </p:sp>
+      <p:sp>
+        <p:nvSpPr>
+          <p:cNvPr id="4" name="矩形 3"/>
+          <p:cNvSpPr/>
+          <p:nvPr/>
+        </p:nvSpPr>
+        <p:spPr>
+          <a:xfrm>
+            <a:off x="838201" y="2419815"/>
+            <a:ext cx="4090638" cy="1148575"/>
+          </a:xfrm>
+          <a:prstGeom prst="rect">
+            <a:avLst/>
+          </a:prstGeom>
+          <a:noFill/>
+          <a:ln w="25400"/>
+        </p:spPr>
+        <p:style>
+          <a:lnRef idx="2">
+            <a:schemeClr val="accent1">
+              <a:shade val="50000"/>
+            </a:schemeClr>
+          </a:lnRef>
+          <a:fillRef idx="1">
+            <a:schemeClr val="accent1"/>
+          </a:fillRef>
+          <a:effectRef idx="0">
+            <a:schemeClr val="accent1"/>
+          </a:effectRef>
+          <a:fontRef idx="minor">
+            <a:schemeClr val="lt1"/>
+          </a:fontRef>
+        </p:style>
+        <p:txBody>
+          <a:bodyPr rtlCol="0" anchor="ctr"/>
+          <a:lstStyle/>
+          <a:p>
+            <a:pPr algn="ctr"/>
+            <a:endParaRPr lang="zh-CN" altLang="en-US"/>
+          </a:p>
+        </p:txBody>
+      </p:sp>
     </p:spTree>
     <p:extLst>
       <p:ext uri="{BB962C8B-B14F-4D97-AF65-F5344CB8AC3E}">
@@ -7311,7 +10646,7 @@
 </file>
 
 <file path=ppt/slides/slide9.xml><?xml version="1.0" encoding="utf-8"?>
-<p:sld xmlns:a="http://schemas.openxmlformats.org/drawingml/2006/main" xmlns:r="http://schemas.openxmlformats.org/officeDocument/2006/relationships" xmlns:p="http://schemas.openxmlformats.org/presentationml/2006/main" showMasterSp="0">
+<p:sld xmlns:a="http://schemas.openxmlformats.org/drawingml/2006/main" xmlns:r="http://schemas.openxmlformats.org/officeDocument/2006/relationships" xmlns:p="http://schemas.openxmlformats.org/presentationml/2006/main">
   <p:cSld>
     <p:spTree>
       <p:nvGrpSpPr>
@@ -7329,172 +10664,53 @@
       </p:grpSpPr>
       <p:sp>
         <p:nvSpPr>
-          <p:cNvPr id="3" name="内容占位符 2"/>
+          <p:cNvPr id="2" name="标题 1"/>
           <p:cNvSpPr>
             <a:spLocks noGrp="1"/>
           </p:cNvSpPr>
           <p:nvPr>
-            <p:ph idx="1"/>
+            <p:ph type="title"/>
           </p:nvPr>
         </p:nvSpPr>
-        <p:spPr>
-          <a:xfrm>
-            <a:off x="633046" y="126608"/>
-            <a:ext cx="10860259" cy="6731391"/>
-          </a:xfrm>
-        </p:spPr>
-        <p:txBody>
-          <a:bodyPr>
-            <a:normAutofit fontScale="77500" lnSpcReduction="20000"/>
-          </a:bodyPr>
+        <p:spPr/>
+        <p:txBody>
+          <a:bodyPr/>
           <a:lstStyle/>
           <a:p>
             <a:r>
               <a:rPr lang="zh-CN" altLang="en-US" dirty="0" smtClean="0"/>
-              <a:t>感谢：</a:t>
-            </a:r>
-            <a:endParaRPr lang="en-US" altLang="zh-CN" dirty="0" smtClean="0"/>
-          </a:p>
-          <a:p>
-            <a:r>
-              <a:rPr lang="zh-CN" altLang="en-US" dirty="0" smtClean="0"/>
-              <a:t>彭金鑫（医嘱、收费、现场实施知识咨询）</a:t>
-            </a:r>
-            <a:endParaRPr lang="en-US" altLang="zh-CN" dirty="0" smtClean="0"/>
-          </a:p>
-          <a:p>
-            <a:r>
-              <a:rPr lang="zh-CN" altLang="en-US" dirty="0" smtClean="0"/>
-              <a:t>文礼（帮助理清思路）</a:t>
-            </a:r>
-            <a:endParaRPr lang="en-US" altLang="zh-CN" dirty="0" smtClean="0"/>
-          </a:p>
-          <a:p>
-            <a:r>
-              <a:rPr lang="zh-CN" altLang="en-US" dirty="0" smtClean="0"/>
-              <a:t>陈东（医嘱、软件设计思路）</a:t>
-            </a:r>
-            <a:endParaRPr lang="en-US" altLang="zh-CN" dirty="0" smtClean="0"/>
-          </a:p>
-          <a:p>
-            <a:r>
-              <a:rPr lang="zh-CN" altLang="en-US" dirty="0" smtClean="0"/>
-              <a:t>陈佩（医嘱重要性、角色职责、业务知识）</a:t>
-            </a:r>
-            <a:endParaRPr lang="en-US" altLang="zh-CN" dirty="0" smtClean="0"/>
-          </a:p>
-          <a:p>
-            <a:r>
-              <a:rPr lang="zh-CN" altLang="en-US" dirty="0" smtClean="0"/>
-              <a:t>雷永建（病历、设计思路交流、业务知识）</a:t>
-            </a:r>
-            <a:endParaRPr lang="en-US" altLang="zh-CN" dirty="0" smtClean="0"/>
-          </a:p>
-          <a:p>
-            <a:r>
-              <a:rPr lang="zh-CN" altLang="en-US" dirty="0" smtClean="0"/>
-              <a:t>郑勋（病历、医嘱</a:t>
-            </a:r>
-            <a:r>
-              <a:rPr lang="zh-CN" altLang="en-US" dirty="0"/>
-              <a:t>、设计思路交流</a:t>
-            </a:r>
-            <a:r>
-              <a:rPr lang="zh-CN" altLang="en-US" dirty="0" smtClean="0"/>
-              <a:t>、业务知识）</a:t>
-            </a:r>
-            <a:endParaRPr lang="en-US" altLang="zh-CN" dirty="0" smtClean="0"/>
-          </a:p>
-          <a:p>
-            <a:r>
-              <a:rPr lang="zh-CN" altLang="en-US" dirty="0"/>
-              <a:t>张天</a:t>
-            </a:r>
-            <a:r>
-              <a:rPr lang="zh-CN" altLang="en-US" dirty="0" smtClean="0"/>
-              <a:t>琪、曹洪梅（业务知识）</a:t>
-            </a:r>
-            <a:endParaRPr lang="en-US" altLang="zh-CN" dirty="0" smtClean="0"/>
-          </a:p>
-          <a:p>
-            <a:r>
-              <a:rPr lang="zh-CN" altLang="en-US" dirty="0" smtClean="0"/>
-              <a:t>杨威（医嘱分解、软件设计）</a:t>
-            </a:r>
-            <a:endParaRPr lang="en-US" altLang="zh-CN" dirty="0" smtClean="0"/>
-          </a:p>
-          <a:p>
-            <a:r>
-              <a:rPr lang="zh-CN" altLang="en-US" dirty="0" smtClean="0"/>
-              <a:t>孙清华（医嘱、</a:t>
-            </a:r>
-            <a:r>
-              <a:rPr lang="zh-CN" altLang="en-US" dirty="0"/>
-              <a:t>设计思路交流、业务知识</a:t>
-            </a:r>
-            <a:r>
-              <a:rPr lang="zh-CN" altLang="en-US" dirty="0" smtClean="0"/>
-              <a:t>）</a:t>
-            </a:r>
-            <a:endParaRPr lang="en-US" altLang="zh-CN" dirty="0" smtClean="0"/>
-          </a:p>
-          <a:p>
-            <a:r>
-              <a:rPr lang="zh-CN" altLang="en-US" dirty="0"/>
-              <a:t>刘璇、杨舒雯（</a:t>
-            </a:r>
-            <a:r>
-              <a:rPr lang="zh-CN" altLang="en-US" dirty="0" smtClean="0"/>
-              <a:t>院间业务咨询）</a:t>
-            </a:r>
-            <a:endParaRPr lang="en-US" altLang="zh-CN" dirty="0" smtClean="0"/>
-          </a:p>
-          <a:p>
-            <a:r>
-              <a:rPr lang="zh-CN" altLang="en-US" dirty="0" smtClean="0"/>
-              <a:t>武跃（方法过程交流）</a:t>
-            </a:r>
-            <a:endParaRPr lang="en-US" altLang="zh-CN" dirty="0" smtClean="0"/>
-          </a:p>
-          <a:p>
-            <a:r>
-              <a:rPr lang="zh-CN" altLang="en-US" dirty="0"/>
-              <a:t>王</a:t>
-            </a:r>
-            <a:r>
-              <a:rPr lang="zh-CN" altLang="en-US" dirty="0" smtClean="0"/>
-              <a:t>英辉（医嘱概念、角色职责）</a:t>
-            </a:r>
-            <a:endParaRPr lang="en-US" altLang="zh-CN" dirty="0" smtClean="0"/>
-          </a:p>
-          <a:p>
-            <a:r>
-              <a:rPr lang="zh-CN" altLang="en-US" dirty="0" smtClean="0"/>
-              <a:t>冯涛（</a:t>
-            </a:r>
-            <a:r>
-              <a:rPr lang="zh-CN" altLang="en-US" dirty="0"/>
-              <a:t>帮助理清</a:t>
-            </a:r>
-            <a:r>
-              <a:rPr lang="zh-CN" altLang="en-US" dirty="0" smtClean="0"/>
-              <a:t>思路、工作空间）</a:t>
-            </a:r>
-            <a:endParaRPr lang="en-US" altLang="zh-CN" dirty="0" smtClean="0"/>
-          </a:p>
-          <a:p>
-            <a:r>
-              <a:rPr lang="zh-CN" altLang="en-US" dirty="0" smtClean="0"/>
-              <a:t>张陈（收费、子系统协作、工作空间）</a:t>
+              <a:t>道路设计</a:t>
             </a:r>
             <a:endParaRPr lang="zh-CN" altLang="en-US" dirty="0"/>
           </a:p>
         </p:txBody>
       </p:sp>
+      <p:graphicFrame>
+        <p:nvGraphicFramePr>
+          <p:cNvPr id="5" name="图示 4"/>
+          <p:cNvGraphicFramePr/>
+          <p:nvPr>
+            <p:extLst>
+              <p:ext uri="{D42A27DB-BD31-4B8C-83A1-F6EECF244321}">
+                <p14:modId xmlns:p14="http://schemas.microsoft.com/office/powerpoint/2010/main" val="27294147"/>
+              </p:ext>
+            </p:extLst>
+          </p:nvPr>
+        </p:nvGraphicFramePr>
+        <p:xfrm>
+          <a:off x="2098907" y="1208868"/>
+          <a:ext cx="8128000" cy="5418667"/>
+        </p:xfrm>
+        <a:graphic>
+          <a:graphicData uri="http://schemas.openxmlformats.org/drawingml/2006/diagram">
+            <dgm:relIds xmlns:dgm="http://schemas.openxmlformats.org/drawingml/2006/diagram" xmlns:r="http://schemas.openxmlformats.org/officeDocument/2006/relationships" r:dm="rId2" r:lo="rId3" r:qs="rId4" r:cs="rId5"/>
+          </a:graphicData>
+        </a:graphic>
+      </p:graphicFrame>
     </p:spTree>
     <p:extLst>
       <p:ext uri="{BB962C8B-B14F-4D97-AF65-F5344CB8AC3E}">
-        <p14:creationId xmlns:p14="http://schemas.microsoft.com/office/powerpoint/2010/main" val="1277144558"/>
+        <p14:creationId xmlns:p14="http://schemas.microsoft.com/office/powerpoint/2010/main" val="2260602104"/>
       </p:ext>
     </p:extLst>
   </p:cSld>

--- a/doc/状态报告 2017-2-27.pptx
+++ b/doc/状态报告 2017-2-27.pptx
@@ -5,10 +5,10 @@
     <p:sldMasterId id="2147483660" r:id="rId2"/>
   </p:sldMasterIdLst>
   <p:notesMasterIdLst>
-    <p:notesMasterId r:id="rId15"/>
+    <p:notesMasterId r:id="rId18"/>
   </p:notesMasterIdLst>
   <p:handoutMasterIdLst>
-    <p:handoutMasterId r:id="rId16"/>
+    <p:handoutMasterId r:id="rId19"/>
   </p:handoutMasterIdLst>
   <p:sldIdLst>
     <p:sldId id="256" r:id="rId3"/>
@@ -18,11 +18,14 @@
     <p:sldId id="269" r:id="rId7"/>
     <p:sldId id="266" r:id="rId8"/>
     <p:sldId id="267" r:id="rId9"/>
-    <p:sldId id="272" r:id="rId10"/>
-    <p:sldId id="274" r:id="rId11"/>
-    <p:sldId id="271" r:id="rId12"/>
-    <p:sldId id="273" r:id="rId13"/>
-    <p:sldId id="268" r:id="rId14"/>
+    <p:sldId id="271" r:id="rId10"/>
+    <p:sldId id="275" r:id="rId11"/>
+    <p:sldId id="272" r:id="rId12"/>
+    <p:sldId id="274" r:id="rId13"/>
+    <p:sldId id="276" r:id="rId14"/>
+    <p:sldId id="277" r:id="rId15"/>
+    <p:sldId id="278" r:id="rId16"/>
+    <p:sldId id="273" r:id="rId17"/>
   </p:sldIdLst>
   <p:sldSz cx="12192000" cy="6858000"/>
   <p:notesSz cx="6858000" cy="9144000"/>
@@ -137,11 +140,14 @@
             <p14:sldId id="269"/>
             <p14:sldId id="266"/>
             <p14:sldId id="267"/>
+            <p14:sldId id="271"/>
+            <p14:sldId id="275"/>
             <p14:sldId id="272"/>
             <p14:sldId id="274"/>
-            <p14:sldId id="271"/>
+            <p14:sldId id="276"/>
+            <p14:sldId id="277"/>
+            <p14:sldId id="278"/>
             <p14:sldId id="273"/>
-            <p14:sldId id="268"/>
           </p14:sldIdLst>
         </p14:section>
         <p14:section name="了解更多" id="{2CC34DB2-6590-42C0-AD4B-A04C6060184E}">
@@ -1084,7 +1090,7 @@
         <a:bodyPr/>
         <a:lstStyle/>
         <a:p>
-          <a:endParaRPr lang="zh-CN" altLang="en-US"/>
+          <a:endParaRPr lang="zh-CN" altLang="en-US" dirty="0"/>
         </a:p>
       </dgm:t>
     </dgm:pt>
@@ -1164,6 +1170,13 @@
         </dgm:presLayoutVars>
       </dgm:prSet>
       <dgm:spPr/>
+      <dgm:t>
+        <a:bodyPr/>
+        <a:lstStyle/>
+        <a:p>
+          <a:endParaRPr lang="zh-CN" altLang="en-US"/>
+        </a:p>
+      </dgm:t>
     </dgm:pt>
     <dgm:pt modelId="{EE4604A0-0F81-4FC4-9767-5B80FD1309DB}" type="pres">
       <dgm:prSet presAssocID="{961A5F9B-8FB2-4976-AEBB-029B089EE769}" presName="compositeNode" presStyleCnt="0">
@@ -1214,6 +1227,13 @@
         </dgm:presLayoutVars>
       </dgm:prSet>
       <dgm:spPr/>
+      <dgm:t>
+        <a:bodyPr/>
+        <a:lstStyle/>
+        <a:p>
+          <a:endParaRPr lang="zh-CN" altLang="en-US"/>
+        </a:p>
+      </dgm:t>
     </dgm:pt>
     <dgm:pt modelId="{BBF30DA8-3DA1-4406-8290-D841A383352B}" type="pres">
       <dgm:prSet presAssocID="{D9C2BF3E-080D-431C-A74E-67283E4F1F16}" presName="sibTrans" presStyleCnt="0"/>
@@ -1268,6 +1288,13 @@
         </dgm:presLayoutVars>
       </dgm:prSet>
       <dgm:spPr/>
+      <dgm:t>
+        <a:bodyPr/>
+        <a:lstStyle/>
+        <a:p>
+          <a:endParaRPr lang="zh-CN" altLang="en-US"/>
+        </a:p>
+      </dgm:t>
     </dgm:pt>
     <dgm:pt modelId="{F8A0A380-F2AC-4412-BCC5-4632D8C8B02E}" type="pres">
       <dgm:prSet presAssocID="{C408C935-75D4-4216-8841-91A1CFCA9655}" presName="sibTrans" presStyleCnt="0"/>
@@ -1294,10 +1321,17 @@
           </a:blip>
           <a:srcRect/>
           <a:stretch>
-            <a:fillRect l="-25000" r="-25000"/>
+            <a:fillRect l="-22000" r="-22000"/>
           </a:stretch>
         </a:blipFill>
       </dgm:spPr>
+      <dgm:t>
+        <a:bodyPr/>
+        <a:lstStyle/>
+        <a:p>
+          <a:endParaRPr lang="zh-CN" altLang="en-US"/>
+        </a:p>
+      </dgm:t>
     </dgm:pt>
     <dgm:pt modelId="{7F1C4D6B-0D94-4EE3-AFD7-9566F479C3B2}" type="pres">
       <dgm:prSet presAssocID="{0ECC3562-F80D-448D-B65C-8911E36377E8}" presName="childNode" presStyleLbl="node1" presStyleIdx="2" presStyleCnt="3">
@@ -1322,6 +1356,13 @@
         </dgm:presLayoutVars>
       </dgm:prSet>
       <dgm:spPr/>
+      <dgm:t>
+        <a:bodyPr/>
+        <a:lstStyle/>
+        <a:p>
+          <a:endParaRPr lang="zh-CN" altLang="en-US"/>
+        </a:p>
+      </dgm:t>
     </dgm:pt>
   </dgm:ptLst>
   <dgm:cxnLst>
@@ -1795,7 +1836,7 @@
               <a:spcPct val="35000"/>
             </a:spcAft>
           </a:pPr>
-          <a:endParaRPr lang="zh-CN" altLang="en-US" sz="1900" kern="1200"/>
+          <a:endParaRPr lang="zh-CN" altLang="en-US" sz="1900" kern="1200" dirty="0"/>
         </a:p>
       </dsp:txBody>
       <dsp:txXfrm>
@@ -1913,7 +1954,7 @@
           </a:blip>
           <a:srcRect/>
           <a:stretch>
-            <a:fillRect l="-25000" r="-25000"/>
+            <a:fillRect l="-22000" r="-22000"/>
           </a:stretch>
         </a:blipFill>
         <a:ln w="12700" cap="flat" cmpd="sng" algn="ctr">
@@ -3348,7 +3389,7 @@
           <a:p>
             <a:fld id="{29B492E7-68E3-4B7D-BE2B-78DBE70AEB71}" type="datetimeFigureOut">
               <a:rPr lang="zh-CN" altLang="en-US" smtClean="0"/>
-              <a:t>2017/2/27</a:t>
+              <a:t>2017/2/28</a:t>
             </a:fld>
             <a:endParaRPr lang="zh-CN" altLang="en-US"/>
           </a:p>
@@ -3512,7 +3553,7 @@
           </a:lstStyle>
           <a:p>
             <a:fld id="{EC13577B-6902-467D-A26C-08A0DD5E4E03}" type="datetimeFigureOut">
-              <a:t>2017/2/27</a:t>
+              <a:t>2017/2/28</a:t>
             </a:fld>
             <a:endParaRPr lang="zh-CN"/>
           </a:p>
@@ -4062,7 +4103,7 @@
           <a:lstStyle/>
           <a:p>
             <a:fld id="{8BEEBAAA-29B5-4AF5-BC5F-7E580C29002D}" type="datetimeFigureOut">
-              <a:t>2017/2/27</a:t>
+              <a:t>2017/2/28</a:t>
             </a:fld>
             <a:endParaRPr lang="zh-CN"/>
           </a:p>
@@ -4337,7 +4378,7 @@
           <a:lstStyle/>
           <a:p>
             <a:fld id="{8BEEBAAA-29B5-4AF5-BC5F-7E580C29002D}" type="datetimeFigureOut">
-              <a:t>2017/2/27</a:t>
+              <a:t>2017/2/28</a:t>
             </a:fld>
             <a:endParaRPr lang="zh-CN"/>
           </a:p>
@@ -4617,7 +4658,7 @@
           <a:lstStyle/>
           <a:p>
             <a:fld id="{8BEEBAAA-29B5-4AF5-BC5F-7E580C29002D}" type="datetimeFigureOut">
-              <a:t>2017/2/27</a:t>
+              <a:t>2017/2/28</a:t>
             </a:fld>
             <a:endParaRPr lang="zh-CN"/>
           </a:p>
@@ -4976,7 +5017,7 @@
           <a:lstStyle/>
           <a:p>
             <a:fld id="{8BEEBAAA-29B5-4AF5-BC5F-7E580C29002D}" type="datetimeFigureOut">
-              <a:t>2017/2/27</a:t>
+              <a:t>2017/2/28</a:t>
             </a:fld>
             <a:endParaRPr lang="zh-CN"/>
           </a:p>
@@ -5274,7 +5315,7 @@
           <a:lstStyle/>
           <a:p>
             <a:fld id="{8BEEBAAA-29B5-4AF5-BC5F-7E580C29002D}" type="datetimeFigureOut">
-              <a:t>2017/2/27</a:t>
+              <a:t>2017/2/28</a:t>
             </a:fld>
             <a:endParaRPr lang="zh-CN"/>
           </a:p>
@@ -5787,7 +5828,7 @@
           <a:lstStyle/>
           <a:p>
             <a:fld id="{8BEEBAAA-29B5-4AF5-BC5F-7E580C29002D}" type="datetimeFigureOut">
-              <a:t>2017/2/27</a:t>
+              <a:t>2017/2/28</a:t>
             </a:fld>
             <a:endParaRPr lang="zh-CN"/>
           </a:p>
@@ -6430,7 +6471,7 @@
           <a:lstStyle/>
           <a:p>
             <a:fld id="{8BEEBAAA-29B5-4AF5-BC5F-7E580C29002D}" type="datetimeFigureOut">
-              <a:t>2017/2/27</a:t>
+              <a:t>2017/2/28</a:t>
             </a:fld>
             <a:endParaRPr lang="zh-CN"/>
           </a:p>
@@ -6653,7 +6694,7 @@
           <a:lstStyle/>
           <a:p>
             <a:fld id="{8BEEBAAA-29B5-4AF5-BC5F-7E580C29002D}" type="datetimeFigureOut">
-              <a:t>2017/2/27</a:t>
+              <a:t>2017/2/28</a:t>
             </a:fld>
             <a:endParaRPr lang="zh-CN"/>
           </a:p>
@@ -6792,7 +6833,7 @@
           <a:lstStyle/>
           <a:p>
             <a:fld id="{8BEEBAAA-29B5-4AF5-BC5F-7E580C29002D}" type="datetimeFigureOut">
-              <a:t>2017/2/27</a:t>
+              <a:t>2017/2/28</a:t>
             </a:fld>
             <a:endParaRPr lang="zh-CN"/>
           </a:p>
@@ -7127,7 +7168,7 @@
           <a:lstStyle/>
           <a:p>
             <a:fld id="{8BEEBAAA-29B5-4AF5-BC5F-7E580C29002D}" type="datetimeFigureOut">
-              <a:t>2017/2/27</a:t>
+              <a:t>2017/2/28</a:t>
             </a:fld>
             <a:endParaRPr lang="zh-CN"/>
           </a:p>
@@ -7382,7 +7423,7 @@
           <a:lstStyle/>
           <a:p>
             <a:fld id="{8BEEBAAA-29B5-4AF5-BC5F-7E580C29002D}" type="datetimeFigureOut">
-              <a:t>2017/2/27</a:t>
+              <a:t>2017/2/28</a:t>
             </a:fld>
             <a:endParaRPr lang="zh-CN"/>
           </a:p>
@@ -7595,7 +7636,7 @@
             <a:fld id="{8BEEBAAA-29B5-4AF5-BC5F-7E580C29002D}" type="datetimeFigureOut">
               <a:rPr lang="en-US" altLang="zh-CN" smtClean="0"/>
               <a:pPr/>
-              <a:t>2/27/2017</a:t>
+              <a:t>2/28/2017</a:t>
             </a:fld>
             <a:endParaRPr lang="zh-CN" altLang="en-US"/>
           </a:p>
@@ -8199,7 +8240,7 @@
 </file>
 
 <file path=ppt/slides/slide10.xml><?xml version="1.0" encoding="utf-8"?>
-<p:sld xmlns:a="http://schemas.openxmlformats.org/drawingml/2006/main" xmlns:r="http://schemas.openxmlformats.org/officeDocument/2006/relationships" xmlns:p="http://schemas.openxmlformats.org/presentationml/2006/main" showMasterSp="0">
+<p:sld xmlns:a="http://schemas.openxmlformats.org/drawingml/2006/main" xmlns:r="http://schemas.openxmlformats.org/officeDocument/2006/relationships" xmlns:p="http://schemas.openxmlformats.org/presentationml/2006/main">
   <p:cSld>
     <p:spTree>
       <p:nvGrpSpPr>
@@ -8217,6 +8258,29 @@
       </p:grpSpPr>
       <p:sp>
         <p:nvSpPr>
+          <p:cNvPr id="2" name="标题 1"/>
+          <p:cNvSpPr>
+            <a:spLocks noGrp="1"/>
+          </p:cNvSpPr>
+          <p:nvPr>
+            <p:ph type="title"/>
+          </p:nvPr>
+        </p:nvSpPr>
+        <p:spPr/>
+        <p:txBody>
+          <a:bodyPr/>
+          <a:lstStyle/>
+          <a:p>
+            <a:r>
+              <a:rPr lang="zh-CN" altLang="en-US" dirty="0" smtClean="0"/>
+              <a:t>状态总结</a:t>
+            </a:r>
+            <a:endParaRPr lang="zh-CN" altLang="en-US" dirty="0"/>
+          </a:p>
+        </p:txBody>
+      </p:sp>
+      <p:sp>
+        <p:nvSpPr>
           <p:cNvPr id="3" name="内容占位符 2"/>
           <p:cNvSpPr>
             <a:spLocks noGrp="1"/>
@@ -8227,162 +8291,113 @@
         </p:nvSpPr>
         <p:spPr>
           <a:xfrm>
-            <a:off x="633046" y="126608"/>
-            <a:ext cx="10860259" cy="6731391"/>
+            <a:off x="838201" y="1825625"/>
+            <a:ext cx="10007990" cy="4351338"/>
           </a:xfrm>
         </p:spPr>
         <p:txBody>
-          <a:bodyPr>
-            <a:normAutofit fontScale="77500" lnSpcReduction="20000"/>
-          </a:bodyPr>
+          <a:bodyPr/>
           <a:lstStyle/>
           <a:p>
             <a:r>
               <a:rPr lang="zh-CN" altLang="en-US" dirty="0" smtClean="0"/>
-              <a:t>感谢：</a:t>
+              <a:t>滚起了一种单向推进的探索性工作（</a:t>
+            </a:r>
+            <a:r>
+              <a:rPr lang="en-US" altLang="zh-CN" dirty="0" smtClean="0"/>
+              <a:t>25</a:t>
+            </a:r>
+            <a:r>
+              <a:rPr lang="zh-CN" altLang="en-US" dirty="0" smtClean="0"/>
+              <a:t>封邮件）</a:t>
             </a:r>
             <a:endParaRPr lang="en-US" altLang="zh-CN" dirty="0" smtClean="0"/>
           </a:p>
           <a:p>
             <a:r>
               <a:rPr lang="zh-CN" altLang="en-US" dirty="0" smtClean="0"/>
-              <a:t>彭金鑫（医嘱、收费、现场实施知识咨询）</a:t>
+              <a:t>对于该工作与现存研发工作的关系未明确</a:t>
+            </a:r>
+            <a:endParaRPr lang="en-US" altLang="zh-CN" dirty="0"/>
+          </a:p>
+          <a:p>
+            <a:r>
+              <a:rPr lang="zh-CN" altLang="en-US" dirty="0" smtClean="0"/>
+              <a:t>对于该工作短期的价值和推进方式待探索</a:t>
             </a:r>
             <a:endParaRPr lang="en-US" altLang="zh-CN" dirty="0" smtClean="0"/>
           </a:p>
           <a:p>
             <a:r>
-              <a:rPr lang="zh-CN" altLang="en-US" dirty="0" smtClean="0"/>
-              <a:t>文礼（帮助理清思路）</a:t>
-            </a:r>
-            <a:endParaRPr lang="en-US" altLang="zh-CN" dirty="0" smtClean="0"/>
-          </a:p>
-          <a:p>
-            <a:r>
-              <a:rPr lang="zh-CN" altLang="en-US" dirty="0" smtClean="0"/>
-              <a:t>陈东（医嘱、软件设计思路）</a:t>
-            </a:r>
-            <a:endParaRPr lang="en-US" altLang="zh-CN" dirty="0" smtClean="0"/>
-          </a:p>
-          <a:p>
-            <a:r>
-              <a:rPr lang="zh-CN" altLang="en-US" dirty="0" smtClean="0"/>
-              <a:t>陈佩（医嘱重要性、角色职责、业务知识）</a:t>
-            </a:r>
-            <a:endParaRPr lang="en-US" altLang="zh-CN" dirty="0" smtClean="0"/>
-          </a:p>
-          <a:p>
-            <a:r>
-              <a:rPr lang="zh-CN" altLang="en-US" dirty="0" smtClean="0"/>
-              <a:t>雷永建（病历、设计思路交流、业务知识）</a:t>
-            </a:r>
-            <a:endParaRPr lang="en-US" altLang="zh-CN" dirty="0" smtClean="0"/>
-          </a:p>
-          <a:p>
-            <a:r>
-              <a:rPr lang="zh-CN" altLang="en-US" dirty="0" smtClean="0"/>
-              <a:t>郑勋（病历、医嘱</a:t>
-            </a:r>
-            <a:r>
-              <a:rPr lang="zh-CN" altLang="en-US" dirty="0"/>
-              <a:t>、设计思路交流</a:t>
-            </a:r>
-            <a:r>
-              <a:rPr lang="zh-CN" altLang="en-US" dirty="0" smtClean="0"/>
-              <a:t>、业务知识）</a:t>
-            </a:r>
-            <a:endParaRPr lang="en-US" altLang="zh-CN" dirty="0" smtClean="0"/>
-          </a:p>
-          <a:p>
-            <a:r>
-              <a:rPr lang="zh-CN" altLang="en-US" dirty="0"/>
-              <a:t>张天</a:t>
-            </a:r>
-            <a:r>
-              <a:rPr lang="zh-CN" altLang="en-US" dirty="0" smtClean="0"/>
-              <a:t>琪、曹洪梅（业务知识）</a:t>
-            </a:r>
-            <a:endParaRPr lang="en-US" altLang="zh-CN" dirty="0" smtClean="0"/>
-          </a:p>
-          <a:p>
-            <a:r>
-              <a:rPr lang="zh-CN" altLang="en-US" dirty="0" smtClean="0"/>
-              <a:t>杨威（医嘱分解、软件设计）</a:t>
-            </a:r>
-            <a:endParaRPr lang="en-US" altLang="zh-CN" dirty="0" smtClean="0"/>
-          </a:p>
-          <a:p>
-            <a:r>
-              <a:rPr lang="zh-CN" altLang="en-US" dirty="0" smtClean="0"/>
-              <a:t>孙清华（医嘱、</a:t>
-            </a:r>
-            <a:r>
-              <a:rPr lang="zh-CN" altLang="en-US" dirty="0"/>
-              <a:t>设计思路交流、业务知识</a:t>
-            </a:r>
-            <a:r>
-              <a:rPr lang="zh-CN" altLang="en-US" dirty="0" smtClean="0"/>
-              <a:t>）</a:t>
-            </a:r>
-            <a:endParaRPr lang="en-US" altLang="zh-CN" dirty="0" smtClean="0"/>
-          </a:p>
-          <a:p>
-            <a:r>
-              <a:rPr lang="zh-CN" altLang="en-US" dirty="0"/>
-              <a:t>刘璇、杨舒雯（</a:t>
-            </a:r>
-            <a:r>
-              <a:rPr lang="zh-CN" altLang="en-US" dirty="0" smtClean="0"/>
-              <a:t>院间业务咨询）</a:t>
-            </a:r>
-            <a:endParaRPr lang="en-US" altLang="zh-CN" dirty="0" smtClean="0"/>
-          </a:p>
-          <a:p>
-            <a:r>
-              <a:rPr lang="zh-CN" altLang="en-US" dirty="0" smtClean="0"/>
-              <a:t>武跃（方法过程交流）</a:t>
-            </a:r>
-            <a:endParaRPr lang="en-US" altLang="zh-CN" dirty="0" smtClean="0"/>
-          </a:p>
-          <a:p>
-            <a:r>
-              <a:rPr lang="zh-CN" altLang="en-US" dirty="0"/>
-              <a:t>王</a:t>
-            </a:r>
-            <a:r>
-              <a:rPr lang="zh-CN" altLang="en-US" dirty="0" smtClean="0"/>
-              <a:t>英辉（医嘱概念、角色职责）</a:t>
-            </a:r>
-            <a:endParaRPr lang="en-US" altLang="zh-CN" dirty="0" smtClean="0"/>
-          </a:p>
-          <a:p>
-            <a:r>
-              <a:rPr lang="zh-CN" altLang="en-US" dirty="0" smtClean="0"/>
-              <a:t>冯涛（</a:t>
-            </a:r>
-            <a:r>
-              <a:rPr lang="zh-CN" altLang="en-US" dirty="0"/>
-              <a:t>帮助理清</a:t>
-            </a:r>
-            <a:r>
-              <a:rPr lang="zh-CN" altLang="en-US" dirty="0" smtClean="0"/>
-              <a:t>思路、工作空间）</a:t>
-            </a:r>
-            <a:endParaRPr lang="en-US" altLang="zh-CN" dirty="0" smtClean="0"/>
-          </a:p>
-          <a:p>
-            <a:r>
-              <a:rPr lang="zh-CN" altLang="en-US" dirty="0" smtClean="0"/>
-              <a:t>张陈（收费、子系统协作、工作空间）</a:t>
-            </a:r>
-            <a:endParaRPr lang="zh-CN" altLang="en-US" dirty="0"/>
+              <a:rPr lang="zh-CN" altLang="en-US" b="1" dirty="0" smtClean="0"/>
+              <a:t>希望可以和</a:t>
+            </a:r>
+            <a:r>
+              <a:rPr lang="en-US" altLang="zh-CN" b="1" dirty="0" smtClean="0"/>
+              <a:t>HIS</a:t>
+            </a:r>
+            <a:r>
+              <a:rPr lang="zh-CN" altLang="en-US" b="1" dirty="0" smtClean="0"/>
+              <a:t>、</a:t>
+            </a:r>
+            <a:r>
+              <a:rPr lang="en-US" altLang="zh-CN" b="1" dirty="0" smtClean="0"/>
+              <a:t>EMR</a:t>
+            </a:r>
+            <a:r>
+              <a:rPr lang="zh-CN" altLang="en-US" b="1" dirty="0" smtClean="0"/>
+              <a:t>、院内平台等相关项目负责人有更深入的沟通，形成合作模式并能共享成果</a:t>
+            </a:r>
+            <a:endParaRPr lang="zh-CN" altLang="en-US" b="1" dirty="0"/>
+          </a:p>
+        </p:txBody>
+      </p:sp>
+      <p:sp>
+        <p:nvSpPr>
+          <p:cNvPr id="4" name="矩形 3"/>
+          <p:cNvSpPr/>
+          <p:nvPr/>
+        </p:nvSpPr>
+        <p:spPr>
+          <a:xfrm>
+            <a:off x="838201" y="2419815"/>
+            <a:ext cx="4090638" cy="1148575"/>
+          </a:xfrm>
+          <a:prstGeom prst="rect">
+            <a:avLst/>
+          </a:prstGeom>
+          <a:noFill/>
+          <a:ln w="25400"/>
+        </p:spPr>
+        <p:style>
+          <a:lnRef idx="2">
+            <a:schemeClr val="accent1">
+              <a:shade val="50000"/>
+            </a:schemeClr>
+          </a:lnRef>
+          <a:fillRef idx="1">
+            <a:schemeClr val="accent1"/>
+          </a:fillRef>
+          <a:effectRef idx="0">
+            <a:schemeClr val="accent1"/>
+          </a:effectRef>
+          <a:fontRef idx="minor">
+            <a:schemeClr val="lt1"/>
+          </a:fontRef>
+        </p:style>
+        <p:txBody>
+          <a:bodyPr rtlCol="0" anchor="ctr"/>
+          <a:lstStyle/>
+          <a:p>
+            <a:pPr algn="ctr"/>
+            <a:endParaRPr lang="zh-CN" altLang="en-US"/>
           </a:p>
         </p:txBody>
       </p:sp>
     </p:spTree>
     <p:extLst>
       <p:ext uri="{BB962C8B-B14F-4D97-AF65-F5344CB8AC3E}">
-        <p14:creationId xmlns:p14="http://schemas.microsoft.com/office/powerpoint/2010/main" val="1277144558"/>
+        <p14:creationId xmlns:p14="http://schemas.microsoft.com/office/powerpoint/2010/main" val="3803280000"/>
       </p:ext>
     </p:extLst>
   </p:cSld>
@@ -8400,6 +8415,662 @@
 </file>
 
 <file path=ppt/slides/slide11.xml><?xml version="1.0" encoding="utf-8"?>
+<p:sld xmlns:a="http://schemas.openxmlformats.org/drawingml/2006/main" xmlns:r="http://schemas.openxmlformats.org/officeDocument/2006/relationships" xmlns:p="http://schemas.openxmlformats.org/presentationml/2006/main">
+  <p:cSld>
+    <p:spTree>
+      <p:nvGrpSpPr>
+        <p:cNvPr id="1" name=""/>
+        <p:cNvGrpSpPr/>
+        <p:nvPr/>
+      </p:nvGrpSpPr>
+      <p:grpSpPr>
+        <a:xfrm>
+          <a:off x="0" y="0"/>
+          <a:ext cx="0" cy="0"/>
+          <a:chOff x="0" y="0"/>
+          <a:chExt cx="0" cy="0"/>
+        </a:xfrm>
+      </p:grpSpPr>
+      <p:sp>
+        <p:nvSpPr>
+          <p:cNvPr id="2" name="标题 1"/>
+          <p:cNvSpPr>
+            <a:spLocks noGrp="1"/>
+          </p:cNvSpPr>
+          <p:nvPr>
+            <p:ph type="title"/>
+          </p:nvPr>
+        </p:nvSpPr>
+        <p:spPr/>
+        <p:txBody>
+          <a:bodyPr/>
+          <a:lstStyle/>
+          <a:p>
+            <a:r>
+              <a:rPr lang="zh-CN" altLang="en-US" dirty="0" smtClean="0"/>
+              <a:t>道路设计</a:t>
+            </a:r>
+            <a:endParaRPr lang="zh-CN" altLang="en-US" dirty="0"/>
+          </a:p>
+        </p:txBody>
+      </p:sp>
+      <p:graphicFrame>
+        <p:nvGraphicFramePr>
+          <p:cNvPr id="5" name="图示 4"/>
+          <p:cNvGraphicFramePr/>
+          <p:nvPr>
+            <p:extLst>
+              <p:ext uri="{D42A27DB-BD31-4B8C-83A1-F6EECF244321}">
+                <p14:modId xmlns:p14="http://schemas.microsoft.com/office/powerpoint/2010/main" val="3145425574"/>
+              </p:ext>
+            </p:extLst>
+          </p:nvPr>
+        </p:nvGraphicFramePr>
+        <p:xfrm>
+          <a:off x="2098907" y="1208868"/>
+          <a:ext cx="8128000" cy="5418667"/>
+        </p:xfrm>
+        <a:graphic>
+          <a:graphicData uri="http://schemas.openxmlformats.org/drawingml/2006/diagram">
+            <dgm:relIds xmlns:dgm="http://schemas.openxmlformats.org/drawingml/2006/diagram" xmlns:r="http://schemas.openxmlformats.org/officeDocument/2006/relationships" r:dm="rId2" r:lo="rId3" r:qs="rId4" r:cs="rId5"/>
+          </a:graphicData>
+        </a:graphic>
+      </p:graphicFrame>
+    </p:spTree>
+    <p:extLst>
+      <p:ext uri="{BB962C8B-B14F-4D97-AF65-F5344CB8AC3E}">
+        <p14:creationId xmlns:p14="http://schemas.microsoft.com/office/powerpoint/2010/main" val="2260602104"/>
+      </p:ext>
+    </p:extLst>
+  </p:cSld>
+  <p:clrMapOvr>
+    <a:masterClrMapping/>
+  </p:clrMapOvr>
+  <p:timing>
+    <p:tnLst>
+      <p:par>
+        <p:cTn id="1" dur="indefinite" restart="never" nodeType="tmRoot"/>
+      </p:par>
+    </p:tnLst>
+  </p:timing>
+</p:sld>
+</file>
+
+<file path=ppt/slides/slide12.xml><?xml version="1.0" encoding="utf-8"?>
+<p:sld xmlns:a="http://schemas.openxmlformats.org/drawingml/2006/main" xmlns:r="http://schemas.openxmlformats.org/officeDocument/2006/relationships" xmlns:p="http://schemas.openxmlformats.org/presentationml/2006/main">
+  <p:cSld>
+    <p:spTree>
+      <p:nvGrpSpPr>
+        <p:cNvPr id="1" name=""/>
+        <p:cNvGrpSpPr/>
+        <p:nvPr/>
+      </p:nvGrpSpPr>
+      <p:grpSpPr>
+        <a:xfrm>
+          <a:off x="0" y="0"/>
+          <a:ext cx="0" cy="0"/>
+          <a:chOff x="0" y="0"/>
+          <a:chExt cx="0" cy="0"/>
+        </a:xfrm>
+      </p:grpSpPr>
+      <p:sp>
+        <p:nvSpPr>
+          <p:cNvPr id="2" name="标题 1"/>
+          <p:cNvSpPr>
+            <a:spLocks noGrp="1"/>
+          </p:cNvSpPr>
+          <p:nvPr>
+            <p:ph type="title"/>
+          </p:nvPr>
+        </p:nvSpPr>
+        <p:spPr/>
+        <p:txBody>
+          <a:bodyPr/>
+          <a:lstStyle/>
+          <a:p>
+            <a:r>
+              <a:rPr lang="zh-CN" altLang="en-US" dirty="0" smtClean="0"/>
+              <a:t>继续当前的自研模式</a:t>
+            </a:r>
+            <a:endParaRPr lang="zh-CN" altLang="en-US" dirty="0"/>
+          </a:p>
+        </p:txBody>
+      </p:sp>
+      <p:sp>
+        <p:nvSpPr>
+          <p:cNvPr id="4" name="内容占位符 2"/>
+          <p:cNvSpPr>
+            <a:spLocks noGrp="1"/>
+          </p:cNvSpPr>
+          <p:nvPr>
+            <p:ph idx="1"/>
+          </p:nvPr>
+        </p:nvSpPr>
+        <p:spPr>
+          <a:xfrm>
+            <a:off x="838201" y="1825625"/>
+            <a:ext cx="10379298" cy="4351338"/>
+          </a:xfrm>
+        </p:spPr>
+        <p:txBody>
+          <a:bodyPr/>
+          <a:lstStyle/>
+          <a:p>
+            <a:r>
+              <a:rPr lang="zh-CN" altLang="en-US" dirty="0" smtClean="0"/>
+              <a:t>分析门诊看病流程，并努力使门诊看病和住院治病流程做到合理的共享（如：患者一次住院和一次门诊都可以视其为对医院的一次访问）（</a:t>
+            </a:r>
+            <a:r>
+              <a:rPr lang="en-US" altLang="zh-CN" dirty="0">
+                <a:sym typeface="Wingdings" panose="05000000000000000000" pitchFamily="2" charset="2"/>
+              </a:rPr>
+              <a:t></a:t>
+            </a:r>
+            <a:r>
+              <a:rPr lang="zh-CN" altLang="en-US" dirty="0" smtClean="0"/>
+              <a:t>）</a:t>
+            </a:r>
+            <a:endParaRPr lang="en-US" altLang="zh-CN" dirty="0" smtClean="0"/>
+          </a:p>
+          <a:p>
+            <a:r>
+              <a:rPr lang="zh-CN" altLang="en-US" dirty="0" smtClean="0"/>
+              <a:t>增加</a:t>
+            </a:r>
+            <a:r>
+              <a:rPr lang="en-US" altLang="zh-CN" dirty="0" smtClean="0"/>
+              <a:t>UI</a:t>
+            </a:r>
+            <a:r>
+              <a:rPr lang="zh-CN" altLang="en-US" dirty="0" smtClean="0"/>
+              <a:t>方面的投入，考虑通过</a:t>
+            </a:r>
+            <a:r>
+              <a:rPr lang="en-US" altLang="zh-CN" dirty="0" smtClean="0"/>
+              <a:t>UI</a:t>
+            </a:r>
+            <a:r>
+              <a:rPr lang="zh-CN" altLang="en-US" dirty="0" smtClean="0"/>
+              <a:t>演示内核（</a:t>
+            </a:r>
+            <a:r>
+              <a:rPr lang="en-US" altLang="zh-CN" dirty="0" smtClean="0">
+                <a:sym typeface="Wingdings" panose="05000000000000000000" pitchFamily="2" charset="2"/>
+              </a:rPr>
+              <a:t></a:t>
+            </a:r>
+            <a:r>
+              <a:rPr lang="zh-CN" altLang="en-US" dirty="0" smtClean="0"/>
+              <a:t>）</a:t>
+            </a:r>
+            <a:endParaRPr lang="en-US" altLang="zh-CN" dirty="0" smtClean="0"/>
+          </a:p>
+          <a:p>
+            <a:r>
+              <a:rPr lang="zh-CN" altLang="en-US" dirty="0" smtClean="0"/>
+              <a:t>完善</a:t>
+            </a:r>
+            <a:r>
+              <a:rPr lang="en-US" altLang="zh-CN" dirty="0" smtClean="0"/>
+              <a:t>API</a:t>
+            </a:r>
+            <a:r>
+              <a:rPr lang="zh-CN" altLang="en-US" dirty="0" smtClean="0"/>
+              <a:t>，为性能测试做准备（</a:t>
+            </a:r>
+            <a:r>
+              <a:rPr lang="en-US" altLang="zh-CN" dirty="0" smtClean="0">
+                <a:sym typeface="Wingdings" panose="05000000000000000000" pitchFamily="2" charset="2"/>
+              </a:rPr>
+              <a:t></a:t>
+            </a:r>
+            <a:r>
+              <a:rPr lang="zh-CN" altLang="en-US" dirty="0" smtClean="0">
+                <a:sym typeface="Wingdings" panose="05000000000000000000" pitchFamily="2" charset="2"/>
+              </a:rPr>
+              <a:t>）</a:t>
+            </a:r>
+            <a:endParaRPr lang="zh-CN" altLang="en-US" dirty="0"/>
+          </a:p>
+        </p:txBody>
+      </p:sp>
+      <p:pic>
+        <p:nvPicPr>
+          <p:cNvPr id="5" name="图片 4"/>
+          <p:cNvPicPr>
+            <a:picLocks noChangeAspect="1"/>
+          </p:cNvPicPr>
+          <p:nvPr/>
+        </p:nvPicPr>
+        <p:blipFill>
+          <a:blip r:embed="rId2"/>
+          <a:stretch>
+            <a:fillRect/>
+          </a:stretch>
+        </p:blipFill>
+        <p:spPr>
+          <a:xfrm>
+            <a:off x="5387659" y="3051373"/>
+            <a:ext cx="5211831" cy="3414047"/>
+          </a:xfrm>
+          <a:prstGeom prst="rect">
+            <a:avLst/>
+          </a:prstGeom>
+        </p:spPr>
+      </p:pic>
+      <p:sp>
+        <p:nvSpPr>
+          <p:cNvPr id="6" name="椭圆形标注 5"/>
+          <p:cNvSpPr/>
+          <p:nvPr/>
+        </p:nvSpPr>
+        <p:spPr>
+          <a:xfrm>
+            <a:off x="2658793" y="4684542"/>
+            <a:ext cx="2250831" cy="1048746"/>
+          </a:xfrm>
+          <a:prstGeom prst="wedgeEllipseCallout">
+            <a:avLst>
+              <a:gd name="adj1" fmla="val -23958"/>
+              <a:gd name="adj2" fmla="val 64796"/>
+            </a:avLst>
+          </a:prstGeom>
+          <a:noFill/>
+          <a:ln w="25400"/>
+        </p:spPr>
+        <p:style>
+          <a:lnRef idx="2">
+            <a:schemeClr val="accent1">
+              <a:shade val="50000"/>
+            </a:schemeClr>
+          </a:lnRef>
+          <a:fillRef idx="1">
+            <a:schemeClr val="accent1"/>
+          </a:fillRef>
+          <a:effectRef idx="0">
+            <a:schemeClr val="accent1"/>
+          </a:effectRef>
+          <a:fontRef idx="minor">
+            <a:schemeClr val="lt1"/>
+          </a:fontRef>
+        </p:style>
+        <p:txBody>
+          <a:bodyPr rtlCol="0" anchor="ctr"/>
+          <a:lstStyle/>
+          <a:p>
+            <a:pPr algn="ctr"/>
+            <a:r>
+              <a:rPr lang="zh-CN" altLang="en-US" b="1" dirty="0" smtClean="0">
+                <a:solidFill>
+                  <a:schemeClr val="tx1"/>
+                </a:solidFill>
+              </a:rPr>
+              <a:t>担心绩效不被认可</a:t>
+            </a:r>
+            <a:endParaRPr lang="zh-CN" altLang="en-US" b="1" dirty="0">
+              <a:solidFill>
+                <a:schemeClr val="tx1"/>
+              </a:solidFill>
+            </a:endParaRPr>
+          </a:p>
+        </p:txBody>
+      </p:sp>
+    </p:spTree>
+    <p:extLst>
+      <p:ext uri="{BB962C8B-B14F-4D97-AF65-F5344CB8AC3E}">
+        <p14:creationId xmlns:p14="http://schemas.microsoft.com/office/powerpoint/2010/main" val="3671429925"/>
+      </p:ext>
+    </p:extLst>
+  </p:cSld>
+  <p:clrMapOvr>
+    <a:masterClrMapping/>
+  </p:clrMapOvr>
+</p:sld>
+</file>
+
+<file path=ppt/slides/slide13.xml><?xml version="1.0" encoding="utf-8"?>
+<p:sld xmlns:a="http://schemas.openxmlformats.org/drawingml/2006/main" xmlns:r="http://schemas.openxmlformats.org/officeDocument/2006/relationships" xmlns:p="http://schemas.openxmlformats.org/presentationml/2006/main">
+  <p:cSld>
+    <p:spTree>
+      <p:nvGrpSpPr>
+        <p:cNvPr id="1" name=""/>
+        <p:cNvGrpSpPr/>
+        <p:nvPr/>
+      </p:nvGrpSpPr>
+      <p:grpSpPr>
+        <a:xfrm>
+          <a:off x="0" y="0"/>
+          <a:ext cx="0" cy="0"/>
+          <a:chOff x="0" y="0"/>
+          <a:chExt cx="0" cy="0"/>
+        </a:xfrm>
+      </p:grpSpPr>
+      <p:sp>
+        <p:nvSpPr>
+          <p:cNvPr id="2" name="标题 1"/>
+          <p:cNvSpPr>
+            <a:spLocks noGrp="1"/>
+          </p:cNvSpPr>
+          <p:nvPr>
+            <p:ph type="title"/>
+          </p:nvPr>
+        </p:nvSpPr>
+        <p:spPr>
+          <a:xfrm>
+            <a:off x="604434" y="0"/>
+            <a:ext cx="11383127" cy="1208868"/>
+          </a:xfrm>
+        </p:spPr>
+        <p:txBody>
+          <a:bodyPr>
+            <a:normAutofit/>
+          </a:bodyPr>
+          <a:lstStyle/>
+          <a:p>
+            <a:pPr lvl="0"/>
+            <a:r>
+              <a:rPr lang="zh-CN" altLang="en-US" dirty="0"/>
+              <a:t>与各部门形成基于共同目标的协作主题研究，成果</a:t>
+            </a:r>
+            <a:r>
+              <a:rPr lang="zh-CN" altLang="en-US" dirty="0" smtClean="0"/>
+              <a:t>共享</a:t>
+            </a:r>
+            <a:endParaRPr lang="zh-CN" altLang="en-US" dirty="0"/>
+          </a:p>
+        </p:txBody>
+      </p:sp>
+      <p:sp>
+        <p:nvSpPr>
+          <p:cNvPr id="3" name="内容占位符 2"/>
+          <p:cNvSpPr>
+            <a:spLocks noGrp="1"/>
+          </p:cNvSpPr>
+          <p:nvPr>
+            <p:ph idx="1"/>
+          </p:nvPr>
+        </p:nvSpPr>
+        <p:spPr>
+          <a:xfrm>
+            <a:off x="838201" y="1825625"/>
+            <a:ext cx="8885662" cy="4351338"/>
+          </a:xfrm>
+        </p:spPr>
+        <p:txBody>
+          <a:bodyPr/>
+          <a:lstStyle/>
+          <a:p>
+            <a:r>
+              <a:rPr lang="zh-CN" altLang="en-US" dirty="0" smtClean="0"/>
+              <a:t>与各方向负责人商讨该工作方式是否可以形成共同的研究主题</a:t>
+            </a:r>
+            <a:endParaRPr lang="en-US" altLang="zh-CN" dirty="0" smtClean="0"/>
+          </a:p>
+          <a:p>
+            <a:r>
+              <a:rPr lang="en-US" altLang="zh-CN" dirty="0" smtClean="0"/>
+              <a:t>     </a:t>
+            </a:r>
+            <a:r>
+              <a:rPr lang="zh-CN" altLang="en-US" dirty="0" smtClean="0"/>
+              <a:t>（</a:t>
+            </a:r>
+            <a:r>
+              <a:rPr lang="zh-CN" altLang="en-US" b="1" dirty="0" smtClean="0"/>
+              <a:t>领域与应用的划分、实现扩展性的办法、如何加强领域代码的质量</a:t>
+            </a:r>
+            <a:r>
+              <a:rPr lang="zh-CN" altLang="en-US" dirty="0" smtClean="0"/>
+              <a:t>等）</a:t>
+            </a:r>
+            <a:endParaRPr lang="en-US" altLang="zh-CN" dirty="0" smtClean="0"/>
+          </a:p>
+          <a:p>
+            <a:r>
+              <a:rPr lang="zh-CN" altLang="en-US" dirty="0" smtClean="0"/>
+              <a:t>在保有相互的独立性的情况下，成果是否可以深度影响软件和研发过程需观察</a:t>
+            </a:r>
+            <a:endParaRPr lang="zh-CN" altLang="en-US" dirty="0"/>
+          </a:p>
+        </p:txBody>
+      </p:sp>
+      <p:sp>
+        <p:nvSpPr>
+          <p:cNvPr id="4" name="椭圆形标注 3"/>
+          <p:cNvSpPr/>
+          <p:nvPr/>
+        </p:nvSpPr>
+        <p:spPr>
+          <a:xfrm>
+            <a:off x="2658793" y="4684542"/>
+            <a:ext cx="2250831" cy="1048746"/>
+          </a:xfrm>
+          <a:prstGeom prst="wedgeEllipseCallout">
+            <a:avLst>
+              <a:gd name="adj1" fmla="val -23958"/>
+              <a:gd name="adj2" fmla="val 64796"/>
+            </a:avLst>
+          </a:prstGeom>
+          <a:noFill/>
+          <a:ln w="25400"/>
+        </p:spPr>
+        <p:style>
+          <a:lnRef idx="2">
+            <a:schemeClr val="accent1">
+              <a:shade val="50000"/>
+            </a:schemeClr>
+          </a:lnRef>
+          <a:fillRef idx="1">
+            <a:schemeClr val="accent1"/>
+          </a:fillRef>
+          <a:effectRef idx="0">
+            <a:schemeClr val="accent1"/>
+          </a:effectRef>
+          <a:fontRef idx="minor">
+            <a:schemeClr val="lt1"/>
+          </a:fontRef>
+        </p:style>
+        <p:txBody>
+          <a:bodyPr rtlCol="0" anchor="ctr"/>
+          <a:lstStyle/>
+          <a:p>
+            <a:pPr algn="ctr"/>
+            <a:r>
+              <a:rPr lang="zh-CN" altLang="en-US" b="1" dirty="0" smtClean="0">
+                <a:solidFill>
+                  <a:schemeClr val="tx1"/>
+                </a:solidFill>
+              </a:rPr>
+              <a:t>担心没人</a:t>
+            </a:r>
+            <a:r>
+              <a:rPr lang="en-US" altLang="zh-CN" b="1" dirty="0" smtClean="0">
+                <a:solidFill>
+                  <a:schemeClr val="tx1"/>
+                </a:solidFill>
+              </a:rPr>
+              <a:t>care</a:t>
+            </a:r>
+            <a:endParaRPr lang="zh-CN" altLang="en-US" b="1" dirty="0">
+              <a:solidFill>
+                <a:schemeClr val="tx1"/>
+              </a:solidFill>
+            </a:endParaRPr>
+          </a:p>
+        </p:txBody>
+      </p:sp>
+    </p:spTree>
+    <p:extLst>
+      <p:ext uri="{BB962C8B-B14F-4D97-AF65-F5344CB8AC3E}">
+        <p14:creationId xmlns:p14="http://schemas.microsoft.com/office/powerpoint/2010/main" val="4137840786"/>
+      </p:ext>
+    </p:extLst>
+  </p:cSld>
+  <p:clrMapOvr>
+    <a:masterClrMapping/>
+  </p:clrMapOvr>
+</p:sld>
+</file>
+
+<file path=ppt/slides/slide14.xml><?xml version="1.0" encoding="utf-8"?>
+<p:sld xmlns:a="http://schemas.openxmlformats.org/drawingml/2006/main" xmlns:r="http://schemas.openxmlformats.org/officeDocument/2006/relationships" xmlns:p="http://schemas.openxmlformats.org/presentationml/2006/main">
+  <p:cSld>
+    <p:spTree>
+      <p:nvGrpSpPr>
+        <p:cNvPr id="1" name=""/>
+        <p:cNvGrpSpPr/>
+        <p:nvPr/>
+      </p:nvGrpSpPr>
+      <p:grpSpPr>
+        <a:xfrm>
+          <a:off x="0" y="0"/>
+          <a:ext cx="0" cy="0"/>
+          <a:chOff x="0" y="0"/>
+          <a:chExt cx="0" cy="0"/>
+        </a:xfrm>
+      </p:grpSpPr>
+      <p:sp>
+        <p:nvSpPr>
+          <p:cNvPr id="2" name="标题 1"/>
+          <p:cNvSpPr>
+            <a:spLocks noGrp="1"/>
+          </p:cNvSpPr>
+          <p:nvPr>
+            <p:ph type="title"/>
+          </p:nvPr>
+        </p:nvSpPr>
+        <p:spPr/>
+        <p:txBody>
+          <a:bodyPr/>
+          <a:lstStyle/>
+          <a:p>
+            <a:pPr lvl="0"/>
+            <a:r>
+              <a:rPr lang="zh-CN" altLang="en-US" dirty="0"/>
+              <a:t>进入到</a:t>
+            </a:r>
+            <a:r>
+              <a:rPr lang="en-US" altLang="zh-CN" dirty="0"/>
+              <a:t>HIS</a:t>
+            </a:r>
+            <a:r>
+              <a:rPr lang="zh-CN" altLang="en-US" dirty="0"/>
+              <a:t>项目组直接参与系统分析和架构</a:t>
+            </a:r>
+            <a:r>
+              <a:rPr lang="zh-CN" altLang="en-US" dirty="0" smtClean="0"/>
+              <a:t>工作</a:t>
+            </a:r>
+            <a:endParaRPr lang="zh-CN" altLang="en-US" dirty="0"/>
+          </a:p>
+        </p:txBody>
+      </p:sp>
+      <p:sp>
+        <p:nvSpPr>
+          <p:cNvPr id="3" name="内容占位符 2"/>
+          <p:cNvSpPr>
+            <a:spLocks noGrp="1"/>
+          </p:cNvSpPr>
+          <p:nvPr>
+            <p:ph idx="1"/>
+          </p:nvPr>
+        </p:nvSpPr>
+        <p:spPr>
+          <a:xfrm>
+            <a:off x="838201" y="1825625"/>
+            <a:ext cx="7547516" cy="4351338"/>
+          </a:xfrm>
+        </p:spPr>
+        <p:txBody>
+          <a:bodyPr/>
+          <a:lstStyle/>
+          <a:p>
+            <a:r>
+              <a:rPr lang="zh-CN" altLang="en-US" dirty="0" smtClean="0"/>
+              <a:t>项目组是否接纳</a:t>
+            </a:r>
+            <a:endParaRPr lang="en-US" altLang="zh-CN" dirty="0" smtClean="0"/>
+          </a:p>
+          <a:p>
+            <a:r>
+              <a:rPr lang="zh-CN" altLang="en-US" dirty="0" smtClean="0"/>
+              <a:t>在现有环境下，是否可以充分发挥自身的价值</a:t>
+            </a:r>
+            <a:endParaRPr lang="zh-CN" altLang="en-US" dirty="0"/>
+          </a:p>
+        </p:txBody>
+      </p:sp>
+      <p:sp>
+        <p:nvSpPr>
+          <p:cNvPr id="4" name="椭圆形标注 3"/>
+          <p:cNvSpPr/>
+          <p:nvPr/>
+        </p:nvSpPr>
+        <p:spPr>
+          <a:xfrm>
+            <a:off x="2658793" y="4337824"/>
+            <a:ext cx="2950270" cy="1395464"/>
+          </a:xfrm>
+          <a:prstGeom prst="wedgeEllipseCallout">
+            <a:avLst>
+              <a:gd name="adj1" fmla="val -23958"/>
+              <a:gd name="adj2" fmla="val 64796"/>
+            </a:avLst>
+          </a:prstGeom>
+          <a:noFill/>
+          <a:ln w="25400"/>
+        </p:spPr>
+        <p:style>
+          <a:lnRef idx="2">
+            <a:schemeClr val="accent1">
+              <a:shade val="50000"/>
+            </a:schemeClr>
+          </a:lnRef>
+          <a:fillRef idx="1">
+            <a:schemeClr val="accent1"/>
+          </a:fillRef>
+          <a:effectRef idx="0">
+            <a:schemeClr val="accent1"/>
+          </a:effectRef>
+          <a:fontRef idx="minor">
+            <a:schemeClr val="lt1"/>
+          </a:fontRef>
+        </p:style>
+        <p:txBody>
+          <a:bodyPr rtlCol="0" anchor="ctr"/>
+          <a:lstStyle/>
+          <a:p>
+            <a:pPr algn="ctr"/>
+            <a:r>
+              <a:rPr lang="zh-CN" altLang="en-US" b="1" dirty="0" smtClean="0">
+                <a:solidFill>
+                  <a:schemeClr val="tx1"/>
+                </a:solidFill>
+              </a:rPr>
+              <a:t>担心自己是否可以适应或者太适应失去了方向</a:t>
+            </a:r>
+            <a:endParaRPr lang="zh-CN" altLang="en-US" b="1" dirty="0">
+              <a:solidFill>
+                <a:schemeClr val="tx1"/>
+              </a:solidFill>
+            </a:endParaRPr>
+          </a:p>
+        </p:txBody>
+      </p:sp>
+    </p:spTree>
+    <p:extLst>
+      <p:ext uri="{BB962C8B-B14F-4D97-AF65-F5344CB8AC3E}">
+        <p14:creationId xmlns:p14="http://schemas.microsoft.com/office/powerpoint/2010/main" val="2250707837"/>
+      </p:ext>
+    </p:extLst>
+  </p:cSld>
+  <p:clrMapOvr>
+    <a:masterClrMapping/>
+  </p:clrMapOvr>
+</p:sld>
+</file>
+
+<file path=ppt/slides/slide15.xml><?xml version="1.0" encoding="utf-8"?>
 <p:sld xmlns:a="http://schemas.openxmlformats.org/drawingml/2006/main" xmlns:r="http://schemas.openxmlformats.org/officeDocument/2006/relationships" xmlns:p="http://schemas.openxmlformats.org/presentationml/2006/main">
   <p:cSld>
     <p:spTree>
@@ -8524,199 +9195,6 @@
   <p:clrMapOvr>
     <a:masterClrMapping/>
   </p:clrMapOvr>
-  <p:timing>
-    <p:tnLst>
-      <p:par>
-        <p:cTn id="1" dur="indefinite" restart="never" nodeType="tmRoot"/>
-      </p:par>
-    </p:tnLst>
-  </p:timing>
-</p:sld>
-</file>
-
-<file path=ppt/slides/slide12.xml><?xml version="1.0" encoding="utf-8"?>
-<p:sld xmlns:a="http://schemas.openxmlformats.org/drawingml/2006/main" xmlns:r="http://schemas.openxmlformats.org/officeDocument/2006/relationships" xmlns:p="http://schemas.openxmlformats.org/presentationml/2006/main" show="0">
-  <p:cSld>
-    <p:spTree>
-      <p:nvGrpSpPr>
-        <p:cNvPr id="1" name=""/>
-        <p:cNvGrpSpPr/>
-        <p:nvPr/>
-      </p:nvGrpSpPr>
-      <p:grpSpPr>
-        <a:xfrm>
-          <a:off x="0" y="0"/>
-          <a:ext cx="0" cy="0"/>
-          <a:chOff x="0" y="0"/>
-          <a:chExt cx="0" cy="0"/>
-        </a:xfrm>
-      </p:grpSpPr>
-      <p:sp>
-        <p:nvSpPr>
-          <p:cNvPr id="2" name="标题 1"/>
-          <p:cNvSpPr>
-            <a:spLocks noGrp="1"/>
-          </p:cNvSpPr>
-          <p:nvPr>
-            <p:ph type="title"/>
-          </p:nvPr>
-        </p:nvSpPr>
-        <p:spPr/>
-        <p:txBody>
-          <a:bodyPr/>
-          <a:lstStyle/>
-          <a:p>
-            <a:r>
-              <a:rPr lang="zh-CN" altLang="en-US" dirty="0" smtClean="0"/>
-              <a:t>（其他）下一步自</a:t>
-            </a:r>
-            <a:r>
-              <a:rPr lang="zh-CN" altLang="en-US" dirty="0"/>
-              <a:t>驱动的工作计划</a:t>
-            </a:r>
-          </a:p>
-        </p:txBody>
-      </p:sp>
-      <p:sp>
-        <p:nvSpPr>
-          <p:cNvPr id="3" name="内容占位符 2"/>
-          <p:cNvSpPr>
-            <a:spLocks noGrp="1"/>
-          </p:cNvSpPr>
-          <p:nvPr>
-            <p:ph idx="1"/>
-          </p:nvPr>
-        </p:nvSpPr>
-        <p:spPr>
-          <a:xfrm>
-            <a:off x="838201" y="1825625"/>
-            <a:ext cx="10379298" cy="4351338"/>
-          </a:xfrm>
-        </p:spPr>
-        <p:txBody>
-          <a:bodyPr/>
-          <a:lstStyle/>
-          <a:p>
-            <a:r>
-              <a:rPr lang="zh-CN" altLang="en-US" dirty="0" smtClean="0"/>
-              <a:t>分析门诊看病流程，并努力使门诊看病和住院治病流程做到合理的共享（如：患者一次住院和一次门诊都可以视其为对医院的一次访问）（</a:t>
-            </a:r>
-            <a:r>
-              <a:rPr lang="en-US" altLang="zh-CN" dirty="0">
-                <a:sym typeface="Wingdings" panose="05000000000000000000" pitchFamily="2" charset="2"/>
-              </a:rPr>
-              <a:t></a:t>
-            </a:r>
-            <a:r>
-              <a:rPr lang="zh-CN" altLang="en-US" dirty="0" smtClean="0"/>
-              <a:t>）</a:t>
-            </a:r>
-            <a:endParaRPr lang="en-US" altLang="zh-CN" dirty="0" smtClean="0"/>
-          </a:p>
-          <a:p>
-            <a:r>
-              <a:rPr lang="zh-CN" altLang="en-US" dirty="0" smtClean="0"/>
-              <a:t>增加</a:t>
-            </a:r>
-            <a:r>
-              <a:rPr lang="en-US" altLang="zh-CN" dirty="0" smtClean="0"/>
-              <a:t>UI</a:t>
-            </a:r>
-            <a:r>
-              <a:rPr lang="zh-CN" altLang="en-US" dirty="0" smtClean="0"/>
-              <a:t>方面的投入，考虑通过</a:t>
-            </a:r>
-            <a:r>
-              <a:rPr lang="en-US" altLang="zh-CN" dirty="0" smtClean="0"/>
-              <a:t>UI</a:t>
-            </a:r>
-            <a:r>
-              <a:rPr lang="zh-CN" altLang="en-US" dirty="0" smtClean="0"/>
-              <a:t>演示内核（</a:t>
-            </a:r>
-            <a:r>
-              <a:rPr lang="en-US" altLang="zh-CN" dirty="0" smtClean="0">
-                <a:sym typeface="Wingdings" panose="05000000000000000000" pitchFamily="2" charset="2"/>
-              </a:rPr>
-              <a:t></a:t>
-            </a:r>
-            <a:r>
-              <a:rPr lang="zh-CN" altLang="en-US" dirty="0" smtClean="0"/>
-              <a:t>）</a:t>
-            </a:r>
-            <a:endParaRPr lang="en-US" altLang="zh-CN" dirty="0" smtClean="0"/>
-          </a:p>
-          <a:p>
-            <a:r>
-              <a:rPr lang="zh-CN" altLang="en-US" dirty="0" smtClean="0"/>
-              <a:t>完善</a:t>
-            </a:r>
-            <a:r>
-              <a:rPr lang="en-US" altLang="zh-CN" dirty="0" smtClean="0"/>
-              <a:t>API</a:t>
-            </a:r>
-            <a:r>
-              <a:rPr lang="zh-CN" altLang="en-US" dirty="0" smtClean="0"/>
-              <a:t>，为性能测试做准备（</a:t>
-            </a:r>
-            <a:r>
-              <a:rPr lang="en-US" altLang="zh-CN" dirty="0" smtClean="0">
-                <a:sym typeface="Wingdings" panose="05000000000000000000" pitchFamily="2" charset="2"/>
-              </a:rPr>
-              <a:t></a:t>
-            </a:r>
-            <a:r>
-              <a:rPr lang="zh-CN" altLang="en-US" dirty="0" smtClean="0">
-                <a:sym typeface="Wingdings" panose="05000000000000000000" pitchFamily="2" charset="2"/>
-              </a:rPr>
-              <a:t>）</a:t>
-            </a:r>
-            <a:endParaRPr lang="zh-CN" altLang="en-US" dirty="0"/>
-          </a:p>
-        </p:txBody>
-      </p:sp>
-      <p:pic>
-        <p:nvPicPr>
-          <p:cNvPr id="4" name="图片 3"/>
-          <p:cNvPicPr>
-            <a:picLocks noChangeAspect="1"/>
-          </p:cNvPicPr>
-          <p:nvPr/>
-        </p:nvPicPr>
-        <p:blipFill>
-          <a:blip r:embed="rId2"/>
-          <a:stretch>
-            <a:fillRect/>
-          </a:stretch>
-        </p:blipFill>
-        <p:spPr>
-          <a:xfrm>
-            <a:off x="5387659" y="3051373"/>
-            <a:ext cx="5211831" cy="3414047"/>
-          </a:xfrm>
-          <a:prstGeom prst="rect">
-            <a:avLst/>
-          </a:prstGeom>
-        </p:spPr>
-      </p:pic>
-    </p:spTree>
-    <p:extLst>
-      <p:ext uri="{BB962C8B-B14F-4D97-AF65-F5344CB8AC3E}">
-        <p14:creationId xmlns:p14="http://schemas.microsoft.com/office/powerpoint/2010/main" val="2689442408"/>
-      </p:ext>
-    </p:extLst>
-  </p:cSld>
-  <p:clrMapOvr>
-    <a:masterClrMapping/>
-  </p:clrMapOvr>
-  <mc:AlternateContent xmlns:mc="http://schemas.openxmlformats.org/markup-compatibility/2006" xmlns:p14="http://schemas.microsoft.com/office/powerpoint/2010/main">
-    <mc:Choice Requires="p14">
-      <p:transition spd="slow" p14:dur="2000"/>
-    </mc:Choice>
-    <mc:Fallback xmlns="">
-      <p:transition spd="slow"/>
-    </mc:Fallback>
-  </mc:AlternateContent>
   <p:timing>
     <p:tnLst>
       <p:par>
@@ -9344,7 +9822,7 @@
               <a:rPr lang="en-US" altLang="zh-CN" dirty="0" smtClean="0">
                 <a:sym typeface="Wingdings" panose="05000000000000000000" pitchFamily="2" charset="2"/>
               </a:rPr>
-              <a:t></a:t>
+              <a:t></a:t>
             </a:r>
             <a:r>
               <a:rPr lang="zh-CN" altLang="en-US" dirty="0" smtClean="0"/>
@@ -9428,7 +9906,7 @@
             </a:avLst>
           </a:prstGeom>
           <a:noFill/>
-          <a:ln>
+          <a:ln w="25400">
             <a:solidFill>
               <a:schemeClr val="bg2">
                 <a:lumMod val="50000"/>
@@ -9543,14 +10021,16 @@
                   </a:schemeClr>
                 </a:solidFill>
               </a:rPr>
-              <a:t>在设计层面提供一个参考设计，包括了子系统职责的划分，代码风格、以及实体关系等。</a:t>
-            </a:r>
-          </a:p>
-          <a:p>
-            <a:pPr marL="171450" lvl="0" indent="-171450">
-              <a:buFont typeface="Arial" panose="020B0604020202020204" pitchFamily="34" charset="0"/>
-              <a:buChar char="•"/>
-            </a:pPr>
+              <a:t>在设计层面提供一个</a:t>
+            </a:r>
+            <a:r>
+              <a:rPr lang="zh-CN" altLang="zh-CN" sz="1200" b="1" dirty="0">
+                <a:solidFill>
+                  <a:srgbClr val="FF0000"/>
+                </a:solidFill>
+              </a:rPr>
+              <a:t>参考设计</a:t>
+            </a:r>
             <a:r>
               <a:rPr lang="zh-CN" altLang="zh-CN" sz="1200" b="1" dirty="0">
                 <a:solidFill>
@@ -9560,7 +10040,100 @@
                   </a:schemeClr>
                 </a:solidFill>
               </a:rPr>
-              <a:t>提供一个展现将复杂业务软件系统的按着可变性的不同分为黑盒、灰盒和白盒复用的三个层次，并对不同层次研发的方法、质量提出具体的要求。</a:t>
+              <a:t>，包括了</a:t>
+            </a:r>
+            <a:r>
+              <a:rPr lang="zh-CN" altLang="zh-CN" sz="1200" b="1" dirty="0">
+                <a:solidFill>
+                  <a:srgbClr val="FF0000"/>
+                </a:solidFill>
+              </a:rPr>
+              <a:t>子系统职责的划分</a:t>
+            </a:r>
+            <a:r>
+              <a:rPr lang="zh-CN" altLang="zh-CN" sz="1200" b="1" dirty="0">
+                <a:solidFill>
+                  <a:schemeClr val="tx1">
+                    <a:lumMod val="50000"/>
+                    <a:lumOff val="50000"/>
+                  </a:schemeClr>
+                </a:solidFill>
+              </a:rPr>
+              <a:t>，</a:t>
+            </a:r>
+            <a:r>
+              <a:rPr lang="zh-CN" altLang="zh-CN" sz="1200" b="1" dirty="0">
+                <a:solidFill>
+                  <a:srgbClr val="FF0000"/>
+                </a:solidFill>
+              </a:rPr>
+              <a:t>代码风格</a:t>
+            </a:r>
+            <a:r>
+              <a:rPr lang="zh-CN" altLang="zh-CN" sz="1200" b="1" dirty="0">
+                <a:solidFill>
+                  <a:schemeClr val="tx1">
+                    <a:lumMod val="50000"/>
+                    <a:lumOff val="50000"/>
+                  </a:schemeClr>
+                </a:solidFill>
+              </a:rPr>
+              <a:t>、以及</a:t>
+            </a:r>
+            <a:r>
+              <a:rPr lang="zh-CN" altLang="zh-CN" sz="1200" b="1" dirty="0">
+                <a:solidFill>
+                  <a:srgbClr val="FF0000"/>
+                </a:solidFill>
+              </a:rPr>
+              <a:t>实体关系</a:t>
+            </a:r>
+            <a:r>
+              <a:rPr lang="zh-CN" altLang="zh-CN" sz="1200" b="1" dirty="0">
+                <a:solidFill>
+                  <a:schemeClr val="tx1">
+                    <a:lumMod val="50000"/>
+                    <a:lumOff val="50000"/>
+                  </a:schemeClr>
+                </a:solidFill>
+              </a:rPr>
+              <a:t>等。</a:t>
+            </a:r>
+          </a:p>
+          <a:p>
+            <a:pPr marL="171450" lvl="0" indent="-171450">
+              <a:buFont typeface="Arial" panose="020B0604020202020204" pitchFamily="34" charset="0"/>
+              <a:buChar char="•"/>
+            </a:pPr>
+            <a:r>
+              <a:rPr lang="zh-CN" altLang="zh-CN" sz="1200" b="1" dirty="0">
+                <a:solidFill>
+                  <a:schemeClr val="tx1">
+                    <a:lumMod val="50000"/>
+                    <a:lumOff val="50000"/>
+                  </a:schemeClr>
+                </a:solidFill>
+              </a:rPr>
+              <a:t>提供一个展现</a:t>
+            </a:r>
+            <a:r>
+              <a:rPr lang="zh-CN" altLang="zh-CN" sz="1200" b="1" dirty="0">
+                <a:solidFill>
+                  <a:srgbClr val="FF0000"/>
+                </a:solidFill>
+              </a:rPr>
+              <a:t>将复杂业务软件系统的按着可变性的不同分为黑盒、灰盒和白盒复用的三个层次</a:t>
+            </a:r>
+            <a:r>
+              <a:rPr lang="zh-CN" altLang="zh-CN" sz="1200" b="1" dirty="0">
+                <a:solidFill>
+                  <a:schemeClr val="tx1">
+                    <a:lumMod val="50000"/>
+                    <a:lumOff val="50000"/>
+                  </a:schemeClr>
+                </a:solidFill>
+              </a:rPr>
+              <a:t>，并对不同层次研发的方法、质量提出具体的要求。</a:t>
             </a:r>
           </a:p>
           <a:p>
@@ -10471,7 +11044,7 @@
 </file>
 
 <file path=ppt/slides/slide8.xml><?xml version="1.0" encoding="utf-8"?>
-<p:sld xmlns:a="http://schemas.openxmlformats.org/drawingml/2006/main" xmlns:r="http://schemas.openxmlformats.org/officeDocument/2006/relationships" xmlns:p="http://schemas.openxmlformats.org/presentationml/2006/main">
+<p:sld xmlns:a="http://schemas.openxmlformats.org/drawingml/2006/main" xmlns:r="http://schemas.openxmlformats.org/officeDocument/2006/relationships" xmlns:p="http://schemas.openxmlformats.org/presentationml/2006/main" showMasterSp="0">
   <p:cSld>
     <p:spTree>
       <p:nvGrpSpPr>
@@ -10489,29 +11062,6 @@
       </p:grpSpPr>
       <p:sp>
         <p:nvSpPr>
-          <p:cNvPr id="2" name="标题 1"/>
-          <p:cNvSpPr>
-            <a:spLocks noGrp="1"/>
-          </p:cNvSpPr>
-          <p:nvPr>
-            <p:ph type="title"/>
-          </p:nvPr>
-        </p:nvSpPr>
-        <p:spPr/>
-        <p:txBody>
-          <a:bodyPr/>
-          <a:lstStyle/>
-          <a:p>
-            <a:r>
-              <a:rPr lang="zh-CN" altLang="en-US" dirty="0" smtClean="0"/>
-              <a:t>状态总结</a:t>
-            </a:r>
-            <a:endParaRPr lang="zh-CN" altLang="en-US" dirty="0"/>
-          </a:p>
-        </p:txBody>
-      </p:sp>
-      <p:sp>
-        <p:nvSpPr>
           <p:cNvPr id="3" name="内容占位符 2"/>
           <p:cNvSpPr>
             <a:spLocks noGrp="1"/>
@@ -10522,113 +11072,162 @@
         </p:nvSpPr>
         <p:spPr>
           <a:xfrm>
-            <a:off x="838201" y="1825625"/>
-            <a:ext cx="10007990" cy="4351338"/>
+            <a:off x="633046" y="126608"/>
+            <a:ext cx="10860259" cy="6731391"/>
           </a:xfrm>
         </p:spPr>
         <p:txBody>
-          <a:bodyPr/>
+          <a:bodyPr>
+            <a:normAutofit fontScale="77500" lnSpcReduction="20000"/>
+          </a:bodyPr>
           <a:lstStyle/>
           <a:p>
             <a:r>
               <a:rPr lang="zh-CN" altLang="en-US" dirty="0" smtClean="0"/>
-              <a:t>滚起了一种单向推进的探索性工作（</a:t>
-            </a:r>
-            <a:r>
-              <a:rPr lang="en-US" altLang="zh-CN" dirty="0" smtClean="0"/>
-              <a:t>25</a:t>
-            </a:r>
+              <a:t>感谢：</a:t>
+            </a:r>
+            <a:endParaRPr lang="en-US" altLang="zh-CN" dirty="0" smtClean="0"/>
+          </a:p>
+          <a:p>
             <a:r>
               <a:rPr lang="zh-CN" altLang="en-US" dirty="0" smtClean="0"/>
-              <a:t>封邮件）</a:t>
+              <a:t>彭金鑫（医嘱、收费、现场实施知识咨询）</a:t>
             </a:r>
             <a:endParaRPr lang="en-US" altLang="zh-CN" dirty="0" smtClean="0"/>
           </a:p>
           <a:p>
             <a:r>
               <a:rPr lang="zh-CN" altLang="en-US" dirty="0" smtClean="0"/>
-              <a:t>对于该工作与现存研发工作的关系未明确</a:t>
-            </a:r>
-            <a:endParaRPr lang="en-US" altLang="zh-CN" dirty="0"/>
+              <a:t>文礼（帮助理清思路）</a:t>
+            </a:r>
+            <a:endParaRPr lang="en-US" altLang="zh-CN" dirty="0" smtClean="0"/>
           </a:p>
           <a:p>
             <a:r>
               <a:rPr lang="zh-CN" altLang="en-US" dirty="0" smtClean="0"/>
-              <a:t>对于该工作短期的价值和推进方式待探索</a:t>
+              <a:t>陈东（医嘱、软件设计思路）</a:t>
             </a:r>
             <a:endParaRPr lang="en-US" altLang="zh-CN" dirty="0" smtClean="0"/>
           </a:p>
           <a:p>
             <a:r>
-              <a:rPr lang="zh-CN" altLang="en-US" b="1" dirty="0" smtClean="0"/>
-              <a:t>希望可以和</a:t>
-            </a:r>
-            <a:r>
-              <a:rPr lang="en-US" altLang="zh-CN" b="1" dirty="0" smtClean="0"/>
-              <a:t>HIS</a:t>
-            </a:r>
-            <a:r>
-              <a:rPr lang="zh-CN" altLang="en-US" b="1" dirty="0" smtClean="0"/>
-              <a:t>、</a:t>
-            </a:r>
-            <a:r>
-              <a:rPr lang="en-US" altLang="zh-CN" b="1" dirty="0" smtClean="0"/>
-              <a:t>EMR</a:t>
-            </a:r>
-            <a:r>
-              <a:rPr lang="zh-CN" altLang="en-US" b="1" dirty="0" smtClean="0"/>
-              <a:t>、院内平台等相关项目负责人有更深入的沟通，形成合作模式并能共享成果</a:t>
-            </a:r>
-            <a:endParaRPr lang="zh-CN" altLang="en-US" b="1" dirty="0"/>
-          </a:p>
-        </p:txBody>
-      </p:sp>
-      <p:sp>
-        <p:nvSpPr>
-          <p:cNvPr id="4" name="矩形 3"/>
-          <p:cNvSpPr/>
-          <p:nvPr/>
-        </p:nvSpPr>
-        <p:spPr>
-          <a:xfrm>
-            <a:off x="838201" y="2419815"/>
-            <a:ext cx="4090638" cy="1148575"/>
-          </a:xfrm>
-          <a:prstGeom prst="rect">
-            <a:avLst/>
-          </a:prstGeom>
-          <a:noFill/>
-          <a:ln w="25400"/>
-        </p:spPr>
-        <p:style>
-          <a:lnRef idx="2">
-            <a:schemeClr val="accent1">
-              <a:shade val="50000"/>
-            </a:schemeClr>
-          </a:lnRef>
-          <a:fillRef idx="1">
-            <a:schemeClr val="accent1"/>
-          </a:fillRef>
-          <a:effectRef idx="0">
-            <a:schemeClr val="accent1"/>
-          </a:effectRef>
-          <a:fontRef idx="minor">
-            <a:schemeClr val="lt1"/>
-          </a:fontRef>
-        </p:style>
-        <p:txBody>
-          <a:bodyPr rtlCol="0" anchor="ctr"/>
-          <a:lstStyle/>
-          <a:p>
-            <a:pPr algn="ctr"/>
-            <a:endParaRPr lang="zh-CN" altLang="en-US"/>
+              <a:rPr lang="zh-CN" altLang="en-US" dirty="0" smtClean="0"/>
+              <a:t>陈佩（医嘱重要性、角色职责、业务知识）</a:t>
+            </a:r>
+            <a:endParaRPr lang="en-US" altLang="zh-CN" dirty="0" smtClean="0"/>
+          </a:p>
+          <a:p>
+            <a:r>
+              <a:rPr lang="zh-CN" altLang="en-US" dirty="0" smtClean="0"/>
+              <a:t>雷永建（病历、设计思路交流、业务知识）</a:t>
+            </a:r>
+            <a:endParaRPr lang="en-US" altLang="zh-CN" dirty="0" smtClean="0"/>
+          </a:p>
+          <a:p>
+            <a:r>
+              <a:rPr lang="zh-CN" altLang="en-US" dirty="0" smtClean="0"/>
+              <a:t>郑勋（病历、医嘱</a:t>
+            </a:r>
+            <a:r>
+              <a:rPr lang="zh-CN" altLang="en-US" dirty="0"/>
+              <a:t>、设计思路交流</a:t>
+            </a:r>
+            <a:r>
+              <a:rPr lang="zh-CN" altLang="en-US" dirty="0" smtClean="0"/>
+              <a:t>、业务知识）</a:t>
+            </a:r>
+            <a:endParaRPr lang="en-US" altLang="zh-CN" dirty="0" smtClean="0"/>
+          </a:p>
+          <a:p>
+            <a:r>
+              <a:rPr lang="zh-CN" altLang="en-US" dirty="0"/>
+              <a:t>张天</a:t>
+            </a:r>
+            <a:r>
+              <a:rPr lang="zh-CN" altLang="en-US" dirty="0" smtClean="0"/>
+              <a:t>琪、曹洪梅（业务知识）</a:t>
+            </a:r>
+            <a:endParaRPr lang="en-US" altLang="zh-CN" dirty="0" smtClean="0"/>
+          </a:p>
+          <a:p>
+            <a:r>
+              <a:rPr lang="zh-CN" altLang="en-US" dirty="0" smtClean="0"/>
+              <a:t>杨威（医嘱分解、软件设计）</a:t>
+            </a:r>
+            <a:endParaRPr lang="en-US" altLang="zh-CN" dirty="0" smtClean="0"/>
+          </a:p>
+          <a:p>
+            <a:r>
+              <a:rPr lang="zh-CN" altLang="en-US" dirty="0" smtClean="0"/>
+              <a:t>孙清华（医嘱、</a:t>
+            </a:r>
+            <a:r>
+              <a:rPr lang="zh-CN" altLang="en-US" dirty="0"/>
+              <a:t>设计思路交流、业务知识</a:t>
+            </a:r>
+            <a:r>
+              <a:rPr lang="zh-CN" altLang="en-US" dirty="0" smtClean="0"/>
+              <a:t>）</a:t>
+            </a:r>
+            <a:endParaRPr lang="en-US" altLang="zh-CN" dirty="0" smtClean="0"/>
+          </a:p>
+          <a:p>
+            <a:r>
+              <a:rPr lang="zh-CN" altLang="en-US" dirty="0"/>
+              <a:t>刘璇、杨舒雯（</a:t>
+            </a:r>
+            <a:r>
+              <a:rPr lang="zh-CN" altLang="en-US" dirty="0" smtClean="0"/>
+              <a:t>院间业务咨询）</a:t>
+            </a:r>
+            <a:endParaRPr lang="en-US" altLang="zh-CN" dirty="0" smtClean="0"/>
+          </a:p>
+          <a:p>
+            <a:r>
+              <a:rPr lang="zh-CN" altLang="en-US" dirty="0" smtClean="0"/>
+              <a:t>武跃（方法过程交流）</a:t>
+            </a:r>
+            <a:endParaRPr lang="en-US" altLang="zh-CN" dirty="0" smtClean="0"/>
+          </a:p>
+          <a:p>
+            <a:r>
+              <a:rPr lang="zh-CN" altLang="en-US" dirty="0"/>
+              <a:t>王</a:t>
+            </a:r>
+            <a:r>
+              <a:rPr lang="zh-CN" altLang="en-US" dirty="0" smtClean="0"/>
+              <a:t>英辉（医嘱概念、角色职责）</a:t>
+            </a:r>
+            <a:endParaRPr lang="en-US" altLang="zh-CN" dirty="0" smtClean="0"/>
+          </a:p>
+          <a:p>
+            <a:r>
+              <a:rPr lang="zh-CN" altLang="en-US" dirty="0" smtClean="0"/>
+              <a:t>冯涛（</a:t>
+            </a:r>
+            <a:r>
+              <a:rPr lang="zh-CN" altLang="en-US" dirty="0"/>
+              <a:t>帮助理清</a:t>
+            </a:r>
+            <a:r>
+              <a:rPr lang="zh-CN" altLang="en-US" dirty="0" smtClean="0"/>
+              <a:t>思路、工作空间）</a:t>
+            </a:r>
+            <a:endParaRPr lang="en-US" altLang="zh-CN" dirty="0" smtClean="0"/>
+          </a:p>
+          <a:p>
+            <a:r>
+              <a:rPr lang="zh-CN" altLang="en-US" dirty="0" smtClean="0"/>
+              <a:t>张陈（收费、子系统协作、工作空间）</a:t>
+            </a:r>
+            <a:endParaRPr lang="zh-CN" altLang="en-US" dirty="0"/>
           </a:p>
         </p:txBody>
       </p:sp>
     </p:spTree>
     <p:extLst>
       <p:ext uri="{BB962C8B-B14F-4D97-AF65-F5344CB8AC3E}">
-        <p14:creationId xmlns:p14="http://schemas.microsoft.com/office/powerpoint/2010/main" val="3803280000"/>
+        <p14:creationId xmlns:p14="http://schemas.microsoft.com/office/powerpoint/2010/main" val="1277144558"/>
       </p:ext>
     </p:extLst>
   </p:cSld>
@@ -10679,7 +11278,7 @@
           <a:p>
             <a:r>
               <a:rPr lang="zh-CN" altLang="en-US" dirty="0" smtClean="0"/>
-              <a:t>道路设计</a:t>
+              <a:t>状态说明</a:t>
             </a:r>
             <a:endParaRPr lang="zh-CN" altLang="en-US" dirty="0"/>
           </a:p>
@@ -10687,43 +11286,439 @@
       </p:sp>
       <p:graphicFrame>
         <p:nvGraphicFramePr>
-          <p:cNvPr id="5" name="图示 4"/>
-          <p:cNvGraphicFramePr/>
+          <p:cNvPr id="4" name="表格 3"/>
+          <p:cNvGraphicFramePr>
+            <a:graphicFrameLocks noGrp="1"/>
+          </p:cNvGraphicFramePr>
           <p:nvPr>
             <p:extLst>
               <p:ext uri="{D42A27DB-BD31-4B8C-83A1-F6EECF244321}">
-                <p14:modId xmlns:p14="http://schemas.microsoft.com/office/powerpoint/2010/main" val="27294147"/>
+                <p14:modId xmlns:p14="http://schemas.microsoft.com/office/powerpoint/2010/main" val="2413894331"/>
               </p:ext>
             </p:extLst>
           </p:nvPr>
         </p:nvGraphicFramePr>
         <p:xfrm>
-          <a:off x="2098907" y="1208868"/>
-          <a:ext cx="8128000" cy="5418667"/>
+          <a:off x="604434" y="1554480"/>
+          <a:ext cx="10987343" cy="5029200"/>
         </p:xfrm>
         <a:graphic>
-          <a:graphicData uri="http://schemas.openxmlformats.org/drawingml/2006/diagram">
-            <dgm:relIds xmlns:dgm="http://schemas.openxmlformats.org/drawingml/2006/diagram" xmlns:r="http://schemas.openxmlformats.org/officeDocument/2006/relationships" r:dm="rId2" r:lo="rId3" r:qs="rId4" r:cs="rId5"/>
+          <a:graphicData uri="http://schemas.openxmlformats.org/drawingml/2006/table">
+            <a:tbl>
+              <a:tblPr firstRow="1" bandRow="1">
+                <a:tableStyleId>{5C22544A-7EE6-4342-B048-85BDC9FD1C3A}</a:tableStyleId>
+              </a:tblPr>
+              <a:tblGrid>
+                <a:gridCol w="5493671"/>
+                <a:gridCol w="1020147"/>
+                <a:gridCol w="4473525"/>
+              </a:tblGrid>
+              <a:tr h="0">
+                <a:tc>
+                  <a:txBody>
+                    <a:bodyPr/>
+                    <a:lstStyle/>
+                    <a:p>
+                      <a:r>
+                        <a:rPr lang="zh-CN" altLang="en-US" dirty="0" smtClean="0"/>
+                        <a:t>内容</a:t>
+                      </a:r>
+                      <a:endParaRPr lang="zh-CN" altLang="en-US" dirty="0"/>
+                    </a:p>
+                  </a:txBody>
+                  <a:tcPr/>
+                </a:tc>
+                <a:tc>
+                  <a:txBody>
+                    <a:bodyPr/>
+                    <a:lstStyle/>
+                    <a:p>
+                      <a:r>
+                        <a:rPr lang="zh-CN" altLang="en-US" dirty="0" smtClean="0"/>
+                        <a:t>满意度</a:t>
+                      </a:r>
+                      <a:endParaRPr lang="zh-CN" altLang="en-US" dirty="0"/>
+                    </a:p>
+                  </a:txBody>
+                  <a:tcPr/>
+                </a:tc>
+                <a:tc>
+                  <a:txBody>
+                    <a:bodyPr/>
+                    <a:lstStyle/>
+                    <a:p>
+                      <a:r>
+                        <a:rPr lang="zh-CN" altLang="en-US" dirty="0" smtClean="0"/>
+                        <a:t>说明</a:t>
+                      </a:r>
+                      <a:endParaRPr lang="zh-CN" altLang="en-US" dirty="0"/>
+                    </a:p>
+                  </a:txBody>
+                  <a:tcPr/>
+                </a:tc>
+              </a:tr>
+              <a:tr h="0">
+                <a:tc>
+                  <a:txBody>
+                    <a:bodyPr/>
+                    <a:lstStyle/>
+                    <a:p>
+                      <a:pPr marL="0" marR="0" indent="0" algn="l" defTabSz="914400" rtl="0" eaLnBrk="1" fontAlgn="auto" latinLnBrk="0" hangingPunct="1">
+                        <a:lnSpc>
+                          <a:spcPct val="100000"/>
+                        </a:lnSpc>
+                        <a:spcBef>
+                          <a:spcPts val="0"/>
+                        </a:spcBef>
+                        <a:spcAft>
+                          <a:spcPts val="0"/>
+                        </a:spcAft>
+                        <a:buClrTx/>
+                        <a:buSzTx/>
+                        <a:buFontTx/>
+                        <a:buNone/>
+                        <a:tabLst/>
+                        <a:defRPr/>
+                      </a:pPr>
+                      <a:r>
+                        <a:rPr lang="zh-CN" altLang="en-US" dirty="0" smtClean="0"/>
+                        <a:t>分析了住院治病业务流程，以医嘱执行为线索覆盖了诊疗科室、药房、收费处、医技、住院处、病案室、医务科等相关科室，形成了业务到设计和代码的初始成果物</a:t>
+                      </a:r>
+                      <a:endParaRPr lang="zh-CN" altLang="en-US" dirty="0"/>
+                    </a:p>
+                  </a:txBody>
+                  <a:tcPr/>
+                </a:tc>
+                <a:tc>
+                  <a:txBody>
+                    <a:bodyPr/>
+                    <a:lstStyle/>
+                    <a:p>
+                      <a:r>
+                        <a:rPr lang="en-US" altLang="zh-CN" dirty="0" smtClean="0">
+                          <a:sym typeface="Wingdings" panose="05000000000000000000" pitchFamily="2" charset="2"/>
+                        </a:rPr>
+                        <a:t></a:t>
+                      </a:r>
+                      <a:endParaRPr lang="zh-CN" altLang="en-US" dirty="0"/>
+                    </a:p>
+                  </a:txBody>
+                  <a:tcPr/>
+                </a:tc>
+                <a:tc>
+                  <a:txBody>
+                    <a:bodyPr/>
+                    <a:lstStyle/>
+                    <a:p>
+                      <a:endParaRPr lang="zh-CN" altLang="en-US" dirty="0"/>
+                    </a:p>
+                  </a:txBody>
+                  <a:tcPr/>
+                </a:tc>
+              </a:tr>
+              <a:tr h="0">
+                <a:tc>
+                  <a:txBody>
+                    <a:bodyPr/>
+                    <a:lstStyle/>
+                    <a:p>
+                      <a:pPr marL="0" marR="0" indent="0" algn="l" defTabSz="914400" rtl="0" eaLnBrk="1" fontAlgn="auto" latinLnBrk="0" hangingPunct="1">
+                        <a:lnSpc>
+                          <a:spcPct val="100000"/>
+                        </a:lnSpc>
+                        <a:spcBef>
+                          <a:spcPts val="0"/>
+                        </a:spcBef>
+                        <a:spcAft>
+                          <a:spcPts val="0"/>
+                        </a:spcAft>
+                        <a:buClrTx/>
+                        <a:buSzTx/>
+                        <a:buFontTx/>
+                        <a:buNone/>
+                        <a:tabLst/>
+                        <a:defRPr/>
+                      </a:pPr>
+                      <a:r>
+                        <a:rPr lang="zh-CN" altLang="en-US" dirty="0" smtClean="0"/>
+                        <a:t>形成了一份初始的工作目标，并对目标做了一次基于价值的分解</a:t>
+                      </a:r>
+                    </a:p>
+                  </a:txBody>
+                  <a:tcPr/>
+                </a:tc>
+                <a:tc>
+                  <a:txBody>
+                    <a:bodyPr/>
+                    <a:lstStyle/>
+                    <a:p>
+                      <a:r>
+                        <a:rPr lang="en-US" altLang="zh-CN" dirty="0" smtClean="0">
+                          <a:sym typeface="Wingdings" panose="05000000000000000000" pitchFamily="2" charset="2"/>
+                        </a:rPr>
+                        <a:t></a:t>
+                      </a:r>
+                      <a:endParaRPr lang="zh-CN" altLang="en-US" dirty="0"/>
+                    </a:p>
+                  </a:txBody>
+                  <a:tcPr/>
+                </a:tc>
+                <a:tc>
+                  <a:txBody>
+                    <a:bodyPr/>
+                    <a:lstStyle/>
+                    <a:p>
+                      <a:r>
+                        <a:rPr lang="zh-CN" altLang="en-US" dirty="0" smtClean="0"/>
+                        <a:t>未与事业部相关工作做深度合作</a:t>
+                      </a:r>
+                      <a:endParaRPr lang="zh-CN" altLang="en-US" dirty="0"/>
+                    </a:p>
+                  </a:txBody>
+                  <a:tcPr/>
+                </a:tc>
+              </a:tr>
+              <a:tr h="0">
+                <a:tc>
+                  <a:txBody>
+                    <a:bodyPr/>
+                    <a:lstStyle/>
+                    <a:p>
+                      <a:pPr marL="0" marR="0" indent="0" algn="l" defTabSz="914400" rtl="0" eaLnBrk="1" fontAlgn="auto" latinLnBrk="0" hangingPunct="1">
+                        <a:lnSpc>
+                          <a:spcPct val="100000"/>
+                        </a:lnSpc>
+                        <a:spcBef>
+                          <a:spcPts val="0"/>
+                        </a:spcBef>
+                        <a:spcAft>
+                          <a:spcPts val="0"/>
+                        </a:spcAft>
+                        <a:buClrTx/>
+                        <a:buSzTx/>
+                        <a:buFontTx/>
+                        <a:buNone/>
+                        <a:tabLst/>
+                        <a:defRPr/>
+                      </a:pPr>
+                      <a:r>
+                        <a:rPr lang="zh-CN" altLang="en-US" dirty="0" smtClean="0"/>
+                        <a:t>通过识别领域与应用逻辑，谋求拆分软件系统进而影响研发分工的办法</a:t>
+                      </a:r>
+                    </a:p>
+                  </a:txBody>
+                  <a:tcPr/>
+                </a:tc>
+                <a:tc>
+                  <a:txBody>
+                    <a:bodyPr/>
+                    <a:lstStyle/>
+                    <a:p>
+                      <a:r>
+                        <a:rPr lang="en-US" altLang="zh-CN" dirty="0" smtClean="0">
+                          <a:sym typeface="Wingdings" panose="05000000000000000000" pitchFamily="2" charset="2"/>
+                        </a:rPr>
+                        <a:t></a:t>
+                      </a:r>
+                      <a:endParaRPr lang="zh-CN" altLang="en-US" dirty="0"/>
+                    </a:p>
+                  </a:txBody>
+                  <a:tcPr/>
+                </a:tc>
+                <a:tc>
+                  <a:txBody>
+                    <a:bodyPr/>
+                    <a:lstStyle/>
+                    <a:p>
+                      <a:r>
+                        <a:rPr lang="zh-CN" altLang="en-US" dirty="0" smtClean="0"/>
+                        <a:t>缺少实际业务差异情况的刺激</a:t>
+                      </a:r>
+                      <a:endParaRPr lang="zh-CN" altLang="en-US" dirty="0"/>
+                    </a:p>
+                  </a:txBody>
+                  <a:tcPr/>
+                </a:tc>
+              </a:tr>
+              <a:tr h="0">
+                <a:tc>
+                  <a:txBody>
+                    <a:bodyPr/>
+                    <a:lstStyle/>
+                    <a:p>
+                      <a:pPr marL="0" marR="0" indent="0" algn="l" defTabSz="914400" rtl="0" eaLnBrk="1" fontAlgn="auto" latinLnBrk="0" hangingPunct="1">
+                        <a:lnSpc>
+                          <a:spcPct val="100000"/>
+                        </a:lnSpc>
+                        <a:spcBef>
+                          <a:spcPts val="0"/>
+                        </a:spcBef>
+                        <a:spcAft>
+                          <a:spcPts val="0"/>
+                        </a:spcAft>
+                        <a:buClrTx/>
+                        <a:buSzTx/>
+                        <a:buFontTx/>
+                        <a:buNone/>
+                        <a:tabLst/>
+                        <a:defRPr/>
+                      </a:pPr>
+                      <a:r>
+                        <a:rPr lang="zh-CN" altLang="en-US" dirty="0" smtClean="0"/>
+                        <a:t>基于对业务的理解，设计了通过扩展核心概念（医嘱类型、医嘱执行条目、病历生成器等）的方式来编写主要业务逻辑的模式</a:t>
+                      </a:r>
+                    </a:p>
+                  </a:txBody>
+                  <a:tcPr/>
+                </a:tc>
+                <a:tc>
+                  <a:txBody>
+                    <a:bodyPr/>
+                    <a:lstStyle/>
+                    <a:p>
+                      <a:r>
+                        <a:rPr lang="en-US" altLang="zh-CN" dirty="0" smtClean="0">
+                          <a:sym typeface="Wingdings" panose="05000000000000000000" pitchFamily="2" charset="2"/>
+                        </a:rPr>
+                        <a:t></a:t>
+                      </a:r>
+                      <a:endParaRPr lang="zh-CN" altLang="en-US" dirty="0"/>
+                    </a:p>
+                  </a:txBody>
+                  <a:tcPr/>
+                </a:tc>
+                <a:tc>
+                  <a:txBody>
+                    <a:bodyPr/>
+                    <a:lstStyle/>
+                    <a:p>
+                      <a:endParaRPr lang="zh-CN" altLang="en-US" dirty="0"/>
+                    </a:p>
+                  </a:txBody>
+                  <a:tcPr/>
+                </a:tc>
+              </a:tr>
+              <a:tr h="0">
+                <a:tc>
+                  <a:txBody>
+                    <a:bodyPr/>
+                    <a:lstStyle/>
+                    <a:p>
+                      <a:pPr marL="0" marR="0" indent="0" algn="l" defTabSz="914400" rtl="0" eaLnBrk="1" fontAlgn="auto" latinLnBrk="0" hangingPunct="1">
+                        <a:lnSpc>
+                          <a:spcPct val="100000"/>
+                        </a:lnSpc>
+                        <a:spcBef>
+                          <a:spcPts val="0"/>
+                        </a:spcBef>
+                        <a:spcAft>
+                          <a:spcPts val="0"/>
+                        </a:spcAft>
+                        <a:buClrTx/>
+                        <a:buSzTx/>
+                        <a:buFontTx/>
+                        <a:buNone/>
+                        <a:tabLst/>
+                        <a:defRPr/>
+                      </a:pPr>
+                      <a:r>
+                        <a:rPr lang="zh-CN" altLang="en-US" dirty="0" smtClean="0"/>
+                        <a:t>通过代码模拟了一个患者从登记住院到出院结算，并将其病历归档到档案室的全过程，并可以实现重复模拟该过程</a:t>
+                      </a:r>
+                    </a:p>
+                  </a:txBody>
+                  <a:tcPr/>
+                </a:tc>
+                <a:tc>
+                  <a:txBody>
+                    <a:bodyPr/>
+                    <a:lstStyle/>
+                    <a:p>
+                      <a:r>
+                        <a:rPr lang="en-US" altLang="zh-CN" dirty="0" smtClean="0">
+                          <a:sym typeface="Wingdings" panose="05000000000000000000" pitchFamily="2" charset="2"/>
+                        </a:rPr>
+                        <a:t></a:t>
+                      </a:r>
+                      <a:endParaRPr lang="zh-CN" altLang="en-US" dirty="0"/>
+                    </a:p>
+                  </a:txBody>
+                  <a:tcPr/>
+                </a:tc>
+                <a:tc>
+                  <a:txBody>
+                    <a:bodyPr/>
+                    <a:lstStyle/>
+                    <a:p>
+                      <a:endParaRPr lang="zh-CN" altLang="en-US" dirty="0"/>
+                    </a:p>
+                  </a:txBody>
+                  <a:tcPr/>
+                </a:tc>
+              </a:tr>
+              <a:tr h="0">
+                <a:tc>
+                  <a:txBody>
+                    <a:bodyPr/>
+                    <a:lstStyle/>
+                    <a:p>
+                      <a:pPr marL="0" marR="0" indent="0" algn="l" defTabSz="914400" rtl="0" eaLnBrk="1" fontAlgn="auto" latinLnBrk="0" hangingPunct="1">
+                        <a:lnSpc>
+                          <a:spcPct val="100000"/>
+                        </a:lnSpc>
+                        <a:spcBef>
+                          <a:spcPts val="0"/>
+                        </a:spcBef>
+                        <a:spcAft>
+                          <a:spcPts val="0"/>
+                        </a:spcAft>
+                        <a:buClrTx/>
+                        <a:buSzTx/>
+                        <a:buFontTx/>
+                        <a:buNone/>
+                        <a:tabLst/>
+                        <a:defRPr/>
+                      </a:pPr>
+                      <a:endParaRPr lang="zh-CN" altLang="en-US" dirty="0" smtClean="0"/>
+                    </a:p>
+                  </a:txBody>
+                  <a:tcPr/>
+                </a:tc>
+                <a:tc>
+                  <a:txBody>
+                    <a:bodyPr/>
+                    <a:lstStyle/>
+                    <a:p>
+                      <a:endParaRPr lang="zh-CN" altLang="en-US" dirty="0"/>
+                    </a:p>
+                  </a:txBody>
+                  <a:tcPr/>
+                </a:tc>
+                <a:tc>
+                  <a:txBody>
+                    <a:bodyPr/>
+                    <a:lstStyle/>
+                    <a:p>
+                      <a:endParaRPr lang="zh-CN" altLang="en-US" dirty="0"/>
+                    </a:p>
+                  </a:txBody>
+                  <a:tcPr/>
+                </a:tc>
+              </a:tr>
+            </a:tbl>
           </a:graphicData>
         </a:graphic>
       </p:graphicFrame>
     </p:spTree>
     <p:extLst>
       <p:ext uri="{BB962C8B-B14F-4D97-AF65-F5344CB8AC3E}">
-        <p14:creationId xmlns:p14="http://schemas.microsoft.com/office/powerpoint/2010/main" val="2260602104"/>
+        <p14:creationId xmlns:p14="http://schemas.microsoft.com/office/powerpoint/2010/main" val="1029787524"/>
       </p:ext>
     </p:extLst>
   </p:cSld>
   <p:clrMapOvr>
     <a:masterClrMapping/>
   </p:clrMapOvr>
-  <p:timing>
-    <p:tnLst>
-      <p:par>
-        <p:cTn id="1" dur="indefinite" restart="never" nodeType="tmRoot"/>
-      </p:par>
-    </p:tnLst>
-  </p:timing>
 </p:sld>
 </file>
 

--- a/doc/状态报告 2017-2-27.pptx
+++ b/doc/状态报告 2017-2-27.pptx
@@ -1202,7 +1202,22 @@
             <a:fillRect t="-17000" b="-17000"/>
           </a:stretch>
         </a:blipFill>
+        <a:effectLst>
+          <a:glow rad="63500">
+            <a:schemeClr val="accent1">
+              <a:satMod val="175000"/>
+              <a:alpha val="40000"/>
+            </a:schemeClr>
+          </a:glow>
+        </a:effectLst>
       </dgm:spPr>
+      <dgm:t>
+        <a:bodyPr/>
+        <a:lstStyle/>
+        <a:p>
+          <a:endParaRPr lang="zh-CN" altLang="en-US"/>
+        </a:p>
+      </dgm:t>
     </dgm:pt>
     <dgm:pt modelId="{09A1361E-1CB1-4CC2-8517-7DD5619ACDD1}" type="pres">
       <dgm:prSet presAssocID="{961A5F9B-8FB2-4976-AEBB-029B089EE769}" presName="childNode" presStyleLbl="node1" presStyleIdx="0" presStyleCnt="3">
@@ -1263,7 +1278,22 @@
             <a:fillRect l="-6000" r="-6000"/>
           </a:stretch>
         </a:blipFill>
+        <a:effectLst>
+          <a:glow rad="63500">
+            <a:schemeClr val="accent1">
+              <a:satMod val="175000"/>
+              <a:alpha val="40000"/>
+            </a:schemeClr>
+          </a:glow>
+        </a:effectLst>
       </dgm:spPr>
+      <dgm:t>
+        <a:bodyPr/>
+        <a:lstStyle/>
+        <a:p>
+          <a:endParaRPr lang="zh-CN" altLang="en-US"/>
+        </a:p>
+      </dgm:t>
     </dgm:pt>
     <dgm:pt modelId="{74FB6CA8-B1C3-4066-812D-D23553B4FC7A}" type="pres">
       <dgm:prSet presAssocID="{9C1CA6BC-5705-4B1F-94C5-078AFED221E4}" presName="childNode" presStyleLbl="node1" presStyleIdx="1" presStyleCnt="3">
@@ -1324,6 +1354,14 @@
             <a:fillRect l="-22000" r="-22000"/>
           </a:stretch>
         </a:blipFill>
+        <a:effectLst>
+          <a:glow rad="63500">
+            <a:schemeClr val="accent1">
+              <a:satMod val="175000"/>
+              <a:alpha val="40000"/>
+            </a:schemeClr>
+          </a:glow>
+        </a:effectLst>
       </dgm:spPr>
       <dgm:t>
         <a:bodyPr/>
@@ -1585,7 +1623,14 @@
           <a:prstDash val="solid"/>
           <a:miter lim="800000"/>
         </a:ln>
-        <a:effectLst/>
+        <a:effectLst>
+          <a:glow rad="63500">
+            <a:schemeClr val="accent1">
+              <a:satMod val="175000"/>
+              <a:alpha val="40000"/>
+            </a:schemeClr>
+          </a:glow>
+        </a:effectLst>
       </dsp:spPr>
       <dsp:style>
         <a:lnRef idx="2">
@@ -1773,7 +1818,14 @@
           <a:prstDash val="solid"/>
           <a:miter lim="800000"/>
         </a:ln>
-        <a:effectLst/>
+        <a:effectLst>
+          <a:glow rad="63500">
+            <a:schemeClr val="accent1">
+              <a:satMod val="175000"/>
+              <a:alpha val="40000"/>
+            </a:schemeClr>
+          </a:glow>
+        </a:effectLst>
       </dsp:spPr>
       <dsp:style>
         <a:lnRef idx="2">
@@ -1969,7 +2021,14 @@
           <a:prstDash val="solid"/>
           <a:miter lim="800000"/>
         </a:ln>
-        <a:effectLst/>
+        <a:effectLst>
+          <a:glow rad="63500">
+            <a:schemeClr val="accent1">
+              <a:satMod val="175000"/>
+              <a:alpha val="40000"/>
+            </a:schemeClr>
+          </a:glow>
+        </a:effectLst>
       </dsp:spPr>
       <dsp:style>
         <a:lnRef idx="2">
@@ -8461,7 +8520,7 @@
           <p:nvPr>
             <p:extLst>
               <p:ext uri="{D42A27DB-BD31-4B8C-83A1-F6EECF244321}">
-                <p14:modId xmlns:p14="http://schemas.microsoft.com/office/powerpoint/2010/main" val="3145425574"/>
+                <p14:modId xmlns:p14="http://schemas.microsoft.com/office/powerpoint/2010/main" val="4150818481"/>
               </p:ext>
             </p:extLst>
           </p:nvPr>
@@ -8725,6 +8784,13 @@
   <p:clrMapOvr>
     <a:masterClrMapping/>
   </p:clrMapOvr>
+  <p:timing>
+    <p:tnLst>
+      <p:par>
+        <p:cTn id="1" dur="indefinite" restart="never" nodeType="tmRoot"/>
+      </p:par>
+    </p:tnLst>
+  </p:timing>
 </p:sld>
 </file>
 
@@ -8909,6 +8975,13 @@
   <p:clrMapOvr>
     <a:masterClrMapping/>
   </p:clrMapOvr>
+  <p:timing>
+    <p:tnLst>
+      <p:par>
+        <p:cTn id="1" dur="indefinite" restart="never" nodeType="tmRoot"/>
+      </p:par>
+    </p:tnLst>
+  </p:timing>
 </p:sld>
 </file>
 
@@ -11046,6 +11119,20 @@
 <file path=ppt/slides/slide8.xml><?xml version="1.0" encoding="utf-8"?>
 <p:sld xmlns:a="http://schemas.openxmlformats.org/drawingml/2006/main" xmlns:r="http://schemas.openxmlformats.org/officeDocument/2006/relationships" xmlns:p="http://schemas.openxmlformats.org/presentationml/2006/main" showMasterSp="0">
   <p:cSld>
+    <p:bg>
+      <p:bgPr>
+        <a:blipFill dpi="0" rotWithShape="1">
+          <a:blip r:embed="rId2">
+            <a:lum/>
+          </a:blip>
+          <a:srcRect/>
+          <a:stretch>
+            <a:fillRect t="-6000" b="-6000"/>
+          </a:stretch>
+        </a:blipFill>
+        <a:effectLst/>
+      </p:bgPr>
+    </p:bg>
     <p:spTree>
       <p:nvGrpSpPr>
         <p:cNvPr id="1" name=""/>
@@ -11083,144 +11170,300 @@
           <a:lstStyle/>
           <a:p>
             <a:r>
-              <a:rPr lang="zh-CN" altLang="en-US" dirty="0" smtClean="0"/>
+              <a:rPr lang="zh-CN" altLang="en-US" dirty="0" smtClean="0">
+                <a:solidFill>
+                  <a:schemeClr val="bg1"/>
+                </a:solidFill>
+              </a:rPr>
               <a:t>感谢：</a:t>
             </a:r>
-            <a:endParaRPr lang="en-US" altLang="zh-CN" dirty="0" smtClean="0"/>
-          </a:p>
-          <a:p>
-            <a:r>
-              <a:rPr lang="zh-CN" altLang="en-US" dirty="0" smtClean="0"/>
+            <a:endParaRPr lang="en-US" altLang="zh-CN" dirty="0" smtClean="0">
+              <a:solidFill>
+                <a:schemeClr val="bg1"/>
+              </a:solidFill>
+            </a:endParaRPr>
+          </a:p>
+          <a:p>
+            <a:r>
+              <a:rPr lang="zh-CN" altLang="en-US" dirty="0" smtClean="0">
+                <a:solidFill>
+                  <a:schemeClr val="bg1"/>
+                </a:solidFill>
+              </a:rPr>
               <a:t>彭金鑫（医嘱、收费、现场实施知识咨询）</a:t>
             </a:r>
-            <a:endParaRPr lang="en-US" altLang="zh-CN" dirty="0" smtClean="0"/>
-          </a:p>
-          <a:p>
-            <a:r>
-              <a:rPr lang="zh-CN" altLang="en-US" dirty="0" smtClean="0"/>
+            <a:endParaRPr lang="en-US" altLang="zh-CN" dirty="0" smtClean="0">
+              <a:solidFill>
+                <a:schemeClr val="bg1"/>
+              </a:solidFill>
+            </a:endParaRPr>
+          </a:p>
+          <a:p>
+            <a:r>
+              <a:rPr lang="zh-CN" altLang="en-US" dirty="0" smtClean="0">
+                <a:solidFill>
+                  <a:schemeClr val="bg1"/>
+                </a:solidFill>
+              </a:rPr>
               <a:t>文礼（帮助理清思路）</a:t>
             </a:r>
-            <a:endParaRPr lang="en-US" altLang="zh-CN" dirty="0" smtClean="0"/>
-          </a:p>
-          <a:p>
-            <a:r>
-              <a:rPr lang="zh-CN" altLang="en-US" dirty="0" smtClean="0"/>
+            <a:endParaRPr lang="en-US" altLang="zh-CN" dirty="0" smtClean="0">
+              <a:solidFill>
+                <a:schemeClr val="bg1"/>
+              </a:solidFill>
+            </a:endParaRPr>
+          </a:p>
+          <a:p>
+            <a:r>
+              <a:rPr lang="zh-CN" altLang="en-US" dirty="0" smtClean="0">
+                <a:solidFill>
+                  <a:schemeClr val="bg1"/>
+                </a:solidFill>
+              </a:rPr>
               <a:t>陈东（医嘱、软件设计思路）</a:t>
             </a:r>
-            <a:endParaRPr lang="en-US" altLang="zh-CN" dirty="0" smtClean="0"/>
-          </a:p>
-          <a:p>
-            <a:r>
-              <a:rPr lang="zh-CN" altLang="en-US" dirty="0" smtClean="0"/>
+            <a:endParaRPr lang="en-US" altLang="zh-CN" dirty="0" smtClean="0">
+              <a:solidFill>
+                <a:schemeClr val="bg1"/>
+              </a:solidFill>
+            </a:endParaRPr>
+          </a:p>
+          <a:p>
+            <a:r>
+              <a:rPr lang="zh-CN" altLang="en-US" dirty="0" smtClean="0">
+                <a:solidFill>
+                  <a:schemeClr val="bg1"/>
+                </a:solidFill>
+              </a:rPr>
               <a:t>陈佩（医嘱重要性、角色职责、业务知识）</a:t>
             </a:r>
-            <a:endParaRPr lang="en-US" altLang="zh-CN" dirty="0" smtClean="0"/>
-          </a:p>
-          <a:p>
-            <a:r>
-              <a:rPr lang="zh-CN" altLang="en-US" dirty="0" smtClean="0"/>
+            <a:endParaRPr lang="en-US" altLang="zh-CN" dirty="0" smtClean="0">
+              <a:solidFill>
+                <a:schemeClr val="bg1"/>
+              </a:solidFill>
+            </a:endParaRPr>
+          </a:p>
+          <a:p>
+            <a:r>
+              <a:rPr lang="zh-CN" altLang="en-US" dirty="0" smtClean="0">
+                <a:solidFill>
+                  <a:schemeClr val="bg1"/>
+                </a:solidFill>
+              </a:rPr>
               <a:t>雷永建（病历、设计思路交流、业务知识）</a:t>
             </a:r>
-            <a:endParaRPr lang="en-US" altLang="zh-CN" dirty="0" smtClean="0"/>
-          </a:p>
-          <a:p>
-            <a:r>
-              <a:rPr lang="zh-CN" altLang="en-US" dirty="0" smtClean="0"/>
+            <a:endParaRPr lang="en-US" altLang="zh-CN" dirty="0" smtClean="0">
+              <a:solidFill>
+                <a:schemeClr val="bg1"/>
+              </a:solidFill>
+            </a:endParaRPr>
+          </a:p>
+          <a:p>
+            <a:r>
+              <a:rPr lang="zh-CN" altLang="en-US" dirty="0" smtClean="0">
+                <a:solidFill>
+                  <a:schemeClr val="bg1"/>
+                </a:solidFill>
+              </a:rPr>
               <a:t>郑勋（病历、医嘱</a:t>
             </a:r>
             <a:r>
-              <a:rPr lang="zh-CN" altLang="en-US" dirty="0"/>
+              <a:rPr lang="zh-CN" altLang="en-US" dirty="0">
+                <a:solidFill>
+                  <a:schemeClr val="bg1"/>
+                </a:solidFill>
+              </a:rPr>
               <a:t>、设计思路交流</a:t>
             </a:r>
             <a:r>
-              <a:rPr lang="zh-CN" altLang="en-US" dirty="0" smtClean="0"/>
+              <a:rPr lang="zh-CN" altLang="en-US" dirty="0" smtClean="0">
+                <a:solidFill>
+                  <a:schemeClr val="bg1"/>
+                </a:solidFill>
+              </a:rPr>
               <a:t>、业务知识）</a:t>
             </a:r>
-            <a:endParaRPr lang="en-US" altLang="zh-CN" dirty="0" smtClean="0"/>
-          </a:p>
-          <a:p>
-            <a:r>
-              <a:rPr lang="zh-CN" altLang="en-US" dirty="0"/>
+            <a:endParaRPr lang="en-US" altLang="zh-CN" dirty="0" smtClean="0">
+              <a:solidFill>
+                <a:schemeClr val="bg1"/>
+              </a:solidFill>
+            </a:endParaRPr>
+          </a:p>
+          <a:p>
+            <a:r>
+              <a:rPr lang="zh-CN" altLang="en-US" dirty="0">
+                <a:solidFill>
+                  <a:schemeClr val="bg1"/>
+                </a:solidFill>
+              </a:rPr>
               <a:t>张天</a:t>
             </a:r>
             <a:r>
-              <a:rPr lang="zh-CN" altLang="en-US" dirty="0" smtClean="0"/>
+              <a:rPr lang="zh-CN" altLang="en-US" dirty="0" smtClean="0">
+                <a:solidFill>
+                  <a:schemeClr val="bg1"/>
+                </a:solidFill>
+              </a:rPr>
               <a:t>琪、曹洪梅（业务知识）</a:t>
             </a:r>
-            <a:endParaRPr lang="en-US" altLang="zh-CN" dirty="0" smtClean="0"/>
-          </a:p>
-          <a:p>
-            <a:r>
-              <a:rPr lang="zh-CN" altLang="en-US" dirty="0" smtClean="0"/>
+            <a:endParaRPr lang="en-US" altLang="zh-CN" dirty="0" smtClean="0">
+              <a:solidFill>
+                <a:schemeClr val="bg1"/>
+              </a:solidFill>
+            </a:endParaRPr>
+          </a:p>
+          <a:p>
+            <a:r>
+              <a:rPr lang="zh-CN" altLang="en-US" dirty="0" smtClean="0">
+                <a:solidFill>
+                  <a:schemeClr val="bg1"/>
+                </a:solidFill>
+              </a:rPr>
               <a:t>杨威（医嘱分解、软件设计）</a:t>
             </a:r>
-            <a:endParaRPr lang="en-US" altLang="zh-CN" dirty="0" smtClean="0"/>
-          </a:p>
-          <a:p>
-            <a:r>
-              <a:rPr lang="zh-CN" altLang="en-US" dirty="0" smtClean="0"/>
+            <a:endParaRPr lang="en-US" altLang="zh-CN" dirty="0" smtClean="0">
+              <a:solidFill>
+                <a:schemeClr val="bg1"/>
+              </a:solidFill>
+            </a:endParaRPr>
+          </a:p>
+          <a:p>
+            <a:r>
+              <a:rPr lang="zh-CN" altLang="en-US" dirty="0" smtClean="0">
+                <a:solidFill>
+                  <a:schemeClr val="bg1"/>
+                </a:solidFill>
+              </a:rPr>
               <a:t>孙清华（医嘱、</a:t>
             </a:r>
             <a:r>
-              <a:rPr lang="zh-CN" altLang="en-US" dirty="0"/>
+              <a:rPr lang="zh-CN" altLang="en-US" dirty="0">
+                <a:solidFill>
+                  <a:schemeClr val="bg1"/>
+                </a:solidFill>
+              </a:rPr>
               <a:t>设计思路交流、业务知识</a:t>
             </a:r>
             <a:r>
-              <a:rPr lang="zh-CN" altLang="en-US" dirty="0" smtClean="0"/>
+              <a:rPr lang="zh-CN" altLang="en-US" dirty="0" smtClean="0">
+                <a:solidFill>
+                  <a:schemeClr val="bg1"/>
+                </a:solidFill>
+              </a:rPr>
               <a:t>）</a:t>
             </a:r>
-            <a:endParaRPr lang="en-US" altLang="zh-CN" dirty="0" smtClean="0"/>
-          </a:p>
-          <a:p>
-            <a:r>
-              <a:rPr lang="zh-CN" altLang="en-US" dirty="0"/>
+            <a:endParaRPr lang="en-US" altLang="zh-CN" dirty="0" smtClean="0">
+              <a:solidFill>
+                <a:schemeClr val="bg1"/>
+              </a:solidFill>
+            </a:endParaRPr>
+          </a:p>
+          <a:p>
+            <a:r>
+              <a:rPr lang="zh-CN" altLang="en-US" dirty="0">
+                <a:solidFill>
+                  <a:schemeClr val="bg1"/>
+                </a:solidFill>
+              </a:rPr>
               <a:t>刘璇、杨舒雯（</a:t>
             </a:r>
             <a:r>
-              <a:rPr lang="zh-CN" altLang="en-US" dirty="0" smtClean="0"/>
+              <a:rPr lang="zh-CN" altLang="en-US" dirty="0" smtClean="0">
+                <a:solidFill>
+                  <a:schemeClr val="bg1"/>
+                </a:solidFill>
+              </a:rPr>
               <a:t>院间业务咨询）</a:t>
             </a:r>
-            <a:endParaRPr lang="en-US" altLang="zh-CN" dirty="0" smtClean="0"/>
-          </a:p>
-          <a:p>
-            <a:r>
-              <a:rPr lang="zh-CN" altLang="en-US" dirty="0" smtClean="0"/>
+            <a:endParaRPr lang="en-US" altLang="zh-CN" dirty="0" smtClean="0">
+              <a:solidFill>
+                <a:schemeClr val="bg1"/>
+              </a:solidFill>
+            </a:endParaRPr>
+          </a:p>
+          <a:p>
+            <a:r>
+              <a:rPr lang="zh-CN" altLang="en-US" dirty="0" smtClean="0">
+                <a:solidFill>
+                  <a:schemeClr val="bg1"/>
+                </a:solidFill>
+              </a:rPr>
               <a:t>武跃（方法过程交流）</a:t>
             </a:r>
-            <a:endParaRPr lang="en-US" altLang="zh-CN" dirty="0" smtClean="0"/>
-          </a:p>
-          <a:p>
-            <a:r>
-              <a:rPr lang="zh-CN" altLang="en-US" dirty="0"/>
+            <a:endParaRPr lang="en-US" altLang="zh-CN" dirty="0" smtClean="0">
+              <a:solidFill>
+                <a:schemeClr val="bg1"/>
+              </a:solidFill>
+            </a:endParaRPr>
+          </a:p>
+          <a:p>
+            <a:r>
+              <a:rPr lang="zh-CN" altLang="en-US" dirty="0">
+                <a:solidFill>
+                  <a:schemeClr val="bg1"/>
+                </a:solidFill>
+              </a:rPr>
               <a:t>王</a:t>
             </a:r>
             <a:r>
-              <a:rPr lang="zh-CN" altLang="en-US" dirty="0" smtClean="0"/>
+              <a:rPr lang="zh-CN" altLang="en-US" dirty="0" smtClean="0">
+                <a:solidFill>
+                  <a:schemeClr val="bg1"/>
+                </a:solidFill>
+              </a:rPr>
               <a:t>英辉（医嘱概念、角色职责）</a:t>
             </a:r>
-            <a:endParaRPr lang="en-US" altLang="zh-CN" dirty="0" smtClean="0"/>
-          </a:p>
-          <a:p>
-            <a:r>
-              <a:rPr lang="zh-CN" altLang="en-US" dirty="0" smtClean="0"/>
+            <a:endParaRPr lang="en-US" altLang="zh-CN" dirty="0" smtClean="0">
+              <a:solidFill>
+                <a:schemeClr val="bg1"/>
+              </a:solidFill>
+            </a:endParaRPr>
+          </a:p>
+          <a:p>
+            <a:r>
+              <a:rPr lang="zh-CN" altLang="en-US" dirty="0" smtClean="0">
+                <a:solidFill>
+                  <a:schemeClr val="bg1"/>
+                </a:solidFill>
+              </a:rPr>
               <a:t>冯涛（</a:t>
             </a:r>
             <a:r>
-              <a:rPr lang="zh-CN" altLang="en-US" dirty="0"/>
+              <a:rPr lang="zh-CN" altLang="en-US" dirty="0">
+                <a:solidFill>
+                  <a:schemeClr val="bg1"/>
+                </a:solidFill>
+              </a:rPr>
               <a:t>帮助理清</a:t>
             </a:r>
             <a:r>
-              <a:rPr lang="zh-CN" altLang="en-US" dirty="0" smtClean="0"/>
+              <a:rPr lang="zh-CN" altLang="en-US" dirty="0" smtClean="0">
+                <a:solidFill>
+                  <a:schemeClr val="bg1"/>
+                </a:solidFill>
+              </a:rPr>
               <a:t>思路、工作空间）</a:t>
             </a:r>
-            <a:endParaRPr lang="en-US" altLang="zh-CN" dirty="0" smtClean="0"/>
-          </a:p>
-          <a:p>
-            <a:r>
-              <a:rPr lang="zh-CN" altLang="en-US" dirty="0" smtClean="0"/>
+            <a:endParaRPr lang="en-US" altLang="zh-CN" dirty="0" smtClean="0">
+              <a:solidFill>
+                <a:schemeClr val="bg1"/>
+              </a:solidFill>
+            </a:endParaRPr>
+          </a:p>
+          <a:p>
+            <a:r>
+              <a:rPr lang="zh-CN" altLang="en-US" dirty="0" smtClean="0">
+                <a:solidFill>
+                  <a:schemeClr val="bg1"/>
+                </a:solidFill>
+              </a:rPr>
               <a:t>张陈（收费、子系统协作、工作空间）</a:t>
             </a:r>
-            <a:endParaRPr lang="zh-CN" altLang="en-US" dirty="0"/>
+            <a:endParaRPr lang="zh-CN" altLang="en-US" dirty="0">
+              <a:solidFill>
+                <a:schemeClr val="bg1"/>
+              </a:solidFill>
+            </a:endParaRPr>
           </a:p>
         </p:txBody>
       </p:sp>
@@ -11719,6 +11962,13 @@
   <p:clrMapOvr>
     <a:masterClrMapping/>
   </p:clrMapOvr>
+  <p:timing>
+    <p:tnLst>
+      <p:par>
+        <p:cTn id="1" dur="indefinite" restart="never" nodeType="tmRoot"/>
+      </p:par>
+    </p:tnLst>
+  </p:timing>
 </p:sld>
 </file>
 
